--- a/Project Presentation.pptx
+++ b/Project Presentation.pptx
@@ -5,7 +5,7 @@
     <p:sldMasterId id="2147483648" r:id="rId1"/>
   </p:sldMasterIdLst>
   <p:notesMasterIdLst>
-    <p:notesMasterId r:id="rId22"/>
+    <p:notesMasterId r:id="rId23"/>
   </p:notesMasterIdLst>
   <p:sldIdLst>
     <p:sldId id="256" r:id="rId2"/>
@@ -14,20 +14,21 @@
     <p:sldId id="259" r:id="rId5"/>
     <p:sldId id="260" r:id="rId6"/>
     <p:sldId id="261" r:id="rId7"/>
-    <p:sldId id="263" r:id="rId8"/>
-    <p:sldId id="264" r:id="rId9"/>
-    <p:sldId id="265" r:id="rId10"/>
-    <p:sldId id="267" r:id="rId11"/>
-    <p:sldId id="266" r:id="rId12"/>
-    <p:sldId id="268" r:id="rId13"/>
-    <p:sldId id="274" r:id="rId14"/>
-    <p:sldId id="275" r:id="rId15"/>
-    <p:sldId id="262" r:id="rId16"/>
-    <p:sldId id="269" r:id="rId17"/>
-    <p:sldId id="270" r:id="rId18"/>
-    <p:sldId id="271" r:id="rId19"/>
-    <p:sldId id="272" r:id="rId20"/>
-    <p:sldId id="273" r:id="rId21"/>
+    <p:sldId id="276" r:id="rId8"/>
+    <p:sldId id="263" r:id="rId9"/>
+    <p:sldId id="264" r:id="rId10"/>
+    <p:sldId id="265" r:id="rId11"/>
+    <p:sldId id="267" r:id="rId12"/>
+    <p:sldId id="266" r:id="rId13"/>
+    <p:sldId id="268" r:id="rId14"/>
+    <p:sldId id="274" r:id="rId15"/>
+    <p:sldId id="275" r:id="rId16"/>
+    <p:sldId id="262" r:id="rId17"/>
+    <p:sldId id="269" r:id="rId18"/>
+    <p:sldId id="270" r:id="rId19"/>
+    <p:sldId id="271" r:id="rId20"/>
+    <p:sldId id="272" r:id="rId21"/>
+    <p:sldId id="273" r:id="rId22"/>
   </p:sldIdLst>
   <p:sldSz cx="12192000" cy="6858000"/>
   <p:notesSz cx="6858000" cy="9144000"/>
@@ -126,6 +127,11 @@
       </a:defRPr>
     </a:lvl9pPr>
   </p:defaultTextStyle>
+  <p:extLst>
+    <p:ext uri="{EFAFB233-063F-42B5-8137-9DF3F51BA10A}">
+      <p15:sldGuideLst xmlns:p15="http://schemas.microsoft.com/office/powerpoint/2012/main"/>
+    </p:ext>
+  </p:extLst>
 </p:presentation>
 </file>
 
@@ -211,7 +217,7 @@
           <a:p>
             <a:fld id="{0DA68422-E51C-4F85-876D-B4485F7BD6ED}" type="datetimeFigureOut">
               <a:rPr lang="en-US" smtClean="0"/>
-              <a:t>3/11/2019</a:t>
+              <a:t>3/12/2019</a:t>
             </a:fld>
             <a:endParaRPr lang="en-US"/>
           </a:p>
@@ -642,7 +648,7 @@
           <a:p>
             <a:fld id="{77C70274-0375-4BC9-BC63-4173DCE5C12C}" type="slidenum">
               <a:rPr lang="en-US" smtClean="0"/>
-              <a:t>9</a:t>
+              <a:t>10</a:t>
             </a:fld>
             <a:endParaRPr lang="en-US"/>
           </a:p>
@@ -808,7 +814,7 @@
           <a:p>
             <a:fld id="{EAB5452C-E438-49C6-9E24-BD1801161A96}" type="datetimeFigureOut">
               <a:rPr lang="en-US" smtClean="0"/>
-              <a:t>3/11/2019</a:t>
+              <a:t>3/12/2019</a:t>
             </a:fld>
             <a:endParaRPr lang="en-US"/>
           </a:p>
@@ -1006,7 +1012,7 @@
           <a:p>
             <a:fld id="{EAB5452C-E438-49C6-9E24-BD1801161A96}" type="datetimeFigureOut">
               <a:rPr lang="en-US" smtClean="0"/>
-              <a:t>3/11/2019</a:t>
+              <a:t>3/12/2019</a:t>
             </a:fld>
             <a:endParaRPr lang="en-US"/>
           </a:p>
@@ -1214,7 +1220,7 @@
           <a:p>
             <a:fld id="{EAB5452C-E438-49C6-9E24-BD1801161A96}" type="datetimeFigureOut">
               <a:rPr lang="en-US" smtClean="0"/>
-              <a:t>3/11/2019</a:t>
+              <a:t>3/12/2019</a:t>
             </a:fld>
             <a:endParaRPr lang="en-US"/>
           </a:p>
@@ -1412,7 +1418,7 @@
           <a:p>
             <a:fld id="{EAB5452C-E438-49C6-9E24-BD1801161A96}" type="datetimeFigureOut">
               <a:rPr lang="en-US" smtClean="0"/>
-              <a:t>3/11/2019</a:t>
+              <a:t>3/12/2019</a:t>
             </a:fld>
             <a:endParaRPr lang="en-US"/>
           </a:p>
@@ -1687,7 +1693,7 @@
           <a:p>
             <a:fld id="{EAB5452C-E438-49C6-9E24-BD1801161A96}" type="datetimeFigureOut">
               <a:rPr lang="en-US" smtClean="0"/>
-              <a:t>3/11/2019</a:t>
+              <a:t>3/12/2019</a:t>
             </a:fld>
             <a:endParaRPr lang="en-US"/>
           </a:p>
@@ -1952,7 +1958,7 @@
           <a:p>
             <a:fld id="{EAB5452C-E438-49C6-9E24-BD1801161A96}" type="datetimeFigureOut">
               <a:rPr lang="en-US" smtClean="0"/>
-              <a:t>3/11/2019</a:t>
+              <a:t>3/12/2019</a:t>
             </a:fld>
             <a:endParaRPr lang="en-US"/>
           </a:p>
@@ -2364,7 +2370,7 @@
           <a:p>
             <a:fld id="{EAB5452C-E438-49C6-9E24-BD1801161A96}" type="datetimeFigureOut">
               <a:rPr lang="en-US" smtClean="0"/>
-              <a:t>3/11/2019</a:t>
+              <a:t>3/12/2019</a:t>
             </a:fld>
             <a:endParaRPr lang="en-US"/>
           </a:p>
@@ -2505,7 +2511,7 @@
           <a:p>
             <a:fld id="{EAB5452C-E438-49C6-9E24-BD1801161A96}" type="datetimeFigureOut">
               <a:rPr lang="en-US" smtClean="0"/>
-              <a:t>3/11/2019</a:t>
+              <a:t>3/12/2019</a:t>
             </a:fld>
             <a:endParaRPr lang="en-US"/>
           </a:p>
@@ -2618,7 +2624,7 @@
           <a:p>
             <a:fld id="{EAB5452C-E438-49C6-9E24-BD1801161A96}" type="datetimeFigureOut">
               <a:rPr lang="en-US" smtClean="0"/>
-              <a:t>3/11/2019</a:t>
+              <a:t>3/12/2019</a:t>
             </a:fld>
             <a:endParaRPr lang="en-US"/>
           </a:p>
@@ -2929,7 +2935,7 @@
           <a:p>
             <a:fld id="{EAB5452C-E438-49C6-9E24-BD1801161A96}" type="datetimeFigureOut">
               <a:rPr lang="en-US" smtClean="0"/>
-              <a:t>3/11/2019</a:t>
+              <a:t>3/12/2019</a:t>
             </a:fld>
             <a:endParaRPr lang="en-US"/>
           </a:p>
@@ -3217,7 +3223,7 @@
           <a:p>
             <a:fld id="{EAB5452C-E438-49C6-9E24-BD1801161A96}" type="datetimeFigureOut">
               <a:rPr lang="en-US" smtClean="0"/>
-              <a:t>3/11/2019</a:t>
+              <a:t>3/12/2019</a:t>
             </a:fld>
             <a:endParaRPr lang="en-US"/>
           </a:p>
@@ -3458,7 +3464,7 @@
           <a:p>
             <a:fld id="{EAB5452C-E438-49C6-9E24-BD1801161A96}" type="datetimeFigureOut">
               <a:rPr lang="en-US" smtClean="0"/>
-              <a:t>3/11/2019</a:t>
+              <a:t>3/12/2019</a:t>
             </a:fld>
             <a:endParaRPr lang="en-US"/>
           </a:p>
@@ -4198,6 +4204,66 @@
           <p:cNvPr id="4" name="Picture 3">
             <a:extLst>
               <a:ext uri="{FF2B5EF4-FFF2-40B4-BE49-F238E27FC236}">
+                <a16:creationId xmlns:a16="http://schemas.microsoft.com/office/drawing/2014/main" id="{3363BFAD-8594-4DCD-BC2E-B1677D7DA0BE}"/>
+              </a:ext>
+            </a:extLst>
+          </p:cNvPr>
+          <p:cNvPicPr>
+            <a:picLocks noChangeAspect="1"/>
+          </p:cNvPicPr>
+          <p:nvPr/>
+        </p:nvPicPr>
+        <p:blipFill>
+          <a:blip r:embed="rId3"/>
+          <a:stretch>
+            <a:fillRect/>
+          </a:stretch>
+        </p:blipFill>
+        <p:spPr>
+          <a:xfrm>
+            <a:off x="1484288" y="140828"/>
+            <a:ext cx="9223424" cy="6576343"/>
+          </a:xfrm>
+          <a:prstGeom prst="rect">
+            <a:avLst/>
+          </a:prstGeom>
+        </p:spPr>
+      </p:pic>
+    </p:spTree>
+    <p:extLst>
+      <p:ext uri="{BB962C8B-B14F-4D97-AF65-F5344CB8AC3E}">
+        <p14:creationId xmlns:p14="http://schemas.microsoft.com/office/powerpoint/2010/main" val="3097196736"/>
+      </p:ext>
+    </p:extLst>
+  </p:cSld>
+  <p:clrMapOvr>
+    <a:masterClrMapping/>
+  </p:clrMapOvr>
+</p:sld>
+</file>
+
+<file path=ppt/slides/slide11.xml><?xml version="1.0" encoding="utf-8"?>
+<p:sld xmlns:a="http://schemas.openxmlformats.org/drawingml/2006/main" xmlns:r="http://schemas.openxmlformats.org/officeDocument/2006/relationships" xmlns:p="http://schemas.openxmlformats.org/presentationml/2006/main">
+  <p:cSld>
+    <p:spTree>
+      <p:nvGrpSpPr>
+        <p:cNvPr id="1" name=""/>
+        <p:cNvGrpSpPr/>
+        <p:nvPr/>
+      </p:nvGrpSpPr>
+      <p:grpSpPr>
+        <a:xfrm>
+          <a:off x="0" y="0"/>
+          <a:ext cx="0" cy="0"/>
+          <a:chOff x="0" y="0"/>
+          <a:chExt cx="0" cy="0"/>
+        </a:xfrm>
+      </p:grpSpPr>
+      <p:pic>
+        <p:nvPicPr>
+          <p:cNvPr id="4" name="Picture 3">
+            <a:extLst>
+              <a:ext uri="{FF2B5EF4-FFF2-40B4-BE49-F238E27FC236}">
                 <a16:creationId xmlns:a16="http://schemas.microsoft.com/office/drawing/2014/main" id="{C2BB8586-473A-432B-B813-70C3CE94C34E}"/>
               </a:ext>
             </a:extLst>
@@ -4272,7 +4338,7 @@
 </p:sld>
 </file>
 
-<file path=ppt/slides/slide11.xml><?xml version="1.0" encoding="utf-8"?>
+<file path=ppt/slides/slide12.xml><?xml version="1.0" encoding="utf-8"?>
 <p:sld xmlns:a="http://schemas.openxmlformats.org/drawingml/2006/main" xmlns:r="http://schemas.openxmlformats.org/officeDocument/2006/relationships" xmlns:p="http://schemas.openxmlformats.org/presentationml/2006/main">
   <p:cSld>
     <p:spTree>
@@ -4332,7 +4398,7 @@
 </p:sld>
 </file>
 
-<file path=ppt/slides/slide12.xml><?xml version="1.0" encoding="utf-8"?>
+<file path=ppt/slides/slide13.xml><?xml version="1.0" encoding="utf-8"?>
 <p:sld xmlns:a="http://schemas.openxmlformats.org/drawingml/2006/main" xmlns:r="http://schemas.openxmlformats.org/officeDocument/2006/relationships" xmlns:p="http://schemas.openxmlformats.org/presentationml/2006/main">
   <p:cSld>
     <p:spTree>
@@ -4462,86 +4528,6 @@
 </p:sld>
 </file>
 
-<file path=ppt/slides/slide13.xml><?xml version="1.0" encoding="utf-8"?>
-<p:sld xmlns:a="http://schemas.openxmlformats.org/drawingml/2006/main" xmlns:r="http://schemas.openxmlformats.org/officeDocument/2006/relationships" xmlns:p="http://schemas.openxmlformats.org/presentationml/2006/main">
-  <p:cSld>
-    <p:spTree>
-      <p:nvGrpSpPr>
-        <p:cNvPr id="1" name=""/>
-        <p:cNvGrpSpPr/>
-        <p:nvPr/>
-      </p:nvGrpSpPr>
-      <p:grpSpPr>
-        <a:xfrm>
-          <a:off x="0" y="0"/>
-          <a:ext cx="0" cy="0"/>
-          <a:chOff x="0" y="0"/>
-          <a:chExt cx="0" cy="0"/>
-        </a:xfrm>
-      </p:grpSpPr>
-      <p:sp>
-        <p:nvSpPr>
-          <p:cNvPr id="2" name="Title 1">
-            <a:extLst>
-              <a:ext uri="{FF2B5EF4-FFF2-40B4-BE49-F238E27FC236}">
-                <a16:creationId xmlns:a16="http://schemas.microsoft.com/office/drawing/2014/main" id="{BC2B55BE-5D80-40DB-9A24-7FEDBF9642C8}"/>
-              </a:ext>
-            </a:extLst>
-          </p:cNvPr>
-          <p:cNvSpPr>
-            <a:spLocks noGrp="1"/>
-          </p:cNvSpPr>
-          <p:nvPr>
-            <p:ph type="title"/>
-          </p:nvPr>
-        </p:nvSpPr>
-        <p:spPr/>
-        <p:txBody>
-          <a:bodyPr/>
-          <a:lstStyle/>
-          <a:p>
-            <a:endParaRPr lang="en-US"/>
-          </a:p>
-        </p:txBody>
-      </p:sp>
-      <p:sp>
-        <p:nvSpPr>
-          <p:cNvPr id="3" name="Content Placeholder 2">
-            <a:extLst>
-              <a:ext uri="{FF2B5EF4-FFF2-40B4-BE49-F238E27FC236}">
-                <a16:creationId xmlns:a16="http://schemas.microsoft.com/office/drawing/2014/main" id="{FF29E8EA-4B9D-4DF4-BCD4-2C8CFBED35A2}"/>
-              </a:ext>
-            </a:extLst>
-          </p:cNvPr>
-          <p:cNvSpPr>
-            <a:spLocks noGrp="1"/>
-          </p:cNvSpPr>
-          <p:nvPr>
-            <p:ph idx="1"/>
-          </p:nvPr>
-        </p:nvSpPr>
-        <p:spPr/>
-        <p:txBody>
-          <a:bodyPr/>
-          <a:lstStyle/>
-          <a:p>
-            <a:endParaRPr lang="en-US"/>
-          </a:p>
-        </p:txBody>
-      </p:sp>
-    </p:spTree>
-    <p:extLst>
-      <p:ext uri="{BB962C8B-B14F-4D97-AF65-F5344CB8AC3E}">
-        <p14:creationId xmlns:p14="http://schemas.microsoft.com/office/powerpoint/2010/main" val="2034113325"/>
-      </p:ext>
-    </p:extLst>
-  </p:cSld>
-  <p:clrMapOvr>
-    <a:masterClrMapping/>
-  </p:clrMapOvr>
-</p:sld>
-</file>
-
 <file path=ppt/slides/slide14.xml><?xml version="1.0" encoding="utf-8"?>
 <p:sld xmlns:a="http://schemas.openxmlformats.org/drawingml/2006/main" xmlns:r="http://schemas.openxmlformats.org/officeDocument/2006/relationships" xmlns:p="http://schemas.openxmlformats.org/presentationml/2006/main">
   <p:cSld>
@@ -4564,7 +4550,7 @@
           <p:cNvPr id="2" name="Title 1">
             <a:extLst>
               <a:ext uri="{FF2B5EF4-FFF2-40B4-BE49-F238E27FC236}">
-                <a16:creationId xmlns:a16="http://schemas.microsoft.com/office/drawing/2014/main" id="{2A7E08FB-3069-415B-BE83-8304B610038B}"/>
+                <a16:creationId xmlns:a16="http://schemas.microsoft.com/office/drawing/2014/main" id="{BC2B55BE-5D80-40DB-9A24-7FEDBF9642C8}"/>
               </a:ext>
             </a:extLst>
           </p:cNvPr>
@@ -4589,7 +4575,7 @@
           <p:cNvPr id="3" name="Content Placeholder 2">
             <a:extLst>
               <a:ext uri="{FF2B5EF4-FFF2-40B4-BE49-F238E27FC236}">
-                <a16:creationId xmlns:a16="http://schemas.microsoft.com/office/drawing/2014/main" id="{463B79CD-172F-4555-9EF1-D5288066546F}"/>
+                <a16:creationId xmlns:a16="http://schemas.microsoft.com/office/drawing/2014/main" id="{FF29E8EA-4B9D-4DF4-BCD4-2C8CFBED35A2}"/>
               </a:ext>
             </a:extLst>
           </p:cNvPr>
@@ -4612,7 +4598,7 @@
     </p:spTree>
     <p:extLst>
       <p:ext uri="{BB962C8B-B14F-4D97-AF65-F5344CB8AC3E}">
-        <p14:creationId xmlns:p14="http://schemas.microsoft.com/office/powerpoint/2010/main" val="2537139263"/>
+        <p14:creationId xmlns:p14="http://schemas.microsoft.com/office/powerpoint/2010/main" val="2034113325"/>
       </p:ext>
     </p:extLst>
   </p:cSld>
@@ -4644,6 +4630,86 @@
           <p:cNvPr id="2" name="Title 1">
             <a:extLst>
               <a:ext uri="{FF2B5EF4-FFF2-40B4-BE49-F238E27FC236}">
+                <a16:creationId xmlns:a16="http://schemas.microsoft.com/office/drawing/2014/main" id="{2A7E08FB-3069-415B-BE83-8304B610038B}"/>
+              </a:ext>
+            </a:extLst>
+          </p:cNvPr>
+          <p:cNvSpPr>
+            <a:spLocks noGrp="1"/>
+          </p:cNvSpPr>
+          <p:nvPr>
+            <p:ph type="title"/>
+          </p:nvPr>
+        </p:nvSpPr>
+        <p:spPr/>
+        <p:txBody>
+          <a:bodyPr/>
+          <a:lstStyle/>
+          <a:p>
+            <a:endParaRPr lang="en-US"/>
+          </a:p>
+        </p:txBody>
+      </p:sp>
+      <p:sp>
+        <p:nvSpPr>
+          <p:cNvPr id="3" name="Content Placeholder 2">
+            <a:extLst>
+              <a:ext uri="{FF2B5EF4-FFF2-40B4-BE49-F238E27FC236}">
+                <a16:creationId xmlns:a16="http://schemas.microsoft.com/office/drawing/2014/main" id="{463B79CD-172F-4555-9EF1-D5288066546F}"/>
+              </a:ext>
+            </a:extLst>
+          </p:cNvPr>
+          <p:cNvSpPr>
+            <a:spLocks noGrp="1"/>
+          </p:cNvSpPr>
+          <p:nvPr>
+            <p:ph idx="1"/>
+          </p:nvPr>
+        </p:nvSpPr>
+        <p:spPr/>
+        <p:txBody>
+          <a:bodyPr/>
+          <a:lstStyle/>
+          <a:p>
+            <a:endParaRPr lang="en-US"/>
+          </a:p>
+        </p:txBody>
+      </p:sp>
+    </p:spTree>
+    <p:extLst>
+      <p:ext uri="{BB962C8B-B14F-4D97-AF65-F5344CB8AC3E}">
+        <p14:creationId xmlns:p14="http://schemas.microsoft.com/office/powerpoint/2010/main" val="2537139263"/>
+      </p:ext>
+    </p:extLst>
+  </p:cSld>
+  <p:clrMapOvr>
+    <a:masterClrMapping/>
+  </p:clrMapOvr>
+</p:sld>
+</file>
+
+<file path=ppt/slides/slide16.xml><?xml version="1.0" encoding="utf-8"?>
+<p:sld xmlns:a="http://schemas.openxmlformats.org/drawingml/2006/main" xmlns:r="http://schemas.openxmlformats.org/officeDocument/2006/relationships" xmlns:p="http://schemas.openxmlformats.org/presentationml/2006/main">
+  <p:cSld>
+    <p:spTree>
+      <p:nvGrpSpPr>
+        <p:cNvPr id="1" name=""/>
+        <p:cNvGrpSpPr/>
+        <p:nvPr/>
+      </p:nvGrpSpPr>
+      <p:grpSpPr>
+        <a:xfrm>
+          <a:off x="0" y="0"/>
+          <a:ext cx="0" cy="0"/>
+          <a:chOff x="0" y="0"/>
+          <a:chExt cx="0" cy="0"/>
+        </a:xfrm>
+      </p:grpSpPr>
+      <p:sp>
+        <p:nvSpPr>
+          <p:cNvPr id="2" name="Title 1">
+            <a:extLst>
+              <a:ext uri="{FF2B5EF4-FFF2-40B4-BE49-F238E27FC236}">
                 <a16:creationId xmlns:a16="http://schemas.microsoft.com/office/drawing/2014/main" id="{BEE12DD3-4FC8-40EC-9CE6-B874524424F7}"/>
               </a:ext>
             </a:extLst>
@@ -4687,8 +4753,8 @@
             <a:chExt cx="1070091" cy="877944"/>
           </a:xfrm>
         </p:grpSpPr>
-        <mc:AlternateContent xmlns:mc="http://schemas.openxmlformats.org/markup-compatibility/2006">
-          <mc:Choice xmlns:a14="http://schemas.microsoft.com/office/drawing/2010/main" Requires="a14">
+        <mc:AlternateContent xmlns:mc="http://schemas.openxmlformats.org/markup-compatibility/2006" xmlns:a14="http://schemas.microsoft.com/office/drawing/2010/main">
+          <mc:Choice Requires="a14">
             <p:sp>
               <p:nvSpPr>
                 <p:cNvPr id="10" name="TextBox 9">
@@ -4717,6 +4783,7 @@
                 </a:bodyPr>
                 <a:lstStyle/>
                 <a:p>
+                  <a:pPr/>
                   <a14:m>
                     <m:oMathPara xmlns:m="http://schemas.openxmlformats.org/officeDocument/2006/math">
                       <m:oMathParaPr>
@@ -4763,7 +4830,7 @@
               </p:txBody>
             </p:sp>
           </mc:Choice>
-          <mc:Fallback>
+          <mc:Fallback xmlns="">
             <p:sp>
               <p:nvSpPr>
                 <p:cNvPr id="10" name="TextBox 9">
@@ -4808,8 +4875,8 @@
             </p:sp>
           </mc:Fallback>
         </mc:AlternateContent>
-        <mc:AlternateContent xmlns:mc="http://schemas.openxmlformats.org/markup-compatibility/2006">
-          <mc:Choice xmlns:a14="http://schemas.microsoft.com/office/drawing/2010/main" Requires="a14">
+        <mc:AlternateContent xmlns:mc="http://schemas.openxmlformats.org/markup-compatibility/2006" xmlns:a14="http://schemas.microsoft.com/office/drawing/2010/main">
+          <mc:Choice Requires="a14">
             <p:sp>
               <p:nvSpPr>
                 <p:cNvPr id="11" name="TextBox 10">
@@ -4838,6 +4905,7 @@
                 </a:bodyPr>
                 <a:lstStyle/>
                 <a:p>
+                  <a:pPr/>
                   <a14:m>
                     <m:oMathPara xmlns:m="http://schemas.openxmlformats.org/officeDocument/2006/math">
                       <m:oMathParaPr>
@@ -4891,7 +4959,7 @@
               </p:txBody>
             </p:sp>
           </mc:Choice>
-          <mc:Fallback>
+          <mc:Fallback xmlns="">
             <p:sp>
               <p:nvSpPr>
                 <p:cNvPr id="11" name="TextBox 10">
@@ -4957,8 +5025,8 @@
             <a:chExt cx="2741832" cy="788549"/>
           </a:xfrm>
         </p:grpSpPr>
-        <mc:AlternateContent xmlns:mc="http://schemas.openxmlformats.org/markup-compatibility/2006">
-          <mc:Choice xmlns:a14="http://schemas.microsoft.com/office/drawing/2010/main" Requires="a14">
+        <mc:AlternateContent xmlns:mc="http://schemas.openxmlformats.org/markup-compatibility/2006" xmlns:a14="http://schemas.microsoft.com/office/drawing/2010/main">
+          <mc:Choice Requires="a14">
             <p:sp>
               <p:nvSpPr>
                 <p:cNvPr id="6" name="TextBox 5">
@@ -4987,6 +5055,7 @@
                 </a:bodyPr>
                 <a:lstStyle/>
                 <a:p>
+                  <a:pPr/>
                   <a14:m>
                     <m:oMathPara xmlns:m="http://schemas.openxmlformats.org/officeDocument/2006/math">
                       <m:oMathParaPr>
@@ -5100,7 +5169,7 @@
               </p:txBody>
             </p:sp>
           </mc:Choice>
-          <mc:Fallback>
+          <mc:Fallback xmlns="">
             <p:sp>
               <p:nvSpPr>
                 <p:cNvPr id="6" name="TextBox 5">
@@ -5145,8 +5214,8 @@
             </p:sp>
           </mc:Fallback>
         </mc:AlternateContent>
-        <mc:AlternateContent xmlns:mc="http://schemas.openxmlformats.org/markup-compatibility/2006">
-          <mc:Choice xmlns:a14="http://schemas.microsoft.com/office/drawing/2010/main" Requires="a14">
+        <mc:AlternateContent xmlns:mc="http://schemas.openxmlformats.org/markup-compatibility/2006" xmlns:a14="http://schemas.microsoft.com/office/drawing/2010/main">
+          <mc:Choice Requires="a14">
             <p:sp>
               <p:nvSpPr>
                 <p:cNvPr id="12" name="TextBox 11">
@@ -5175,6 +5244,7 @@
                 </a:bodyPr>
                 <a:lstStyle/>
                 <a:p>
+                  <a:pPr/>
                   <a14:m>
                     <m:oMathPara xmlns:m="http://schemas.openxmlformats.org/officeDocument/2006/math">
                       <m:oMathParaPr>
@@ -5195,7 +5265,7 @@
               </p:txBody>
             </p:sp>
           </mc:Choice>
-          <mc:Fallback>
+          <mc:Fallback xmlns="">
             <p:sp>
               <p:nvSpPr>
                 <p:cNvPr id="12" name="TextBox 11">
@@ -5261,8 +5331,8 @@
             <a:chExt cx="3129062" cy="788549"/>
           </a:xfrm>
         </p:grpSpPr>
-        <mc:AlternateContent xmlns:mc="http://schemas.openxmlformats.org/markup-compatibility/2006">
-          <mc:Choice xmlns:a14="http://schemas.microsoft.com/office/drawing/2010/main" Requires="a14">
+        <mc:AlternateContent xmlns:mc="http://schemas.openxmlformats.org/markup-compatibility/2006" xmlns:a14="http://schemas.microsoft.com/office/drawing/2010/main">
+          <mc:Choice Requires="a14">
             <p:sp>
               <p:nvSpPr>
                 <p:cNvPr id="9" name="TextBox 8">
@@ -5291,6 +5361,7 @@
                 </a:bodyPr>
                 <a:lstStyle/>
                 <a:p>
+                  <a:pPr/>
                   <a14:m>
                     <m:oMathPara xmlns:m="http://schemas.openxmlformats.org/officeDocument/2006/math">
                       <m:oMathParaPr>
@@ -5387,7 +5458,7 @@
               </p:txBody>
             </p:sp>
           </mc:Choice>
-          <mc:Fallback>
+          <mc:Fallback xmlns="">
             <p:sp>
               <p:nvSpPr>
                 <p:cNvPr id="9" name="TextBox 8">
@@ -5432,8 +5503,8 @@
             </p:sp>
           </mc:Fallback>
         </mc:AlternateContent>
-        <mc:AlternateContent xmlns:mc="http://schemas.openxmlformats.org/markup-compatibility/2006">
-          <mc:Choice xmlns:a14="http://schemas.microsoft.com/office/drawing/2010/main" Requires="a14">
+        <mc:AlternateContent xmlns:mc="http://schemas.openxmlformats.org/markup-compatibility/2006" xmlns:a14="http://schemas.microsoft.com/office/drawing/2010/main">
+          <mc:Choice Requires="a14">
             <p:sp>
               <p:nvSpPr>
                 <p:cNvPr id="13" name="TextBox 12">
@@ -5462,6 +5533,7 @@
                 </a:bodyPr>
                 <a:lstStyle/>
                 <a:p>
+                  <a:pPr/>
                   <a14:m>
                     <m:oMathPara xmlns:m="http://schemas.openxmlformats.org/officeDocument/2006/math">
                       <m:oMathParaPr>
@@ -5494,7 +5566,7 @@
               </p:txBody>
             </p:sp>
           </mc:Choice>
-          <mc:Fallback>
+          <mc:Fallback xmlns="">
             <p:sp>
               <p:nvSpPr>
                 <p:cNvPr id="13" name="TextBox 12">
@@ -5553,7 +5625,7 @@
 </p:sld>
 </file>
 
-<file path=ppt/slides/slide16.xml><?xml version="1.0" encoding="utf-8"?>
+<file path=ppt/slides/slide17.xml><?xml version="1.0" encoding="utf-8"?>
 <p:sld xmlns:a="http://schemas.openxmlformats.org/drawingml/2006/main" xmlns:r="http://schemas.openxmlformats.org/officeDocument/2006/relationships" xmlns:p="http://schemas.openxmlformats.org/presentationml/2006/main">
   <p:cSld>
     <p:spTree>
@@ -5641,7 +5713,7 @@
 </p:sld>
 </file>
 
-<file path=ppt/slides/slide17.xml><?xml version="1.0" encoding="utf-8"?>
+<file path=ppt/slides/slide18.xml><?xml version="1.0" encoding="utf-8"?>
 <p:sld xmlns:a="http://schemas.openxmlformats.org/drawingml/2006/main" xmlns:r="http://schemas.openxmlformats.org/officeDocument/2006/relationships" xmlns:p="http://schemas.openxmlformats.org/presentationml/2006/main">
   <p:cSld>
     <p:spTree>
@@ -5701,7 +5773,7 @@
 </p:sld>
 </file>
 
-<file path=ppt/slides/slide18.xml><?xml version="1.0" encoding="utf-8"?>
+<file path=ppt/slides/slide19.xml><?xml version="1.0" encoding="utf-8"?>
 <p:sld xmlns:a="http://schemas.openxmlformats.org/drawingml/2006/main" xmlns:r="http://schemas.openxmlformats.org/officeDocument/2006/relationships" xmlns:p="http://schemas.openxmlformats.org/presentationml/2006/main">
   <p:cSld>
     <p:spTree>
@@ -5752,138 +5824,6 @@
     <p:extLst>
       <p:ext uri="{BB962C8B-B14F-4D97-AF65-F5344CB8AC3E}">
         <p14:creationId xmlns:p14="http://schemas.microsoft.com/office/powerpoint/2010/main" val="3855396002"/>
-      </p:ext>
-    </p:extLst>
-  </p:cSld>
-  <p:clrMapOvr>
-    <a:masterClrMapping/>
-  </p:clrMapOvr>
-</p:sld>
-</file>
-
-<file path=ppt/slides/slide19.xml><?xml version="1.0" encoding="utf-8"?>
-<p:sld xmlns:a="http://schemas.openxmlformats.org/drawingml/2006/main" xmlns:r="http://schemas.openxmlformats.org/officeDocument/2006/relationships" xmlns:p="http://schemas.openxmlformats.org/presentationml/2006/main">
-  <p:cSld>
-    <p:spTree>
-      <p:nvGrpSpPr>
-        <p:cNvPr id="1" name=""/>
-        <p:cNvGrpSpPr/>
-        <p:nvPr/>
-      </p:nvGrpSpPr>
-      <p:grpSpPr>
-        <a:xfrm>
-          <a:off x="0" y="0"/>
-          <a:ext cx="0" cy="0"/>
-          <a:chOff x="0" y="0"/>
-          <a:chExt cx="0" cy="0"/>
-        </a:xfrm>
-      </p:grpSpPr>
-      <p:sp>
-        <p:nvSpPr>
-          <p:cNvPr id="2" name="Title 1">
-            <a:extLst>
-              <a:ext uri="{FF2B5EF4-FFF2-40B4-BE49-F238E27FC236}">
-                <a16:creationId xmlns:a16="http://schemas.microsoft.com/office/drawing/2014/main" id="{796A6F57-AF99-4B25-A5D9-7108AF74A110}"/>
-              </a:ext>
-            </a:extLst>
-          </p:cNvPr>
-          <p:cNvSpPr>
-            <a:spLocks noGrp="1"/>
-          </p:cNvSpPr>
-          <p:nvPr>
-            <p:ph type="title"/>
-          </p:nvPr>
-        </p:nvSpPr>
-        <p:spPr/>
-        <p:txBody>
-          <a:bodyPr/>
-          <a:lstStyle/>
-          <a:p>
-            <a:r>
-              <a:rPr lang="en-US" dirty="0"/>
-              <a:t>Shadow Prices</a:t>
-            </a:r>
-          </a:p>
-        </p:txBody>
-      </p:sp>
-      <p:pic>
-        <p:nvPicPr>
-          <p:cNvPr id="4" name="Content Placeholder 3">
-            <a:extLst>
-              <a:ext uri="{FF2B5EF4-FFF2-40B4-BE49-F238E27FC236}">
-                <a16:creationId xmlns:a16="http://schemas.microsoft.com/office/drawing/2014/main" id="{A1A37381-23B7-4425-83C6-2F00D20B8117}"/>
-              </a:ext>
-            </a:extLst>
-          </p:cNvPr>
-          <p:cNvPicPr>
-            <a:picLocks noGrp="1" noChangeAspect="1"/>
-          </p:cNvPicPr>
-          <p:nvPr>
-            <p:ph idx="1"/>
-          </p:nvPr>
-        </p:nvPicPr>
-        <p:blipFill>
-          <a:blip r:embed="rId2"/>
-          <a:stretch>
-            <a:fillRect/>
-          </a:stretch>
-        </p:blipFill>
-        <p:spPr>
-          <a:xfrm>
-            <a:off x="1208675" y="2003314"/>
-            <a:ext cx="10145125" cy="1682421"/>
-          </a:xfrm>
-          <a:prstGeom prst="rect">
-            <a:avLst/>
-          </a:prstGeom>
-        </p:spPr>
-      </p:pic>
-      <p:pic>
-        <p:nvPicPr>
-          <p:cNvPr id="5" name="Picture 4">
-            <a:extLst>
-              <a:ext uri="{FF2B5EF4-FFF2-40B4-BE49-F238E27FC236}">
-                <a16:creationId xmlns:a16="http://schemas.microsoft.com/office/drawing/2014/main" id="{29D42779-E2EC-43E4-B193-B528665EF88B}"/>
-              </a:ext>
-            </a:extLst>
-          </p:cNvPr>
-          <p:cNvPicPr>
-            <a:picLocks noChangeAspect="1"/>
-          </p:cNvPicPr>
-          <p:nvPr/>
-        </p:nvPicPr>
-        <p:blipFill>
-          <a:blip r:embed="rId3">
-            <a:extLst>
-              <a:ext uri="{BEBA8EAE-BF5A-486C-A8C5-ECC9F3942E4B}">
-                <a14:imgProps xmlns:a14="http://schemas.microsoft.com/office/drawing/2010/main">
-                  <a14:imgLayer r:embed="rId4">
-                    <a14:imgEffect>
-                      <a14:sharpenSoften amount="50000"/>
-                    </a14:imgEffect>
-                  </a14:imgLayer>
-                </a14:imgProps>
-              </a:ext>
-            </a:extLst>
-          </a:blip>
-          <a:stretch>
-            <a:fillRect/>
-          </a:stretch>
-        </p:blipFill>
-        <p:spPr>
-          <a:xfrm>
-            <a:off x="1294604" y="4530529"/>
-            <a:ext cx="10059196" cy="871465"/>
-          </a:xfrm>
-          <a:prstGeom prst="rect">
-            <a:avLst/>
-          </a:prstGeom>
-        </p:spPr>
-      </p:pic>
-    </p:spTree>
-    <p:extLst>
-      <p:ext uri="{BB962C8B-B14F-4D97-AF65-F5344CB8AC3E}">
-        <p14:creationId xmlns:p14="http://schemas.microsoft.com/office/powerpoint/2010/main" val="3856531182"/>
       </p:ext>
     </p:extLst>
   </p:cSld>
@@ -6053,6 +5993,138 @@
           <p:cNvPr id="2" name="Title 1">
             <a:extLst>
               <a:ext uri="{FF2B5EF4-FFF2-40B4-BE49-F238E27FC236}">
+                <a16:creationId xmlns:a16="http://schemas.microsoft.com/office/drawing/2014/main" id="{796A6F57-AF99-4B25-A5D9-7108AF74A110}"/>
+              </a:ext>
+            </a:extLst>
+          </p:cNvPr>
+          <p:cNvSpPr>
+            <a:spLocks noGrp="1"/>
+          </p:cNvSpPr>
+          <p:nvPr>
+            <p:ph type="title"/>
+          </p:nvPr>
+        </p:nvSpPr>
+        <p:spPr/>
+        <p:txBody>
+          <a:bodyPr/>
+          <a:lstStyle/>
+          <a:p>
+            <a:r>
+              <a:rPr lang="en-US" dirty="0"/>
+              <a:t>Shadow Prices</a:t>
+            </a:r>
+          </a:p>
+        </p:txBody>
+      </p:sp>
+      <p:pic>
+        <p:nvPicPr>
+          <p:cNvPr id="4" name="Content Placeholder 3">
+            <a:extLst>
+              <a:ext uri="{FF2B5EF4-FFF2-40B4-BE49-F238E27FC236}">
+                <a16:creationId xmlns:a16="http://schemas.microsoft.com/office/drawing/2014/main" id="{A1A37381-23B7-4425-83C6-2F00D20B8117}"/>
+              </a:ext>
+            </a:extLst>
+          </p:cNvPr>
+          <p:cNvPicPr>
+            <a:picLocks noGrp="1" noChangeAspect="1"/>
+          </p:cNvPicPr>
+          <p:nvPr>
+            <p:ph idx="1"/>
+          </p:nvPr>
+        </p:nvPicPr>
+        <p:blipFill>
+          <a:blip r:embed="rId2"/>
+          <a:stretch>
+            <a:fillRect/>
+          </a:stretch>
+        </p:blipFill>
+        <p:spPr>
+          <a:xfrm>
+            <a:off x="1208675" y="2003314"/>
+            <a:ext cx="10145125" cy="1682421"/>
+          </a:xfrm>
+          <a:prstGeom prst="rect">
+            <a:avLst/>
+          </a:prstGeom>
+        </p:spPr>
+      </p:pic>
+      <p:pic>
+        <p:nvPicPr>
+          <p:cNvPr id="5" name="Picture 4">
+            <a:extLst>
+              <a:ext uri="{FF2B5EF4-FFF2-40B4-BE49-F238E27FC236}">
+                <a16:creationId xmlns:a16="http://schemas.microsoft.com/office/drawing/2014/main" id="{29D42779-E2EC-43E4-B193-B528665EF88B}"/>
+              </a:ext>
+            </a:extLst>
+          </p:cNvPr>
+          <p:cNvPicPr>
+            <a:picLocks noChangeAspect="1"/>
+          </p:cNvPicPr>
+          <p:nvPr/>
+        </p:nvPicPr>
+        <p:blipFill>
+          <a:blip r:embed="rId3">
+            <a:extLst>
+              <a:ext uri="{BEBA8EAE-BF5A-486C-A8C5-ECC9F3942E4B}">
+                <a14:imgProps xmlns:a14="http://schemas.microsoft.com/office/drawing/2010/main">
+                  <a14:imgLayer r:embed="rId4">
+                    <a14:imgEffect>
+                      <a14:sharpenSoften amount="50000"/>
+                    </a14:imgEffect>
+                  </a14:imgLayer>
+                </a14:imgProps>
+              </a:ext>
+            </a:extLst>
+          </a:blip>
+          <a:stretch>
+            <a:fillRect/>
+          </a:stretch>
+        </p:blipFill>
+        <p:spPr>
+          <a:xfrm>
+            <a:off x="1294604" y="4530529"/>
+            <a:ext cx="10059196" cy="871465"/>
+          </a:xfrm>
+          <a:prstGeom prst="rect">
+            <a:avLst/>
+          </a:prstGeom>
+        </p:spPr>
+      </p:pic>
+    </p:spTree>
+    <p:extLst>
+      <p:ext uri="{BB962C8B-B14F-4D97-AF65-F5344CB8AC3E}">
+        <p14:creationId xmlns:p14="http://schemas.microsoft.com/office/powerpoint/2010/main" val="3856531182"/>
+      </p:ext>
+    </p:extLst>
+  </p:cSld>
+  <p:clrMapOvr>
+    <a:masterClrMapping/>
+  </p:clrMapOvr>
+</p:sld>
+</file>
+
+<file path=ppt/slides/slide21.xml><?xml version="1.0" encoding="utf-8"?>
+<p:sld xmlns:a="http://schemas.openxmlformats.org/drawingml/2006/main" xmlns:r="http://schemas.openxmlformats.org/officeDocument/2006/relationships" xmlns:p="http://schemas.openxmlformats.org/presentationml/2006/main">
+  <p:cSld>
+    <p:spTree>
+      <p:nvGrpSpPr>
+        <p:cNvPr id="1" name=""/>
+        <p:cNvGrpSpPr/>
+        <p:nvPr/>
+      </p:nvGrpSpPr>
+      <p:grpSpPr>
+        <a:xfrm>
+          <a:off x="0" y="0"/>
+          <a:ext cx="0" cy="0"/>
+          <a:chOff x="0" y="0"/>
+          <a:chExt cx="0" cy="0"/>
+        </a:xfrm>
+      </p:grpSpPr>
+      <p:sp>
+        <p:nvSpPr>
+          <p:cNvPr id="2" name="Title 1">
+            <a:extLst>
+              <a:ext uri="{FF2B5EF4-FFF2-40B4-BE49-F238E27FC236}">
                 <a16:creationId xmlns:a16="http://schemas.microsoft.com/office/drawing/2014/main" id="{952F1CC6-60B1-4CED-9764-765E0C976F25}"/>
               </a:ext>
             </a:extLst>
@@ -6587,7 +6659,7 @@
           <p:cNvPr id="2" name="Title 1">
             <a:extLst>
               <a:ext uri="{FF2B5EF4-FFF2-40B4-BE49-F238E27FC236}">
-                <a16:creationId xmlns:a16="http://schemas.microsoft.com/office/drawing/2014/main" id="{5967F7AC-7761-4FC0-8E06-F9C14C4517D0}"/>
+                <a16:creationId xmlns:a16="http://schemas.microsoft.com/office/drawing/2014/main" id="{2E334FC3-C33D-4D60-B3C8-CEFF516F09CB}"/>
               </a:ext>
             </a:extLst>
           </p:cNvPr>
@@ -6605,7 +6677,7 @@
           <a:p>
             <a:r>
               <a:rPr lang="en-US" dirty="0"/>
-              <a:t>DEA Analysis</a:t>
+              <a:t>Our Variables</a:t>
             </a:r>
           </a:p>
         </p:txBody>
@@ -6615,7 +6687,7 @@
           <p:cNvPr id="3" name="Content Placeholder 2">
             <a:extLst>
               <a:ext uri="{FF2B5EF4-FFF2-40B4-BE49-F238E27FC236}">
-                <a16:creationId xmlns:a16="http://schemas.microsoft.com/office/drawing/2014/main" id="{DA59B5A6-A765-460B-B2A7-8078B46ED893}"/>
+                <a16:creationId xmlns:a16="http://schemas.microsoft.com/office/drawing/2014/main" id="{6665CB8C-C101-4590-B8FE-9112717C8A9B}"/>
               </a:ext>
             </a:extLst>
           </p:cNvPr>
@@ -6633,81 +6705,27 @@
           <a:p>
             <a:r>
               <a:rPr lang="en-US" dirty="0"/>
-              <a:t>Used Input Oriented CCR model.</a:t>
-            </a:r>
-          </a:p>
-          <a:p>
-            <a:endParaRPr lang="en-US" dirty="0"/>
-          </a:p>
-          <a:p>
-            <a:endParaRPr lang="en-US" dirty="0"/>
-          </a:p>
-          <a:p>
-            <a:endParaRPr lang="en-US" dirty="0"/>
-          </a:p>
-          <a:p>
-            <a:endParaRPr lang="en-US" dirty="0"/>
-          </a:p>
-          <a:p>
-            <a:endParaRPr lang="en-US" dirty="0"/>
-          </a:p>
-          <a:p>
-            <a:endParaRPr lang="en-US" dirty="0"/>
+              <a:t>Average PISA performance scores (Science, Reading and Mathematics.</a:t>
+            </a:r>
           </a:p>
           <a:p>
             <a:r>
               <a:rPr lang="en-US" dirty="0"/>
-              <a:t>Lets Implement our model..</a:t>
-            </a:r>
-          </a:p>
-        </p:txBody>
-      </p:sp>
-      <p:pic>
-        <p:nvPicPr>
-          <p:cNvPr id="4" name="Picture 3">
-            <a:extLst>
-              <a:ext uri="{FF2B5EF4-FFF2-40B4-BE49-F238E27FC236}">
-                <a16:creationId xmlns:a16="http://schemas.microsoft.com/office/drawing/2014/main" id="{69E1F8DF-96C8-4E16-9381-086AD0B07BA8}"/>
-              </a:ext>
-            </a:extLst>
-          </p:cNvPr>
-          <p:cNvPicPr>
-            <a:picLocks noChangeAspect="1"/>
-          </p:cNvPicPr>
-          <p:nvPr/>
-        </p:nvPicPr>
-        <p:blipFill>
-          <a:blip r:embed="rId2">
-            <a:extLst>
-              <a:ext uri="{BEBA8EAE-BF5A-486C-A8C5-ECC9F3942E4B}">
-                <a14:imgProps xmlns:a14="http://schemas.microsoft.com/office/drawing/2010/main">
-                  <a14:imgLayer r:embed="rId3">
-                    <a14:imgEffect>
-                      <a14:sharpenSoften amount="50000"/>
-                    </a14:imgEffect>
-                  </a14:imgLayer>
-                </a14:imgProps>
-              </a:ext>
-            </a:extLst>
-          </a:blip>
-          <a:stretch>
-            <a:fillRect/>
-          </a:stretch>
-        </p:blipFill>
-        <p:spPr>
-          <a:xfrm>
-            <a:off x="2718003" y="2202461"/>
-            <a:ext cx="6390388" cy="3091229"/>
-          </a:xfrm>
-          <a:prstGeom prst="rect">
-            <a:avLst/>
-          </a:prstGeom>
-        </p:spPr>
-      </p:pic>
+              <a:t>Total Spending per student in dollars</a:t>
+            </a:r>
+          </a:p>
+          <a:p>
+            <a:r>
+              <a:rPr lang="en-US" dirty="0"/>
+              <a:t>Overall Spending as percentage of GDP</a:t>
+            </a:r>
+          </a:p>
+        </p:txBody>
+      </p:sp>
     </p:spTree>
     <p:extLst>
       <p:ext uri="{BB962C8B-B14F-4D97-AF65-F5344CB8AC3E}">
-        <p14:creationId xmlns:p14="http://schemas.microsoft.com/office/powerpoint/2010/main" val="2517606113"/>
+        <p14:creationId xmlns:p14="http://schemas.microsoft.com/office/powerpoint/2010/main" val="407796128"/>
       </p:ext>
     </p:extLst>
   </p:cSld>
@@ -6734,12 +6752,92 @@
           <a:chExt cx="0" cy="0"/>
         </a:xfrm>
       </p:grpSpPr>
+      <p:sp>
+        <p:nvSpPr>
+          <p:cNvPr id="2" name="Title 1">
+            <a:extLst>
+              <a:ext uri="{FF2B5EF4-FFF2-40B4-BE49-F238E27FC236}">
+                <a16:creationId xmlns:a16="http://schemas.microsoft.com/office/drawing/2014/main" id="{5967F7AC-7761-4FC0-8E06-F9C14C4517D0}"/>
+              </a:ext>
+            </a:extLst>
+          </p:cNvPr>
+          <p:cNvSpPr>
+            <a:spLocks noGrp="1"/>
+          </p:cNvSpPr>
+          <p:nvPr>
+            <p:ph type="title"/>
+          </p:nvPr>
+        </p:nvSpPr>
+        <p:spPr/>
+        <p:txBody>
+          <a:bodyPr/>
+          <a:lstStyle/>
+          <a:p>
+            <a:r>
+              <a:rPr lang="en-US" dirty="0"/>
+              <a:t>DEA Analysis</a:t>
+            </a:r>
+          </a:p>
+        </p:txBody>
+      </p:sp>
+      <p:sp>
+        <p:nvSpPr>
+          <p:cNvPr id="3" name="Content Placeholder 2">
+            <a:extLst>
+              <a:ext uri="{FF2B5EF4-FFF2-40B4-BE49-F238E27FC236}">
+                <a16:creationId xmlns:a16="http://schemas.microsoft.com/office/drawing/2014/main" id="{DA59B5A6-A765-460B-B2A7-8078B46ED893}"/>
+              </a:ext>
+            </a:extLst>
+          </p:cNvPr>
+          <p:cNvSpPr>
+            <a:spLocks noGrp="1"/>
+          </p:cNvSpPr>
+          <p:nvPr>
+            <p:ph idx="1"/>
+          </p:nvPr>
+        </p:nvSpPr>
+        <p:spPr/>
+        <p:txBody>
+          <a:bodyPr/>
+          <a:lstStyle/>
+          <a:p>
+            <a:r>
+              <a:rPr lang="en-US" dirty="0"/>
+              <a:t>Used Input Oriented CCR model.</a:t>
+            </a:r>
+          </a:p>
+          <a:p>
+            <a:endParaRPr lang="en-US" dirty="0"/>
+          </a:p>
+          <a:p>
+            <a:endParaRPr lang="en-US" dirty="0"/>
+          </a:p>
+          <a:p>
+            <a:endParaRPr lang="en-US" dirty="0"/>
+          </a:p>
+          <a:p>
+            <a:endParaRPr lang="en-US" dirty="0"/>
+          </a:p>
+          <a:p>
+            <a:endParaRPr lang="en-US" dirty="0"/>
+          </a:p>
+          <a:p>
+            <a:endParaRPr lang="en-US" dirty="0"/>
+          </a:p>
+          <a:p>
+            <a:r>
+              <a:rPr lang="en-US" dirty="0"/>
+              <a:t>Lets Implement our model..</a:t>
+            </a:r>
+          </a:p>
+        </p:txBody>
+      </p:sp>
       <p:pic>
         <p:nvPicPr>
           <p:cNvPr id="4" name="Picture 3">
             <a:extLst>
               <a:ext uri="{FF2B5EF4-FFF2-40B4-BE49-F238E27FC236}">
-                <a16:creationId xmlns:a16="http://schemas.microsoft.com/office/drawing/2014/main" id="{6EEE3BCD-EB00-41FA-A990-B2CFF499C6BC}"/>
+                <a16:creationId xmlns:a16="http://schemas.microsoft.com/office/drawing/2014/main" id="{69E1F8DF-96C8-4E16-9381-086AD0B07BA8}"/>
               </a:ext>
             </a:extLst>
           </p:cNvPr>
@@ -6749,45 +6847,27 @@
           <p:nvPr/>
         </p:nvPicPr>
         <p:blipFill>
-          <a:blip r:embed="rId2"/>
+          <a:blip r:embed="rId2">
+            <a:extLst>
+              <a:ext uri="{BEBA8EAE-BF5A-486C-A8C5-ECC9F3942E4B}">
+                <a14:imgProps xmlns:a14="http://schemas.microsoft.com/office/drawing/2010/main">
+                  <a14:imgLayer r:embed="rId3">
+                    <a14:imgEffect>
+                      <a14:sharpenSoften amount="50000"/>
+                    </a14:imgEffect>
+                  </a14:imgLayer>
+                </a14:imgProps>
+              </a:ext>
+            </a:extLst>
+          </a:blip>
           <a:stretch>
             <a:fillRect/>
           </a:stretch>
         </p:blipFill>
         <p:spPr>
           <a:xfrm>
-            <a:off x="1499015" y="325900"/>
-            <a:ext cx="9026981" cy="3894407"/>
-          </a:xfrm>
-          <a:prstGeom prst="rect">
-            <a:avLst/>
-          </a:prstGeom>
-        </p:spPr>
-      </p:pic>
-      <p:pic>
-        <p:nvPicPr>
-          <p:cNvPr id="5" name="Picture 4">
-            <a:extLst>
-              <a:ext uri="{FF2B5EF4-FFF2-40B4-BE49-F238E27FC236}">
-                <a16:creationId xmlns:a16="http://schemas.microsoft.com/office/drawing/2014/main" id="{3D3E9DBB-DDB6-4841-934E-22022BE108FA}"/>
-              </a:ext>
-            </a:extLst>
-          </p:cNvPr>
-          <p:cNvPicPr>
-            <a:picLocks noChangeAspect="1"/>
-          </p:cNvPicPr>
-          <p:nvPr/>
-        </p:nvPicPr>
-        <p:blipFill>
-          <a:blip r:embed="rId3"/>
-          <a:stretch>
-            <a:fillRect/>
-          </a:stretch>
-        </p:blipFill>
-        <p:spPr>
-          <a:xfrm>
-            <a:off x="3507545" y="4220307"/>
-            <a:ext cx="5176910" cy="2511188"/>
+            <a:off x="2718003" y="2202461"/>
+            <a:ext cx="6390388" cy="3091229"/>
           </a:xfrm>
           <a:prstGeom prst="rect">
             <a:avLst/>
@@ -6797,7 +6877,7 @@
     </p:spTree>
     <p:extLst>
       <p:ext uri="{BB962C8B-B14F-4D97-AF65-F5344CB8AC3E}">
-        <p14:creationId xmlns:p14="http://schemas.microsoft.com/office/powerpoint/2010/main" val="1376706079"/>
+        <p14:creationId xmlns:p14="http://schemas.microsoft.com/office/powerpoint/2010/main" val="2517606113"/>
       </p:ext>
     </p:extLst>
   </p:cSld>
@@ -6829,7 +6909,37 @@
           <p:cNvPr id="4" name="Picture 3">
             <a:extLst>
               <a:ext uri="{FF2B5EF4-FFF2-40B4-BE49-F238E27FC236}">
-                <a16:creationId xmlns:a16="http://schemas.microsoft.com/office/drawing/2014/main" id="{3363BFAD-8594-4DCD-BC2E-B1677D7DA0BE}"/>
+                <a16:creationId xmlns:a16="http://schemas.microsoft.com/office/drawing/2014/main" id="{6EEE3BCD-EB00-41FA-A990-B2CFF499C6BC}"/>
+              </a:ext>
+            </a:extLst>
+          </p:cNvPr>
+          <p:cNvPicPr>
+            <a:picLocks noChangeAspect="1"/>
+          </p:cNvPicPr>
+          <p:nvPr/>
+        </p:nvPicPr>
+        <p:blipFill>
+          <a:blip r:embed="rId2"/>
+          <a:stretch>
+            <a:fillRect/>
+          </a:stretch>
+        </p:blipFill>
+        <p:spPr>
+          <a:xfrm>
+            <a:off x="1499015" y="325900"/>
+            <a:ext cx="9026981" cy="3894407"/>
+          </a:xfrm>
+          <a:prstGeom prst="rect">
+            <a:avLst/>
+          </a:prstGeom>
+        </p:spPr>
+      </p:pic>
+      <p:pic>
+        <p:nvPicPr>
+          <p:cNvPr id="5" name="Picture 4">
+            <a:extLst>
+              <a:ext uri="{FF2B5EF4-FFF2-40B4-BE49-F238E27FC236}">
+                <a16:creationId xmlns:a16="http://schemas.microsoft.com/office/drawing/2014/main" id="{3D3E9DBB-DDB6-4841-934E-22022BE108FA}"/>
               </a:ext>
             </a:extLst>
           </p:cNvPr>
@@ -6846,8 +6956,8 @@
         </p:blipFill>
         <p:spPr>
           <a:xfrm>
-            <a:off x="1484288" y="140828"/>
-            <a:ext cx="9223424" cy="6576343"/>
+            <a:off x="3507545" y="4220307"/>
+            <a:ext cx="5176910" cy="2511188"/>
           </a:xfrm>
           <a:prstGeom prst="rect">
             <a:avLst/>
@@ -6857,7 +6967,7 @@
     </p:spTree>
     <p:extLst>
       <p:ext uri="{BB962C8B-B14F-4D97-AF65-F5344CB8AC3E}">
-        <p14:creationId xmlns:p14="http://schemas.microsoft.com/office/powerpoint/2010/main" val="3097196736"/>
+        <p14:creationId xmlns:p14="http://schemas.microsoft.com/office/powerpoint/2010/main" val="1376706079"/>
       </p:ext>
     </p:extLst>
   </p:cSld>

--- a/Project Presentation.pptx
+++ b/Project Presentation.pptx
@@ -5,7 +5,7 @@
     <p:sldMasterId id="2147483648" r:id="rId1"/>
   </p:sldMasterIdLst>
   <p:notesMasterIdLst>
-    <p:notesMasterId r:id="rId23"/>
+    <p:notesMasterId r:id="rId29"/>
   </p:notesMasterIdLst>
   <p:sldIdLst>
     <p:sldId id="256" r:id="rId2"/>
@@ -17,18 +17,24 @@
     <p:sldId id="276" r:id="rId8"/>
     <p:sldId id="263" r:id="rId9"/>
     <p:sldId id="264" r:id="rId10"/>
-    <p:sldId id="265" r:id="rId11"/>
-    <p:sldId id="267" r:id="rId12"/>
-    <p:sldId id="266" r:id="rId13"/>
-    <p:sldId id="268" r:id="rId14"/>
-    <p:sldId id="274" r:id="rId15"/>
-    <p:sldId id="275" r:id="rId16"/>
-    <p:sldId id="262" r:id="rId17"/>
-    <p:sldId id="269" r:id="rId18"/>
-    <p:sldId id="270" r:id="rId19"/>
-    <p:sldId id="271" r:id="rId20"/>
-    <p:sldId id="272" r:id="rId21"/>
-    <p:sldId id="273" r:id="rId22"/>
+    <p:sldId id="277" r:id="rId11"/>
+    <p:sldId id="278" r:id="rId12"/>
+    <p:sldId id="279" r:id="rId13"/>
+    <p:sldId id="280" r:id="rId14"/>
+    <p:sldId id="281" r:id="rId15"/>
+    <p:sldId id="267" r:id="rId16"/>
+    <p:sldId id="266" r:id="rId17"/>
+    <p:sldId id="268" r:id="rId18"/>
+    <p:sldId id="274" r:id="rId19"/>
+    <p:sldId id="275" r:id="rId20"/>
+    <p:sldId id="262" r:id="rId21"/>
+    <p:sldId id="269" r:id="rId22"/>
+    <p:sldId id="282" r:id="rId23"/>
+    <p:sldId id="283" r:id="rId24"/>
+    <p:sldId id="270" r:id="rId25"/>
+    <p:sldId id="271" r:id="rId26"/>
+    <p:sldId id="272" r:id="rId27"/>
+    <p:sldId id="273" r:id="rId28"/>
   </p:sldIdLst>
   <p:sldSz cx="12192000" cy="6858000"/>
   <p:notesSz cx="6858000" cy="9144000"/>
@@ -571,93 +577,6 @@
     <p:extLst>
       <p:ext uri="{BB962C8B-B14F-4D97-AF65-F5344CB8AC3E}">
         <p14:creationId xmlns:p14="http://schemas.microsoft.com/office/powerpoint/2010/main" val="1370232842"/>
-      </p:ext>
-    </p:extLst>
-  </p:cSld>
-  <p:clrMapOvr>
-    <a:masterClrMapping/>
-  </p:clrMapOvr>
-</p:notes>
-</file>
-
-<file path=ppt/notesSlides/notesSlide2.xml><?xml version="1.0" encoding="utf-8"?>
-<p:notes xmlns:a="http://schemas.openxmlformats.org/drawingml/2006/main" xmlns:r="http://schemas.openxmlformats.org/officeDocument/2006/relationships" xmlns:p="http://schemas.openxmlformats.org/presentationml/2006/main">
-  <p:cSld>
-    <p:spTree>
-      <p:nvGrpSpPr>
-        <p:cNvPr id="1" name=""/>
-        <p:cNvGrpSpPr/>
-        <p:nvPr/>
-      </p:nvGrpSpPr>
-      <p:grpSpPr>
-        <a:xfrm>
-          <a:off x="0" y="0"/>
-          <a:ext cx="0" cy="0"/>
-          <a:chOff x="0" y="0"/>
-          <a:chExt cx="0" cy="0"/>
-        </a:xfrm>
-      </p:grpSpPr>
-      <p:sp>
-        <p:nvSpPr>
-          <p:cNvPr id="2" name="Slide Image Placeholder 1"/>
-          <p:cNvSpPr>
-            <a:spLocks noGrp="1" noRot="1" noChangeAspect="1"/>
-          </p:cNvSpPr>
-          <p:nvPr>
-            <p:ph type="sldImg"/>
-          </p:nvPr>
-        </p:nvSpPr>
-        <p:spPr/>
-      </p:sp>
-      <p:sp>
-        <p:nvSpPr>
-          <p:cNvPr id="3" name="Notes Placeholder 2"/>
-          <p:cNvSpPr>
-            <a:spLocks noGrp="1"/>
-          </p:cNvSpPr>
-          <p:nvPr>
-            <p:ph type="body" idx="1"/>
-          </p:nvPr>
-        </p:nvSpPr>
-        <p:spPr/>
-        <p:txBody>
-          <a:bodyPr/>
-          <a:lstStyle/>
-          <a:p>
-            <a:r>
-              <a:rPr lang="en-US" dirty="0"/>
-              <a:t>Little convoluted </a:t>
-            </a:r>
-          </a:p>
-        </p:txBody>
-      </p:sp>
-      <p:sp>
-        <p:nvSpPr>
-          <p:cNvPr id="4" name="Slide Number Placeholder 3"/>
-          <p:cNvSpPr>
-            <a:spLocks noGrp="1"/>
-          </p:cNvSpPr>
-          <p:nvPr>
-            <p:ph type="sldNum" sz="quarter" idx="5"/>
-          </p:nvPr>
-        </p:nvSpPr>
-        <p:spPr/>
-        <p:txBody>
-          <a:bodyPr/>
-          <a:lstStyle/>
-          <a:p>
-            <a:fld id="{77C70274-0375-4BC9-BC63-4173DCE5C12C}" type="slidenum">
-              <a:rPr lang="en-US" smtClean="0"/>
-              <a:t>10</a:t>
-            </a:fld>
-            <a:endParaRPr lang="en-US"/>
-          </a:p>
-        </p:txBody>
-      </p:sp>
-    </p:spTree>
-    <p:extLst>
-      <p:ext uri="{BB962C8B-B14F-4D97-AF65-F5344CB8AC3E}">
-        <p14:creationId xmlns:p14="http://schemas.microsoft.com/office/powerpoint/2010/main" val="1841670868"/>
       </p:ext>
     </p:extLst>
   </p:cSld>
@@ -4199,12 +4118,45 @@
           <a:chExt cx="0" cy="0"/>
         </a:xfrm>
       </p:grpSpPr>
+      <p:sp>
+        <p:nvSpPr>
+          <p:cNvPr id="2" name="Title 1">
+            <a:extLst>
+              <a:ext uri="{FF2B5EF4-FFF2-40B4-BE49-F238E27FC236}">
+                <a16:creationId xmlns:a16="http://schemas.microsoft.com/office/drawing/2014/main" id="{31E6D038-FBB2-45FC-8ABD-F26461F14E2B}"/>
+              </a:ext>
+            </a:extLst>
+          </p:cNvPr>
+          <p:cNvSpPr>
+            <a:spLocks noGrp="1"/>
+          </p:cNvSpPr>
+          <p:nvPr>
+            <p:ph type="title"/>
+          </p:nvPr>
+        </p:nvSpPr>
+        <p:spPr>
+          <a:xfrm>
+            <a:off x="838200" y="365126"/>
+            <a:ext cx="10515600" cy="764428"/>
+          </a:xfrm>
+        </p:spPr>
+        <p:txBody>
+          <a:bodyPr/>
+          <a:lstStyle/>
+          <a:p>
+            <a:r>
+              <a:rPr lang="en-US" dirty="0"/>
+              <a:t>Implementation of the Model</a:t>
+            </a:r>
+          </a:p>
+        </p:txBody>
+      </p:sp>
       <p:pic>
         <p:nvPicPr>
           <p:cNvPr id="4" name="Picture 3">
             <a:extLst>
               <a:ext uri="{FF2B5EF4-FFF2-40B4-BE49-F238E27FC236}">
-                <a16:creationId xmlns:a16="http://schemas.microsoft.com/office/drawing/2014/main" id="{3363BFAD-8594-4DCD-BC2E-B1677D7DA0BE}"/>
+                <a16:creationId xmlns:a16="http://schemas.microsoft.com/office/drawing/2014/main" id="{75ECFB19-9D07-45C3-9CB0-C777DD6EA860}"/>
               </a:ext>
             </a:extLst>
           </p:cNvPr>
@@ -4214,15 +4166,15 @@
           <p:nvPr/>
         </p:nvPicPr>
         <p:blipFill>
-          <a:blip r:embed="rId3"/>
+          <a:blip r:embed="rId2"/>
           <a:stretch>
             <a:fillRect/>
           </a:stretch>
         </p:blipFill>
         <p:spPr>
           <a:xfrm>
-            <a:off x="1484288" y="140828"/>
-            <a:ext cx="9223424" cy="6576343"/>
+            <a:off x="1554199" y="1341848"/>
+            <a:ext cx="8696325" cy="3571875"/>
           </a:xfrm>
           <a:prstGeom prst="rect">
             <a:avLst/>
@@ -4232,7 +4184,7 @@
     </p:spTree>
     <p:extLst>
       <p:ext uri="{BB962C8B-B14F-4D97-AF65-F5344CB8AC3E}">
-        <p14:creationId xmlns:p14="http://schemas.microsoft.com/office/powerpoint/2010/main" val="3097196736"/>
+        <p14:creationId xmlns:p14="http://schemas.microsoft.com/office/powerpoint/2010/main" val="278229254"/>
       </p:ext>
     </p:extLst>
   </p:cSld>
@@ -4259,6 +4211,459 @@
           <a:chExt cx="0" cy="0"/>
         </a:xfrm>
       </p:grpSpPr>
+      <p:sp>
+        <p:nvSpPr>
+          <p:cNvPr id="2" name="Title 1">
+            <a:extLst>
+              <a:ext uri="{FF2B5EF4-FFF2-40B4-BE49-F238E27FC236}">
+                <a16:creationId xmlns:a16="http://schemas.microsoft.com/office/drawing/2014/main" id="{4539F170-FB11-4DCA-B0D3-DCFA99C24D77}"/>
+              </a:ext>
+            </a:extLst>
+          </p:cNvPr>
+          <p:cNvSpPr>
+            <a:spLocks noGrp="1"/>
+          </p:cNvSpPr>
+          <p:nvPr>
+            <p:ph type="title"/>
+          </p:nvPr>
+        </p:nvSpPr>
+        <p:spPr>
+          <a:xfrm>
+            <a:off x="838200" y="365125"/>
+            <a:ext cx="3604708" cy="1325563"/>
+          </a:xfrm>
+        </p:spPr>
+        <p:txBody>
+          <a:bodyPr>
+            <a:normAutofit fontScale="90000"/>
+          </a:bodyPr>
+          <a:lstStyle/>
+          <a:p>
+            <a:r>
+              <a:rPr lang="en-US" dirty="0"/>
+              <a:t>Results—Efficiency Scores</a:t>
+            </a:r>
+          </a:p>
+        </p:txBody>
+      </p:sp>
+      <p:pic>
+        <p:nvPicPr>
+          <p:cNvPr id="4" name="Content Placeholder 3">
+            <a:extLst>
+              <a:ext uri="{FF2B5EF4-FFF2-40B4-BE49-F238E27FC236}">
+                <a16:creationId xmlns:a16="http://schemas.microsoft.com/office/drawing/2014/main" id="{6E1BB871-4874-4507-B870-6C576C974A5E}"/>
+              </a:ext>
+            </a:extLst>
+          </p:cNvPr>
+          <p:cNvPicPr>
+            <a:picLocks noGrp="1" noChangeAspect="1"/>
+          </p:cNvPicPr>
+          <p:nvPr>
+            <p:ph idx="1"/>
+          </p:nvPr>
+        </p:nvPicPr>
+        <p:blipFill>
+          <a:blip r:embed="rId2">
+            <a:extLst>
+              <a:ext uri="{BEBA8EAE-BF5A-486C-A8C5-ECC9F3942E4B}">
+                <a14:imgProps xmlns:a14="http://schemas.microsoft.com/office/drawing/2010/main">
+                  <a14:imgLayer r:embed="rId3">
+                    <a14:imgEffect>
+                      <a14:sharpenSoften amount="50000"/>
+                    </a14:imgEffect>
+                  </a14:imgLayer>
+                </a14:imgProps>
+              </a:ext>
+            </a:extLst>
+          </a:blip>
+          <a:stretch>
+            <a:fillRect/>
+          </a:stretch>
+        </p:blipFill>
+        <p:spPr>
+          <a:xfrm>
+            <a:off x="566459" y="2454803"/>
+            <a:ext cx="5214994" cy="3153252"/>
+          </a:xfrm>
+          <a:prstGeom prst="rect">
+            <a:avLst/>
+          </a:prstGeom>
+        </p:spPr>
+      </p:pic>
+      <p:pic>
+        <p:nvPicPr>
+          <p:cNvPr id="5" name="Content Placeholder 4">
+            <a:extLst>
+              <a:ext uri="{FF2B5EF4-FFF2-40B4-BE49-F238E27FC236}">
+                <a16:creationId xmlns:a16="http://schemas.microsoft.com/office/drawing/2014/main" id="{2C251FFC-818D-44C2-A5FD-E4B2B71AC469}"/>
+              </a:ext>
+            </a:extLst>
+          </p:cNvPr>
+          <p:cNvPicPr>
+            <a:picLocks noChangeAspect="1"/>
+          </p:cNvPicPr>
+          <p:nvPr/>
+        </p:nvPicPr>
+        <p:blipFill>
+          <a:blip r:embed="rId4">
+            <a:extLst>
+              <a:ext uri="{28A0092B-C50C-407E-A947-70E740481C1C}">
+                <a14:useLocalDpi xmlns:a14="http://schemas.microsoft.com/office/drawing/2010/main" val="0"/>
+              </a:ext>
+            </a:extLst>
+          </a:blip>
+          <a:stretch>
+            <a:fillRect/>
+          </a:stretch>
+        </p:blipFill>
+        <p:spPr>
+          <a:xfrm>
+            <a:off x="5512512" y="173916"/>
+            <a:ext cx="6510168" cy="6510168"/>
+          </a:xfrm>
+          <a:prstGeom prst="rect">
+            <a:avLst/>
+          </a:prstGeom>
+        </p:spPr>
+      </p:pic>
+    </p:spTree>
+    <p:extLst>
+      <p:ext uri="{BB962C8B-B14F-4D97-AF65-F5344CB8AC3E}">
+        <p14:creationId xmlns:p14="http://schemas.microsoft.com/office/powerpoint/2010/main" val="1702854630"/>
+      </p:ext>
+    </p:extLst>
+  </p:cSld>
+  <p:clrMapOvr>
+    <a:masterClrMapping/>
+  </p:clrMapOvr>
+</p:sld>
+</file>
+
+<file path=ppt/slides/slide12.xml><?xml version="1.0" encoding="utf-8"?>
+<p:sld xmlns:a="http://schemas.openxmlformats.org/drawingml/2006/main" xmlns:r="http://schemas.openxmlformats.org/officeDocument/2006/relationships" xmlns:p="http://schemas.openxmlformats.org/presentationml/2006/main">
+  <p:cSld>
+    <p:spTree>
+      <p:nvGrpSpPr>
+        <p:cNvPr id="1" name=""/>
+        <p:cNvGrpSpPr/>
+        <p:nvPr/>
+      </p:nvGrpSpPr>
+      <p:grpSpPr>
+        <a:xfrm>
+          <a:off x="0" y="0"/>
+          <a:ext cx="0" cy="0"/>
+          <a:chOff x="0" y="0"/>
+          <a:chExt cx="0" cy="0"/>
+        </a:xfrm>
+      </p:grpSpPr>
+      <p:sp>
+        <p:nvSpPr>
+          <p:cNvPr id="2" name="Title 1">
+            <a:extLst>
+              <a:ext uri="{FF2B5EF4-FFF2-40B4-BE49-F238E27FC236}">
+                <a16:creationId xmlns:a16="http://schemas.microsoft.com/office/drawing/2014/main" id="{EB909ADF-1944-4C2F-A330-ED669924A2AA}"/>
+              </a:ext>
+            </a:extLst>
+          </p:cNvPr>
+          <p:cNvSpPr>
+            <a:spLocks noGrp="1"/>
+          </p:cNvSpPr>
+          <p:nvPr>
+            <p:ph type="title"/>
+          </p:nvPr>
+        </p:nvSpPr>
+        <p:spPr>
+          <a:xfrm>
+            <a:off x="838200" y="214518"/>
+            <a:ext cx="3366248" cy="1248522"/>
+          </a:xfrm>
+        </p:spPr>
+        <p:txBody>
+          <a:bodyPr>
+            <a:normAutofit fontScale="90000"/>
+          </a:bodyPr>
+          <a:lstStyle/>
+          <a:p>
+            <a:r>
+              <a:rPr lang="en-US" dirty="0"/>
+              <a:t>Results--Benchmarking</a:t>
+            </a:r>
+          </a:p>
+        </p:txBody>
+      </p:sp>
+      <p:pic>
+        <p:nvPicPr>
+          <p:cNvPr id="5" name="Content Placeholder 4">
+            <a:extLst>
+              <a:ext uri="{FF2B5EF4-FFF2-40B4-BE49-F238E27FC236}">
+                <a16:creationId xmlns:a16="http://schemas.microsoft.com/office/drawing/2014/main" id="{8914BF99-5740-4B66-8356-C96C87E82EA0}"/>
+              </a:ext>
+            </a:extLst>
+          </p:cNvPr>
+          <p:cNvPicPr>
+            <a:picLocks noGrp="1" noChangeAspect="1"/>
+          </p:cNvPicPr>
+          <p:nvPr>
+            <p:ph idx="1"/>
+          </p:nvPr>
+        </p:nvPicPr>
+        <p:blipFill>
+          <a:blip r:embed="rId2">
+            <a:extLst>
+              <a:ext uri="{28A0092B-C50C-407E-A947-70E740481C1C}">
+                <a14:useLocalDpi xmlns:a14="http://schemas.microsoft.com/office/drawing/2010/main" val="0"/>
+              </a:ext>
+            </a:extLst>
+          </a:blip>
+          <a:stretch>
+            <a:fillRect/>
+          </a:stretch>
+        </p:blipFill>
+        <p:spPr>
+          <a:xfrm>
+            <a:off x="4745918" y="214518"/>
+            <a:ext cx="6510168" cy="6510168"/>
+          </a:xfrm>
+        </p:spPr>
+      </p:pic>
+    </p:spTree>
+    <p:extLst>
+      <p:ext uri="{BB962C8B-B14F-4D97-AF65-F5344CB8AC3E}">
+        <p14:creationId xmlns:p14="http://schemas.microsoft.com/office/powerpoint/2010/main" val="1590431977"/>
+      </p:ext>
+    </p:extLst>
+  </p:cSld>
+  <p:clrMapOvr>
+    <a:masterClrMapping/>
+  </p:clrMapOvr>
+</p:sld>
+</file>
+
+<file path=ppt/slides/slide13.xml><?xml version="1.0" encoding="utf-8"?>
+<p:sld xmlns:a="http://schemas.openxmlformats.org/drawingml/2006/main" xmlns:r="http://schemas.openxmlformats.org/officeDocument/2006/relationships" xmlns:p="http://schemas.openxmlformats.org/presentationml/2006/main">
+  <p:cSld>
+    <p:spTree>
+      <p:nvGrpSpPr>
+        <p:cNvPr id="1" name=""/>
+        <p:cNvGrpSpPr/>
+        <p:nvPr/>
+      </p:nvGrpSpPr>
+      <p:grpSpPr>
+        <a:xfrm>
+          <a:off x="0" y="0"/>
+          <a:ext cx="0" cy="0"/>
+          <a:chOff x="0" y="0"/>
+          <a:chExt cx="0" cy="0"/>
+        </a:xfrm>
+      </p:grpSpPr>
+      <p:sp>
+        <p:nvSpPr>
+          <p:cNvPr id="2" name="Title 1">
+            <a:extLst>
+              <a:ext uri="{FF2B5EF4-FFF2-40B4-BE49-F238E27FC236}">
+                <a16:creationId xmlns:a16="http://schemas.microsoft.com/office/drawing/2014/main" id="{1FF456C8-C6A2-4D29-AF1C-4E8FC5D3661F}"/>
+              </a:ext>
+            </a:extLst>
+          </p:cNvPr>
+          <p:cNvSpPr>
+            <a:spLocks noGrp="1"/>
+          </p:cNvSpPr>
+          <p:nvPr>
+            <p:ph type="title"/>
+          </p:nvPr>
+        </p:nvSpPr>
+        <p:spPr/>
+        <p:txBody>
+          <a:bodyPr/>
+          <a:lstStyle/>
+          <a:p>
+            <a:r>
+              <a:rPr lang="en-US" dirty="0"/>
+              <a:t>Multiple Output—Model Implementation</a:t>
+            </a:r>
+          </a:p>
+        </p:txBody>
+      </p:sp>
+      <p:pic>
+        <p:nvPicPr>
+          <p:cNvPr id="5" name="Picture 4">
+            <a:extLst>
+              <a:ext uri="{FF2B5EF4-FFF2-40B4-BE49-F238E27FC236}">
+                <a16:creationId xmlns:a16="http://schemas.microsoft.com/office/drawing/2014/main" id="{0589CA0C-60D9-4F8B-AD9E-01849188993B}"/>
+              </a:ext>
+            </a:extLst>
+          </p:cNvPr>
+          <p:cNvPicPr>
+            <a:picLocks noChangeAspect="1"/>
+          </p:cNvPicPr>
+          <p:nvPr/>
+        </p:nvPicPr>
+        <p:blipFill>
+          <a:blip r:embed="rId2"/>
+          <a:stretch>
+            <a:fillRect/>
+          </a:stretch>
+        </p:blipFill>
+        <p:spPr>
+          <a:xfrm>
+            <a:off x="838200" y="2280031"/>
+            <a:ext cx="10883942" cy="3292430"/>
+          </a:xfrm>
+          <a:prstGeom prst="rect">
+            <a:avLst/>
+          </a:prstGeom>
+        </p:spPr>
+      </p:pic>
+    </p:spTree>
+    <p:extLst>
+      <p:ext uri="{BB962C8B-B14F-4D97-AF65-F5344CB8AC3E}">
+        <p14:creationId xmlns:p14="http://schemas.microsoft.com/office/powerpoint/2010/main" val="1154755575"/>
+      </p:ext>
+    </p:extLst>
+  </p:cSld>
+  <p:clrMapOvr>
+    <a:masterClrMapping/>
+  </p:clrMapOvr>
+</p:sld>
+</file>
+
+<file path=ppt/slides/slide14.xml><?xml version="1.0" encoding="utf-8"?>
+<p:sld xmlns:a="http://schemas.openxmlformats.org/drawingml/2006/main" xmlns:r="http://schemas.openxmlformats.org/officeDocument/2006/relationships" xmlns:p="http://schemas.openxmlformats.org/presentationml/2006/main">
+  <p:cSld>
+    <p:spTree>
+      <p:nvGrpSpPr>
+        <p:cNvPr id="1" name=""/>
+        <p:cNvGrpSpPr/>
+        <p:nvPr/>
+      </p:nvGrpSpPr>
+      <p:grpSpPr>
+        <a:xfrm>
+          <a:off x="0" y="0"/>
+          <a:ext cx="0" cy="0"/>
+          <a:chOff x="0" y="0"/>
+          <a:chExt cx="0" cy="0"/>
+        </a:xfrm>
+      </p:grpSpPr>
+      <p:sp>
+        <p:nvSpPr>
+          <p:cNvPr id="2" name="Title 1">
+            <a:extLst>
+              <a:ext uri="{FF2B5EF4-FFF2-40B4-BE49-F238E27FC236}">
+                <a16:creationId xmlns:a16="http://schemas.microsoft.com/office/drawing/2014/main" id="{CA68B83A-1E11-499E-9FB6-CEDF61019D09}"/>
+              </a:ext>
+            </a:extLst>
+          </p:cNvPr>
+          <p:cNvSpPr>
+            <a:spLocks noGrp="1"/>
+          </p:cNvSpPr>
+          <p:nvPr>
+            <p:ph type="title"/>
+          </p:nvPr>
+        </p:nvSpPr>
+        <p:spPr/>
+        <p:txBody>
+          <a:bodyPr/>
+          <a:lstStyle/>
+          <a:p>
+            <a:r>
+              <a:rPr lang="en-US" dirty="0"/>
+              <a:t>Multiple Outputs—Results (Efficiencies)</a:t>
+            </a:r>
+          </a:p>
+        </p:txBody>
+      </p:sp>
+      <p:pic>
+        <p:nvPicPr>
+          <p:cNvPr id="5" name="Content Placeholder 4">
+            <a:extLst>
+              <a:ext uri="{FF2B5EF4-FFF2-40B4-BE49-F238E27FC236}">
+                <a16:creationId xmlns:a16="http://schemas.microsoft.com/office/drawing/2014/main" id="{1561721A-BF62-41A5-B388-FF13BA1EF30C}"/>
+              </a:ext>
+            </a:extLst>
+          </p:cNvPr>
+          <p:cNvPicPr>
+            <a:picLocks noGrp="1" noChangeAspect="1"/>
+          </p:cNvPicPr>
+          <p:nvPr>
+            <p:ph idx="1"/>
+          </p:nvPr>
+        </p:nvPicPr>
+        <p:blipFill>
+          <a:blip r:embed="rId2"/>
+          <a:stretch>
+            <a:fillRect/>
+          </a:stretch>
+        </p:blipFill>
+        <p:spPr>
+          <a:xfrm>
+            <a:off x="3962342" y="4284064"/>
+            <a:ext cx="4848225" cy="1543050"/>
+          </a:xfrm>
+          <a:prstGeom prst="rect">
+            <a:avLst/>
+          </a:prstGeom>
+        </p:spPr>
+      </p:pic>
+      <p:pic>
+        <p:nvPicPr>
+          <p:cNvPr id="4" name="Picture 3">
+            <a:extLst>
+              <a:ext uri="{FF2B5EF4-FFF2-40B4-BE49-F238E27FC236}">
+                <a16:creationId xmlns:a16="http://schemas.microsoft.com/office/drawing/2014/main" id="{047186E1-2D1D-463C-B1AF-D258B51373FB}"/>
+              </a:ext>
+            </a:extLst>
+          </p:cNvPr>
+          <p:cNvPicPr>
+            <a:picLocks noChangeAspect="1"/>
+          </p:cNvPicPr>
+          <p:nvPr/>
+        </p:nvPicPr>
+        <p:blipFill>
+          <a:blip r:embed="rId3"/>
+          <a:stretch>
+            <a:fillRect/>
+          </a:stretch>
+        </p:blipFill>
+        <p:spPr>
+          <a:xfrm>
+            <a:off x="3790893" y="1455139"/>
+            <a:ext cx="5191125" cy="2828925"/>
+          </a:xfrm>
+          <a:prstGeom prst="rect">
+            <a:avLst/>
+          </a:prstGeom>
+        </p:spPr>
+      </p:pic>
+    </p:spTree>
+    <p:extLst>
+      <p:ext uri="{BB962C8B-B14F-4D97-AF65-F5344CB8AC3E}">
+        <p14:creationId xmlns:p14="http://schemas.microsoft.com/office/powerpoint/2010/main" val="766157199"/>
+      </p:ext>
+    </p:extLst>
+  </p:cSld>
+  <p:clrMapOvr>
+    <a:masterClrMapping/>
+  </p:clrMapOvr>
+</p:sld>
+</file>
+
+<file path=ppt/slides/slide15.xml><?xml version="1.0" encoding="utf-8"?>
+<p:sld xmlns:a="http://schemas.openxmlformats.org/drawingml/2006/main" xmlns:r="http://schemas.openxmlformats.org/officeDocument/2006/relationships" xmlns:p="http://schemas.openxmlformats.org/presentationml/2006/main">
+  <p:cSld>
+    <p:spTree>
+      <p:nvGrpSpPr>
+        <p:cNvPr id="1" name=""/>
+        <p:cNvGrpSpPr/>
+        <p:nvPr/>
+      </p:nvGrpSpPr>
+      <p:grpSpPr>
+        <a:xfrm>
+          <a:off x="0" y="0"/>
+          <a:ext cx="0" cy="0"/>
+          <a:chOff x="0" y="0"/>
+          <a:chExt cx="0" cy="0"/>
+        </a:xfrm>
+      </p:grpSpPr>
       <p:pic>
         <p:nvPicPr>
           <p:cNvPr id="4" name="Picture 3">
@@ -4338,7 +4743,7 @@
 </p:sld>
 </file>
 
-<file path=ppt/slides/slide12.xml><?xml version="1.0" encoding="utf-8"?>
+<file path=ppt/slides/slide16.xml><?xml version="1.0" encoding="utf-8"?>
 <p:sld xmlns:a="http://schemas.openxmlformats.org/drawingml/2006/main" xmlns:r="http://schemas.openxmlformats.org/officeDocument/2006/relationships" xmlns:p="http://schemas.openxmlformats.org/presentationml/2006/main">
   <p:cSld>
     <p:spTree>
@@ -4398,7 +4803,7 @@
 </p:sld>
 </file>
 
-<file path=ppt/slides/slide13.xml><?xml version="1.0" encoding="utf-8"?>
+<file path=ppt/slides/slide17.xml><?xml version="1.0" encoding="utf-8"?>
 <p:sld xmlns:a="http://schemas.openxmlformats.org/drawingml/2006/main" xmlns:r="http://schemas.openxmlformats.org/officeDocument/2006/relationships" xmlns:p="http://schemas.openxmlformats.org/presentationml/2006/main">
   <p:cSld>
     <p:spTree>
@@ -4528,1191 +4933,6 @@
 </p:sld>
 </file>
 
-<file path=ppt/slides/slide14.xml><?xml version="1.0" encoding="utf-8"?>
-<p:sld xmlns:a="http://schemas.openxmlformats.org/drawingml/2006/main" xmlns:r="http://schemas.openxmlformats.org/officeDocument/2006/relationships" xmlns:p="http://schemas.openxmlformats.org/presentationml/2006/main">
-  <p:cSld>
-    <p:spTree>
-      <p:nvGrpSpPr>
-        <p:cNvPr id="1" name=""/>
-        <p:cNvGrpSpPr/>
-        <p:nvPr/>
-      </p:nvGrpSpPr>
-      <p:grpSpPr>
-        <a:xfrm>
-          <a:off x="0" y="0"/>
-          <a:ext cx="0" cy="0"/>
-          <a:chOff x="0" y="0"/>
-          <a:chExt cx="0" cy="0"/>
-        </a:xfrm>
-      </p:grpSpPr>
-      <p:sp>
-        <p:nvSpPr>
-          <p:cNvPr id="2" name="Title 1">
-            <a:extLst>
-              <a:ext uri="{FF2B5EF4-FFF2-40B4-BE49-F238E27FC236}">
-                <a16:creationId xmlns:a16="http://schemas.microsoft.com/office/drawing/2014/main" id="{BC2B55BE-5D80-40DB-9A24-7FEDBF9642C8}"/>
-              </a:ext>
-            </a:extLst>
-          </p:cNvPr>
-          <p:cNvSpPr>
-            <a:spLocks noGrp="1"/>
-          </p:cNvSpPr>
-          <p:nvPr>
-            <p:ph type="title"/>
-          </p:nvPr>
-        </p:nvSpPr>
-        <p:spPr/>
-        <p:txBody>
-          <a:bodyPr/>
-          <a:lstStyle/>
-          <a:p>
-            <a:endParaRPr lang="en-US"/>
-          </a:p>
-        </p:txBody>
-      </p:sp>
-      <p:sp>
-        <p:nvSpPr>
-          <p:cNvPr id="3" name="Content Placeholder 2">
-            <a:extLst>
-              <a:ext uri="{FF2B5EF4-FFF2-40B4-BE49-F238E27FC236}">
-                <a16:creationId xmlns:a16="http://schemas.microsoft.com/office/drawing/2014/main" id="{FF29E8EA-4B9D-4DF4-BCD4-2C8CFBED35A2}"/>
-              </a:ext>
-            </a:extLst>
-          </p:cNvPr>
-          <p:cNvSpPr>
-            <a:spLocks noGrp="1"/>
-          </p:cNvSpPr>
-          <p:nvPr>
-            <p:ph idx="1"/>
-          </p:nvPr>
-        </p:nvSpPr>
-        <p:spPr/>
-        <p:txBody>
-          <a:bodyPr/>
-          <a:lstStyle/>
-          <a:p>
-            <a:endParaRPr lang="en-US"/>
-          </a:p>
-        </p:txBody>
-      </p:sp>
-    </p:spTree>
-    <p:extLst>
-      <p:ext uri="{BB962C8B-B14F-4D97-AF65-F5344CB8AC3E}">
-        <p14:creationId xmlns:p14="http://schemas.microsoft.com/office/powerpoint/2010/main" val="2034113325"/>
-      </p:ext>
-    </p:extLst>
-  </p:cSld>
-  <p:clrMapOvr>
-    <a:masterClrMapping/>
-  </p:clrMapOvr>
-</p:sld>
-</file>
-
-<file path=ppt/slides/slide15.xml><?xml version="1.0" encoding="utf-8"?>
-<p:sld xmlns:a="http://schemas.openxmlformats.org/drawingml/2006/main" xmlns:r="http://schemas.openxmlformats.org/officeDocument/2006/relationships" xmlns:p="http://schemas.openxmlformats.org/presentationml/2006/main">
-  <p:cSld>
-    <p:spTree>
-      <p:nvGrpSpPr>
-        <p:cNvPr id="1" name=""/>
-        <p:cNvGrpSpPr/>
-        <p:nvPr/>
-      </p:nvGrpSpPr>
-      <p:grpSpPr>
-        <a:xfrm>
-          <a:off x="0" y="0"/>
-          <a:ext cx="0" cy="0"/>
-          <a:chOff x="0" y="0"/>
-          <a:chExt cx="0" cy="0"/>
-        </a:xfrm>
-      </p:grpSpPr>
-      <p:sp>
-        <p:nvSpPr>
-          <p:cNvPr id="2" name="Title 1">
-            <a:extLst>
-              <a:ext uri="{FF2B5EF4-FFF2-40B4-BE49-F238E27FC236}">
-                <a16:creationId xmlns:a16="http://schemas.microsoft.com/office/drawing/2014/main" id="{2A7E08FB-3069-415B-BE83-8304B610038B}"/>
-              </a:ext>
-            </a:extLst>
-          </p:cNvPr>
-          <p:cNvSpPr>
-            <a:spLocks noGrp="1"/>
-          </p:cNvSpPr>
-          <p:nvPr>
-            <p:ph type="title"/>
-          </p:nvPr>
-        </p:nvSpPr>
-        <p:spPr/>
-        <p:txBody>
-          <a:bodyPr/>
-          <a:lstStyle/>
-          <a:p>
-            <a:endParaRPr lang="en-US"/>
-          </a:p>
-        </p:txBody>
-      </p:sp>
-      <p:sp>
-        <p:nvSpPr>
-          <p:cNvPr id="3" name="Content Placeholder 2">
-            <a:extLst>
-              <a:ext uri="{FF2B5EF4-FFF2-40B4-BE49-F238E27FC236}">
-                <a16:creationId xmlns:a16="http://schemas.microsoft.com/office/drawing/2014/main" id="{463B79CD-172F-4555-9EF1-D5288066546F}"/>
-              </a:ext>
-            </a:extLst>
-          </p:cNvPr>
-          <p:cNvSpPr>
-            <a:spLocks noGrp="1"/>
-          </p:cNvSpPr>
-          <p:nvPr>
-            <p:ph idx="1"/>
-          </p:nvPr>
-        </p:nvSpPr>
-        <p:spPr/>
-        <p:txBody>
-          <a:bodyPr/>
-          <a:lstStyle/>
-          <a:p>
-            <a:endParaRPr lang="en-US"/>
-          </a:p>
-        </p:txBody>
-      </p:sp>
-    </p:spTree>
-    <p:extLst>
-      <p:ext uri="{BB962C8B-B14F-4D97-AF65-F5344CB8AC3E}">
-        <p14:creationId xmlns:p14="http://schemas.microsoft.com/office/powerpoint/2010/main" val="2537139263"/>
-      </p:ext>
-    </p:extLst>
-  </p:cSld>
-  <p:clrMapOvr>
-    <a:masterClrMapping/>
-  </p:clrMapOvr>
-</p:sld>
-</file>
-
-<file path=ppt/slides/slide16.xml><?xml version="1.0" encoding="utf-8"?>
-<p:sld xmlns:a="http://schemas.openxmlformats.org/drawingml/2006/main" xmlns:r="http://schemas.openxmlformats.org/officeDocument/2006/relationships" xmlns:p="http://schemas.openxmlformats.org/presentationml/2006/main">
-  <p:cSld>
-    <p:spTree>
-      <p:nvGrpSpPr>
-        <p:cNvPr id="1" name=""/>
-        <p:cNvGrpSpPr/>
-        <p:nvPr/>
-      </p:nvGrpSpPr>
-      <p:grpSpPr>
-        <a:xfrm>
-          <a:off x="0" y="0"/>
-          <a:ext cx="0" cy="0"/>
-          <a:chOff x="0" y="0"/>
-          <a:chExt cx="0" cy="0"/>
-        </a:xfrm>
-      </p:grpSpPr>
-      <p:sp>
-        <p:nvSpPr>
-          <p:cNvPr id="2" name="Title 1">
-            <a:extLst>
-              <a:ext uri="{FF2B5EF4-FFF2-40B4-BE49-F238E27FC236}">
-                <a16:creationId xmlns:a16="http://schemas.microsoft.com/office/drawing/2014/main" id="{BEE12DD3-4FC8-40EC-9CE6-B874524424F7}"/>
-              </a:ext>
-            </a:extLst>
-          </p:cNvPr>
-          <p:cNvSpPr>
-            <a:spLocks noGrp="1"/>
-          </p:cNvSpPr>
-          <p:nvPr>
-            <p:ph type="title"/>
-          </p:nvPr>
-        </p:nvSpPr>
-        <p:spPr/>
-        <p:txBody>
-          <a:bodyPr/>
-          <a:lstStyle/>
-          <a:p>
-            <a:r>
-              <a:rPr lang="en-US" dirty="0"/>
-              <a:t>LP Model</a:t>
-            </a:r>
-          </a:p>
-        </p:txBody>
-      </p:sp>
-      <p:grpSp>
-        <p:nvGrpSpPr>
-          <p:cNvPr id="16" name="Group 15">
-            <a:extLst>
-              <a:ext uri="{FF2B5EF4-FFF2-40B4-BE49-F238E27FC236}">
-                <a16:creationId xmlns:a16="http://schemas.microsoft.com/office/drawing/2014/main" id="{F8001E09-7002-4140-B435-29CF824C5CD8}"/>
-              </a:ext>
-            </a:extLst>
-          </p:cNvPr>
-          <p:cNvGrpSpPr/>
-          <p:nvPr/>
-        </p:nvGrpSpPr>
-        <p:grpSpPr>
-          <a:xfrm>
-            <a:off x="4884519" y="3929763"/>
-            <a:ext cx="1070091" cy="877944"/>
-            <a:chOff x="5194008" y="4112643"/>
-            <a:chExt cx="1070091" cy="877944"/>
-          </a:xfrm>
-        </p:grpSpPr>
-        <mc:AlternateContent xmlns:mc="http://schemas.openxmlformats.org/markup-compatibility/2006" xmlns:a14="http://schemas.microsoft.com/office/drawing/2010/main">
-          <mc:Choice Requires="a14">
-            <p:sp>
-              <p:nvSpPr>
-                <p:cNvPr id="10" name="TextBox 9">
-                  <a:extLst>
-                    <a:ext uri="{FF2B5EF4-FFF2-40B4-BE49-F238E27FC236}">
-                      <a16:creationId xmlns:a16="http://schemas.microsoft.com/office/drawing/2014/main" id="{2CA41B11-7F86-4CD4-9E01-9A01B37F72FC}"/>
-                    </a:ext>
-                  </a:extLst>
-                </p:cNvPr>
-                <p:cNvSpPr txBox="1"/>
-                <p:nvPr/>
-              </p:nvSpPr>
-              <p:spPr>
-                <a:xfrm>
-                  <a:off x="5201051" y="4112643"/>
-                  <a:ext cx="1063048" cy="276999"/>
-                </a:xfrm>
-                <a:prstGeom prst="rect">
-                  <a:avLst/>
-                </a:prstGeom>
-                <a:noFill/>
-              </p:spPr>
-              <p:txBody>
-                <a:bodyPr wrap="none" lIns="0" tIns="0" rIns="0" bIns="0" rtlCol="0">
-                  <a:spAutoFit/>
-                </a:bodyPr>
-                <a:lstStyle/>
-                <a:p>
-                  <a:pPr/>
-                  <a14:m>
-                    <m:oMathPara xmlns:m="http://schemas.openxmlformats.org/officeDocument/2006/math">
-                      <m:oMathParaPr>
-                        <m:jc m:val="centerGroup"/>
-                      </m:oMathParaPr>
-                      <m:oMath xmlns:m="http://schemas.openxmlformats.org/officeDocument/2006/math">
-                        <m:sSub>
-                          <m:sSubPr>
-                            <m:ctrlPr>
-                              <a:rPr lang="en-US" b="0" i="1" smtClean="0">
-                                <a:latin typeface="Cambria Math" panose="02040503050406030204" pitchFamily="18" charset="0"/>
-                              </a:rPr>
-                            </m:ctrlPr>
-                          </m:sSubPr>
-                          <m:e>
-                            <m:r>
-                              <a:rPr lang="en-US" b="0" i="1" smtClean="0">
-                                <a:latin typeface="Cambria Math" panose="02040503050406030204" pitchFamily="18" charset="0"/>
-                              </a:rPr>
-                              <m:t>𝑥</m:t>
-                            </m:r>
-                          </m:e>
-                          <m:sub>
-                            <m:r>
-                              <a:rPr lang="en-US" b="0" i="1" smtClean="0">
-                                <a:latin typeface="Cambria Math" panose="02040503050406030204" pitchFamily="18" charset="0"/>
-                              </a:rPr>
-                              <m:t>𝑖</m:t>
-                            </m:r>
-                          </m:sub>
-                        </m:sSub>
-                        <m:r>
-                          <a:rPr lang="en-US" b="0" i="1" smtClean="0">
-                            <a:latin typeface="Cambria Math" panose="02040503050406030204" pitchFamily="18" charset="0"/>
-                            <a:ea typeface="Cambria Math" panose="02040503050406030204" pitchFamily="18" charset="0"/>
-                          </a:rPr>
-                          <m:t>≤1000</m:t>
-                        </m:r>
-                      </m:oMath>
-                    </m:oMathPara>
-                  </a14:m>
-                  <a:endParaRPr lang="en-US" dirty="0"/>
-                </a:p>
-              </p:txBody>
-            </p:sp>
-          </mc:Choice>
-          <mc:Fallback xmlns="">
-            <p:sp>
-              <p:nvSpPr>
-                <p:cNvPr id="10" name="TextBox 9">
-                  <a:extLst>
-                    <a:ext uri="{FF2B5EF4-FFF2-40B4-BE49-F238E27FC236}">
-                      <a16:creationId xmlns:a16="http://schemas.microsoft.com/office/drawing/2014/main" id="{2CA41B11-7F86-4CD4-9E01-9A01B37F72FC}"/>
-                    </a:ext>
-                  </a:extLst>
-                </p:cNvPr>
-                <p:cNvSpPr txBox="1">
-                  <a:spLocks noRot="1" noChangeAspect="1" noMove="1" noResize="1" noEditPoints="1" noAdjustHandles="1" noChangeArrowheads="1" noChangeShapeType="1" noTextEdit="1"/>
-                </p:cNvSpPr>
-                <p:nvPr/>
-              </p:nvSpPr>
-              <p:spPr>
-                <a:xfrm>
-                  <a:off x="5201051" y="4112643"/>
-                  <a:ext cx="1063048" cy="276999"/>
-                </a:xfrm>
-                <a:prstGeom prst="rect">
-                  <a:avLst/>
-                </a:prstGeom>
-                <a:blipFill>
-                  <a:blip r:embed="rId2"/>
-                  <a:stretch>
-                    <a:fillRect l="-2857" r="-5143" b="-17778"/>
-                  </a:stretch>
-                </a:blipFill>
-              </p:spPr>
-              <p:txBody>
-                <a:bodyPr/>
-                <a:lstStyle/>
-                <a:p>
-                  <a:r>
-                    <a:rPr lang="en-US">
-                      <a:noFill/>
-                    </a:rPr>
-                    <a:t> </a:t>
-                  </a:r>
-                </a:p>
-              </p:txBody>
-            </p:sp>
-          </mc:Fallback>
-        </mc:AlternateContent>
-        <mc:AlternateContent xmlns:mc="http://schemas.openxmlformats.org/markup-compatibility/2006" xmlns:a14="http://schemas.microsoft.com/office/drawing/2010/main">
-          <mc:Choice Requires="a14">
-            <p:sp>
-              <p:nvSpPr>
-                <p:cNvPr id="11" name="TextBox 10">
-                  <a:extLst>
-                    <a:ext uri="{FF2B5EF4-FFF2-40B4-BE49-F238E27FC236}">
-                      <a16:creationId xmlns:a16="http://schemas.microsoft.com/office/drawing/2014/main" id="{2B19F9F1-C417-4D30-AB6F-5B8BA339644D}"/>
-                    </a:ext>
-                  </a:extLst>
-                </p:cNvPr>
-                <p:cNvSpPr txBox="1"/>
-                <p:nvPr/>
-              </p:nvSpPr>
-              <p:spPr>
-                <a:xfrm>
-                  <a:off x="5194008" y="4713588"/>
-                  <a:ext cx="1006238" cy="276999"/>
-                </a:xfrm>
-                <a:prstGeom prst="rect">
-                  <a:avLst/>
-                </a:prstGeom>
-                <a:noFill/>
-              </p:spPr>
-              <p:txBody>
-                <a:bodyPr wrap="none" lIns="0" tIns="0" rIns="0" bIns="0" rtlCol="0">
-                  <a:spAutoFit/>
-                </a:bodyPr>
-                <a:lstStyle/>
-                <a:p>
-                  <a:pPr/>
-                  <a14:m>
-                    <m:oMathPara xmlns:m="http://schemas.openxmlformats.org/officeDocument/2006/math">
-                      <m:oMathParaPr>
-                        <m:jc m:val="centerGroup"/>
-                      </m:oMathParaPr>
-                      <m:oMath xmlns:m="http://schemas.openxmlformats.org/officeDocument/2006/math">
-                        <m:sSub>
-                          <m:sSubPr>
-                            <m:ctrlPr>
-                              <a:rPr lang="en-US" b="0" i="1" smtClean="0">
-                                <a:latin typeface="Cambria Math" panose="02040503050406030204" pitchFamily="18" charset="0"/>
-                              </a:rPr>
-                            </m:ctrlPr>
-                          </m:sSubPr>
-                          <m:e>
-                            <m:r>
-                              <a:rPr lang="en-US" b="0" i="1" smtClean="0">
-                                <a:latin typeface="Cambria Math" panose="02040503050406030204" pitchFamily="18" charset="0"/>
-                              </a:rPr>
-                              <m:t>𝑥</m:t>
-                            </m:r>
-                          </m:e>
-                          <m:sub>
-                            <m:r>
-                              <a:rPr lang="en-US" b="0" i="1" smtClean="0">
-                                <a:latin typeface="Cambria Math" panose="02040503050406030204" pitchFamily="18" charset="0"/>
-                              </a:rPr>
-                              <m:t>𝑖</m:t>
-                            </m:r>
-                          </m:sub>
-                        </m:sSub>
-                        <m:r>
-                          <a:rPr lang="en-US" b="0" i="1" smtClean="0">
-                            <a:latin typeface="Cambria Math" panose="02040503050406030204" pitchFamily="18" charset="0"/>
-                            <a:ea typeface="Cambria Math" panose="02040503050406030204" pitchFamily="18" charset="0"/>
-                          </a:rPr>
-                          <m:t>≥0 ∀ </m:t>
-                        </m:r>
-                        <m:r>
-                          <a:rPr lang="en-US" b="0" i="1" smtClean="0">
-                            <a:latin typeface="Cambria Math" panose="02040503050406030204" pitchFamily="18" charset="0"/>
-                            <a:ea typeface="Cambria Math" panose="02040503050406030204" pitchFamily="18" charset="0"/>
-                          </a:rPr>
-                          <m:t>𝑖</m:t>
-                        </m:r>
-                      </m:oMath>
-                    </m:oMathPara>
-                  </a14:m>
-                  <a:endParaRPr lang="en-US" dirty="0"/>
-                </a:p>
-              </p:txBody>
-            </p:sp>
-          </mc:Choice>
-          <mc:Fallback xmlns="">
-            <p:sp>
-              <p:nvSpPr>
-                <p:cNvPr id="11" name="TextBox 10">
-                  <a:extLst>
-                    <a:ext uri="{FF2B5EF4-FFF2-40B4-BE49-F238E27FC236}">
-                      <a16:creationId xmlns:a16="http://schemas.microsoft.com/office/drawing/2014/main" id="{2B19F9F1-C417-4D30-AB6F-5B8BA339644D}"/>
-                    </a:ext>
-                  </a:extLst>
-                </p:cNvPr>
-                <p:cNvSpPr txBox="1">
-                  <a:spLocks noRot="1" noChangeAspect="1" noMove="1" noResize="1" noEditPoints="1" noAdjustHandles="1" noChangeArrowheads="1" noChangeShapeType="1" noTextEdit="1"/>
-                </p:cNvSpPr>
-                <p:nvPr/>
-              </p:nvSpPr>
-              <p:spPr>
-                <a:xfrm>
-                  <a:off x="5194008" y="4713588"/>
-                  <a:ext cx="1006238" cy="276999"/>
-                </a:xfrm>
-                <a:prstGeom prst="rect">
-                  <a:avLst/>
-                </a:prstGeom>
-                <a:blipFill>
-                  <a:blip r:embed="rId3"/>
-                  <a:stretch>
-                    <a:fillRect l="-3030" r="-4848" b="-17391"/>
-                  </a:stretch>
-                </a:blipFill>
-              </p:spPr>
-              <p:txBody>
-                <a:bodyPr/>
-                <a:lstStyle/>
-                <a:p>
-                  <a:r>
-                    <a:rPr lang="en-US">
-                      <a:noFill/>
-                    </a:rPr>
-                    <a:t> </a:t>
-                  </a:r>
-                </a:p>
-              </p:txBody>
-            </p:sp>
-          </mc:Fallback>
-        </mc:AlternateContent>
-      </p:grpSp>
-      <p:grpSp>
-        <p:nvGrpSpPr>
-          <p:cNvPr id="14" name="Group 13">
-            <a:extLst>
-              <a:ext uri="{FF2B5EF4-FFF2-40B4-BE49-F238E27FC236}">
-                <a16:creationId xmlns:a16="http://schemas.microsoft.com/office/drawing/2014/main" id="{6E641658-70D8-4142-88AB-A161757EF17A}"/>
-              </a:ext>
-            </a:extLst>
-          </p:cNvPr>
-          <p:cNvGrpSpPr/>
-          <p:nvPr/>
-        </p:nvGrpSpPr>
-        <p:grpSpPr>
-          <a:xfrm>
-            <a:off x="4132562" y="1541404"/>
-            <a:ext cx="2741832" cy="788549"/>
-            <a:chOff x="4132562" y="1541404"/>
-            <a:chExt cx="2741832" cy="788549"/>
-          </a:xfrm>
-        </p:grpSpPr>
-        <mc:AlternateContent xmlns:mc="http://schemas.openxmlformats.org/markup-compatibility/2006" xmlns:a14="http://schemas.microsoft.com/office/drawing/2010/main">
-          <mc:Choice Requires="a14">
-            <p:sp>
-              <p:nvSpPr>
-                <p:cNvPr id="6" name="TextBox 5">
-                  <a:extLst>
-                    <a:ext uri="{FF2B5EF4-FFF2-40B4-BE49-F238E27FC236}">
-                      <a16:creationId xmlns:a16="http://schemas.microsoft.com/office/drawing/2014/main" id="{BDF9EAF5-0B0B-409A-9646-C1D4CDB53CC7}"/>
-                    </a:ext>
-                  </a:extLst>
-                </p:cNvPr>
-                <p:cNvSpPr txBox="1"/>
-                <p:nvPr/>
-              </p:nvSpPr>
-              <p:spPr>
-                <a:xfrm>
-                  <a:off x="4590756" y="1541404"/>
-                  <a:ext cx="2283638" cy="788549"/>
-                </a:xfrm>
-                <a:prstGeom prst="rect">
-                  <a:avLst/>
-                </a:prstGeom>
-                <a:noFill/>
-              </p:spPr>
-              <p:txBody>
-                <a:bodyPr wrap="none" lIns="0" tIns="0" rIns="0" bIns="0" rtlCol="0">
-                  <a:spAutoFit/>
-                </a:bodyPr>
-                <a:lstStyle/>
-                <a:p>
-                  <a:pPr/>
-                  <a14:m>
-                    <m:oMathPara xmlns:m="http://schemas.openxmlformats.org/officeDocument/2006/math">
-                      <m:oMathParaPr>
-                        <m:jc m:val="centerGroup"/>
-                      </m:oMathParaPr>
-                      <m:oMath xmlns:m="http://schemas.openxmlformats.org/officeDocument/2006/math">
-                        <m:nary>
-                          <m:naryPr>
-                            <m:chr m:val="∑"/>
-                            <m:ctrlPr>
-                              <a:rPr lang="en-US" i="1" smtClean="0">
-                                <a:latin typeface="Cambria Math" panose="02040503050406030204" pitchFamily="18" charset="0"/>
-                              </a:rPr>
-                            </m:ctrlPr>
-                          </m:naryPr>
-                          <m:sub>
-                            <m:r>
-                              <m:rPr>
-                                <m:brk m:alnAt="23"/>
-                              </m:rPr>
-                              <a:rPr lang="en-US" b="0" i="1" smtClean="0">
-                                <a:latin typeface="Cambria Math" panose="02040503050406030204" pitchFamily="18" charset="0"/>
-                              </a:rPr>
-                              <m:t>𝑖</m:t>
-                            </m:r>
-                            <m:r>
-                              <a:rPr lang="en-US" b="0" i="1" smtClean="0">
-                                <a:latin typeface="Cambria Math" panose="02040503050406030204" pitchFamily="18" charset="0"/>
-                              </a:rPr>
-                              <m:t>=1</m:t>
-                            </m:r>
-                          </m:sub>
-                          <m:sup>
-                            <m:r>
-                              <a:rPr lang="en-US" b="0" i="1" smtClean="0">
-                                <a:latin typeface="Cambria Math" panose="02040503050406030204" pitchFamily="18" charset="0"/>
-                              </a:rPr>
-                              <m:t>#</m:t>
-                            </m:r>
-                            <m:r>
-                              <a:rPr lang="en-US" b="0" i="1" smtClean="0">
-                                <a:latin typeface="Cambria Math" panose="02040503050406030204" pitchFamily="18" charset="0"/>
-                              </a:rPr>
-                              <m:t>𝐶𝑜𝑢𝑛𝑡𝑟𝑖𝑒𝑠</m:t>
-                            </m:r>
-                          </m:sup>
-                          <m:e>
-                            <m:r>
-                              <a:rPr lang="en-US" b="0" i="1" smtClean="0">
-                                <a:latin typeface="Cambria Math" panose="02040503050406030204" pitchFamily="18" charset="0"/>
-                              </a:rPr>
-                              <m:t>𝑆𝑝𝑒𝑛𝑑𝐸𝑓</m:t>
-                            </m:r>
-                            <m:sSub>
-                              <m:sSubPr>
-                                <m:ctrlPr>
-                                  <a:rPr lang="en-US" b="0" i="1" smtClean="0">
-                                    <a:latin typeface="Cambria Math" panose="02040503050406030204" pitchFamily="18" charset="0"/>
-                                  </a:rPr>
-                                </m:ctrlPr>
-                              </m:sSubPr>
-                              <m:e>
-                                <m:r>
-                                  <a:rPr lang="en-US" b="0" i="1" smtClean="0">
-                                    <a:latin typeface="Cambria Math" panose="02040503050406030204" pitchFamily="18" charset="0"/>
-                                  </a:rPr>
-                                  <m:t>𝑓</m:t>
-                                </m:r>
-                              </m:e>
-                              <m:sub>
-                                <m:r>
-                                  <a:rPr lang="en-US" b="0" i="1" smtClean="0">
-                                    <a:latin typeface="Cambria Math" panose="02040503050406030204" pitchFamily="18" charset="0"/>
-                                  </a:rPr>
-                                  <m:t>𝑖</m:t>
-                                </m:r>
-                              </m:sub>
-                            </m:sSub>
-                            <m:sSub>
-                              <m:sSubPr>
-                                <m:ctrlPr>
-                                  <a:rPr lang="en-US" b="0" i="1" smtClean="0">
-                                    <a:latin typeface="Cambria Math" panose="02040503050406030204" pitchFamily="18" charset="0"/>
-                                  </a:rPr>
-                                </m:ctrlPr>
-                              </m:sSubPr>
-                              <m:e>
-                                <m:r>
-                                  <a:rPr lang="en-US" b="0" i="1" smtClean="0">
-                                    <a:latin typeface="Cambria Math" panose="02040503050406030204" pitchFamily="18" charset="0"/>
-                                  </a:rPr>
-                                  <m:t>𝑥</m:t>
-                                </m:r>
-                              </m:e>
-                              <m:sub>
-                                <m:r>
-                                  <a:rPr lang="en-US" b="0" i="1" smtClean="0">
-                                    <a:latin typeface="Cambria Math" panose="02040503050406030204" pitchFamily="18" charset="0"/>
-                                  </a:rPr>
-                                  <m:t>𝑖</m:t>
-                                </m:r>
-                              </m:sub>
-                            </m:sSub>
-                          </m:e>
-                        </m:nary>
-                      </m:oMath>
-                    </m:oMathPara>
-                  </a14:m>
-                  <a:endParaRPr lang="en-US" dirty="0"/>
-                </a:p>
-              </p:txBody>
-            </p:sp>
-          </mc:Choice>
-          <mc:Fallback xmlns="">
-            <p:sp>
-              <p:nvSpPr>
-                <p:cNvPr id="6" name="TextBox 5">
-                  <a:extLst>
-                    <a:ext uri="{FF2B5EF4-FFF2-40B4-BE49-F238E27FC236}">
-                      <a16:creationId xmlns:a16="http://schemas.microsoft.com/office/drawing/2014/main" id="{BDF9EAF5-0B0B-409A-9646-C1D4CDB53CC7}"/>
-                    </a:ext>
-                  </a:extLst>
-                </p:cNvPr>
-                <p:cNvSpPr txBox="1">
-                  <a:spLocks noRot="1" noChangeAspect="1" noMove="1" noResize="1" noEditPoints="1" noAdjustHandles="1" noChangeArrowheads="1" noChangeShapeType="1" noTextEdit="1"/>
-                </p:cNvSpPr>
-                <p:nvPr/>
-              </p:nvSpPr>
-              <p:spPr>
-                <a:xfrm>
-                  <a:off x="4590756" y="1541404"/>
-                  <a:ext cx="2283638" cy="788549"/>
-                </a:xfrm>
-                <a:prstGeom prst="rect">
-                  <a:avLst/>
-                </a:prstGeom>
-                <a:blipFill>
-                  <a:blip r:embed="rId4"/>
-                  <a:stretch>
-                    <a:fillRect/>
-                  </a:stretch>
-                </a:blipFill>
-              </p:spPr>
-              <p:txBody>
-                <a:bodyPr/>
-                <a:lstStyle/>
-                <a:p>
-                  <a:r>
-                    <a:rPr lang="en-US">
-                      <a:noFill/>
-                    </a:rPr>
-                    <a:t> </a:t>
-                  </a:r>
-                </a:p>
-              </p:txBody>
-            </p:sp>
-          </mc:Fallback>
-        </mc:AlternateContent>
-        <mc:AlternateContent xmlns:mc="http://schemas.openxmlformats.org/markup-compatibility/2006" xmlns:a14="http://schemas.microsoft.com/office/drawing/2010/main">
-          <mc:Choice Requires="a14">
-            <p:sp>
-              <p:nvSpPr>
-                <p:cNvPr id="12" name="TextBox 11">
-                  <a:extLst>
-                    <a:ext uri="{FF2B5EF4-FFF2-40B4-BE49-F238E27FC236}">
-                      <a16:creationId xmlns:a16="http://schemas.microsoft.com/office/drawing/2014/main" id="{25FE94E5-DED9-45CA-8917-CFA4F0059D6B}"/>
-                    </a:ext>
-                  </a:extLst>
-                </p:cNvPr>
-                <p:cNvSpPr txBox="1"/>
-                <p:nvPr/>
-              </p:nvSpPr>
-              <p:spPr>
-                <a:xfrm>
-                  <a:off x="4132562" y="1856062"/>
-                  <a:ext cx="572056" cy="276999"/>
-                </a:xfrm>
-                <a:prstGeom prst="rect">
-                  <a:avLst/>
-                </a:prstGeom>
-                <a:noFill/>
-              </p:spPr>
-              <p:txBody>
-                <a:bodyPr wrap="square" lIns="0" tIns="0" rIns="0" bIns="0" rtlCol="0">
-                  <a:spAutoFit/>
-                </a:bodyPr>
-                <a:lstStyle/>
-                <a:p>
-                  <a:pPr/>
-                  <a14:m>
-                    <m:oMathPara xmlns:m="http://schemas.openxmlformats.org/officeDocument/2006/math">
-                      <m:oMathParaPr>
-                        <m:jc m:val="centerGroup"/>
-                      </m:oMathParaPr>
-                      <m:oMath xmlns:m="http://schemas.openxmlformats.org/officeDocument/2006/math">
-                        <m:r>
-                          <a:rPr lang="en-US" b="0" i="1" smtClean="0">
-                            <a:latin typeface="Cambria Math" panose="02040503050406030204" pitchFamily="18" charset="0"/>
-                          </a:rPr>
-                          <m:t>𝑀𝑎𝑥</m:t>
-                        </m:r>
-                      </m:oMath>
-                    </m:oMathPara>
-                  </a14:m>
-                  <a:endParaRPr lang="en-US" dirty="0"/>
-                </a:p>
-              </p:txBody>
-            </p:sp>
-          </mc:Choice>
-          <mc:Fallback xmlns="">
-            <p:sp>
-              <p:nvSpPr>
-                <p:cNvPr id="12" name="TextBox 11">
-                  <a:extLst>
-                    <a:ext uri="{FF2B5EF4-FFF2-40B4-BE49-F238E27FC236}">
-                      <a16:creationId xmlns:a16="http://schemas.microsoft.com/office/drawing/2014/main" id="{25FE94E5-DED9-45CA-8917-CFA4F0059D6B}"/>
-                    </a:ext>
-                  </a:extLst>
-                </p:cNvPr>
-                <p:cNvSpPr txBox="1">
-                  <a:spLocks noRot="1" noChangeAspect="1" noMove="1" noResize="1" noEditPoints="1" noAdjustHandles="1" noChangeArrowheads="1" noChangeShapeType="1" noTextEdit="1"/>
-                </p:cNvSpPr>
-                <p:nvPr/>
-              </p:nvSpPr>
-              <p:spPr>
-                <a:xfrm>
-                  <a:off x="4132562" y="1856062"/>
-                  <a:ext cx="572056" cy="276999"/>
-                </a:xfrm>
-                <a:prstGeom prst="rect">
-                  <a:avLst/>
-                </a:prstGeom>
-                <a:blipFill>
-                  <a:blip r:embed="rId5"/>
-                  <a:stretch>
-                    <a:fillRect l="-4255" r="-2128" b="-6522"/>
-                  </a:stretch>
-                </a:blipFill>
-              </p:spPr>
-              <p:txBody>
-                <a:bodyPr/>
-                <a:lstStyle/>
-                <a:p>
-                  <a:r>
-                    <a:rPr lang="en-US">
-                      <a:noFill/>
-                    </a:rPr>
-                    <a:t> </a:t>
-                  </a:r>
-                </a:p>
-              </p:txBody>
-            </p:sp>
-          </mc:Fallback>
-        </mc:AlternateContent>
-      </p:grpSp>
-      <p:grpSp>
-        <p:nvGrpSpPr>
-          <p:cNvPr id="15" name="Group 14">
-            <a:extLst>
-              <a:ext uri="{FF2B5EF4-FFF2-40B4-BE49-F238E27FC236}">
-                <a16:creationId xmlns:a16="http://schemas.microsoft.com/office/drawing/2014/main" id="{9C0BC0C1-AEEB-4635-BCEA-15978604A24C}"/>
-              </a:ext>
-            </a:extLst>
-          </p:cNvPr>
-          <p:cNvGrpSpPr/>
-          <p:nvPr/>
-        </p:nvGrpSpPr>
-        <p:grpSpPr>
-          <a:xfrm>
-            <a:off x="3636520" y="2796045"/>
-            <a:ext cx="3129062" cy="788549"/>
-            <a:chOff x="3745332" y="3000148"/>
-            <a:chExt cx="3129062" cy="788549"/>
-          </a:xfrm>
-        </p:grpSpPr>
-        <mc:AlternateContent xmlns:mc="http://schemas.openxmlformats.org/markup-compatibility/2006" xmlns:a14="http://schemas.microsoft.com/office/drawing/2010/main">
-          <mc:Choice Requires="a14">
-            <p:sp>
-              <p:nvSpPr>
-                <p:cNvPr id="9" name="TextBox 8">
-                  <a:extLst>
-                    <a:ext uri="{FF2B5EF4-FFF2-40B4-BE49-F238E27FC236}">
-                      <a16:creationId xmlns:a16="http://schemas.microsoft.com/office/drawing/2014/main" id="{9BD1B4D0-F8D0-4D2C-854D-1B62C4DC824E}"/>
-                    </a:ext>
-                  </a:extLst>
-                </p:cNvPr>
-                <p:cNvSpPr txBox="1"/>
-                <p:nvPr/>
-              </p:nvSpPr>
-              <p:spPr>
-                <a:xfrm>
-                  <a:off x="4849289" y="3000148"/>
-                  <a:ext cx="2025105" cy="788549"/>
-                </a:xfrm>
-                <a:prstGeom prst="rect">
-                  <a:avLst/>
-                </a:prstGeom>
-                <a:noFill/>
-              </p:spPr>
-              <p:txBody>
-                <a:bodyPr wrap="none" lIns="0" tIns="0" rIns="0" bIns="0" rtlCol="0">
-                  <a:spAutoFit/>
-                </a:bodyPr>
-                <a:lstStyle/>
-                <a:p>
-                  <a:pPr/>
-                  <a14:m>
-                    <m:oMathPara xmlns:m="http://schemas.openxmlformats.org/officeDocument/2006/math">
-                      <m:oMathParaPr>
-                        <m:jc m:val="centerGroup"/>
-                      </m:oMathParaPr>
-                      <m:oMath xmlns:m="http://schemas.openxmlformats.org/officeDocument/2006/math">
-                        <m:nary>
-                          <m:naryPr>
-                            <m:chr m:val="∑"/>
-                            <m:ctrlPr>
-                              <a:rPr lang="en-US" i="1" smtClean="0">
-                                <a:latin typeface="Cambria Math" panose="02040503050406030204" pitchFamily="18" charset="0"/>
-                              </a:rPr>
-                            </m:ctrlPr>
-                          </m:naryPr>
-                          <m:sub>
-                            <m:r>
-                              <m:rPr>
-                                <m:brk m:alnAt="23"/>
-                              </m:rPr>
-                              <a:rPr lang="en-US" b="0" i="1" smtClean="0">
-                                <a:latin typeface="Cambria Math" panose="02040503050406030204" pitchFamily="18" charset="0"/>
-                              </a:rPr>
-                              <m:t>𝑖</m:t>
-                            </m:r>
-                            <m:r>
-                              <a:rPr lang="en-US" b="0" i="1" smtClean="0">
-                                <a:latin typeface="Cambria Math" panose="02040503050406030204" pitchFamily="18" charset="0"/>
-                              </a:rPr>
-                              <m:t>=1</m:t>
-                            </m:r>
-                          </m:sub>
-                          <m:sup>
-                            <m:r>
-                              <a:rPr lang="en-US" b="0" i="1" smtClean="0">
-                                <a:latin typeface="Cambria Math" panose="02040503050406030204" pitchFamily="18" charset="0"/>
-                              </a:rPr>
-                              <m:t>#</m:t>
-                            </m:r>
-                            <m:r>
-                              <a:rPr lang="en-US" b="0" i="1" smtClean="0">
-                                <a:latin typeface="Cambria Math" panose="02040503050406030204" pitchFamily="18" charset="0"/>
-                              </a:rPr>
-                              <m:t>𝐶𝑜𝑢𝑛𝑡𝑟𝑖𝑒𝑠</m:t>
-                            </m:r>
-                          </m:sup>
-                          <m:e>
-                            <m:sSub>
-                              <m:sSubPr>
-                                <m:ctrlPr>
-                                  <a:rPr lang="en-US" b="0" i="1" smtClean="0">
-                                    <a:latin typeface="Cambria Math" panose="02040503050406030204" pitchFamily="18" charset="0"/>
-                                  </a:rPr>
-                                </m:ctrlPr>
-                              </m:sSubPr>
-                              <m:e>
-                                <m:r>
-                                  <a:rPr lang="en-US" b="0" i="1" smtClean="0">
-                                    <a:latin typeface="Cambria Math" panose="02040503050406030204" pitchFamily="18" charset="0"/>
-                                  </a:rPr>
-                                  <m:t>𝑥</m:t>
-                                </m:r>
-                              </m:e>
-                              <m:sub>
-                                <m:r>
-                                  <a:rPr lang="en-US" b="0" i="1" smtClean="0">
-                                    <a:latin typeface="Cambria Math" panose="02040503050406030204" pitchFamily="18" charset="0"/>
-                                  </a:rPr>
-                                  <m:t>𝑖</m:t>
-                                </m:r>
-                              </m:sub>
-                            </m:sSub>
-                            <m:r>
-                              <a:rPr lang="en-US" i="1">
-                                <a:latin typeface="Cambria Math" panose="02040503050406030204" pitchFamily="18" charset="0"/>
-                                <a:ea typeface="Cambria Math" panose="02040503050406030204" pitchFamily="18" charset="0"/>
-                              </a:rPr>
-                              <m:t>≤</m:t>
-                            </m:r>
-                            <m:r>
-                              <a:rPr lang="en-US" b="0" i="1" smtClean="0">
-                                <a:latin typeface="Cambria Math" panose="02040503050406030204" pitchFamily="18" charset="0"/>
-                                <a:ea typeface="Cambria Math" panose="02040503050406030204" pitchFamily="18" charset="0"/>
-                              </a:rPr>
-                              <m:t>5000</m:t>
-                            </m:r>
-                          </m:e>
-                        </m:nary>
-                      </m:oMath>
-                    </m:oMathPara>
-                  </a14:m>
-                  <a:endParaRPr lang="en-US" dirty="0"/>
-                </a:p>
-              </p:txBody>
-            </p:sp>
-          </mc:Choice>
-          <mc:Fallback xmlns="">
-            <p:sp>
-              <p:nvSpPr>
-                <p:cNvPr id="9" name="TextBox 8">
-                  <a:extLst>
-                    <a:ext uri="{FF2B5EF4-FFF2-40B4-BE49-F238E27FC236}">
-                      <a16:creationId xmlns:a16="http://schemas.microsoft.com/office/drawing/2014/main" id="{9BD1B4D0-F8D0-4D2C-854D-1B62C4DC824E}"/>
-                    </a:ext>
-                  </a:extLst>
-                </p:cNvPr>
-                <p:cNvSpPr txBox="1">
-                  <a:spLocks noRot="1" noChangeAspect="1" noMove="1" noResize="1" noEditPoints="1" noAdjustHandles="1" noChangeArrowheads="1" noChangeShapeType="1" noTextEdit="1"/>
-                </p:cNvSpPr>
-                <p:nvPr/>
-              </p:nvSpPr>
-              <p:spPr>
-                <a:xfrm>
-                  <a:off x="4849289" y="3000148"/>
-                  <a:ext cx="2025105" cy="788549"/>
-                </a:xfrm>
-                <a:prstGeom prst="rect">
-                  <a:avLst/>
-                </a:prstGeom>
-                <a:blipFill>
-                  <a:blip r:embed="rId6"/>
-                  <a:stretch>
-                    <a:fillRect/>
-                  </a:stretch>
-                </a:blipFill>
-              </p:spPr>
-              <p:txBody>
-                <a:bodyPr/>
-                <a:lstStyle/>
-                <a:p>
-                  <a:r>
-                    <a:rPr lang="en-US">
-                      <a:noFill/>
-                    </a:rPr>
-                    <a:t> </a:t>
-                  </a:r>
-                </a:p>
-              </p:txBody>
-            </p:sp>
-          </mc:Fallback>
-        </mc:AlternateContent>
-        <mc:AlternateContent xmlns:mc="http://schemas.openxmlformats.org/markup-compatibility/2006" xmlns:a14="http://schemas.microsoft.com/office/drawing/2010/main">
-          <mc:Choice Requires="a14">
-            <p:sp>
-              <p:nvSpPr>
-                <p:cNvPr id="13" name="TextBox 12">
-                  <a:extLst>
-                    <a:ext uri="{FF2B5EF4-FFF2-40B4-BE49-F238E27FC236}">
-                      <a16:creationId xmlns:a16="http://schemas.microsoft.com/office/drawing/2014/main" id="{0A7E4E71-C0D6-4AE6-9DEF-0F076515E0CF}"/>
-                    </a:ext>
-                  </a:extLst>
-                </p:cNvPr>
-                <p:cNvSpPr txBox="1"/>
-                <p:nvPr/>
-              </p:nvSpPr>
-              <p:spPr>
-                <a:xfrm>
-                  <a:off x="3745332" y="3290500"/>
-                  <a:ext cx="1103957" cy="276999"/>
-                </a:xfrm>
-                <a:prstGeom prst="rect">
-                  <a:avLst/>
-                </a:prstGeom>
-                <a:noFill/>
-              </p:spPr>
-              <p:txBody>
-                <a:bodyPr wrap="none" lIns="0" tIns="0" rIns="0" bIns="0" rtlCol="0">
-                  <a:spAutoFit/>
-                </a:bodyPr>
-                <a:lstStyle/>
-                <a:p>
-                  <a:pPr/>
-                  <a14:m>
-                    <m:oMathPara xmlns:m="http://schemas.openxmlformats.org/officeDocument/2006/math">
-                      <m:oMathParaPr>
-                        <m:jc m:val="centerGroup"/>
-                      </m:oMathParaPr>
-                      <m:oMath xmlns:m="http://schemas.openxmlformats.org/officeDocument/2006/math">
-                        <m:r>
-                          <a:rPr lang="en-US" b="0" i="1" smtClean="0">
-                            <a:latin typeface="Cambria Math" panose="02040503050406030204" pitchFamily="18" charset="0"/>
-                          </a:rPr>
-                          <m:t>𝑆𝑢𝑏𝑗𝑒𝑐𝑡</m:t>
-                        </m:r>
-                        <m:r>
-                          <a:rPr lang="en-US" b="0" i="1" smtClean="0">
-                            <a:latin typeface="Cambria Math" panose="02040503050406030204" pitchFamily="18" charset="0"/>
-                          </a:rPr>
-                          <m:t> </m:t>
-                        </m:r>
-                        <m:r>
-                          <a:rPr lang="en-US" b="0" i="1" smtClean="0">
-                            <a:latin typeface="Cambria Math" panose="02040503050406030204" pitchFamily="18" charset="0"/>
-                          </a:rPr>
-                          <m:t>𝑡𝑜</m:t>
-                        </m:r>
-                      </m:oMath>
-                    </m:oMathPara>
-                  </a14:m>
-                  <a:endParaRPr lang="en-US" dirty="0"/>
-                </a:p>
-              </p:txBody>
-            </p:sp>
-          </mc:Choice>
-          <mc:Fallback xmlns="">
-            <p:sp>
-              <p:nvSpPr>
-                <p:cNvPr id="13" name="TextBox 12">
-                  <a:extLst>
-                    <a:ext uri="{FF2B5EF4-FFF2-40B4-BE49-F238E27FC236}">
-                      <a16:creationId xmlns:a16="http://schemas.microsoft.com/office/drawing/2014/main" id="{0A7E4E71-C0D6-4AE6-9DEF-0F076515E0CF}"/>
-                    </a:ext>
-                  </a:extLst>
-                </p:cNvPr>
-                <p:cNvSpPr txBox="1">
-                  <a:spLocks noRot="1" noChangeAspect="1" noMove="1" noResize="1" noEditPoints="1" noAdjustHandles="1" noChangeArrowheads="1" noChangeShapeType="1" noTextEdit="1"/>
-                </p:cNvSpPr>
-                <p:nvPr/>
-              </p:nvSpPr>
-              <p:spPr>
-                <a:xfrm>
-                  <a:off x="3745332" y="3290500"/>
-                  <a:ext cx="1103957" cy="276999"/>
-                </a:xfrm>
-                <a:prstGeom prst="rect">
-                  <a:avLst/>
-                </a:prstGeom>
-                <a:blipFill>
-                  <a:blip r:embed="rId7"/>
-                  <a:stretch>
-                    <a:fillRect l="-7182" t="-2174" r="-3315" b="-32609"/>
-                  </a:stretch>
-                </a:blipFill>
-              </p:spPr>
-              <p:txBody>
-                <a:bodyPr/>
-                <a:lstStyle/>
-                <a:p>
-                  <a:r>
-                    <a:rPr lang="en-US">
-                      <a:noFill/>
-                    </a:rPr>
-                    <a:t> </a:t>
-                  </a:r>
-                </a:p>
-              </p:txBody>
-            </p:sp>
-          </mc:Fallback>
-        </mc:AlternateContent>
-      </p:grpSp>
-    </p:spTree>
-    <p:extLst>
-      <p:ext uri="{BB962C8B-B14F-4D97-AF65-F5344CB8AC3E}">
-        <p14:creationId xmlns:p14="http://schemas.microsoft.com/office/powerpoint/2010/main" val="1439773290"/>
-      </p:ext>
-    </p:extLst>
-  </p:cSld>
-  <p:clrMapOvr>
-    <a:masterClrMapping/>
-  </p:clrMapOvr>
-</p:sld>
-</file>
-
-<file path=ppt/slides/slide17.xml><?xml version="1.0" encoding="utf-8"?>
-<p:sld xmlns:a="http://schemas.openxmlformats.org/drawingml/2006/main" xmlns:r="http://schemas.openxmlformats.org/officeDocument/2006/relationships" xmlns:p="http://schemas.openxmlformats.org/presentationml/2006/main">
-  <p:cSld>
-    <p:spTree>
-      <p:nvGrpSpPr>
-        <p:cNvPr id="1" name=""/>
-        <p:cNvGrpSpPr/>
-        <p:nvPr/>
-      </p:nvGrpSpPr>
-      <p:grpSpPr>
-        <a:xfrm>
-          <a:off x="0" y="0"/>
-          <a:ext cx="0" cy="0"/>
-          <a:chOff x="0" y="0"/>
-          <a:chExt cx="0" cy="0"/>
-        </a:xfrm>
-      </p:grpSpPr>
-      <p:sp>
-        <p:nvSpPr>
-          <p:cNvPr id="2" name="Title 1">
-            <a:extLst>
-              <a:ext uri="{FF2B5EF4-FFF2-40B4-BE49-F238E27FC236}">
-                <a16:creationId xmlns:a16="http://schemas.microsoft.com/office/drawing/2014/main" id="{F99EF81D-7724-4FA2-AA4F-C8905E57463A}"/>
-              </a:ext>
-            </a:extLst>
-          </p:cNvPr>
-          <p:cNvSpPr>
-            <a:spLocks noGrp="1"/>
-          </p:cNvSpPr>
-          <p:nvPr>
-            <p:ph type="title"/>
-          </p:nvPr>
-        </p:nvSpPr>
-        <p:spPr/>
-        <p:txBody>
-          <a:bodyPr/>
-          <a:lstStyle/>
-          <a:p>
-            <a:r>
-              <a:rPr lang="en-US" dirty="0"/>
-              <a:t>Implementing the model</a:t>
-            </a:r>
-          </a:p>
-        </p:txBody>
-      </p:sp>
-      <p:pic>
-        <p:nvPicPr>
-          <p:cNvPr id="7" name="Picture 6">
-            <a:extLst>
-              <a:ext uri="{FF2B5EF4-FFF2-40B4-BE49-F238E27FC236}">
-                <a16:creationId xmlns:a16="http://schemas.microsoft.com/office/drawing/2014/main" id="{A0063476-4117-4497-9BBF-ABE316A744A2}"/>
-              </a:ext>
-            </a:extLst>
-          </p:cNvPr>
-          <p:cNvPicPr>
-            <a:picLocks noChangeAspect="1"/>
-          </p:cNvPicPr>
-          <p:nvPr/>
-        </p:nvPicPr>
-        <p:blipFill>
-          <a:blip r:embed="rId2"/>
-          <a:stretch>
-            <a:fillRect/>
-          </a:stretch>
-        </p:blipFill>
-        <p:spPr>
-          <a:xfrm>
-            <a:off x="1151718" y="1582102"/>
-            <a:ext cx="9835150" cy="3857165"/>
-          </a:xfrm>
-          <a:prstGeom prst="rect">
-            <a:avLst/>
-          </a:prstGeom>
-        </p:spPr>
-      </p:pic>
-    </p:spTree>
-    <p:extLst>
-      <p:ext uri="{BB962C8B-B14F-4D97-AF65-F5344CB8AC3E}">
-        <p14:creationId xmlns:p14="http://schemas.microsoft.com/office/powerpoint/2010/main" val="978311506"/>
-      </p:ext>
-    </p:extLst>
-  </p:cSld>
-  <p:clrMapOvr>
-    <a:masterClrMapping/>
-  </p:clrMapOvr>
-</p:sld>
-</file>
-
 <file path=ppt/slides/slide18.xml><?xml version="1.0" encoding="utf-8"?>
 <p:sld xmlns:a="http://schemas.openxmlformats.org/drawingml/2006/main" xmlns:r="http://schemas.openxmlformats.org/officeDocument/2006/relationships" xmlns:p="http://schemas.openxmlformats.org/presentationml/2006/main">
   <p:cSld>
@@ -5730,40 +4950,60 @@
           <a:chExt cx="0" cy="0"/>
         </a:xfrm>
       </p:grpSpPr>
-      <p:pic>
-        <p:nvPicPr>
-          <p:cNvPr id="6" name="Picture 5">
-            <a:extLst>
-              <a:ext uri="{FF2B5EF4-FFF2-40B4-BE49-F238E27FC236}">
-                <a16:creationId xmlns:a16="http://schemas.microsoft.com/office/drawing/2014/main" id="{D53F38C4-F942-464E-9AD3-A4C0D846ADF6}"/>
-              </a:ext>
-            </a:extLst>
-          </p:cNvPr>
-          <p:cNvPicPr>
-            <a:picLocks noChangeAspect="1"/>
-          </p:cNvPicPr>
-          <p:nvPr/>
-        </p:nvPicPr>
-        <p:blipFill>
-          <a:blip r:embed="rId2"/>
-          <a:stretch>
-            <a:fillRect/>
-          </a:stretch>
-        </p:blipFill>
-        <p:spPr>
-          <a:xfrm>
-            <a:off x="1056689" y="484602"/>
-            <a:ext cx="9527824" cy="3693502"/>
-          </a:xfrm>
-          <a:prstGeom prst="rect">
-            <a:avLst/>
-          </a:prstGeom>
-        </p:spPr>
-      </p:pic>
+      <p:sp>
+        <p:nvSpPr>
+          <p:cNvPr id="2" name="Title 1">
+            <a:extLst>
+              <a:ext uri="{FF2B5EF4-FFF2-40B4-BE49-F238E27FC236}">
+                <a16:creationId xmlns:a16="http://schemas.microsoft.com/office/drawing/2014/main" id="{BC2B55BE-5D80-40DB-9A24-7FEDBF9642C8}"/>
+              </a:ext>
+            </a:extLst>
+          </p:cNvPr>
+          <p:cNvSpPr>
+            <a:spLocks noGrp="1"/>
+          </p:cNvSpPr>
+          <p:nvPr>
+            <p:ph type="title"/>
+          </p:nvPr>
+        </p:nvSpPr>
+        <p:spPr/>
+        <p:txBody>
+          <a:bodyPr/>
+          <a:lstStyle/>
+          <a:p>
+            <a:endParaRPr lang="en-US"/>
+          </a:p>
+        </p:txBody>
+      </p:sp>
+      <p:sp>
+        <p:nvSpPr>
+          <p:cNvPr id="3" name="Content Placeholder 2">
+            <a:extLst>
+              <a:ext uri="{FF2B5EF4-FFF2-40B4-BE49-F238E27FC236}">
+                <a16:creationId xmlns:a16="http://schemas.microsoft.com/office/drawing/2014/main" id="{FF29E8EA-4B9D-4DF4-BCD4-2C8CFBED35A2}"/>
+              </a:ext>
+            </a:extLst>
+          </p:cNvPr>
+          <p:cNvSpPr>
+            <a:spLocks noGrp="1"/>
+          </p:cNvSpPr>
+          <p:nvPr>
+            <p:ph idx="1"/>
+          </p:nvPr>
+        </p:nvSpPr>
+        <p:spPr/>
+        <p:txBody>
+          <a:bodyPr/>
+          <a:lstStyle/>
+          <a:p>
+            <a:endParaRPr lang="en-US"/>
+          </a:p>
+        </p:txBody>
+      </p:sp>
     </p:spTree>
     <p:extLst>
       <p:ext uri="{BB962C8B-B14F-4D97-AF65-F5344CB8AC3E}">
-        <p14:creationId xmlns:p14="http://schemas.microsoft.com/office/powerpoint/2010/main" val="304658408"/>
+        <p14:creationId xmlns:p14="http://schemas.microsoft.com/office/powerpoint/2010/main" val="2034113325"/>
       </p:ext>
     </p:extLst>
   </p:cSld>
@@ -5790,40 +5030,60 @@
           <a:chExt cx="0" cy="0"/>
         </a:xfrm>
       </p:grpSpPr>
-      <p:pic>
-        <p:nvPicPr>
-          <p:cNvPr id="4" name="Picture 3">
-            <a:extLst>
-              <a:ext uri="{FF2B5EF4-FFF2-40B4-BE49-F238E27FC236}">
-                <a16:creationId xmlns:a16="http://schemas.microsoft.com/office/drawing/2014/main" id="{C45B67D7-0AC7-4676-BA83-3B8D806B8DB4}"/>
-              </a:ext>
-            </a:extLst>
-          </p:cNvPr>
-          <p:cNvPicPr>
-            <a:picLocks noChangeAspect="1"/>
-          </p:cNvPicPr>
-          <p:nvPr/>
-        </p:nvPicPr>
-        <p:blipFill>
-          <a:blip r:embed="rId2"/>
-          <a:stretch>
-            <a:fillRect/>
-          </a:stretch>
-        </p:blipFill>
-        <p:spPr>
-          <a:xfrm>
-            <a:off x="1378633" y="329750"/>
-            <a:ext cx="9242475" cy="6180493"/>
-          </a:xfrm>
-          <a:prstGeom prst="rect">
-            <a:avLst/>
-          </a:prstGeom>
-        </p:spPr>
-      </p:pic>
+      <p:sp>
+        <p:nvSpPr>
+          <p:cNvPr id="2" name="Title 1">
+            <a:extLst>
+              <a:ext uri="{FF2B5EF4-FFF2-40B4-BE49-F238E27FC236}">
+                <a16:creationId xmlns:a16="http://schemas.microsoft.com/office/drawing/2014/main" id="{2A7E08FB-3069-415B-BE83-8304B610038B}"/>
+              </a:ext>
+            </a:extLst>
+          </p:cNvPr>
+          <p:cNvSpPr>
+            <a:spLocks noGrp="1"/>
+          </p:cNvSpPr>
+          <p:nvPr>
+            <p:ph type="title"/>
+          </p:nvPr>
+        </p:nvSpPr>
+        <p:spPr/>
+        <p:txBody>
+          <a:bodyPr/>
+          <a:lstStyle/>
+          <a:p>
+            <a:endParaRPr lang="en-US"/>
+          </a:p>
+        </p:txBody>
+      </p:sp>
+      <p:sp>
+        <p:nvSpPr>
+          <p:cNvPr id="3" name="Content Placeholder 2">
+            <a:extLst>
+              <a:ext uri="{FF2B5EF4-FFF2-40B4-BE49-F238E27FC236}">
+                <a16:creationId xmlns:a16="http://schemas.microsoft.com/office/drawing/2014/main" id="{463B79CD-172F-4555-9EF1-D5288066546F}"/>
+              </a:ext>
+            </a:extLst>
+          </p:cNvPr>
+          <p:cNvSpPr>
+            <a:spLocks noGrp="1"/>
+          </p:cNvSpPr>
+          <p:nvPr>
+            <p:ph idx="1"/>
+          </p:nvPr>
+        </p:nvSpPr>
+        <p:spPr/>
+        <p:txBody>
+          <a:bodyPr/>
+          <a:lstStyle/>
+          <a:p>
+            <a:endParaRPr lang="en-US"/>
+          </a:p>
+        </p:txBody>
+      </p:sp>
     </p:spTree>
     <p:extLst>
       <p:ext uri="{BB962C8B-B14F-4D97-AF65-F5344CB8AC3E}">
-        <p14:creationId xmlns:p14="http://schemas.microsoft.com/office/powerpoint/2010/main" val="3855396002"/>
+        <p14:creationId xmlns:p14="http://schemas.microsoft.com/office/powerpoint/2010/main" val="2537139263"/>
       </p:ext>
     </p:extLst>
   </p:cSld>
@@ -5993,6 +5253,440 @@
           <p:cNvPr id="2" name="Title 1">
             <a:extLst>
               <a:ext uri="{FF2B5EF4-FFF2-40B4-BE49-F238E27FC236}">
+                <a16:creationId xmlns:a16="http://schemas.microsoft.com/office/drawing/2014/main" id="{BEE12DD3-4FC8-40EC-9CE6-B874524424F7}"/>
+              </a:ext>
+            </a:extLst>
+          </p:cNvPr>
+          <p:cNvSpPr>
+            <a:spLocks noGrp="1"/>
+          </p:cNvSpPr>
+          <p:nvPr>
+            <p:ph type="title"/>
+          </p:nvPr>
+        </p:nvSpPr>
+        <p:spPr/>
+        <p:txBody>
+          <a:bodyPr/>
+          <a:lstStyle/>
+          <a:p>
+            <a:r>
+              <a:rPr lang="en-US" dirty="0"/>
+              <a:t>LP Model</a:t>
+            </a:r>
+          </a:p>
+        </p:txBody>
+      </p:sp>
+      <p:pic>
+        <p:nvPicPr>
+          <p:cNvPr id="3" name="Picture 2">
+            <a:extLst>
+              <a:ext uri="{FF2B5EF4-FFF2-40B4-BE49-F238E27FC236}">
+                <a16:creationId xmlns:a16="http://schemas.microsoft.com/office/drawing/2014/main" id="{CF8DA36A-1144-45E3-BC14-6893EE5EE37D}"/>
+              </a:ext>
+            </a:extLst>
+          </p:cNvPr>
+          <p:cNvPicPr>
+            <a:picLocks noChangeAspect="1"/>
+          </p:cNvPicPr>
+          <p:nvPr/>
+        </p:nvPicPr>
+        <p:blipFill>
+          <a:blip r:embed="rId2"/>
+          <a:stretch>
+            <a:fillRect/>
+          </a:stretch>
+        </p:blipFill>
+        <p:spPr>
+          <a:xfrm>
+            <a:off x="3195021" y="1442805"/>
+            <a:ext cx="6005624" cy="4578340"/>
+          </a:xfrm>
+          <a:prstGeom prst="rect">
+            <a:avLst/>
+          </a:prstGeom>
+        </p:spPr>
+      </p:pic>
+    </p:spTree>
+    <p:extLst>
+      <p:ext uri="{BB962C8B-B14F-4D97-AF65-F5344CB8AC3E}">
+        <p14:creationId xmlns:p14="http://schemas.microsoft.com/office/powerpoint/2010/main" val="1439773290"/>
+      </p:ext>
+    </p:extLst>
+  </p:cSld>
+  <p:clrMapOvr>
+    <a:masterClrMapping/>
+  </p:clrMapOvr>
+</p:sld>
+</file>
+
+<file path=ppt/slides/slide21.xml><?xml version="1.0" encoding="utf-8"?>
+<p:sld xmlns:a="http://schemas.openxmlformats.org/drawingml/2006/main" xmlns:r="http://schemas.openxmlformats.org/officeDocument/2006/relationships" xmlns:p="http://schemas.openxmlformats.org/presentationml/2006/main">
+  <p:cSld>
+    <p:spTree>
+      <p:nvGrpSpPr>
+        <p:cNvPr id="1" name=""/>
+        <p:cNvGrpSpPr/>
+        <p:nvPr/>
+      </p:nvGrpSpPr>
+      <p:grpSpPr>
+        <a:xfrm>
+          <a:off x="0" y="0"/>
+          <a:ext cx="0" cy="0"/>
+          <a:chOff x="0" y="0"/>
+          <a:chExt cx="0" cy="0"/>
+        </a:xfrm>
+      </p:grpSpPr>
+      <p:sp>
+        <p:nvSpPr>
+          <p:cNvPr id="2" name="Title 1">
+            <a:extLst>
+              <a:ext uri="{FF2B5EF4-FFF2-40B4-BE49-F238E27FC236}">
+                <a16:creationId xmlns:a16="http://schemas.microsoft.com/office/drawing/2014/main" id="{F99EF81D-7724-4FA2-AA4F-C8905E57463A}"/>
+              </a:ext>
+            </a:extLst>
+          </p:cNvPr>
+          <p:cNvSpPr>
+            <a:spLocks noGrp="1"/>
+          </p:cNvSpPr>
+          <p:nvPr>
+            <p:ph type="title"/>
+          </p:nvPr>
+        </p:nvSpPr>
+        <p:spPr/>
+        <p:txBody>
+          <a:bodyPr/>
+          <a:lstStyle/>
+          <a:p>
+            <a:r>
+              <a:rPr lang="en-US" dirty="0"/>
+              <a:t>Implementing the model</a:t>
+            </a:r>
+          </a:p>
+        </p:txBody>
+      </p:sp>
+      <p:pic>
+        <p:nvPicPr>
+          <p:cNvPr id="3" name="Picture 2">
+            <a:extLst>
+              <a:ext uri="{FF2B5EF4-FFF2-40B4-BE49-F238E27FC236}">
+                <a16:creationId xmlns:a16="http://schemas.microsoft.com/office/drawing/2014/main" id="{279A5F58-C032-4F4B-9EEB-C3D8DCA330F9}"/>
+              </a:ext>
+            </a:extLst>
+          </p:cNvPr>
+          <p:cNvPicPr>
+            <a:picLocks noChangeAspect="1"/>
+          </p:cNvPicPr>
+          <p:nvPr/>
+        </p:nvPicPr>
+        <p:blipFill>
+          <a:blip r:embed="rId2"/>
+          <a:stretch>
+            <a:fillRect/>
+          </a:stretch>
+        </p:blipFill>
+        <p:spPr>
+          <a:xfrm>
+            <a:off x="990387" y="1690688"/>
+            <a:ext cx="10363413" cy="4269048"/>
+          </a:xfrm>
+          <a:prstGeom prst="rect">
+            <a:avLst/>
+          </a:prstGeom>
+        </p:spPr>
+      </p:pic>
+    </p:spTree>
+    <p:extLst>
+      <p:ext uri="{BB962C8B-B14F-4D97-AF65-F5344CB8AC3E}">
+        <p14:creationId xmlns:p14="http://schemas.microsoft.com/office/powerpoint/2010/main" val="978311506"/>
+      </p:ext>
+    </p:extLst>
+  </p:cSld>
+  <p:clrMapOvr>
+    <a:masterClrMapping/>
+  </p:clrMapOvr>
+</p:sld>
+</file>
+
+<file path=ppt/slides/slide22.xml><?xml version="1.0" encoding="utf-8"?>
+<p:sld xmlns:a="http://schemas.openxmlformats.org/drawingml/2006/main" xmlns:r="http://schemas.openxmlformats.org/officeDocument/2006/relationships" xmlns:p="http://schemas.openxmlformats.org/presentationml/2006/main">
+  <p:cSld>
+    <p:spTree>
+      <p:nvGrpSpPr>
+        <p:cNvPr id="1" name=""/>
+        <p:cNvGrpSpPr/>
+        <p:nvPr/>
+      </p:nvGrpSpPr>
+      <p:grpSpPr>
+        <a:xfrm>
+          <a:off x="0" y="0"/>
+          <a:ext cx="0" cy="0"/>
+          <a:chOff x="0" y="0"/>
+          <a:chExt cx="0" cy="0"/>
+        </a:xfrm>
+      </p:grpSpPr>
+      <p:pic>
+        <p:nvPicPr>
+          <p:cNvPr id="4" name="Picture 3">
+            <a:extLst>
+              <a:ext uri="{FF2B5EF4-FFF2-40B4-BE49-F238E27FC236}">
+                <a16:creationId xmlns:a16="http://schemas.microsoft.com/office/drawing/2014/main" id="{02B4CDDB-6F55-473D-8A9B-E4345CFC2849}"/>
+              </a:ext>
+            </a:extLst>
+          </p:cNvPr>
+          <p:cNvPicPr>
+            <a:picLocks noChangeAspect="1"/>
+          </p:cNvPicPr>
+          <p:nvPr/>
+        </p:nvPicPr>
+        <p:blipFill>
+          <a:blip r:embed="rId2">
+            <a:extLst>
+              <a:ext uri="{BEBA8EAE-BF5A-486C-A8C5-ECC9F3942E4B}">
+                <a14:imgProps xmlns:a14="http://schemas.microsoft.com/office/drawing/2010/main">
+                  <a14:imgLayer r:embed="rId3">
+                    <a14:imgEffect>
+                      <a14:sharpenSoften amount="50000"/>
+                    </a14:imgEffect>
+                  </a14:imgLayer>
+                </a14:imgProps>
+              </a:ext>
+            </a:extLst>
+          </a:blip>
+          <a:stretch>
+            <a:fillRect/>
+          </a:stretch>
+        </p:blipFill>
+        <p:spPr>
+          <a:xfrm>
+            <a:off x="2985587" y="0"/>
+            <a:ext cx="6220826" cy="6858000"/>
+          </a:xfrm>
+          <a:prstGeom prst="rect">
+            <a:avLst/>
+          </a:prstGeom>
+        </p:spPr>
+      </p:pic>
+    </p:spTree>
+    <p:extLst>
+      <p:ext uri="{BB962C8B-B14F-4D97-AF65-F5344CB8AC3E}">
+        <p14:creationId xmlns:p14="http://schemas.microsoft.com/office/powerpoint/2010/main" val="2949374358"/>
+      </p:ext>
+    </p:extLst>
+  </p:cSld>
+  <p:clrMapOvr>
+    <a:masterClrMapping/>
+  </p:clrMapOvr>
+</p:sld>
+</file>
+
+<file path=ppt/slides/slide23.xml><?xml version="1.0" encoding="utf-8"?>
+<p:sld xmlns:a="http://schemas.openxmlformats.org/drawingml/2006/main" xmlns:r="http://schemas.openxmlformats.org/officeDocument/2006/relationships" xmlns:p="http://schemas.openxmlformats.org/presentationml/2006/main">
+  <p:cSld>
+    <p:spTree>
+      <p:nvGrpSpPr>
+        <p:cNvPr id="1" name=""/>
+        <p:cNvGrpSpPr/>
+        <p:nvPr/>
+      </p:nvGrpSpPr>
+      <p:grpSpPr>
+        <a:xfrm>
+          <a:off x="0" y="0"/>
+          <a:ext cx="0" cy="0"/>
+          <a:chOff x="0" y="0"/>
+          <a:chExt cx="0" cy="0"/>
+        </a:xfrm>
+      </p:grpSpPr>
+      <p:pic>
+        <p:nvPicPr>
+          <p:cNvPr id="4" name="Content Placeholder 4">
+            <a:extLst>
+              <a:ext uri="{FF2B5EF4-FFF2-40B4-BE49-F238E27FC236}">
+                <a16:creationId xmlns:a16="http://schemas.microsoft.com/office/drawing/2014/main" id="{D71A8F51-2872-4ECA-A49E-C5855E0D6522}"/>
+              </a:ext>
+            </a:extLst>
+          </p:cNvPr>
+          <p:cNvPicPr>
+            <a:picLocks noChangeAspect="1"/>
+          </p:cNvPicPr>
+          <p:nvPr/>
+        </p:nvPicPr>
+        <p:blipFill>
+          <a:blip r:embed="rId2">
+            <a:extLst>
+              <a:ext uri="{28A0092B-C50C-407E-A947-70E740481C1C}">
+                <a14:useLocalDpi xmlns:a14="http://schemas.microsoft.com/office/drawing/2010/main" val="0"/>
+              </a:ext>
+            </a:extLst>
+          </a:blip>
+          <a:stretch>
+            <a:fillRect/>
+          </a:stretch>
+        </p:blipFill>
+        <p:spPr>
+          <a:xfrm>
+            <a:off x="5348346" y="173916"/>
+            <a:ext cx="6510168" cy="6510168"/>
+          </a:xfrm>
+          <a:prstGeom prst="rect">
+            <a:avLst/>
+          </a:prstGeom>
+        </p:spPr>
+      </p:pic>
+    </p:spTree>
+    <p:extLst>
+      <p:ext uri="{BB962C8B-B14F-4D97-AF65-F5344CB8AC3E}">
+        <p14:creationId xmlns:p14="http://schemas.microsoft.com/office/powerpoint/2010/main" val="4133245416"/>
+      </p:ext>
+    </p:extLst>
+  </p:cSld>
+  <p:clrMapOvr>
+    <a:masterClrMapping/>
+  </p:clrMapOvr>
+</p:sld>
+</file>
+
+<file path=ppt/slides/slide24.xml><?xml version="1.0" encoding="utf-8"?>
+<p:sld xmlns:a="http://schemas.openxmlformats.org/drawingml/2006/main" xmlns:r="http://schemas.openxmlformats.org/officeDocument/2006/relationships" xmlns:p="http://schemas.openxmlformats.org/presentationml/2006/main">
+  <p:cSld>
+    <p:spTree>
+      <p:nvGrpSpPr>
+        <p:cNvPr id="1" name=""/>
+        <p:cNvGrpSpPr/>
+        <p:nvPr/>
+      </p:nvGrpSpPr>
+      <p:grpSpPr>
+        <a:xfrm>
+          <a:off x="0" y="0"/>
+          <a:ext cx="0" cy="0"/>
+          <a:chOff x="0" y="0"/>
+          <a:chExt cx="0" cy="0"/>
+        </a:xfrm>
+      </p:grpSpPr>
+      <p:pic>
+        <p:nvPicPr>
+          <p:cNvPr id="6" name="Picture 5">
+            <a:extLst>
+              <a:ext uri="{FF2B5EF4-FFF2-40B4-BE49-F238E27FC236}">
+                <a16:creationId xmlns:a16="http://schemas.microsoft.com/office/drawing/2014/main" id="{D53F38C4-F942-464E-9AD3-A4C0D846ADF6}"/>
+              </a:ext>
+            </a:extLst>
+          </p:cNvPr>
+          <p:cNvPicPr>
+            <a:picLocks noChangeAspect="1"/>
+          </p:cNvPicPr>
+          <p:nvPr/>
+        </p:nvPicPr>
+        <p:blipFill>
+          <a:blip r:embed="rId2"/>
+          <a:stretch>
+            <a:fillRect/>
+          </a:stretch>
+        </p:blipFill>
+        <p:spPr>
+          <a:xfrm>
+            <a:off x="1045931" y="452329"/>
+            <a:ext cx="9527824" cy="3693502"/>
+          </a:xfrm>
+          <a:prstGeom prst="rect">
+            <a:avLst/>
+          </a:prstGeom>
+        </p:spPr>
+      </p:pic>
+    </p:spTree>
+    <p:extLst>
+      <p:ext uri="{BB962C8B-B14F-4D97-AF65-F5344CB8AC3E}">
+        <p14:creationId xmlns:p14="http://schemas.microsoft.com/office/powerpoint/2010/main" val="304658408"/>
+      </p:ext>
+    </p:extLst>
+  </p:cSld>
+  <p:clrMapOvr>
+    <a:masterClrMapping/>
+  </p:clrMapOvr>
+</p:sld>
+</file>
+
+<file path=ppt/slides/slide25.xml><?xml version="1.0" encoding="utf-8"?>
+<p:sld xmlns:a="http://schemas.openxmlformats.org/drawingml/2006/main" xmlns:r="http://schemas.openxmlformats.org/officeDocument/2006/relationships" xmlns:p="http://schemas.openxmlformats.org/presentationml/2006/main">
+  <p:cSld>
+    <p:spTree>
+      <p:nvGrpSpPr>
+        <p:cNvPr id="1" name=""/>
+        <p:cNvGrpSpPr/>
+        <p:nvPr/>
+      </p:nvGrpSpPr>
+      <p:grpSpPr>
+        <a:xfrm>
+          <a:off x="0" y="0"/>
+          <a:ext cx="0" cy="0"/>
+          <a:chOff x="0" y="0"/>
+          <a:chExt cx="0" cy="0"/>
+        </a:xfrm>
+      </p:grpSpPr>
+      <p:pic>
+        <p:nvPicPr>
+          <p:cNvPr id="4" name="Picture 3">
+            <a:extLst>
+              <a:ext uri="{FF2B5EF4-FFF2-40B4-BE49-F238E27FC236}">
+                <a16:creationId xmlns:a16="http://schemas.microsoft.com/office/drawing/2014/main" id="{C45B67D7-0AC7-4676-BA83-3B8D806B8DB4}"/>
+              </a:ext>
+            </a:extLst>
+          </p:cNvPr>
+          <p:cNvPicPr>
+            <a:picLocks noChangeAspect="1"/>
+          </p:cNvPicPr>
+          <p:nvPr/>
+        </p:nvPicPr>
+        <p:blipFill>
+          <a:blip r:embed="rId2"/>
+          <a:stretch>
+            <a:fillRect/>
+          </a:stretch>
+        </p:blipFill>
+        <p:spPr>
+          <a:xfrm>
+            <a:off x="1378633" y="329750"/>
+            <a:ext cx="9242475" cy="6180493"/>
+          </a:xfrm>
+          <a:prstGeom prst="rect">
+            <a:avLst/>
+          </a:prstGeom>
+        </p:spPr>
+      </p:pic>
+    </p:spTree>
+    <p:extLst>
+      <p:ext uri="{BB962C8B-B14F-4D97-AF65-F5344CB8AC3E}">
+        <p14:creationId xmlns:p14="http://schemas.microsoft.com/office/powerpoint/2010/main" val="3855396002"/>
+      </p:ext>
+    </p:extLst>
+  </p:cSld>
+  <p:clrMapOvr>
+    <a:masterClrMapping/>
+  </p:clrMapOvr>
+</p:sld>
+</file>
+
+<file path=ppt/slides/slide26.xml><?xml version="1.0" encoding="utf-8"?>
+<p:sld xmlns:a="http://schemas.openxmlformats.org/drawingml/2006/main" xmlns:r="http://schemas.openxmlformats.org/officeDocument/2006/relationships" xmlns:p="http://schemas.openxmlformats.org/presentationml/2006/main">
+  <p:cSld>
+    <p:spTree>
+      <p:nvGrpSpPr>
+        <p:cNvPr id="1" name=""/>
+        <p:cNvGrpSpPr/>
+        <p:nvPr/>
+      </p:nvGrpSpPr>
+      <p:grpSpPr>
+        <a:xfrm>
+          <a:off x="0" y="0"/>
+          <a:ext cx="0" cy="0"/>
+          <a:chOff x="0" y="0"/>
+          <a:chExt cx="0" cy="0"/>
+        </a:xfrm>
+      </p:grpSpPr>
+      <p:sp>
+        <p:nvSpPr>
+          <p:cNvPr id="2" name="Title 1">
+            <a:extLst>
+              <a:ext uri="{FF2B5EF4-FFF2-40B4-BE49-F238E27FC236}">
                 <a16:creationId xmlns:a16="http://schemas.microsoft.com/office/drawing/2014/main" id="{796A6F57-AF99-4B25-A5D9-7108AF74A110}"/>
               </a:ext>
             </a:extLst>
@@ -6103,7 +5797,7 @@
 </p:sld>
 </file>
 
-<file path=ppt/slides/slide21.xml><?xml version="1.0" encoding="utf-8"?>
+<file path=ppt/slides/slide27.xml><?xml version="1.0" encoding="utf-8"?>
 <p:sld xmlns:a="http://schemas.openxmlformats.org/drawingml/2006/main" xmlns:r="http://schemas.openxmlformats.org/officeDocument/2006/relationships" xmlns:p="http://schemas.openxmlformats.org/presentationml/2006/main">
   <p:cSld>
     <p:spTree>
@@ -6798,12 +6492,20 @@
         </p:nvSpPr>
         <p:spPr/>
         <p:txBody>
-          <a:bodyPr/>
+          <a:bodyPr>
+            <a:normAutofit/>
+          </a:bodyPr>
           <a:lstStyle/>
           <a:p>
             <a:r>
               <a:rPr lang="en-US" dirty="0"/>
-              <a:t>Used Input Oriented CCR model.</a:t>
+              <a:t>Output Oriented model.</a:t>
+            </a:r>
+          </a:p>
+          <a:p>
+            <a:r>
+              <a:rPr lang="en-US" dirty="0"/>
+              <a:t>Variable returns to scale</a:t>
             </a:r>
           </a:p>
           <a:p>
@@ -6825,10 +6527,10 @@
             <a:endParaRPr lang="en-US" dirty="0"/>
           </a:p>
           <a:p>
-            <a:r>
-              <a:rPr lang="en-US" dirty="0"/>
-              <a:t>Lets Implement our model..</a:t>
-            </a:r>
+            <a:pPr marL="0" indent="0">
+              <a:buNone/>
+            </a:pPr>
+            <a:endParaRPr lang="en-US" dirty="0"/>
           </a:p>
         </p:txBody>
       </p:sp>
@@ -6866,7 +6568,7 @@
         </p:blipFill>
         <p:spPr>
           <a:xfrm>
-            <a:off x="2718003" y="2202461"/>
+            <a:off x="3578616" y="3111662"/>
             <a:ext cx="6390388" cy="3091229"/>
           </a:xfrm>
           <a:prstGeom prst="rect">
@@ -6906,10 +6608,10 @@
       </p:grpSpPr>
       <p:pic>
         <p:nvPicPr>
-          <p:cNvPr id="4" name="Picture 3">
-            <a:extLst>
-              <a:ext uri="{FF2B5EF4-FFF2-40B4-BE49-F238E27FC236}">
-                <a16:creationId xmlns:a16="http://schemas.microsoft.com/office/drawing/2014/main" id="{6EEE3BCD-EB00-41FA-A990-B2CFF499C6BC}"/>
+          <p:cNvPr id="5" name="Picture 4">
+            <a:extLst>
+              <a:ext uri="{FF2B5EF4-FFF2-40B4-BE49-F238E27FC236}">
+                <a16:creationId xmlns:a16="http://schemas.microsoft.com/office/drawing/2014/main" id="{3D3E9DBB-DDB6-4841-934E-22022BE108FA}"/>
               </a:ext>
             </a:extLst>
           </p:cNvPr>
@@ -6920,36 +6622,6 @@
         </p:nvPicPr>
         <p:blipFill>
           <a:blip r:embed="rId2"/>
-          <a:stretch>
-            <a:fillRect/>
-          </a:stretch>
-        </p:blipFill>
-        <p:spPr>
-          <a:xfrm>
-            <a:off x="1499015" y="325900"/>
-            <a:ext cx="9026981" cy="3894407"/>
-          </a:xfrm>
-          <a:prstGeom prst="rect">
-            <a:avLst/>
-          </a:prstGeom>
-        </p:spPr>
-      </p:pic>
-      <p:pic>
-        <p:nvPicPr>
-          <p:cNvPr id="5" name="Picture 4">
-            <a:extLst>
-              <a:ext uri="{FF2B5EF4-FFF2-40B4-BE49-F238E27FC236}">
-                <a16:creationId xmlns:a16="http://schemas.microsoft.com/office/drawing/2014/main" id="{3D3E9DBB-DDB6-4841-934E-22022BE108FA}"/>
-              </a:ext>
-            </a:extLst>
-          </p:cNvPr>
-          <p:cNvPicPr>
-            <a:picLocks noChangeAspect="1"/>
-          </p:cNvPicPr>
-          <p:nvPr/>
-        </p:nvPicPr>
-        <p:blipFill>
-          <a:blip r:embed="rId3"/>
           <a:stretch>
             <a:fillRect/>
           </a:stretch>

--- a/Project Presentation.pptx
+++ b/Project Presentation.pptx
@@ -5,7 +5,7 @@
     <p:sldMasterId id="2147483648" r:id="rId1"/>
   </p:sldMasterIdLst>
   <p:notesMasterIdLst>
-    <p:notesMasterId r:id="rId29"/>
+    <p:notesMasterId r:id="rId22"/>
   </p:notesMasterIdLst>
   <p:sldIdLst>
     <p:sldId id="256" r:id="rId2"/>
@@ -16,25 +16,18 @@
     <p:sldId id="261" r:id="rId7"/>
     <p:sldId id="276" r:id="rId8"/>
     <p:sldId id="263" r:id="rId9"/>
-    <p:sldId id="264" r:id="rId10"/>
-    <p:sldId id="277" r:id="rId11"/>
-    <p:sldId id="278" r:id="rId12"/>
-    <p:sldId id="279" r:id="rId13"/>
-    <p:sldId id="280" r:id="rId14"/>
+    <p:sldId id="277" r:id="rId10"/>
+    <p:sldId id="278" r:id="rId11"/>
+    <p:sldId id="285" r:id="rId12"/>
+    <p:sldId id="280" r:id="rId13"/>
+    <p:sldId id="284" r:id="rId14"/>
     <p:sldId id="281" r:id="rId15"/>
     <p:sldId id="267" r:id="rId16"/>
     <p:sldId id="266" r:id="rId17"/>
-    <p:sldId id="268" r:id="rId18"/>
-    <p:sldId id="274" r:id="rId19"/>
-    <p:sldId id="275" r:id="rId20"/>
-    <p:sldId id="262" r:id="rId21"/>
-    <p:sldId id="269" r:id="rId22"/>
-    <p:sldId id="282" r:id="rId23"/>
-    <p:sldId id="283" r:id="rId24"/>
-    <p:sldId id="270" r:id="rId25"/>
-    <p:sldId id="271" r:id="rId26"/>
-    <p:sldId id="272" r:id="rId27"/>
-    <p:sldId id="273" r:id="rId28"/>
+    <p:sldId id="262" r:id="rId18"/>
+    <p:sldId id="269" r:id="rId19"/>
+    <p:sldId id="282" r:id="rId20"/>
+    <p:sldId id="283" r:id="rId21"/>
   </p:sldIdLst>
   <p:sldSz cx="12192000" cy="6858000"/>
   <p:notesSz cx="6858000" cy="9144000"/>
@@ -4123,99 +4116,6 @@
           <p:cNvPr id="2" name="Title 1">
             <a:extLst>
               <a:ext uri="{FF2B5EF4-FFF2-40B4-BE49-F238E27FC236}">
-                <a16:creationId xmlns:a16="http://schemas.microsoft.com/office/drawing/2014/main" id="{31E6D038-FBB2-45FC-8ABD-F26461F14E2B}"/>
-              </a:ext>
-            </a:extLst>
-          </p:cNvPr>
-          <p:cNvSpPr>
-            <a:spLocks noGrp="1"/>
-          </p:cNvSpPr>
-          <p:nvPr>
-            <p:ph type="title"/>
-          </p:nvPr>
-        </p:nvSpPr>
-        <p:spPr>
-          <a:xfrm>
-            <a:off x="838200" y="365126"/>
-            <a:ext cx="10515600" cy="764428"/>
-          </a:xfrm>
-        </p:spPr>
-        <p:txBody>
-          <a:bodyPr/>
-          <a:lstStyle/>
-          <a:p>
-            <a:r>
-              <a:rPr lang="en-US" dirty="0"/>
-              <a:t>Implementation of the Model</a:t>
-            </a:r>
-          </a:p>
-        </p:txBody>
-      </p:sp>
-      <p:pic>
-        <p:nvPicPr>
-          <p:cNvPr id="4" name="Picture 3">
-            <a:extLst>
-              <a:ext uri="{FF2B5EF4-FFF2-40B4-BE49-F238E27FC236}">
-                <a16:creationId xmlns:a16="http://schemas.microsoft.com/office/drawing/2014/main" id="{75ECFB19-9D07-45C3-9CB0-C777DD6EA860}"/>
-              </a:ext>
-            </a:extLst>
-          </p:cNvPr>
-          <p:cNvPicPr>
-            <a:picLocks noChangeAspect="1"/>
-          </p:cNvPicPr>
-          <p:nvPr/>
-        </p:nvPicPr>
-        <p:blipFill>
-          <a:blip r:embed="rId2"/>
-          <a:stretch>
-            <a:fillRect/>
-          </a:stretch>
-        </p:blipFill>
-        <p:spPr>
-          <a:xfrm>
-            <a:off x="1554199" y="1341848"/>
-            <a:ext cx="8696325" cy="3571875"/>
-          </a:xfrm>
-          <a:prstGeom prst="rect">
-            <a:avLst/>
-          </a:prstGeom>
-        </p:spPr>
-      </p:pic>
-    </p:spTree>
-    <p:extLst>
-      <p:ext uri="{BB962C8B-B14F-4D97-AF65-F5344CB8AC3E}">
-        <p14:creationId xmlns:p14="http://schemas.microsoft.com/office/powerpoint/2010/main" val="278229254"/>
-      </p:ext>
-    </p:extLst>
-  </p:cSld>
-  <p:clrMapOvr>
-    <a:masterClrMapping/>
-  </p:clrMapOvr>
-</p:sld>
-</file>
-
-<file path=ppt/slides/slide11.xml><?xml version="1.0" encoding="utf-8"?>
-<p:sld xmlns:a="http://schemas.openxmlformats.org/drawingml/2006/main" xmlns:r="http://schemas.openxmlformats.org/officeDocument/2006/relationships" xmlns:p="http://schemas.openxmlformats.org/presentationml/2006/main">
-  <p:cSld>
-    <p:spTree>
-      <p:nvGrpSpPr>
-        <p:cNvPr id="1" name=""/>
-        <p:cNvGrpSpPr/>
-        <p:nvPr/>
-      </p:nvGrpSpPr>
-      <p:grpSpPr>
-        <a:xfrm>
-          <a:off x="0" y="0"/>
-          <a:ext cx="0" cy="0"/>
-          <a:chOff x="0" y="0"/>
-          <a:chExt cx="0" cy="0"/>
-        </a:xfrm>
-      </p:grpSpPr>
-      <p:sp>
-        <p:nvSpPr>
-          <p:cNvPr id="2" name="Title 1">
-            <a:extLst>
-              <a:ext uri="{FF2B5EF4-FFF2-40B4-BE49-F238E27FC236}">
                 <a16:creationId xmlns:a16="http://schemas.microsoft.com/office/drawing/2014/main" id="{4539F170-FB11-4DCA-B0D3-DCFA99C24D77}"/>
               </a:ext>
             </a:extLst>
@@ -4339,7 +4239,7 @@
 </p:sld>
 </file>
 
-<file path=ppt/slides/slide12.xml><?xml version="1.0" encoding="utf-8"?>
+<file path=ppt/slides/slide11.xml><?xml version="1.0" encoding="utf-8"?>
 <p:sld xmlns:a="http://schemas.openxmlformats.org/drawingml/2006/main" xmlns:r="http://schemas.openxmlformats.org/officeDocument/2006/relationships" xmlns:p="http://schemas.openxmlformats.org/presentationml/2006/main">
   <p:cSld>
     <p:spTree>
@@ -4356,47 +4256,12 @@
           <a:chExt cx="0" cy="0"/>
         </a:xfrm>
       </p:grpSpPr>
-      <p:sp>
-        <p:nvSpPr>
-          <p:cNvPr id="2" name="Title 1">
-            <a:extLst>
-              <a:ext uri="{FF2B5EF4-FFF2-40B4-BE49-F238E27FC236}">
-                <a16:creationId xmlns:a16="http://schemas.microsoft.com/office/drawing/2014/main" id="{EB909ADF-1944-4C2F-A330-ED669924A2AA}"/>
-              </a:ext>
-            </a:extLst>
-          </p:cNvPr>
-          <p:cNvSpPr>
-            <a:spLocks noGrp="1"/>
-          </p:cNvSpPr>
-          <p:nvPr>
-            <p:ph type="title"/>
-          </p:nvPr>
-        </p:nvSpPr>
-        <p:spPr>
-          <a:xfrm>
-            <a:off x="838200" y="214518"/>
-            <a:ext cx="3366248" cy="1248522"/>
-          </a:xfrm>
-        </p:spPr>
-        <p:txBody>
-          <a:bodyPr>
-            <a:normAutofit fontScale="90000"/>
-          </a:bodyPr>
-          <a:lstStyle/>
-          <a:p>
-            <a:r>
-              <a:rPr lang="en-US" dirty="0"/>
-              <a:t>Results--Benchmarking</a:t>
-            </a:r>
-          </a:p>
-        </p:txBody>
-      </p:sp>
       <p:pic>
         <p:nvPicPr>
           <p:cNvPr id="5" name="Content Placeholder 4">
             <a:extLst>
               <a:ext uri="{FF2B5EF4-FFF2-40B4-BE49-F238E27FC236}">
-                <a16:creationId xmlns:a16="http://schemas.microsoft.com/office/drawing/2014/main" id="{8914BF99-5740-4B66-8356-C96C87E82EA0}"/>
+                <a16:creationId xmlns:a16="http://schemas.microsoft.com/office/drawing/2014/main" id="{D79C9321-F045-4264-81C5-6C3B9B09DE24}"/>
               </a:ext>
             </a:extLst>
           </p:cNvPr>
@@ -4421,15 +4286,50 @@
         </p:blipFill>
         <p:spPr>
           <a:xfrm>
-            <a:off x="4745918" y="214518"/>
-            <a:ext cx="6510168" cy="6510168"/>
+            <a:off x="1444403" y="1463040"/>
+            <a:ext cx="8667786" cy="4267727"/>
           </a:xfrm>
         </p:spPr>
       </p:pic>
+      <p:sp>
+        <p:nvSpPr>
+          <p:cNvPr id="6" name="Title 1">
+            <a:extLst>
+              <a:ext uri="{FF2B5EF4-FFF2-40B4-BE49-F238E27FC236}">
+                <a16:creationId xmlns:a16="http://schemas.microsoft.com/office/drawing/2014/main" id="{324CD909-BDF7-4572-B8C8-CA596884BAC3}"/>
+              </a:ext>
+            </a:extLst>
+          </p:cNvPr>
+          <p:cNvSpPr>
+            <a:spLocks noGrp="1"/>
+          </p:cNvSpPr>
+          <p:nvPr>
+            <p:ph type="title"/>
+          </p:nvPr>
+        </p:nvSpPr>
+        <p:spPr>
+          <a:xfrm>
+            <a:off x="838200" y="214518"/>
+            <a:ext cx="6713668" cy="1248522"/>
+          </a:xfrm>
+        </p:spPr>
+        <p:txBody>
+          <a:bodyPr>
+            <a:normAutofit/>
+          </a:bodyPr>
+          <a:lstStyle/>
+          <a:p>
+            <a:r>
+              <a:rPr lang="en-US" dirty="0"/>
+              <a:t>Results--Benchmarking</a:t>
+            </a:r>
+          </a:p>
+        </p:txBody>
+      </p:sp>
     </p:spTree>
     <p:extLst>
       <p:ext uri="{BB962C8B-B14F-4D97-AF65-F5344CB8AC3E}">
-        <p14:creationId xmlns:p14="http://schemas.microsoft.com/office/powerpoint/2010/main" val="1590431977"/>
+        <p14:creationId xmlns:p14="http://schemas.microsoft.com/office/powerpoint/2010/main" val="2298760195"/>
       </p:ext>
     </p:extLst>
   </p:cSld>
@@ -4439,7 +4339,7 @@
 </p:sld>
 </file>
 
-<file path=ppt/slides/slide13.xml><?xml version="1.0" encoding="utf-8"?>
+<file path=ppt/slides/slide12.xml><?xml version="1.0" encoding="utf-8"?>
 <p:sld xmlns:a="http://schemas.openxmlformats.org/drawingml/2006/main" xmlns:r="http://schemas.openxmlformats.org/officeDocument/2006/relationships" xmlns:p="http://schemas.openxmlformats.org/presentationml/2006/main">
   <p:cSld>
     <p:spTree>
@@ -4527,6 +4427,99 @@
 </p:sld>
 </file>
 
+<file path=ppt/slides/slide13.xml><?xml version="1.0" encoding="utf-8"?>
+<p:sld xmlns:a="http://schemas.openxmlformats.org/drawingml/2006/main" xmlns:r="http://schemas.openxmlformats.org/officeDocument/2006/relationships" xmlns:p="http://schemas.openxmlformats.org/presentationml/2006/main">
+  <p:cSld>
+    <p:spTree>
+      <p:nvGrpSpPr>
+        <p:cNvPr id="1" name=""/>
+        <p:cNvGrpSpPr/>
+        <p:nvPr/>
+      </p:nvGrpSpPr>
+      <p:grpSpPr>
+        <a:xfrm>
+          <a:off x="0" y="0"/>
+          <a:ext cx="0" cy="0"/>
+          <a:chOff x="0" y="0"/>
+          <a:chExt cx="0" cy="0"/>
+        </a:xfrm>
+      </p:grpSpPr>
+      <p:sp>
+        <p:nvSpPr>
+          <p:cNvPr id="2" name="Title 1">
+            <a:extLst>
+              <a:ext uri="{FF2B5EF4-FFF2-40B4-BE49-F238E27FC236}">
+                <a16:creationId xmlns:a16="http://schemas.microsoft.com/office/drawing/2014/main" id="{0176F023-50E5-45DF-938C-7E944901A27E}"/>
+              </a:ext>
+            </a:extLst>
+          </p:cNvPr>
+          <p:cNvSpPr>
+            <a:spLocks noGrp="1"/>
+          </p:cNvSpPr>
+          <p:nvPr>
+            <p:ph type="title"/>
+          </p:nvPr>
+        </p:nvSpPr>
+        <p:spPr/>
+        <p:txBody>
+          <a:bodyPr/>
+          <a:lstStyle/>
+          <a:p>
+            <a:r>
+              <a:rPr lang="en-US" dirty="0"/>
+              <a:t>M.O Benchmark</a:t>
+            </a:r>
+          </a:p>
+        </p:txBody>
+      </p:sp>
+      <p:pic>
+        <p:nvPicPr>
+          <p:cNvPr id="5" name="Content Placeholder 4">
+            <a:extLst>
+              <a:ext uri="{FF2B5EF4-FFF2-40B4-BE49-F238E27FC236}">
+                <a16:creationId xmlns:a16="http://schemas.microsoft.com/office/drawing/2014/main" id="{F5CC2842-4460-4D81-BB3A-27D9534E9E12}"/>
+              </a:ext>
+            </a:extLst>
+          </p:cNvPr>
+          <p:cNvPicPr>
+            <a:picLocks noGrp="1" noChangeAspect="1"/>
+          </p:cNvPicPr>
+          <p:nvPr>
+            <p:ph idx="1"/>
+          </p:nvPr>
+        </p:nvPicPr>
+        <p:blipFill>
+          <a:blip r:embed="rId2">
+            <a:extLst>
+              <a:ext uri="{28A0092B-C50C-407E-A947-70E740481C1C}">
+                <a14:useLocalDpi xmlns:a14="http://schemas.microsoft.com/office/drawing/2010/main" val="0"/>
+              </a:ext>
+            </a:extLst>
+          </a:blip>
+          <a:stretch>
+            <a:fillRect/>
+          </a:stretch>
+        </p:blipFill>
+        <p:spPr>
+          <a:xfrm>
+            <a:off x="1896294" y="1690688"/>
+            <a:ext cx="7043949" cy="4351338"/>
+          </a:xfrm>
+        </p:spPr>
+      </p:pic>
+    </p:spTree>
+    <p:extLst>
+      <p:ext uri="{BB962C8B-B14F-4D97-AF65-F5344CB8AC3E}">
+        <p14:creationId xmlns:p14="http://schemas.microsoft.com/office/powerpoint/2010/main" val="4271742308"/>
+      </p:ext>
+    </p:extLst>
+  </p:cSld>
+  <p:clrMapOvr>
+    <a:masterClrMapping/>
+  </p:clrMapOvr>
+</p:sld>
+</file>
+
 <file path=ppt/slides/slide14.xml><?xml version="1.0" encoding="utf-8"?>
 <p:sld xmlns:a="http://schemas.openxmlformats.org/drawingml/2006/main" xmlns:r="http://schemas.openxmlformats.org/officeDocument/2006/relationships" xmlns:p="http://schemas.openxmlformats.org/presentationml/2006/main">
   <p:cSld>
@@ -4596,7 +4589,7 @@
         </p:blipFill>
         <p:spPr>
           <a:xfrm>
-            <a:off x="3962342" y="4284064"/>
+            <a:off x="3370671" y="4519613"/>
             <a:ext cx="4848225" cy="1543050"/>
           </a:xfrm>
           <a:prstGeom prst="rect">
@@ -4626,7 +4619,7 @@
         </p:blipFill>
         <p:spPr>
           <a:xfrm>
-            <a:off x="3790893" y="1455139"/>
+            <a:off x="3199220" y="1690688"/>
             <a:ext cx="5191125" cy="2828925"/>
           </a:xfrm>
           <a:prstGeom prst="rect">
@@ -4825,7 +4818,7 @@
           <p:cNvPr id="2" name="Title 1">
             <a:extLst>
               <a:ext uri="{FF2B5EF4-FFF2-40B4-BE49-F238E27FC236}">
-                <a16:creationId xmlns:a16="http://schemas.microsoft.com/office/drawing/2014/main" id="{3BAE17BC-8F96-42C0-9437-96A4E25EEC2B}"/>
+                <a16:creationId xmlns:a16="http://schemas.microsoft.com/office/drawing/2014/main" id="{BEE12DD3-4FC8-40EC-9CE6-B874524424F7}"/>
               </a:ext>
             </a:extLst>
           </p:cNvPr>
@@ -4843,17 +4836,17 @@
           <a:p>
             <a:r>
               <a:rPr lang="en-US" dirty="0"/>
-              <a:t>Efficiency as % GDP</a:t>
+              <a:t>LP Model</a:t>
             </a:r>
           </a:p>
         </p:txBody>
       </p:sp>
       <p:pic>
         <p:nvPicPr>
-          <p:cNvPr id="4" name="Picture 3">
-            <a:extLst>
-              <a:ext uri="{FF2B5EF4-FFF2-40B4-BE49-F238E27FC236}">
-                <a16:creationId xmlns:a16="http://schemas.microsoft.com/office/drawing/2014/main" id="{B709613F-C62F-4A93-812E-40BA7FC15591}"/>
+          <p:cNvPr id="3" name="Picture 2">
+            <a:extLst>
+              <a:ext uri="{FF2B5EF4-FFF2-40B4-BE49-F238E27FC236}">
+                <a16:creationId xmlns:a16="http://schemas.microsoft.com/office/drawing/2014/main" id="{CF8DA36A-1144-45E3-BC14-6893EE5EE37D}"/>
               </a:ext>
             </a:extLst>
           </p:cNvPr>
@@ -4870,50 +4863,8 @@
         </p:blipFill>
         <p:spPr>
           <a:xfrm>
-            <a:off x="1707832" y="1511544"/>
-            <a:ext cx="7576845" cy="2694371"/>
-          </a:xfrm>
-          <a:prstGeom prst="rect">
-            <a:avLst/>
-          </a:prstGeom>
-        </p:spPr>
-      </p:pic>
-      <p:pic>
-        <p:nvPicPr>
-          <p:cNvPr id="5" name="Picture 4">
-            <a:extLst>
-              <a:ext uri="{FF2B5EF4-FFF2-40B4-BE49-F238E27FC236}">
-                <a16:creationId xmlns:a16="http://schemas.microsoft.com/office/drawing/2014/main" id="{E878A94A-4A09-4463-AC2D-069ECB50AE09}"/>
-              </a:ext>
-            </a:extLst>
-          </p:cNvPr>
-          <p:cNvPicPr>
-            <a:picLocks noChangeAspect="1"/>
-          </p:cNvPicPr>
-          <p:nvPr/>
-        </p:nvPicPr>
-        <p:blipFill>
-          <a:blip r:embed="rId3">
-            <a:extLst>
-              <a:ext uri="{BEBA8EAE-BF5A-486C-A8C5-ECC9F3942E4B}">
-                <a14:imgProps xmlns:a14="http://schemas.microsoft.com/office/drawing/2010/main">
-                  <a14:imgLayer r:embed="rId4">
-                    <a14:imgEffect>
-                      <a14:sharpenSoften amount="50000"/>
-                    </a14:imgEffect>
-                  </a14:imgLayer>
-                </a14:imgProps>
-              </a:ext>
-            </a:extLst>
-          </a:blip>
-          <a:stretch>
-            <a:fillRect/>
-          </a:stretch>
-        </p:blipFill>
-        <p:spPr>
-          <a:xfrm>
-            <a:off x="3779153" y="4427293"/>
-            <a:ext cx="4323838" cy="2145246"/>
+            <a:off x="3195021" y="1442805"/>
+            <a:ext cx="6005624" cy="4578340"/>
           </a:xfrm>
           <a:prstGeom prst="rect">
             <a:avLst/>
@@ -4923,7 +4874,7 @@
     </p:spTree>
     <p:extLst>
       <p:ext uri="{BB962C8B-B14F-4D97-AF65-F5344CB8AC3E}">
-        <p14:creationId xmlns:p14="http://schemas.microsoft.com/office/powerpoint/2010/main" val="2348022720"/>
+        <p14:creationId xmlns:p14="http://schemas.microsoft.com/office/powerpoint/2010/main" val="1439773290"/>
       </p:ext>
     </p:extLst>
   </p:cSld>
@@ -4955,7 +4906,7 @@
           <p:cNvPr id="2" name="Title 1">
             <a:extLst>
               <a:ext uri="{FF2B5EF4-FFF2-40B4-BE49-F238E27FC236}">
-                <a16:creationId xmlns:a16="http://schemas.microsoft.com/office/drawing/2014/main" id="{BC2B55BE-5D80-40DB-9A24-7FEDBF9642C8}"/>
+                <a16:creationId xmlns:a16="http://schemas.microsoft.com/office/drawing/2014/main" id="{F99EF81D-7724-4FA2-AA4F-C8905E57463A}"/>
               </a:ext>
             </a:extLst>
           </p:cNvPr>
@@ -4971,39 +4922,47 @@
           <a:bodyPr/>
           <a:lstStyle/>
           <a:p>
-            <a:endParaRPr lang="en-US"/>
-          </a:p>
-        </p:txBody>
-      </p:sp>
-      <p:sp>
-        <p:nvSpPr>
-          <p:cNvPr id="3" name="Content Placeholder 2">
-            <a:extLst>
-              <a:ext uri="{FF2B5EF4-FFF2-40B4-BE49-F238E27FC236}">
-                <a16:creationId xmlns:a16="http://schemas.microsoft.com/office/drawing/2014/main" id="{FF29E8EA-4B9D-4DF4-BCD4-2C8CFBED35A2}"/>
-              </a:ext>
-            </a:extLst>
-          </p:cNvPr>
-          <p:cNvSpPr>
-            <a:spLocks noGrp="1"/>
-          </p:cNvSpPr>
-          <p:nvPr>
-            <p:ph idx="1"/>
-          </p:nvPr>
-        </p:nvSpPr>
-        <p:spPr/>
-        <p:txBody>
-          <a:bodyPr/>
-          <a:lstStyle/>
-          <a:p>
-            <a:endParaRPr lang="en-US"/>
-          </a:p>
-        </p:txBody>
-      </p:sp>
+            <a:r>
+              <a:rPr lang="en-US" dirty="0"/>
+              <a:t>Implementing the model</a:t>
+            </a:r>
+          </a:p>
+        </p:txBody>
+      </p:sp>
+      <p:pic>
+        <p:nvPicPr>
+          <p:cNvPr id="3" name="Picture 2">
+            <a:extLst>
+              <a:ext uri="{FF2B5EF4-FFF2-40B4-BE49-F238E27FC236}">
+                <a16:creationId xmlns:a16="http://schemas.microsoft.com/office/drawing/2014/main" id="{279A5F58-C032-4F4B-9EEB-C3D8DCA330F9}"/>
+              </a:ext>
+            </a:extLst>
+          </p:cNvPr>
+          <p:cNvPicPr>
+            <a:picLocks noChangeAspect="1"/>
+          </p:cNvPicPr>
+          <p:nvPr/>
+        </p:nvPicPr>
+        <p:blipFill>
+          <a:blip r:embed="rId2"/>
+          <a:stretch>
+            <a:fillRect/>
+          </a:stretch>
+        </p:blipFill>
+        <p:spPr>
+          <a:xfrm>
+            <a:off x="990387" y="1690688"/>
+            <a:ext cx="10363413" cy="4269048"/>
+          </a:xfrm>
+          <a:prstGeom prst="rect">
+            <a:avLst/>
+          </a:prstGeom>
+        </p:spPr>
+      </p:pic>
     </p:spTree>
     <p:extLst>
       <p:ext uri="{BB962C8B-B14F-4D97-AF65-F5344CB8AC3E}">
-        <p14:creationId xmlns:p14="http://schemas.microsoft.com/office/powerpoint/2010/main" val="2034113325"/>
+        <p14:creationId xmlns:p14="http://schemas.microsoft.com/office/powerpoint/2010/main" val="978311506"/>
       </p:ext>
     </p:extLst>
   </p:cSld>
@@ -5030,60 +4989,52 @@
           <a:chExt cx="0" cy="0"/>
         </a:xfrm>
       </p:grpSpPr>
-      <p:sp>
-        <p:nvSpPr>
-          <p:cNvPr id="2" name="Title 1">
-            <a:extLst>
-              <a:ext uri="{FF2B5EF4-FFF2-40B4-BE49-F238E27FC236}">
-                <a16:creationId xmlns:a16="http://schemas.microsoft.com/office/drawing/2014/main" id="{2A7E08FB-3069-415B-BE83-8304B610038B}"/>
-              </a:ext>
-            </a:extLst>
-          </p:cNvPr>
-          <p:cNvSpPr>
-            <a:spLocks noGrp="1"/>
-          </p:cNvSpPr>
-          <p:nvPr>
-            <p:ph type="title"/>
-          </p:nvPr>
-        </p:nvSpPr>
-        <p:spPr/>
-        <p:txBody>
-          <a:bodyPr/>
-          <a:lstStyle/>
-          <a:p>
-            <a:endParaRPr lang="en-US"/>
-          </a:p>
-        </p:txBody>
-      </p:sp>
-      <p:sp>
-        <p:nvSpPr>
-          <p:cNvPr id="3" name="Content Placeholder 2">
-            <a:extLst>
-              <a:ext uri="{FF2B5EF4-FFF2-40B4-BE49-F238E27FC236}">
-                <a16:creationId xmlns:a16="http://schemas.microsoft.com/office/drawing/2014/main" id="{463B79CD-172F-4555-9EF1-D5288066546F}"/>
-              </a:ext>
-            </a:extLst>
-          </p:cNvPr>
-          <p:cNvSpPr>
-            <a:spLocks noGrp="1"/>
-          </p:cNvSpPr>
-          <p:nvPr>
-            <p:ph idx="1"/>
-          </p:nvPr>
-        </p:nvSpPr>
-        <p:spPr/>
-        <p:txBody>
-          <a:bodyPr/>
-          <a:lstStyle/>
-          <a:p>
-            <a:endParaRPr lang="en-US"/>
-          </a:p>
-        </p:txBody>
-      </p:sp>
+      <p:pic>
+        <p:nvPicPr>
+          <p:cNvPr id="4" name="Picture 3">
+            <a:extLst>
+              <a:ext uri="{FF2B5EF4-FFF2-40B4-BE49-F238E27FC236}">
+                <a16:creationId xmlns:a16="http://schemas.microsoft.com/office/drawing/2014/main" id="{02B4CDDB-6F55-473D-8A9B-E4345CFC2849}"/>
+              </a:ext>
+            </a:extLst>
+          </p:cNvPr>
+          <p:cNvPicPr>
+            <a:picLocks noChangeAspect="1"/>
+          </p:cNvPicPr>
+          <p:nvPr/>
+        </p:nvPicPr>
+        <p:blipFill>
+          <a:blip r:embed="rId2">
+            <a:extLst>
+              <a:ext uri="{BEBA8EAE-BF5A-486C-A8C5-ECC9F3942E4B}">
+                <a14:imgProps xmlns:a14="http://schemas.microsoft.com/office/drawing/2010/main">
+                  <a14:imgLayer r:embed="rId3">
+                    <a14:imgEffect>
+                      <a14:sharpenSoften amount="50000"/>
+                    </a14:imgEffect>
+                  </a14:imgLayer>
+                </a14:imgProps>
+              </a:ext>
+            </a:extLst>
+          </a:blip>
+          <a:stretch>
+            <a:fillRect/>
+          </a:stretch>
+        </p:blipFill>
+        <p:spPr>
+          <a:xfrm>
+            <a:off x="2985587" y="0"/>
+            <a:ext cx="6220826" cy="6858000"/>
+          </a:xfrm>
+          <a:prstGeom prst="rect">
+            <a:avLst/>
+          </a:prstGeom>
+        </p:spPr>
+      </p:pic>
     </p:spTree>
     <p:extLst>
       <p:ext uri="{BB962C8B-B14F-4D97-AF65-F5344CB8AC3E}">
-        <p14:creationId xmlns:p14="http://schemas.microsoft.com/office/powerpoint/2010/main" val="2537139263"/>
+        <p14:creationId xmlns:p14="http://schemas.microsoft.com/office/powerpoint/2010/main" val="2949374358"/>
       </p:ext>
     </p:extLst>
   </p:cSld>
@@ -5248,254 +5199,6 @@
           <a:chExt cx="0" cy="0"/>
         </a:xfrm>
       </p:grpSpPr>
-      <p:sp>
-        <p:nvSpPr>
-          <p:cNvPr id="2" name="Title 1">
-            <a:extLst>
-              <a:ext uri="{FF2B5EF4-FFF2-40B4-BE49-F238E27FC236}">
-                <a16:creationId xmlns:a16="http://schemas.microsoft.com/office/drawing/2014/main" id="{BEE12DD3-4FC8-40EC-9CE6-B874524424F7}"/>
-              </a:ext>
-            </a:extLst>
-          </p:cNvPr>
-          <p:cNvSpPr>
-            <a:spLocks noGrp="1"/>
-          </p:cNvSpPr>
-          <p:nvPr>
-            <p:ph type="title"/>
-          </p:nvPr>
-        </p:nvSpPr>
-        <p:spPr/>
-        <p:txBody>
-          <a:bodyPr/>
-          <a:lstStyle/>
-          <a:p>
-            <a:r>
-              <a:rPr lang="en-US" dirty="0"/>
-              <a:t>LP Model</a:t>
-            </a:r>
-          </a:p>
-        </p:txBody>
-      </p:sp>
-      <p:pic>
-        <p:nvPicPr>
-          <p:cNvPr id="3" name="Picture 2">
-            <a:extLst>
-              <a:ext uri="{FF2B5EF4-FFF2-40B4-BE49-F238E27FC236}">
-                <a16:creationId xmlns:a16="http://schemas.microsoft.com/office/drawing/2014/main" id="{CF8DA36A-1144-45E3-BC14-6893EE5EE37D}"/>
-              </a:ext>
-            </a:extLst>
-          </p:cNvPr>
-          <p:cNvPicPr>
-            <a:picLocks noChangeAspect="1"/>
-          </p:cNvPicPr>
-          <p:nvPr/>
-        </p:nvPicPr>
-        <p:blipFill>
-          <a:blip r:embed="rId2"/>
-          <a:stretch>
-            <a:fillRect/>
-          </a:stretch>
-        </p:blipFill>
-        <p:spPr>
-          <a:xfrm>
-            <a:off x="3195021" y="1442805"/>
-            <a:ext cx="6005624" cy="4578340"/>
-          </a:xfrm>
-          <a:prstGeom prst="rect">
-            <a:avLst/>
-          </a:prstGeom>
-        </p:spPr>
-      </p:pic>
-    </p:spTree>
-    <p:extLst>
-      <p:ext uri="{BB962C8B-B14F-4D97-AF65-F5344CB8AC3E}">
-        <p14:creationId xmlns:p14="http://schemas.microsoft.com/office/powerpoint/2010/main" val="1439773290"/>
-      </p:ext>
-    </p:extLst>
-  </p:cSld>
-  <p:clrMapOvr>
-    <a:masterClrMapping/>
-  </p:clrMapOvr>
-</p:sld>
-</file>
-
-<file path=ppt/slides/slide21.xml><?xml version="1.0" encoding="utf-8"?>
-<p:sld xmlns:a="http://schemas.openxmlformats.org/drawingml/2006/main" xmlns:r="http://schemas.openxmlformats.org/officeDocument/2006/relationships" xmlns:p="http://schemas.openxmlformats.org/presentationml/2006/main">
-  <p:cSld>
-    <p:spTree>
-      <p:nvGrpSpPr>
-        <p:cNvPr id="1" name=""/>
-        <p:cNvGrpSpPr/>
-        <p:nvPr/>
-      </p:nvGrpSpPr>
-      <p:grpSpPr>
-        <a:xfrm>
-          <a:off x="0" y="0"/>
-          <a:ext cx="0" cy="0"/>
-          <a:chOff x="0" y="0"/>
-          <a:chExt cx="0" cy="0"/>
-        </a:xfrm>
-      </p:grpSpPr>
-      <p:sp>
-        <p:nvSpPr>
-          <p:cNvPr id="2" name="Title 1">
-            <a:extLst>
-              <a:ext uri="{FF2B5EF4-FFF2-40B4-BE49-F238E27FC236}">
-                <a16:creationId xmlns:a16="http://schemas.microsoft.com/office/drawing/2014/main" id="{F99EF81D-7724-4FA2-AA4F-C8905E57463A}"/>
-              </a:ext>
-            </a:extLst>
-          </p:cNvPr>
-          <p:cNvSpPr>
-            <a:spLocks noGrp="1"/>
-          </p:cNvSpPr>
-          <p:nvPr>
-            <p:ph type="title"/>
-          </p:nvPr>
-        </p:nvSpPr>
-        <p:spPr/>
-        <p:txBody>
-          <a:bodyPr/>
-          <a:lstStyle/>
-          <a:p>
-            <a:r>
-              <a:rPr lang="en-US" dirty="0"/>
-              <a:t>Implementing the model</a:t>
-            </a:r>
-          </a:p>
-        </p:txBody>
-      </p:sp>
-      <p:pic>
-        <p:nvPicPr>
-          <p:cNvPr id="3" name="Picture 2">
-            <a:extLst>
-              <a:ext uri="{FF2B5EF4-FFF2-40B4-BE49-F238E27FC236}">
-                <a16:creationId xmlns:a16="http://schemas.microsoft.com/office/drawing/2014/main" id="{279A5F58-C032-4F4B-9EEB-C3D8DCA330F9}"/>
-              </a:ext>
-            </a:extLst>
-          </p:cNvPr>
-          <p:cNvPicPr>
-            <a:picLocks noChangeAspect="1"/>
-          </p:cNvPicPr>
-          <p:nvPr/>
-        </p:nvPicPr>
-        <p:blipFill>
-          <a:blip r:embed="rId2"/>
-          <a:stretch>
-            <a:fillRect/>
-          </a:stretch>
-        </p:blipFill>
-        <p:spPr>
-          <a:xfrm>
-            <a:off x="990387" y="1690688"/>
-            <a:ext cx="10363413" cy="4269048"/>
-          </a:xfrm>
-          <a:prstGeom prst="rect">
-            <a:avLst/>
-          </a:prstGeom>
-        </p:spPr>
-      </p:pic>
-    </p:spTree>
-    <p:extLst>
-      <p:ext uri="{BB962C8B-B14F-4D97-AF65-F5344CB8AC3E}">
-        <p14:creationId xmlns:p14="http://schemas.microsoft.com/office/powerpoint/2010/main" val="978311506"/>
-      </p:ext>
-    </p:extLst>
-  </p:cSld>
-  <p:clrMapOvr>
-    <a:masterClrMapping/>
-  </p:clrMapOvr>
-</p:sld>
-</file>
-
-<file path=ppt/slides/slide22.xml><?xml version="1.0" encoding="utf-8"?>
-<p:sld xmlns:a="http://schemas.openxmlformats.org/drawingml/2006/main" xmlns:r="http://schemas.openxmlformats.org/officeDocument/2006/relationships" xmlns:p="http://schemas.openxmlformats.org/presentationml/2006/main">
-  <p:cSld>
-    <p:spTree>
-      <p:nvGrpSpPr>
-        <p:cNvPr id="1" name=""/>
-        <p:cNvGrpSpPr/>
-        <p:nvPr/>
-      </p:nvGrpSpPr>
-      <p:grpSpPr>
-        <a:xfrm>
-          <a:off x="0" y="0"/>
-          <a:ext cx="0" cy="0"/>
-          <a:chOff x="0" y="0"/>
-          <a:chExt cx="0" cy="0"/>
-        </a:xfrm>
-      </p:grpSpPr>
-      <p:pic>
-        <p:nvPicPr>
-          <p:cNvPr id="4" name="Picture 3">
-            <a:extLst>
-              <a:ext uri="{FF2B5EF4-FFF2-40B4-BE49-F238E27FC236}">
-                <a16:creationId xmlns:a16="http://schemas.microsoft.com/office/drawing/2014/main" id="{02B4CDDB-6F55-473D-8A9B-E4345CFC2849}"/>
-              </a:ext>
-            </a:extLst>
-          </p:cNvPr>
-          <p:cNvPicPr>
-            <a:picLocks noChangeAspect="1"/>
-          </p:cNvPicPr>
-          <p:nvPr/>
-        </p:nvPicPr>
-        <p:blipFill>
-          <a:blip r:embed="rId2">
-            <a:extLst>
-              <a:ext uri="{BEBA8EAE-BF5A-486C-A8C5-ECC9F3942E4B}">
-                <a14:imgProps xmlns:a14="http://schemas.microsoft.com/office/drawing/2010/main">
-                  <a14:imgLayer r:embed="rId3">
-                    <a14:imgEffect>
-                      <a14:sharpenSoften amount="50000"/>
-                    </a14:imgEffect>
-                  </a14:imgLayer>
-                </a14:imgProps>
-              </a:ext>
-            </a:extLst>
-          </a:blip>
-          <a:stretch>
-            <a:fillRect/>
-          </a:stretch>
-        </p:blipFill>
-        <p:spPr>
-          <a:xfrm>
-            <a:off x="2985587" y="0"/>
-            <a:ext cx="6220826" cy="6858000"/>
-          </a:xfrm>
-          <a:prstGeom prst="rect">
-            <a:avLst/>
-          </a:prstGeom>
-        </p:spPr>
-      </p:pic>
-    </p:spTree>
-    <p:extLst>
-      <p:ext uri="{BB962C8B-B14F-4D97-AF65-F5344CB8AC3E}">
-        <p14:creationId xmlns:p14="http://schemas.microsoft.com/office/powerpoint/2010/main" val="2949374358"/>
-      </p:ext>
-    </p:extLst>
-  </p:cSld>
-  <p:clrMapOvr>
-    <a:masterClrMapping/>
-  </p:clrMapOvr>
-</p:sld>
-</file>
-
-<file path=ppt/slides/slide23.xml><?xml version="1.0" encoding="utf-8"?>
-<p:sld xmlns:a="http://schemas.openxmlformats.org/drawingml/2006/main" xmlns:r="http://schemas.openxmlformats.org/officeDocument/2006/relationships" xmlns:p="http://schemas.openxmlformats.org/presentationml/2006/main">
-  <p:cSld>
-    <p:spTree>
-      <p:nvGrpSpPr>
-        <p:cNvPr id="1" name=""/>
-        <p:cNvGrpSpPr/>
-        <p:nvPr/>
-      </p:nvGrpSpPr>
-      <p:grpSpPr>
-        <a:xfrm>
-          <a:off x="0" y="0"/>
-          <a:ext cx="0" cy="0"/>
-          <a:chOff x="0" y="0"/>
-          <a:chExt cx="0" cy="0"/>
-        </a:xfrm>
-      </p:grpSpPr>
       <p:pic>
         <p:nvPicPr>
           <p:cNvPr id="4" name="Content Placeholder 4">
@@ -5536,353 +5239,6 @@
     <p:extLst>
       <p:ext uri="{BB962C8B-B14F-4D97-AF65-F5344CB8AC3E}">
         <p14:creationId xmlns:p14="http://schemas.microsoft.com/office/powerpoint/2010/main" val="4133245416"/>
-      </p:ext>
-    </p:extLst>
-  </p:cSld>
-  <p:clrMapOvr>
-    <a:masterClrMapping/>
-  </p:clrMapOvr>
-</p:sld>
-</file>
-
-<file path=ppt/slides/slide24.xml><?xml version="1.0" encoding="utf-8"?>
-<p:sld xmlns:a="http://schemas.openxmlformats.org/drawingml/2006/main" xmlns:r="http://schemas.openxmlformats.org/officeDocument/2006/relationships" xmlns:p="http://schemas.openxmlformats.org/presentationml/2006/main">
-  <p:cSld>
-    <p:spTree>
-      <p:nvGrpSpPr>
-        <p:cNvPr id="1" name=""/>
-        <p:cNvGrpSpPr/>
-        <p:nvPr/>
-      </p:nvGrpSpPr>
-      <p:grpSpPr>
-        <a:xfrm>
-          <a:off x="0" y="0"/>
-          <a:ext cx="0" cy="0"/>
-          <a:chOff x="0" y="0"/>
-          <a:chExt cx="0" cy="0"/>
-        </a:xfrm>
-      </p:grpSpPr>
-      <p:pic>
-        <p:nvPicPr>
-          <p:cNvPr id="6" name="Picture 5">
-            <a:extLst>
-              <a:ext uri="{FF2B5EF4-FFF2-40B4-BE49-F238E27FC236}">
-                <a16:creationId xmlns:a16="http://schemas.microsoft.com/office/drawing/2014/main" id="{D53F38C4-F942-464E-9AD3-A4C0D846ADF6}"/>
-              </a:ext>
-            </a:extLst>
-          </p:cNvPr>
-          <p:cNvPicPr>
-            <a:picLocks noChangeAspect="1"/>
-          </p:cNvPicPr>
-          <p:nvPr/>
-        </p:nvPicPr>
-        <p:blipFill>
-          <a:blip r:embed="rId2"/>
-          <a:stretch>
-            <a:fillRect/>
-          </a:stretch>
-        </p:blipFill>
-        <p:spPr>
-          <a:xfrm>
-            <a:off x="1045931" y="452329"/>
-            <a:ext cx="9527824" cy="3693502"/>
-          </a:xfrm>
-          <a:prstGeom prst="rect">
-            <a:avLst/>
-          </a:prstGeom>
-        </p:spPr>
-      </p:pic>
-    </p:spTree>
-    <p:extLst>
-      <p:ext uri="{BB962C8B-B14F-4D97-AF65-F5344CB8AC3E}">
-        <p14:creationId xmlns:p14="http://schemas.microsoft.com/office/powerpoint/2010/main" val="304658408"/>
-      </p:ext>
-    </p:extLst>
-  </p:cSld>
-  <p:clrMapOvr>
-    <a:masterClrMapping/>
-  </p:clrMapOvr>
-</p:sld>
-</file>
-
-<file path=ppt/slides/slide25.xml><?xml version="1.0" encoding="utf-8"?>
-<p:sld xmlns:a="http://schemas.openxmlformats.org/drawingml/2006/main" xmlns:r="http://schemas.openxmlformats.org/officeDocument/2006/relationships" xmlns:p="http://schemas.openxmlformats.org/presentationml/2006/main">
-  <p:cSld>
-    <p:spTree>
-      <p:nvGrpSpPr>
-        <p:cNvPr id="1" name=""/>
-        <p:cNvGrpSpPr/>
-        <p:nvPr/>
-      </p:nvGrpSpPr>
-      <p:grpSpPr>
-        <a:xfrm>
-          <a:off x="0" y="0"/>
-          <a:ext cx="0" cy="0"/>
-          <a:chOff x="0" y="0"/>
-          <a:chExt cx="0" cy="0"/>
-        </a:xfrm>
-      </p:grpSpPr>
-      <p:pic>
-        <p:nvPicPr>
-          <p:cNvPr id="4" name="Picture 3">
-            <a:extLst>
-              <a:ext uri="{FF2B5EF4-FFF2-40B4-BE49-F238E27FC236}">
-                <a16:creationId xmlns:a16="http://schemas.microsoft.com/office/drawing/2014/main" id="{C45B67D7-0AC7-4676-BA83-3B8D806B8DB4}"/>
-              </a:ext>
-            </a:extLst>
-          </p:cNvPr>
-          <p:cNvPicPr>
-            <a:picLocks noChangeAspect="1"/>
-          </p:cNvPicPr>
-          <p:nvPr/>
-        </p:nvPicPr>
-        <p:blipFill>
-          <a:blip r:embed="rId2"/>
-          <a:stretch>
-            <a:fillRect/>
-          </a:stretch>
-        </p:blipFill>
-        <p:spPr>
-          <a:xfrm>
-            <a:off x="1378633" y="329750"/>
-            <a:ext cx="9242475" cy="6180493"/>
-          </a:xfrm>
-          <a:prstGeom prst="rect">
-            <a:avLst/>
-          </a:prstGeom>
-        </p:spPr>
-      </p:pic>
-    </p:spTree>
-    <p:extLst>
-      <p:ext uri="{BB962C8B-B14F-4D97-AF65-F5344CB8AC3E}">
-        <p14:creationId xmlns:p14="http://schemas.microsoft.com/office/powerpoint/2010/main" val="3855396002"/>
-      </p:ext>
-    </p:extLst>
-  </p:cSld>
-  <p:clrMapOvr>
-    <a:masterClrMapping/>
-  </p:clrMapOvr>
-</p:sld>
-</file>
-
-<file path=ppt/slides/slide26.xml><?xml version="1.0" encoding="utf-8"?>
-<p:sld xmlns:a="http://schemas.openxmlformats.org/drawingml/2006/main" xmlns:r="http://schemas.openxmlformats.org/officeDocument/2006/relationships" xmlns:p="http://schemas.openxmlformats.org/presentationml/2006/main">
-  <p:cSld>
-    <p:spTree>
-      <p:nvGrpSpPr>
-        <p:cNvPr id="1" name=""/>
-        <p:cNvGrpSpPr/>
-        <p:nvPr/>
-      </p:nvGrpSpPr>
-      <p:grpSpPr>
-        <a:xfrm>
-          <a:off x="0" y="0"/>
-          <a:ext cx="0" cy="0"/>
-          <a:chOff x="0" y="0"/>
-          <a:chExt cx="0" cy="0"/>
-        </a:xfrm>
-      </p:grpSpPr>
-      <p:sp>
-        <p:nvSpPr>
-          <p:cNvPr id="2" name="Title 1">
-            <a:extLst>
-              <a:ext uri="{FF2B5EF4-FFF2-40B4-BE49-F238E27FC236}">
-                <a16:creationId xmlns:a16="http://schemas.microsoft.com/office/drawing/2014/main" id="{796A6F57-AF99-4B25-A5D9-7108AF74A110}"/>
-              </a:ext>
-            </a:extLst>
-          </p:cNvPr>
-          <p:cNvSpPr>
-            <a:spLocks noGrp="1"/>
-          </p:cNvSpPr>
-          <p:nvPr>
-            <p:ph type="title"/>
-          </p:nvPr>
-        </p:nvSpPr>
-        <p:spPr/>
-        <p:txBody>
-          <a:bodyPr/>
-          <a:lstStyle/>
-          <a:p>
-            <a:r>
-              <a:rPr lang="en-US" dirty="0"/>
-              <a:t>Shadow Prices</a:t>
-            </a:r>
-          </a:p>
-        </p:txBody>
-      </p:sp>
-      <p:pic>
-        <p:nvPicPr>
-          <p:cNvPr id="4" name="Content Placeholder 3">
-            <a:extLst>
-              <a:ext uri="{FF2B5EF4-FFF2-40B4-BE49-F238E27FC236}">
-                <a16:creationId xmlns:a16="http://schemas.microsoft.com/office/drawing/2014/main" id="{A1A37381-23B7-4425-83C6-2F00D20B8117}"/>
-              </a:ext>
-            </a:extLst>
-          </p:cNvPr>
-          <p:cNvPicPr>
-            <a:picLocks noGrp="1" noChangeAspect="1"/>
-          </p:cNvPicPr>
-          <p:nvPr>
-            <p:ph idx="1"/>
-          </p:nvPr>
-        </p:nvPicPr>
-        <p:blipFill>
-          <a:blip r:embed="rId2"/>
-          <a:stretch>
-            <a:fillRect/>
-          </a:stretch>
-        </p:blipFill>
-        <p:spPr>
-          <a:xfrm>
-            <a:off x="1208675" y="2003314"/>
-            <a:ext cx="10145125" cy="1682421"/>
-          </a:xfrm>
-          <a:prstGeom prst="rect">
-            <a:avLst/>
-          </a:prstGeom>
-        </p:spPr>
-      </p:pic>
-      <p:pic>
-        <p:nvPicPr>
-          <p:cNvPr id="5" name="Picture 4">
-            <a:extLst>
-              <a:ext uri="{FF2B5EF4-FFF2-40B4-BE49-F238E27FC236}">
-                <a16:creationId xmlns:a16="http://schemas.microsoft.com/office/drawing/2014/main" id="{29D42779-E2EC-43E4-B193-B528665EF88B}"/>
-              </a:ext>
-            </a:extLst>
-          </p:cNvPr>
-          <p:cNvPicPr>
-            <a:picLocks noChangeAspect="1"/>
-          </p:cNvPicPr>
-          <p:nvPr/>
-        </p:nvPicPr>
-        <p:blipFill>
-          <a:blip r:embed="rId3">
-            <a:extLst>
-              <a:ext uri="{BEBA8EAE-BF5A-486C-A8C5-ECC9F3942E4B}">
-                <a14:imgProps xmlns:a14="http://schemas.microsoft.com/office/drawing/2010/main">
-                  <a14:imgLayer r:embed="rId4">
-                    <a14:imgEffect>
-                      <a14:sharpenSoften amount="50000"/>
-                    </a14:imgEffect>
-                  </a14:imgLayer>
-                </a14:imgProps>
-              </a:ext>
-            </a:extLst>
-          </a:blip>
-          <a:stretch>
-            <a:fillRect/>
-          </a:stretch>
-        </p:blipFill>
-        <p:spPr>
-          <a:xfrm>
-            <a:off x="1294604" y="4530529"/>
-            <a:ext cx="10059196" cy="871465"/>
-          </a:xfrm>
-          <a:prstGeom prst="rect">
-            <a:avLst/>
-          </a:prstGeom>
-        </p:spPr>
-      </p:pic>
-    </p:spTree>
-    <p:extLst>
-      <p:ext uri="{BB962C8B-B14F-4D97-AF65-F5344CB8AC3E}">
-        <p14:creationId xmlns:p14="http://schemas.microsoft.com/office/powerpoint/2010/main" val="3856531182"/>
-      </p:ext>
-    </p:extLst>
-  </p:cSld>
-  <p:clrMapOvr>
-    <a:masterClrMapping/>
-  </p:clrMapOvr>
-</p:sld>
-</file>
-
-<file path=ppt/slides/slide27.xml><?xml version="1.0" encoding="utf-8"?>
-<p:sld xmlns:a="http://schemas.openxmlformats.org/drawingml/2006/main" xmlns:r="http://schemas.openxmlformats.org/officeDocument/2006/relationships" xmlns:p="http://schemas.openxmlformats.org/presentationml/2006/main">
-  <p:cSld>
-    <p:spTree>
-      <p:nvGrpSpPr>
-        <p:cNvPr id="1" name=""/>
-        <p:cNvGrpSpPr/>
-        <p:nvPr/>
-      </p:nvGrpSpPr>
-      <p:grpSpPr>
-        <a:xfrm>
-          <a:off x="0" y="0"/>
-          <a:ext cx="0" cy="0"/>
-          <a:chOff x="0" y="0"/>
-          <a:chExt cx="0" cy="0"/>
-        </a:xfrm>
-      </p:grpSpPr>
-      <p:sp>
-        <p:nvSpPr>
-          <p:cNvPr id="2" name="Title 1">
-            <a:extLst>
-              <a:ext uri="{FF2B5EF4-FFF2-40B4-BE49-F238E27FC236}">
-                <a16:creationId xmlns:a16="http://schemas.microsoft.com/office/drawing/2014/main" id="{952F1CC6-60B1-4CED-9764-765E0C976F25}"/>
-              </a:ext>
-            </a:extLst>
-          </p:cNvPr>
-          <p:cNvSpPr>
-            <a:spLocks noGrp="1"/>
-          </p:cNvSpPr>
-          <p:nvPr>
-            <p:ph type="title"/>
-          </p:nvPr>
-        </p:nvSpPr>
-        <p:spPr>
-          <a:xfrm>
-            <a:off x="838200" y="210382"/>
-            <a:ext cx="10515600" cy="788426"/>
-          </a:xfrm>
-        </p:spPr>
-        <p:txBody>
-          <a:bodyPr/>
-          <a:lstStyle/>
-          <a:p>
-            <a:r>
-              <a:rPr lang="en-US" dirty="0"/>
-              <a:t>Reduced Costs</a:t>
-            </a:r>
-          </a:p>
-        </p:txBody>
-      </p:sp>
-      <p:pic>
-        <p:nvPicPr>
-          <p:cNvPr id="4" name="Content Placeholder 3">
-            <a:extLst>
-              <a:ext uri="{FF2B5EF4-FFF2-40B4-BE49-F238E27FC236}">
-                <a16:creationId xmlns:a16="http://schemas.microsoft.com/office/drawing/2014/main" id="{64C88B4E-3B2B-46F4-938E-5A8CE89294DA}"/>
-              </a:ext>
-            </a:extLst>
-          </p:cNvPr>
-          <p:cNvPicPr>
-            <a:picLocks noGrp="1" noChangeAspect="1"/>
-          </p:cNvPicPr>
-          <p:nvPr>
-            <p:ph idx="1"/>
-          </p:nvPr>
-        </p:nvPicPr>
-        <p:blipFill>
-          <a:blip r:embed="rId2"/>
-          <a:stretch>
-            <a:fillRect/>
-          </a:stretch>
-        </p:blipFill>
-        <p:spPr>
-          <a:xfrm>
-            <a:off x="2022763" y="998808"/>
-            <a:ext cx="7712079" cy="5774655"/>
-          </a:xfrm>
-          <a:prstGeom prst="rect">
-            <a:avLst/>
-          </a:prstGeom>
-        </p:spPr>
-      </p:pic>
-    </p:spTree>
-    <p:extLst>
-      <p:ext uri="{BB962C8B-B14F-4D97-AF65-F5344CB8AC3E}">
-        <p14:creationId xmlns:p14="http://schemas.microsoft.com/office/powerpoint/2010/main" val="4121975982"/>
       </p:ext>
     </p:extLst>
   </p:cSld>
@@ -6606,12 +5962,45 @@
           <a:chExt cx="0" cy="0"/>
         </a:xfrm>
       </p:grpSpPr>
+      <p:sp>
+        <p:nvSpPr>
+          <p:cNvPr id="2" name="Title 1">
+            <a:extLst>
+              <a:ext uri="{FF2B5EF4-FFF2-40B4-BE49-F238E27FC236}">
+                <a16:creationId xmlns:a16="http://schemas.microsoft.com/office/drawing/2014/main" id="{31E6D038-FBB2-45FC-8ABD-F26461F14E2B}"/>
+              </a:ext>
+            </a:extLst>
+          </p:cNvPr>
+          <p:cNvSpPr>
+            <a:spLocks noGrp="1"/>
+          </p:cNvSpPr>
+          <p:nvPr>
+            <p:ph type="title"/>
+          </p:nvPr>
+        </p:nvSpPr>
+        <p:spPr>
+          <a:xfrm>
+            <a:off x="838200" y="365126"/>
+            <a:ext cx="10515600" cy="764428"/>
+          </a:xfrm>
+        </p:spPr>
+        <p:txBody>
+          <a:bodyPr/>
+          <a:lstStyle/>
+          <a:p>
+            <a:r>
+              <a:rPr lang="en-US" dirty="0"/>
+              <a:t>Implementation of the Model</a:t>
+            </a:r>
+          </a:p>
+        </p:txBody>
+      </p:sp>
       <p:pic>
         <p:nvPicPr>
-          <p:cNvPr id="5" name="Picture 4">
-            <a:extLst>
-              <a:ext uri="{FF2B5EF4-FFF2-40B4-BE49-F238E27FC236}">
-                <a16:creationId xmlns:a16="http://schemas.microsoft.com/office/drawing/2014/main" id="{3D3E9DBB-DDB6-4841-934E-22022BE108FA}"/>
+          <p:cNvPr id="4" name="Picture 3">
+            <a:extLst>
+              <a:ext uri="{FF2B5EF4-FFF2-40B4-BE49-F238E27FC236}">
+                <a16:creationId xmlns:a16="http://schemas.microsoft.com/office/drawing/2014/main" id="{75ECFB19-9D07-45C3-9CB0-C777DD6EA860}"/>
               </a:ext>
             </a:extLst>
           </p:cNvPr>
@@ -6628,8 +6017,8 @@
         </p:blipFill>
         <p:spPr>
           <a:xfrm>
-            <a:off x="3507545" y="4220307"/>
-            <a:ext cx="5176910" cy="2511188"/>
+            <a:off x="1532684" y="1976549"/>
+            <a:ext cx="8696325" cy="3571875"/>
           </a:xfrm>
           <a:prstGeom prst="rect">
             <a:avLst/>
@@ -6639,7 +6028,7 @@
     </p:spTree>
     <p:extLst>
       <p:ext uri="{BB962C8B-B14F-4D97-AF65-F5344CB8AC3E}">
-        <p14:creationId xmlns:p14="http://schemas.microsoft.com/office/powerpoint/2010/main" val="1376706079"/>
+        <p14:creationId xmlns:p14="http://schemas.microsoft.com/office/powerpoint/2010/main" val="278229254"/>
       </p:ext>
     </p:extLst>
   </p:cSld>

--- a/Project Presentation.pptx
+++ b/Project Presentation.pptx
@@ -601,7 +601,7 @@
           <p:cNvPr id="2" name="Title 1">
             <a:extLst>
               <a:ext uri="{FF2B5EF4-FFF2-40B4-BE49-F238E27FC236}">
-                <a16:creationId xmlns:a16="http://schemas.microsoft.com/office/drawing/2014/main" id="{DDA3CF4A-2D93-4A5C-A390-1C3147D99980}"/>
+                <a16:creationId xmlns:a16="http://schemas.microsoft.com/office/drawing/2014/main" xmlns="" id="{DDA3CF4A-2D93-4A5C-A390-1C3147D99980}"/>
               </a:ext>
             </a:extLst>
           </p:cNvPr>
@@ -638,7 +638,7 @@
           <p:cNvPr id="3" name="Subtitle 2">
             <a:extLst>
               <a:ext uri="{FF2B5EF4-FFF2-40B4-BE49-F238E27FC236}">
-                <a16:creationId xmlns:a16="http://schemas.microsoft.com/office/drawing/2014/main" id="{0469B60A-1F33-43B7-A5D5-4D2BFC56FA91}"/>
+                <a16:creationId xmlns:a16="http://schemas.microsoft.com/office/drawing/2014/main" xmlns="" id="{0469B60A-1F33-43B7-A5D5-4D2BFC56FA91}"/>
               </a:ext>
             </a:extLst>
           </p:cNvPr>
@@ -708,7 +708,7 @@
           <p:cNvPr id="4" name="Date Placeholder 3">
             <a:extLst>
               <a:ext uri="{FF2B5EF4-FFF2-40B4-BE49-F238E27FC236}">
-                <a16:creationId xmlns:a16="http://schemas.microsoft.com/office/drawing/2014/main" id="{18214FDF-EB07-4B30-8C3A-9F5C33D7149D}"/>
+                <a16:creationId xmlns:a16="http://schemas.microsoft.com/office/drawing/2014/main" xmlns="" id="{18214FDF-EB07-4B30-8C3A-9F5C33D7149D}"/>
               </a:ext>
             </a:extLst>
           </p:cNvPr>
@@ -737,7 +737,7 @@
           <p:cNvPr id="5" name="Footer Placeholder 4">
             <a:extLst>
               <a:ext uri="{FF2B5EF4-FFF2-40B4-BE49-F238E27FC236}">
-                <a16:creationId xmlns:a16="http://schemas.microsoft.com/office/drawing/2014/main" id="{DA4F7129-8CF9-4868-A18A-3870584112A0}"/>
+                <a16:creationId xmlns:a16="http://schemas.microsoft.com/office/drawing/2014/main" xmlns="" id="{DA4F7129-8CF9-4868-A18A-3870584112A0}"/>
               </a:ext>
             </a:extLst>
           </p:cNvPr>
@@ -762,7 +762,7 @@
           <p:cNvPr id="6" name="Slide Number Placeholder 5">
             <a:extLst>
               <a:ext uri="{FF2B5EF4-FFF2-40B4-BE49-F238E27FC236}">
-                <a16:creationId xmlns:a16="http://schemas.microsoft.com/office/drawing/2014/main" id="{3F279C08-EED1-4FF3-801E-3B9D80C002E2}"/>
+                <a16:creationId xmlns:a16="http://schemas.microsoft.com/office/drawing/2014/main" xmlns="" id="{3F279C08-EED1-4FF3-801E-3B9D80C002E2}"/>
               </a:ext>
             </a:extLst>
           </p:cNvPr>
@@ -821,7 +821,7 @@
           <p:cNvPr id="2" name="Title 1">
             <a:extLst>
               <a:ext uri="{FF2B5EF4-FFF2-40B4-BE49-F238E27FC236}">
-                <a16:creationId xmlns:a16="http://schemas.microsoft.com/office/drawing/2014/main" id="{64EB729C-9E7C-49EA-AB03-AB909E91FC63}"/>
+                <a16:creationId xmlns:a16="http://schemas.microsoft.com/office/drawing/2014/main" xmlns="" id="{64EB729C-9E7C-49EA-AB03-AB909E91FC63}"/>
               </a:ext>
             </a:extLst>
           </p:cNvPr>
@@ -849,7 +849,7 @@
           <p:cNvPr id="3" name="Vertical Text Placeholder 2">
             <a:extLst>
               <a:ext uri="{FF2B5EF4-FFF2-40B4-BE49-F238E27FC236}">
-                <a16:creationId xmlns:a16="http://schemas.microsoft.com/office/drawing/2014/main" id="{E5F60571-B4F9-4C51-BBE7-E101C504DE8A}"/>
+                <a16:creationId xmlns:a16="http://schemas.microsoft.com/office/drawing/2014/main" xmlns="" id="{E5F60571-B4F9-4C51-BBE7-E101C504DE8A}"/>
               </a:ext>
             </a:extLst>
           </p:cNvPr>
@@ -906,7 +906,7 @@
           <p:cNvPr id="4" name="Date Placeholder 3">
             <a:extLst>
               <a:ext uri="{FF2B5EF4-FFF2-40B4-BE49-F238E27FC236}">
-                <a16:creationId xmlns:a16="http://schemas.microsoft.com/office/drawing/2014/main" id="{4418B7CA-D7BF-4DA5-BA2F-E04B03A3B157}"/>
+                <a16:creationId xmlns:a16="http://schemas.microsoft.com/office/drawing/2014/main" xmlns="" id="{4418B7CA-D7BF-4DA5-BA2F-E04B03A3B157}"/>
               </a:ext>
             </a:extLst>
           </p:cNvPr>
@@ -935,7 +935,7 @@
           <p:cNvPr id="5" name="Footer Placeholder 4">
             <a:extLst>
               <a:ext uri="{FF2B5EF4-FFF2-40B4-BE49-F238E27FC236}">
-                <a16:creationId xmlns:a16="http://schemas.microsoft.com/office/drawing/2014/main" id="{7FE2E20F-95E9-4D82-AC0F-A6C4177289A3}"/>
+                <a16:creationId xmlns:a16="http://schemas.microsoft.com/office/drawing/2014/main" xmlns="" id="{7FE2E20F-95E9-4D82-AC0F-A6C4177289A3}"/>
               </a:ext>
             </a:extLst>
           </p:cNvPr>
@@ -960,7 +960,7 @@
           <p:cNvPr id="6" name="Slide Number Placeholder 5">
             <a:extLst>
               <a:ext uri="{FF2B5EF4-FFF2-40B4-BE49-F238E27FC236}">
-                <a16:creationId xmlns:a16="http://schemas.microsoft.com/office/drawing/2014/main" id="{60E4E8F5-FFD5-479E-90D3-9246F47942EC}"/>
+                <a16:creationId xmlns:a16="http://schemas.microsoft.com/office/drawing/2014/main" xmlns="" id="{60E4E8F5-FFD5-479E-90D3-9246F47942EC}"/>
               </a:ext>
             </a:extLst>
           </p:cNvPr>
@@ -1019,7 +1019,7 @@
           <p:cNvPr id="2" name="Vertical Title 1">
             <a:extLst>
               <a:ext uri="{FF2B5EF4-FFF2-40B4-BE49-F238E27FC236}">
-                <a16:creationId xmlns:a16="http://schemas.microsoft.com/office/drawing/2014/main" id="{ECF27991-852C-4D56-B3E4-0D34531FD4AD}"/>
+                <a16:creationId xmlns:a16="http://schemas.microsoft.com/office/drawing/2014/main" xmlns="" id="{ECF27991-852C-4D56-B3E4-0D34531FD4AD}"/>
               </a:ext>
             </a:extLst>
           </p:cNvPr>
@@ -1052,7 +1052,7 @@
           <p:cNvPr id="3" name="Vertical Text Placeholder 2">
             <a:extLst>
               <a:ext uri="{FF2B5EF4-FFF2-40B4-BE49-F238E27FC236}">
-                <a16:creationId xmlns:a16="http://schemas.microsoft.com/office/drawing/2014/main" id="{A4900D11-2F88-40C0-B420-F911B5E5E839}"/>
+                <a16:creationId xmlns:a16="http://schemas.microsoft.com/office/drawing/2014/main" xmlns="" id="{A4900D11-2F88-40C0-B420-F911B5E5E839}"/>
               </a:ext>
             </a:extLst>
           </p:cNvPr>
@@ -1114,7 +1114,7 @@
           <p:cNvPr id="4" name="Date Placeholder 3">
             <a:extLst>
               <a:ext uri="{FF2B5EF4-FFF2-40B4-BE49-F238E27FC236}">
-                <a16:creationId xmlns:a16="http://schemas.microsoft.com/office/drawing/2014/main" id="{EA0B91B8-A67D-4187-9C6C-0B50716DA312}"/>
+                <a16:creationId xmlns:a16="http://schemas.microsoft.com/office/drawing/2014/main" xmlns="" id="{EA0B91B8-A67D-4187-9C6C-0B50716DA312}"/>
               </a:ext>
             </a:extLst>
           </p:cNvPr>
@@ -1143,7 +1143,7 @@
           <p:cNvPr id="5" name="Footer Placeholder 4">
             <a:extLst>
               <a:ext uri="{FF2B5EF4-FFF2-40B4-BE49-F238E27FC236}">
-                <a16:creationId xmlns:a16="http://schemas.microsoft.com/office/drawing/2014/main" id="{E4797184-17FD-4DF0-AEB0-AF1992681984}"/>
+                <a16:creationId xmlns:a16="http://schemas.microsoft.com/office/drawing/2014/main" xmlns="" id="{E4797184-17FD-4DF0-AEB0-AF1992681984}"/>
               </a:ext>
             </a:extLst>
           </p:cNvPr>
@@ -1168,7 +1168,7 @@
           <p:cNvPr id="6" name="Slide Number Placeholder 5">
             <a:extLst>
               <a:ext uri="{FF2B5EF4-FFF2-40B4-BE49-F238E27FC236}">
-                <a16:creationId xmlns:a16="http://schemas.microsoft.com/office/drawing/2014/main" id="{B5AC3EB4-07EA-46DE-A9AC-EF572F0844DC}"/>
+                <a16:creationId xmlns:a16="http://schemas.microsoft.com/office/drawing/2014/main" xmlns="" id="{B5AC3EB4-07EA-46DE-A9AC-EF572F0844DC}"/>
               </a:ext>
             </a:extLst>
           </p:cNvPr>
@@ -1227,7 +1227,7 @@
           <p:cNvPr id="2" name="Title 1">
             <a:extLst>
               <a:ext uri="{FF2B5EF4-FFF2-40B4-BE49-F238E27FC236}">
-                <a16:creationId xmlns:a16="http://schemas.microsoft.com/office/drawing/2014/main" id="{71C2FADC-44D9-40B1-B0D9-29F59E5F87E0}"/>
+                <a16:creationId xmlns:a16="http://schemas.microsoft.com/office/drawing/2014/main" xmlns="" id="{71C2FADC-44D9-40B1-B0D9-29F59E5F87E0}"/>
               </a:ext>
             </a:extLst>
           </p:cNvPr>
@@ -1255,7 +1255,7 @@
           <p:cNvPr id="3" name="Content Placeholder 2">
             <a:extLst>
               <a:ext uri="{FF2B5EF4-FFF2-40B4-BE49-F238E27FC236}">
-                <a16:creationId xmlns:a16="http://schemas.microsoft.com/office/drawing/2014/main" id="{0F27FAC3-0E87-43E1-8525-80AB9015EBB5}"/>
+                <a16:creationId xmlns:a16="http://schemas.microsoft.com/office/drawing/2014/main" xmlns="" id="{0F27FAC3-0E87-43E1-8525-80AB9015EBB5}"/>
               </a:ext>
             </a:extLst>
           </p:cNvPr>
@@ -1312,7 +1312,7 @@
           <p:cNvPr id="4" name="Date Placeholder 3">
             <a:extLst>
               <a:ext uri="{FF2B5EF4-FFF2-40B4-BE49-F238E27FC236}">
-                <a16:creationId xmlns:a16="http://schemas.microsoft.com/office/drawing/2014/main" id="{ACEC5C3F-4794-47D0-B510-05837D611000}"/>
+                <a16:creationId xmlns:a16="http://schemas.microsoft.com/office/drawing/2014/main" xmlns="" id="{ACEC5C3F-4794-47D0-B510-05837D611000}"/>
               </a:ext>
             </a:extLst>
           </p:cNvPr>
@@ -1341,7 +1341,7 @@
           <p:cNvPr id="5" name="Footer Placeholder 4">
             <a:extLst>
               <a:ext uri="{FF2B5EF4-FFF2-40B4-BE49-F238E27FC236}">
-                <a16:creationId xmlns:a16="http://schemas.microsoft.com/office/drawing/2014/main" id="{E10A942D-7319-4580-852F-260550F6FAAF}"/>
+                <a16:creationId xmlns:a16="http://schemas.microsoft.com/office/drawing/2014/main" xmlns="" id="{E10A942D-7319-4580-852F-260550F6FAAF}"/>
               </a:ext>
             </a:extLst>
           </p:cNvPr>
@@ -1366,7 +1366,7 @@
           <p:cNvPr id="6" name="Slide Number Placeholder 5">
             <a:extLst>
               <a:ext uri="{FF2B5EF4-FFF2-40B4-BE49-F238E27FC236}">
-                <a16:creationId xmlns:a16="http://schemas.microsoft.com/office/drawing/2014/main" id="{F81B5B5F-AE4D-4E0C-B71C-A69590C64E92}"/>
+                <a16:creationId xmlns:a16="http://schemas.microsoft.com/office/drawing/2014/main" xmlns="" id="{F81B5B5F-AE4D-4E0C-B71C-A69590C64E92}"/>
               </a:ext>
             </a:extLst>
           </p:cNvPr>
@@ -1425,7 +1425,7 @@
           <p:cNvPr id="2" name="Title 1">
             <a:extLst>
               <a:ext uri="{FF2B5EF4-FFF2-40B4-BE49-F238E27FC236}">
-                <a16:creationId xmlns:a16="http://schemas.microsoft.com/office/drawing/2014/main" id="{2959774A-B704-4787-B9A1-3B9166134AD2}"/>
+                <a16:creationId xmlns:a16="http://schemas.microsoft.com/office/drawing/2014/main" xmlns="" id="{2959774A-B704-4787-B9A1-3B9166134AD2}"/>
               </a:ext>
             </a:extLst>
           </p:cNvPr>
@@ -1462,7 +1462,7 @@
           <p:cNvPr id="3" name="Text Placeholder 2">
             <a:extLst>
               <a:ext uri="{FF2B5EF4-FFF2-40B4-BE49-F238E27FC236}">
-                <a16:creationId xmlns:a16="http://schemas.microsoft.com/office/drawing/2014/main" id="{DD99E69F-49B9-482D-B4A0-BDF84CE0BB9C}"/>
+                <a16:creationId xmlns:a16="http://schemas.microsoft.com/office/drawing/2014/main" xmlns="" id="{DD99E69F-49B9-482D-B4A0-BDF84CE0BB9C}"/>
               </a:ext>
             </a:extLst>
           </p:cNvPr>
@@ -1587,7 +1587,7 @@
           <p:cNvPr id="4" name="Date Placeholder 3">
             <a:extLst>
               <a:ext uri="{FF2B5EF4-FFF2-40B4-BE49-F238E27FC236}">
-                <a16:creationId xmlns:a16="http://schemas.microsoft.com/office/drawing/2014/main" id="{3A2F0249-CF89-4A7B-8E8D-A881D06154FD}"/>
+                <a16:creationId xmlns:a16="http://schemas.microsoft.com/office/drawing/2014/main" xmlns="" id="{3A2F0249-CF89-4A7B-8E8D-A881D06154FD}"/>
               </a:ext>
             </a:extLst>
           </p:cNvPr>
@@ -1616,7 +1616,7 @@
           <p:cNvPr id="5" name="Footer Placeholder 4">
             <a:extLst>
               <a:ext uri="{FF2B5EF4-FFF2-40B4-BE49-F238E27FC236}">
-                <a16:creationId xmlns:a16="http://schemas.microsoft.com/office/drawing/2014/main" id="{1834EDC6-5477-4951-9677-CEFCA569317F}"/>
+                <a16:creationId xmlns:a16="http://schemas.microsoft.com/office/drawing/2014/main" xmlns="" id="{1834EDC6-5477-4951-9677-CEFCA569317F}"/>
               </a:ext>
             </a:extLst>
           </p:cNvPr>
@@ -1641,7 +1641,7 @@
           <p:cNvPr id="6" name="Slide Number Placeholder 5">
             <a:extLst>
               <a:ext uri="{FF2B5EF4-FFF2-40B4-BE49-F238E27FC236}">
-                <a16:creationId xmlns:a16="http://schemas.microsoft.com/office/drawing/2014/main" id="{7C25FC56-6A28-4840-969E-AFF8D01982A3}"/>
+                <a16:creationId xmlns:a16="http://schemas.microsoft.com/office/drawing/2014/main" xmlns="" id="{7C25FC56-6A28-4840-969E-AFF8D01982A3}"/>
               </a:ext>
             </a:extLst>
           </p:cNvPr>
@@ -1700,7 +1700,7 @@
           <p:cNvPr id="2" name="Title 1">
             <a:extLst>
               <a:ext uri="{FF2B5EF4-FFF2-40B4-BE49-F238E27FC236}">
-                <a16:creationId xmlns:a16="http://schemas.microsoft.com/office/drawing/2014/main" id="{6EA48A66-964F-4363-BBD8-2CE247AEF0DE}"/>
+                <a16:creationId xmlns:a16="http://schemas.microsoft.com/office/drawing/2014/main" xmlns="" id="{6EA48A66-964F-4363-BBD8-2CE247AEF0DE}"/>
               </a:ext>
             </a:extLst>
           </p:cNvPr>
@@ -1728,7 +1728,7 @@
           <p:cNvPr id="3" name="Content Placeholder 2">
             <a:extLst>
               <a:ext uri="{FF2B5EF4-FFF2-40B4-BE49-F238E27FC236}">
-                <a16:creationId xmlns:a16="http://schemas.microsoft.com/office/drawing/2014/main" id="{2D19836D-7600-40CD-BD03-F5A0810746BF}"/>
+                <a16:creationId xmlns:a16="http://schemas.microsoft.com/office/drawing/2014/main" xmlns="" id="{2D19836D-7600-40CD-BD03-F5A0810746BF}"/>
               </a:ext>
             </a:extLst>
           </p:cNvPr>
@@ -1790,7 +1790,7 @@
           <p:cNvPr id="4" name="Content Placeholder 3">
             <a:extLst>
               <a:ext uri="{FF2B5EF4-FFF2-40B4-BE49-F238E27FC236}">
-                <a16:creationId xmlns:a16="http://schemas.microsoft.com/office/drawing/2014/main" id="{F16641A3-76E7-4368-BC3A-F3D2AF789200}"/>
+                <a16:creationId xmlns:a16="http://schemas.microsoft.com/office/drawing/2014/main" xmlns="" id="{F16641A3-76E7-4368-BC3A-F3D2AF789200}"/>
               </a:ext>
             </a:extLst>
           </p:cNvPr>
@@ -1852,7 +1852,7 @@
           <p:cNvPr id="5" name="Date Placeholder 4">
             <a:extLst>
               <a:ext uri="{FF2B5EF4-FFF2-40B4-BE49-F238E27FC236}">
-                <a16:creationId xmlns:a16="http://schemas.microsoft.com/office/drawing/2014/main" id="{70E2E60D-1D3B-42DA-ABE9-00B6F103302C}"/>
+                <a16:creationId xmlns:a16="http://schemas.microsoft.com/office/drawing/2014/main" xmlns="" id="{70E2E60D-1D3B-42DA-ABE9-00B6F103302C}"/>
               </a:ext>
             </a:extLst>
           </p:cNvPr>
@@ -1881,7 +1881,7 @@
           <p:cNvPr id="6" name="Footer Placeholder 5">
             <a:extLst>
               <a:ext uri="{FF2B5EF4-FFF2-40B4-BE49-F238E27FC236}">
-                <a16:creationId xmlns:a16="http://schemas.microsoft.com/office/drawing/2014/main" id="{C354AB6A-35CE-40B7-8034-83ED8BC0AB02}"/>
+                <a16:creationId xmlns:a16="http://schemas.microsoft.com/office/drawing/2014/main" xmlns="" id="{C354AB6A-35CE-40B7-8034-83ED8BC0AB02}"/>
               </a:ext>
             </a:extLst>
           </p:cNvPr>
@@ -1906,7 +1906,7 @@
           <p:cNvPr id="7" name="Slide Number Placeholder 6">
             <a:extLst>
               <a:ext uri="{FF2B5EF4-FFF2-40B4-BE49-F238E27FC236}">
-                <a16:creationId xmlns:a16="http://schemas.microsoft.com/office/drawing/2014/main" id="{447526DB-CD3C-4A34-8A09-BBA1F76FFFC4}"/>
+                <a16:creationId xmlns:a16="http://schemas.microsoft.com/office/drawing/2014/main" xmlns="" id="{447526DB-CD3C-4A34-8A09-BBA1F76FFFC4}"/>
               </a:ext>
             </a:extLst>
           </p:cNvPr>
@@ -1965,7 +1965,7 @@
           <p:cNvPr id="2" name="Title 1">
             <a:extLst>
               <a:ext uri="{FF2B5EF4-FFF2-40B4-BE49-F238E27FC236}">
-                <a16:creationId xmlns:a16="http://schemas.microsoft.com/office/drawing/2014/main" id="{E004AD8B-0B9F-4270-AEC9-322B62A0DAD1}"/>
+                <a16:creationId xmlns:a16="http://schemas.microsoft.com/office/drawing/2014/main" xmlns="" id="{E004AD8B-0B9F-4270-AEC9-322B62A0DAD1}"/>
               </a:ext>
             </a:extLst>
           </p:cNvPr>
@@ -1998,7 +1998,7 @@
           <p:cNvPr id="3" name="Text Placeholder 2">
             <a:extLst>
               <a:ext uri="{FF2B5EF4-FFF2-40B4-BE49-F238E27FC236}">
-                <a16:creationId xmlns:a16="http://schemas.microsoft.com/office/drawing/2014/main" id="{241BC6EB-3B52-4D5A-B8C2-AFAC557D8543}"/>
+                <a16:creationId xmlns:a16="http://schemas.microsoft.com/office/drawing/2014/main" xmlns="" id="{241BC6EB-3B52-4D5A-B8C2-AFAC557D8543}"/>
               </a:ext>
             </a:extLst>
           </p:cNvPr>
@@ -2069,7 +2069,7 @@
           <p:cNvPr id="4" name="Content Placeholder 3">
             <a:extLst>
               <a:ext uri="{FF2B5EF4-FFF2-40B4-BE49-F238E27FC236}">
-                <a16:creationId xmlns:a16="http://schemas.microsoft.com/office/drawing/2014/main" id="{9C915867-BD29-4CBD-BEAD-79370C91D6EB}"/>
+                <a16:creationId xmlns:a16="http://schemas.microsoft.com/office/drawing/2014/main" xmlns="" id="{9C915867-BD29-4CBD-BEAD-79370C91D6EB}"/>
               </a:ext>
             </a:extLst>
           </p:cNvPr>
@@ -2131,7 +2131,7 @@
           <p:cNvPr id="5" name="Text Placeholder 4">
             <a:extLst>
               <a:ext uri="{FF2B5EF4-FFF2-40B4-BE49-F238E27FC236}">
-                <a16:creationId xmlns:a16="http://schemas.microsoft.com/office/drawing/2014/main" id="{298466A6-4955-427B-BE02-EA9D12162182}"/>
+                <a16:creationId xmlns:a16="http://schemas.microsoft.com/office/drawing/2014/main" xmlns="" id="{298466A6-4955-427B-BE02-EA9D12162182}"/>
               </a:ext>
             </a:extLst>
           </p:cNvPr>
@@ -2202,7 +2202,7 @@
           <p:cNvPr id="6" name="Content Placeholder 5">
             <a:extLst>
               <a:ext uri="{FF2B5EF4-FFF2-40B4-BE49-F238E27FC236}">
-                <a16:creationId xmlns:a16="http://schemas.microsoft.com/office/drawing/2014/main" id="{81162ADB-09F6-4ACD-B2B9-C7E8361A6B60}"/>
+                <a16:creationId xmlns:a16="http://schemas.microsoft.com/office/drawing/2014/main" xmlns="" id="{81162ADB-09F6-4ACD-B2B9-C7E8361A6B60}"/>
               </a:ext>
             </a:extLst>
           </p:cNvPr>
@@ -2264,7 +2264,7 @@
           <p:cNvPr id="7" name="Date Placeholder 6">
             <a:extLst>
               <a:ext uri="{FF2B5EF4-FFF2-40B4-BE49-F238E27FC236}">
-                <a16:creationId xmlns:a16="http://schemas.microsoft.com/office/drawing/2014/main" id="{0FB23EF6-85EA-43A9-B5D0-3758DBEEBF6A}"/>
+                <a16:creationId xmlns:a16="http://schemas.microsoft.com/office/drawing/2014/main" xmlns="" id="{0FB23EF6-85EA-43A9-B5D0-3758DBEEBF6A}"/>
               </a:ext>
             </a:extLst>
           </p:cNvPr>
@@ -2293,7 +2293,7 @@
           <p:cNvPr id="8" name="Footer Placeholder 7">
             <a:extLst>
               <a:ext uri="{FF2B5EF4-FFF2-40B4-BE49-F238E27FC236}">
-                <a16:creationId xmlns:a16="http://schemas.microsoft.com/office/drawing/2014/main" id="{476F0E98-2356-4261-AF6D-7B1A942C6795}"/>
+                <a16:creationId xmlns:a16="http://schemas.microsoft.com/office/drawing/2014/main" xmlns="" id="{476F0E98-2356-4261-AF6D-7B1A942C6795}"/>
               </a:ext>
             </a:extLst>
           </p:cNvPr>
@@ -2318,7 +2318,7 @@
           <p:cNvPr id="9" name="Slide Number Placeholder 8">
             <a:extLst>
               <a:ext uri="{FF2B5EF4-FFF2-40B4-BE49-F238E27FC236}">
-                <a16:creationId xmlns:a16="http://schemas.microsoft.com/office/drawing/2014/main" id="{A94AF630-8B92-4E3A-A991-E8FCCD7344E3}"/>
+                <a16:creationId xmlns:a16="http://schemas.microsoft.com/office/drawing/2014/main" xmlns="" id="{A94AF630-8B92-4E3A-A991-E8FCCD7344E3}"/>
               </a:ext>
             </a:extLst>
           </p:cNvPr>
@@ -2377,7 +2377,7 @@
           <p:cNvPr id="2" name="Title 1">
             <a:extLst>
               <a:ext uri="{FF2B5EF4-FFF2-40B4-BE49-F238E27FC236}">
-                <a16:creationId xmlns:a16="http://schemas.microsoft.com/office/drawing/2014/main" id="{0CBC27E9-75EB-4A14-8441-7D4A96F402F7}"/>
+                <a16:creationId xmlns:a16="http://schemas.microsoft.com/office/drawing/2014/main" xmlns="" id="{0CBC27E9-75EB-4A14-8441-7D4A96F402F7}"/>
               </a:ext>
             </a:extLst>
           </p:cNvPr>
@@ -2405,7 +2405,7 @@
           <p:cNvPr id="3" name="Date Placeholder 2">
             <a:extLst>
               <a:ext uri="{FF2B5EF4-FFF2-40B4-BE49-F238E27FC236}">
-                <a16:creationId xmlns:a16="http://schemas.microsoft.com/office/drawing/2014/main" id="{B3C2DBCE-018D-4317-B24C-C2193777795F}"/>
+                <a16:creationId xmlns:a16="http://schemas.microsoft.com/office/drawing/2014/main" xmlns="" id="{B3C2DBCE-018D-4317-B24C-C2193777795F}"/>
               </a:ext>
             </a:extLst>
           </p:cNvPr>
@@ -2434,7 +2434,7 @@
           <p:cNvPr id="4" name="Footer Placeholder 3">
             <a:extLst>
               <a:ext uri="{FF2B5EF4-FFF2-40B4-BE49-F238E27FC236}">
-                <a16:creationId xmlns:a16="http://schemas.microsoft.com/office/drawing/2014/main" id="{345C6003-D10B-429B-A28B-0A3E94BA5BB0}"/>
+                <a16:creationId xmlns:a16="http://schemas.microsoft.com/office/drawing/2014/main" xmlns="" id="{345C6003-D10B-429B-A28B-0A3E94BA5BB0}"/>
               </a:ext>
             </a:extLst>
           </p:cNvPr>
@@ -2459,7 +2459,7 @@
           <p:cNvPr id="5" name="Slide Number Placeholder 4">
             <a:extLst>
               <a:ext uri="{FF2B5EF4-FFF2-40B4-BE49-F238E27FC236}">
-                <a16:creationId xmlns:a16="http://schemas.microsoft.com/office/drawing/2014/main" id="{848013DC-9D7F-4056-915B-C845ADA87DF6}"/>
+                <a16:creationId xmlns:a16="http://schemas.microsoft.com/office/drawing/2014/main" xmlns="" id="{848013DC-9D7F-4056-915B-C845ADA87DF6}"/>
               </a:ext>
             </a:extLst>
           </p:cNvPr>
@@ -2518,7 +2518,7 @@
           <p:cNvPr id="2" name="Date Placeholder 1">
             <a:extLst>
               <a:ext uri="{FF2B5EF4-FFF2-40B4-BE49-F238E27FC236}">
-                <a16:creationId xmlns:a16="http://schemas.microsoft.com/office/drawing/2014/main" id="{918DDF09-52E3-4E13-B0EF-3A31F8A776ED}"/>
+                <a16:creationId xmlns:a16="http://schemas.microsoft.com/office/drawing/2014/main" xmlns="" id="{918DDF09-52E3-4E13-B0EF-3A31F8A776ED}"/>
               </a:ext>
             </a:extLst>
           </p:cNvPr>
@@ -2547,7 +2547,7 @@
           <p:cNvPr id="3" name="Footer Placeholder 2">
             <a:extLst>
               <a:ext uri="{FF2B5EF4-FFF2-40B4-BE49-F238E27FC236}">
-                <a16:creationId xmlns:a16="http://schemas.microsoft.com/office/drawing/2014/main" id="{E2B99FBF-4219-40B3-AA28-1E9885CECE20}"/>
+                <a16:creationId xmlns:a16="http://schemas.microsoft.com/office/drawing/2014/main" xmlns="" id="{E2B99FBF-4219-40B3-AA28-1E9885CECE20}"/>
               </a:ext>
             </a:extLst>
           </p:cNvPr>
@@ -2572,7 +2572,7 @@
           <p:cNvPr id="4" name="Slide Number Placeholder 3">
             <a:extLst>
               <a:ext uri="{FF2B5EF4-FFF2-40B4-BE49-F238E27FC236}">
-                <a16:creationId xmlns:a16="http://schemas.microsoft.com/office/drawing/2014/main" id="{3EBAFF1D-28BF-4BB1-839B-8CC14C01A510}"/>
+                <a16:creationId xmlns:a16="http://schemas.microsoft.com/office/drawing/2014/main" xmlns="" id="{3EBAFF1D-28BF-4BB1-839B-8CC14C01A510}"/>
               </a:ext>
             </a:extLst>
           </p:cNvPr>
@@ -2631,7 +2631,7 @@
           <p:cNvPr id="2" name="Title 1">
             <a:extLst>
               <a:ext uri="{FF2B5EF4-FFF2-40B4-BE49-F238E27FC236}">
-                <a16:creationId xmlns:a16="http://schemas.microsoft.com/office/drawing/2014/main" id="{8648C4CD-5A83-43B5-9579-B8CF6471A756}"/>
+                <a16:creationId xmlns:a16="http://schemas.microsoft.com/office/drawing/2014/main" xmlns="" id="{8648C4CD-5A83-43B5-9579-B8CF6471A756}"/>
               </a:ext>
             </a:extLst>
           </p:cNvPr>
@@ -2668,7 +2668,7 @@
           <p:cNvPr id="3" name="Content Placeholder 2">
             <a:extLst>
               <a:ext uri="{FF2B5EF4-FFF2-40B4-BE49-F238E27FC236}">
-                <a16:creationId xmlns:a16="http://schemas.microsoft.com/office/drawing/2014/main" id="{A4DA49C8-8B07-48AC-9C07-6CCC31B4DEB9}"/>
+                <a16:creationId xmlns:a16="http://schemas.microsoft.com/office/drawing/2014/main" xmlns="" id="{A4DA49C8-8B07-48AC-9C07-6CCC31B4DEB9}"/>
               </a:ext>
             </a:extLst>
           </p:cNvPr>
@@ -2758,7 +2758,7 @@
           <p:cNvPr id="4" name="Text Placeholder 3">
             <a:extLst>
               <a:ext uri="{FF2B5EF4-FFF2-40B4-BE49-F238E27FC236}">
-                <a16:creationId xmlns:a16="http://schemas.microsoft.com/office/drawing/2014/main" id="{25695D27-2AE6-4B35-8C42-EA5C68CD7D9A}"/>
+                <a16:creationId xmlns:a16="http://schemas.microsoft.com/office/drawing/2014/main" xmlns="" id="{25695D27-2AE6-4B35-8C42-EA5C68CD7D9A}"/>
               </a:ext>
             </a:extLst>
           </p:cNvPr>
@@ -2829,7 +2829,7 @@
           <p:cNvPr id="5" name="Date Placeholder 4">
             <a:extLst>
               <a:ext uri="{FF2B5EF4-FFF2-40B4-BE49-F238E27FC236}">
-                <a16:creationId xmlns:a16="http://schemas.microsoft.com/office/drawing/2014/main" id="{E3391651-0863-4A89-A889-6055C8D0F4B1}"/>
+                <a16:creationId xmlns:a16="http://schemas.microsoft.com/office/drawing/2014/main" xmlns="" id="{E3391651-0863-4A89-A889-6055C8D0F4B1}"/>
               </a:ext>
             </a:extLst>
           </p:cNvPr>
@@ -2858,7 +2858,7 @@
           <p:cNvPr id="6" name="Footer Placeholder 5">
             <a:extLst>
               <a:ext uri="{FF2B5EF4-FFF2-40B4-BE49-F238E27FC236}">
-                <a16:creationId xmlns:a16="http://schemas.microsoft.com/office/drawing/2014/main" id="{A58BD13B-DE07-4C0E-B2DE-436210897AB6}"/>
+                <a16:creationId xmlns:a16="http://schemas.microsoft.com/office/drawing/2014/main" xmlns="" id="{A58BD13B-DE07-4C0E-B2DE-436210897AB6}"/>
               </a:ext>
             </a:extLst>
           </p:cNvPr>
@@ -2883,7 +2883,7 @@
           <p:cNvPr id="7" name="Slide Number Placeholder 6">
             <a:extLst>
               <a:ext uri="{FF2B5EF4-FFF2-40B4-BE49-F238E27FC236}">
-                <a16:creationId xmlns:a16="http://schemas.microsoft.com/office/drawing/2014/main" id="{EE9DF971-17F7-4A77-99DC-728AA4626B5E}"/>
+                <a16:creationId xmlns:a16="http://schemas.microsoft.com/office/drawing/2014/main" xmlns="" id="{EE9DF971-17F7-4A77-99DC-728AA4626B5E}"/>
               </a:ext>
             </a:extLst>
           </p:cNvPr>
@@ -2942,7 +2942,7 @@
           <p:cNvPr id="2" name="Title 1">
             <a:extLst>
               <a:ext uri="{FF2B5EF4-FFF2-40B4-BE49-F238E27FC236}">
-                <a16:creationId xmlns:a16="http://schemas.microsoft.com/office/drawing/2014/main" id="{44DFD750-5A37-420D-83A1-7351F612760C}"/>
+                <a16:creationId xmlns:a16="http://schemas.microsoft.com/office/drawing/2014/main" xmlns="" id="{44DFD750-5A37-420D-83A1-7351F612760C}"/>
               </a:ext>
             </a:extLst>
           </p:cNvPr>
@@ -2979,7 +2979,7 @@
           <p:cNvPr id="3" name="Picture Placeholder 2">
             <a:extLst>
               <a:ext uri="{FF2B5EF4-FFF2-40B4-BE49-F238E27FC236}">
-                <a16:creationId xmlns:a16="http://schemas.microsoft.com/office/drawing/2014/main" id="{524EA0D5-1058-41E7-A7B2-55204CB5209B}"/>
+                <a16:creationId xmlns:a16="http://schemas.microsoft.com/office/drawing/2014/main" xmlns="" id="{524EA0D5-1058-41E7-A7B2-55204CB5209B}"/>
               </a:ext>
             </a:extLst>
           </p:cNvPr>
@@ -3046,7 +3046,7 @@
           <p:cNvPr id="4" name="Text Placeholder 3">
             <a:extLst>
               <a:ext uri="{FF2B5EF4-FFF2-40B4-BE49-F238E27FC236}">
-                <a16:creationId xmlns:a16="http://schemas.microsoft.com/office/drawing/2014/main" id="{3D444A2A-1AD3-40EB-905F-9E53BB0EA1A4}"/>
+                <a16:creationId xmlns:a16="http://schemas.microsoft.com/office/drawing/2014/main" xmlns="" id="{3D444A2A-1AD3-40EB-905F-9E53BB0EA1A4}"/>
               </a:ext>
             </a:extLst>
           </p:cNvPr>
@@ -3117,7 +3117,7 @@
           <p:cNvPr id="5" name="Date Placeholder 4">
             <a:extLst>
               <a:ext uri="{FF2B5EF4-FFF2-40B4-BE49-F238E27FC236}">
-                <a16:creationId xmlns:a16="http://schemas.microsoft.com/office/drawing/2014/main" id="{B755F640-0DAC-4AF7-A937-F2CB9411560D}"/>
+                <a16:creationId xmlns:a16="http://schemas.microsoft.com/office/drawing/2014/main" xmlns="" id="{B755F640-0DAC-4AF7-A937-F2CB9411560D}"/>
               </a:ext>
             </a:extLst>
           </p:cNvPr>
@@ -3146,7 +3146,7 @@
           <p:cNvPr id="6" name="Footer Placeholder 5">
             <a:extLst>
               <a:ext uri="{FF2B5EF4-FFF2-40B4-BE49-F238E27FC236}">
-                <a16:creationId xmlns:a16="http://schemas.microsoft.com/office/drawing/2014/main" id="{C788EDA0-3A78-410F-AFE0-5933F309CC98}"/>
+                <a16:creationId xmlns:a16="http://schemas.microsoft.com/office/drawing/2014/main" xmlns="" id="{C788EDA0-3A78-410F-AFE0-5933F309CC98}"/>
               </a:ext>
             </a:extLst>
           </p:cNvPr>
@@ -3171,7 +3171,7 @@
           <p:cNvPr id="7" name="Slide Number Placeholder 6">
             <a:extLst>
               <a:ext uri="{FF2B5EF4-FFF2-40B4-BE49-F238E27FC236}">
-                <a16:creationId xmlns:a16="http://schemas.microsoft.com/office/drawing/2014/main" id="{A6932008-E904-418E-A2A0-E62109EA9296}"/>
+                <a16:creationId xmlns:a16="http://schemas.microsoft.com/office/drawing/2014/main" xmlns="" id="{A6932008-E904-418E-A2A0-E62109EA9296}"/>
               </a:ext>
             </a:extLst>
           </p:cNvPr>
@@ -3235,7 +3235,7 @@
           <p:cNvPr id="2" name="Title Placeholder 1">
             <a:extLst>
               <a:ext uri="{FF2B5EF4-FFF2-40B4-BE49-F238E27FC236}">
-                <a16:creationId xmlns:a16="http://schemas.microsoft.com/office/drawing/2014/main" id="{D0E44DA4-0D77-47E6-A4E0-FB9162F67649}"/>
+                <a16:creationId xmlns:a16="http://schemas.microsoft.com/office/drawing/2014/main" xmlns="" id="{D0E44DA4-0D77-47E6-A4E0-FB9162F67649}"/>
               </a:ext>
             </a:extLst>
           </p:cNvPr>
@@ -3273,7 +3273,7 @@
           <p:cNvPr id="3" name="Text Placeholder 2">
             <a:extLst>
               <a:ext uri="{FF2B5EF4-FFF2-40B4-BE49-F238E27FC236}">
-                <a16:creationId xmlns:a16="http://schemas.microsoft.com/office/drawing/2014/main" id="{62524244-F2DC-4D05-9EAD-D9B393FA0BEE}"/>
+                <a16:creationId xmlns:a16="http://schemas.microsoft.com/office/drawing/2014/main" xmlns="" id="{62524244-F2DC-4D05-9EAD-D9B393FA0BEE}"/>
               </a:ext>
             </a:extLst>
           </p:cNvPr>
@@ -3340,7 +3340,7 @@
           <p:cNvPr id="4" name="Date Placeholder 3">
             <a:extLst>
               <a:ext uri="{FF2B5EF4-FFF2-40B4-BE49-F238E27FC236}">
-                <a16:creationId xmlns:a16="http://schemas.microsoft.com/office/drawing/2014/main" id="{188B0740-562B-470A-BB56-0F1CDC013509}"/>
+                <a16:creationId xmlns:a16="http://schemas.microsoft.com/office/drawing/2014/main" xmlns="" id="{188B0740-562B-470A-BB56-0F1CDC013509}"/>
               </a:ext>
             </a:extLst>
           </p:cNvPr>
@@ -3387,7 +3387,7 @@
           <p:cNvPr id="5" name="Footer Placeholder 4">
             <a:extLst>
               <a:ext uri="{FF2B5EF4-FFF2-40B4-BE49-F238E27FC236}">
-                <a16:creationId xmlns:a16="http://schemas.microsoft.com/office/drawing/2014/main" id="{35738193-287D-424F-8F82-B4D504E8359F}"/>
+                <a16:creationId xmlns:a16="http://schemas.microsoft.com/office/drawing/2014/main" xmlns="" id="{35738193-287D-424F-8F82-B4D504E8359F}"/>
               </a:ext>
             </a:extLst>
           </p:cNvPr>
@@ -3430,7 +3430,7 @@
           <p:cNvPr id="6" name="Slide Number Placeholder 5">
             <a:extLst>
               <a:ext uri="{FF2B5EF4-FFF2-40B4-BE49-F238E27FC236}">
-                <a16:creationId xmlns:a16="http://schemas.microsoft.com/office/drawing/2014/main" id="{34C12B7B-2610-4E8C-BE88-A8083BF4865E}"/>
+                <a16:creationId xmlns:a16="http://schemas.microsoft.com/office/drawing/2014/main" xmlns="" id="{34C12B7B-2610-4E8C-BE88-A8083BF4865E}"/>
               </a:ext>
             </a:extLst>
           </p:cNvPr>
@@ -3798,7 +3798,7 @@
           <p:cNvPr id="2" name="Title 1">
             <a:extLst>
               <a:ext uri="{FF2B5EF4-FFF2-40B4-BE49-F238E27FC236}">
-                <a16:creationId xmlns:a16="http://schemas.microsoft.com/office/drawing/2014/main" id="{9932165A-B155-4D8F-A038-C769E4F84530}"/>
+                <a16:creationId xmlns:a16="http://schemas.microsoft.com/office/drawing/2014/main" xmlns="" id="{9932165A-B155-4D8F-A038-C769E4F84530}"/>
               </a:ext>
             </a:extLst>
           </p:cNvPr>
@@ -3828,7 +3828,7 @@
           <p:cNvPr id="3" name="Subtitle 2">
             <a:extLst>
               <a:ext uri="{FF2B5EF4-FFF2-40B4-BE49-F238E27FC236}">
-                <a16:creationId xmlns:a16="http://schemas.microsoft.com/office/drawing/2014/main" id="{5284837C-F2AF-48BE-B3EA-10CCC04A63F1}"/>
+                <a16:creationId xmlns:a16="http://schemas.microsoft.com/office/drawing/2014/main" xmlns="" id="{5284837C-F2AF-48BE-B3EA-10CCC04A63F1}"/>
               </a:ext>
             </a:extLst>
           </p:cNvPr>
@@ -3863,7 +3863,7 @@
           <p:cNvPr id="4" name="Subtitle 2">
             <a:extLst>
               <a:ext uri="{FF2B5EF4-FFF2-40B4-BE49-F238E27FC236}">
-                <a16:creationId xmlns:a16="http://schemas.microsoft.com/office/drawing/2014/main" id="{55F60259-9016-4485-9751-E5CF568092B0}"/>
+                <a16:creationId xmlns:a16="http://schemas.microsoft.com/office/drawing/2014/main" xmlns="" id="{55F60259-9016-4485-9751-E5CF568092B0}"/>
               </a:ext>
             </a:extLst>
           </p:cNvPr>
@@ -4057,9 +4057,14 @@
           </a:p>
           <a:p>
             <a:r>
-              <a:rPr lang="en-US" dirty="0"/>
-              <a:t>Aparna raghuram</a:t>
-            </a:r>
+              <a:rPr lang="en-US"/>
+              <a:t>Aparna </a:t>
+            </a:r>
+            <a:r>
+              <a:rPr lang="en-US" smtClean="0"/>
+              <a:t>Gandikota</a:t>
+            </a:r>
+            <a:endParaRPr lang="en-US" dirty="0"/>
           </a:p>
           <a:p>
             <a:r>
@@ -4116,7 +4121,7 @@
           <p:cNvPr id="2" name="Title 1">
             <a:extLst>
               <a:ext uri="{FF2B5EF4-FFF2-40B4-BE49-F238E27FC236}">
-                <a16:creationId xmlns:a16="http://schemas.microsoft.com/office/drawing/2014/main" id="{4539F170-FB11-4DCA-B0D3-DCFA99C24D77}"/>
+                <a16:creationId xmlns:a16="http://schemas.microsoft.com/office/drawing/2014/main" xmlns="" id="{4539F170-FB11-4DCA-B0D3-DCFA99C24D77}"/>
               </a:ext>
             </a:extLst>
           </p:cNvPr>
@@ -4151,7 +4156,7 @@
           <p:cNvPr id="4" name="Content Placeholder 3">
             <a:extLst>
               <a:ext uri="{FF2B5EF4-FFF2-40B4-BE49-F238E27FC236}">
-                <a16:creationId xmlns:a16="http://schemas.microsoft.com/office/drawing/2014/main" id="{6E1BB871-4874-4507-B870-6C576C974A5E}"/>
+                <a16:creationId xmlns:a16="http://schemas.microsoft.com/office/drawing/2014/main" xmlns="" id="{6E1BB871-4874-4507-B870-6C576C974A5E}"/>
               </a:ext>
             </a:extLst>
           </p:cNvPr>
@@ -4195,7 +4200,7 @@
           <p:cNvPr id="5" name="Content Placeholder 4">
             <a:extLst>
               <a:ext uri="{FF2B5EF4-FFF2-40B4-BE49-F238E27FC236}">
-                <a16:creationId xmlns:a16="http://schemas.microsoft.com/office/drawing/2014/main" id="{2C251FFC-818D-44C2-A5FD-E4B2B71AC469}"/>
+                <a16:creationId xmlns:a16="http://schemas.microsoft.com/office/drawing/2014/main" xmlns="" id="{2C251FFC-818D-44C2-A5FD-E4B2B71AC469}"/>
               </a:ext>
             </a:extLst>
           </p:cNvPr>
@@ -4205,7 +4210,7 @@
           <p:nvPr/>
         </p:nvPicPr>
         <p:blipFill>
-          <a:blip r:embed="rId4">
+          <a:blip r:embed="rId4" cstate="print">
             <a:extLst>
               <a:ext uri="{28A0092B-C50C-407E-A947-70E740481C1C}">
                 <a14:useLocalDpi xmlns:a14="http://schemas.microsoft.com/office/drawing/2010/main" val="0"/>
@@ -4261,7 +4266,7 @@
           <p:cNvPr id="5" name="Content Placeholder 4">
             <a:extLst>
               <a:ext uri="{FF2B5EF4-FFF2-40B4-BE49-F238E27FC236}">
-                <a16:creationId xmlns:a16="http://schemas.microsoft.com/office/drawing/2014/main" id="{D79C9321-F045-4264-81C5-6C3B9B09DE24}"/>
+                <a16:creationId xmlns:a16="http://schemas.microsoft.com/office/drawing/2014/main" xmlns="" id="{D79C9321-F045-4264-81C5-6C3B9B09DE24}"/>
               </a:ext>
             </a:extLst>
           </p:cNvPr>
@@ -4296,7 +4301,7 @@
           <p:cNvPr id="6" name="Title 1">
             <a:extLst>
               <a:ext uri="{FF2B5EF4-FFF2-40B4-BE49-F238E27FC236}">
-                <a16:creationId xmlns:a16="http://schemas.microsoft.com/office/drawing/2014/main" id="{324CD909-BDF7-4572-B8C8-CA596884BAC3}"/>
+                <a16:creationId xmlns:a16="http://schemas.microsoft.com/office/drawing/2014/main" xmlns="" id="{324CD909-BDF7-4572-B8C8-CA596884BAC3}"/>
               </a:ext>
             </a:extLst>
           </p:cNvPr>
@@ -4361,7 +4366,7 @@
           <p:cNvPr id="2" name="Title 1">
             <a:extLst>
               <a:ext uri="{FF2B5EF4-FFF2-40B4-BE49-F238E27FC236}">
-                <a16:creationId xmlns:a16="http://schemas.microsoft.com/office/drawing/2014/main" id="{1FF456C8-C6A2-4D29-AF1C-4E8FC5D3661F}"/>
+                <a16:creationId xmlns:a16="http://schemas.microsoft.com/office/drawing/2014/main" xmlns="" id="{1FF456C8-C6A2-4D29-AF1C-4E8FC5D3661F}"/>
               </a:ext>
             </a:extLst>
           </p:cNvPr>
@@ -4389,7 +4394,7 @@
           <p:cNvPr id="5" name="Picture 4">
             <a:extLst>
               <a:ext uri="{FF2B5EF4-FFF2-40B4-BE49-F238E27FC236}">
-                <a16:creationId xmlns:a16="http://schemas.microsoft.com/office/drawing/2014/main" id="{0589CA0C-60D9-4F8B-AD9E-01849188993B}"/>
+                <a16:creationId xmlns:a16="http://schemas.microsoft.com/office/drawing/2014/main" xmlns="" id="{0589CA0C-60D9-4F8B-AD9E-01849188993B}"/>
               </a:ext>
             </a:extLst>
           </p:cNvPr>
@@ -4449,7 +4454,7 @@
           <p:cNvPr id="2" name="Title 1">
             <a:extLst>
               <a:ext uri="{FF2B5EF4-FFF2-40B4-BE49-F238E27FC236}">
-                <a16:creationId xmlns:a16="http://schemas.microsoft.com/office/drawing/2014/main" id="{0176F023-50E5-45DF-938C-7E944901A27E}"/>
+                <a16:creationId xmlns:a16="http://schemas.microsoft.com/office/drawing/2014/main" xmlns="" id="{0176F023-50E5-45DF-938C-7E944901A27E}"/>
               </a:ext>
             </a:extLst>
           </p:cNvPr>
@@ -4477,7 +4482,7 @@
           <p:cNvPr id="5" name="Content Placeholder 4">
             <a:extLst>
               <a:ext uri="{FF2B5EF4-FFF2-40B4-BE49-F238E27FC236}">
-                <a16:creationId xmlns:a16="http://schemas.microsoft.com/office/drawing/2014/main" id="{F5CC2842-4460-4D81-BB3A-27D9534E9E12}"/>
+                <a16:creationId xmlns:a16="http://schemas.microsoft.com/office/drawing/2014/main" xmlns="" id="{F5CC2842-4460-4D81-BB3A-27D9534E9E12}"/>
               </a:ext>
             </a:extLst>
           </p:cNvPr>
@@ -4489,7 +4494,7 @@
           </p:nvPr>
         </p:nvPicPr>
         <p:blipFill>
-          <a:blip r:embed="rId2">
+          <a:blip r:embed="rId2" cstate="print">
             <a:extLst>
               <a:ext uri="{28A0092B-C50C-407E-A947-70E740481C1C}">
                 <a14:useLocalDpi xmlns:a14="http://schemas.microsoft.com/office/drawing/2010/main" val="0"/>
@@ -4542,7 +4547,7 @@
           <p:cNvPr id="2" name="Title 1">
             <a:extLst>
               <a:ext uri="{FF2B5EF4-FFF2-40B4-BE49-F238E27FC236}">
-                <a16:creationId xmlns:a16="http://schemas.microsoft.com/office/drawing/2014/main" id="{CA68B83A-1E11-499E-9FB6-CEDF61019D09}"/>
+                <a16:creationId xmlns:a16="http://schemas.microsoft.com/office/drawing/2014/main" xmlns="" id="{CA68B83A-1E11-499E-9FB6-CEDF61019D09}"/>
               </a:ext>
             </a:extLst>
           </p:cNvPr>
@@ -4570,7 +4575,7 @@
           <p:cNvPr id="5" name="Content Placeholder 4">
             <a:extLst>
               <a:ext uri="{FF2B5EF4-FFF2-40B4-BE49-F238E27FC236}">
-                <a16:creationId xmlns:a16="http://schemas.microsoft.com/office/drawing/2014/main" id="{1561721A-BF62-41A5-B388-FF13BA1EF30C}"/>
+                <a16:creationId xmlns:a16="http://schemas.microsoft.com/office/drawing/2014/main" xmlns="" id="{1561721A-BF62-41A5-B388-FF13BA1EF30C}"/>
               </a:ext>
             </a:extLst>
           </p:cNvPr>
@@ -4602,7 +4607,7 @@
           <p:cNvPr id="4" name="Picture 3">
             <a:extLst>
               <a:ext uri="{FF2B5EF4-FFF2-40B4-BE49-F238E27FC236}">
-                <a16:creationId xmlns:a16="http://schemas.microsoft.com/office/drawing/2014/main" id="{047186E1-2D1D-463C-B1AF-D258B51373FB}"/>
+                <a16:creationId xmlns:a16="http://schemas.microsoft.com/office/drawing/2014/main" xmlns="" id="{047186E1-2D1D-463C-B1AF-D258B51373FB}"/>
               </a:ext>
             </a:extLst>
           </p:cNvPr>
@@ -4662,7 +4667,7 @@
           <p:cNvPr id="4" name="Picture 3">
             <a:extLst>
               <a:ext uri="{FF2B5EF4-FFF2-40B4-BE49-F238E27FC236}">
-                <a16:creationId xmlns:a16="http://schemas.microsoft.com/office/drawing/2014/main" id="{C2BB8586-473A-432B-B813-70C3CE94C34E}"/>
+                <a16:creationId xmlns:a16="http://schemas.microsoft.com/office/drawing/2014/main" xmlns="" id="{C2BB8586-473A-432B-B813-70C3CE94C34E}"/>
               </a:ext>
             </a:extLst>
           </p:cNvPr>
@@ -4692,7 +4697,7 @@
           <p:cNvPr id="6" name="Title 5">
             <a:extLst>
               <a:ext uri="{FF2B5EF4-FFF2-40B4-BE49-F238E27FC236}">
-                <a16:creationId xmlns:a16="http://schemas.microsoft.com/office/drawing/2014/main" id="{B52CA872-40C4-492B-8268-C5F6452851F2}"/>
+                <a16:creationId xmlns:a16="http://schemas.microsoft.com/office/drawing/2014/main" xmlns="" id="{B52CA872-40C4-492B-8268-C5F6452851F2}"/>
               </a:ext>
             </a:extLst>
           </p:cNvPr>
@@ -4758,7 +4763,7 @@
           <p:cNvPr id="4" name="Picture 3">
             <a:extLst>
               <a:ext uri="{FF2B5EF4-FFF2-40B4-BE49-F238E27FC236}">
-                <a16:creationId xmlns:a16="http://schemas.microsoft.com/office/drawing/2014/main" id="{A39AAB0C-4C60-409C-8CAC-934D96FBF7E3}"/>
+                <a16:creationId xmlns:a16="http://schemas.microsoft.com/office/drawing/2014/main" xmlns="" id="{A39AAB0C-4C60-409C-8CAC-934D96FBF7E3}"/>
               </a:ext>
             </a:extLst>
           </p:cNvPr>
@@ -4818,7 +4823,7 @@
           <p:cNvPr id="2" name="Title 1">
             <a:extLst>
               <a:ext uri="{FF2B5EF4-FFF2-40B4-BE49-F238E27FC236}">
-                <a16:creationId xmlns:a16="http://schemas.microsoft.com/office/drawing/2014/main" id="{BEE12DD3-4FC8-40EC-9CE6-B874524424F7}"/>
+                <a16:creationId xmlns:a16="http://schemas.microsoft.com/office/drawing/2014/main" xmlns="" id="{BEE12DD3-4FC8-40EC-9CE6-B874524424F7}"/>
               </a:ext>
             </a:extLst>
           </p:cNvPr>
@@ -4846,7 +4851,7 @@
           <p:cNvPr id="3" name="Picture 2">
             <a:extLst>
               <a:ext uri="{FF2B5EF4-FFF2-40B4-BE49-F238E27FC236}">
-                <a16:creationId xmlns:a16="http://schemas.microsoft.com/office/drawing/2014/main" id="{CF8DA36A-1144-45E3-BC14-6893EE5EE37D}"/>
+                <a16:creationId xmlns:a16="http://schemas.microsoft.com/office/drawing/2014/main" xmlns="" id="{CF8DA36A-1144-45E3-BC14-6893EE5EE37D}"/>
               </a:ext>
             </a:extLst>
           </p:cNvPr>
@@ -4906,7 +4911,7 @@
           <p:cNvPr id="2" name="Title 1">
             <a:extLst>
               <a:ext uri="{FF2B5EF4-FFF2-40B4-BE49-F238E27FC236}">
-                <a16:creationId xmlns:a16="http://schemas.microsoft.com/office/drawing/2014/main" id="{F99EF81D-7724-4FA2-AA4F-C8905E57463A}"/>
+                <a16:creationId xmlns:a16="http://schemas.microsoft.com/office/drawing/2014/main" xmlns="" id="{F99EF81D-7724-4FA2-AA4F-C8905E57463A}"/>
               </a:ext>
             </a:extLst>
           </p:cNvPr>
@@ -4934,7 +4939,7 @@
           <p:cNvPr id="3" name="Picture 2">
             <a:extLst>
               <a:ext uri="{FF2B5EF4-FFF2-40B4-BE49-F238E27FC236}">
-                <a16:creationId xmlns:a16="http://schemas.microsoft.com/office/drawing/2014/main" id="{279A5F58-C032-4F4B-9EEB-C3D8DCA330F9}"/>
+                <a16:creationId xmlns:a16="http://schemas.microsoft.com/office/drawing/2014/main" xmlns="" id="{279A5F58-C032-4F4B-9EEB-C3D8DCA330F9}"/>
               </a:ext>
             </a:extLst>
           </p:cNvPr>
@@ -4994,7 +4999,7 @@
           <p:cNvPr id="4" name="Picture 3">
             <a:extLst>
               <a:ext uri="{FF2B5EF4-FFF2-40B4-BE49-F238E27FC236}">
-                <a16:creationId xmlns:a16="http://schemas.microsoft.com/office/drawing/2014/main" id="{02B4CDDB-6F55-473D-8A9B-E4345CFC2849}"/>
+                <a16:creationId xmlns:a16="http://schemas.microsoft.com/office/drawing/2014/main" xmlns="" id="{02B4CDDB-6F55-473D-8A9B-E4345CFC2849}"/>
               </a:ext>
             </a:extLst>
           </p:cNvPr>
@@ -5066,7 +5071,7 @@
           <p:cNvPr id="2" name="Title 1">
             <a:extLst>
               <a:ext uri="{FF2B5EF4-FFF2-40B4-BE49-F238E27FC236}">
-                <a16:creationId xmlns:a16="http://schemas.microsoft.com/office/drawing/2014/main" id="{8E08EBA7-3BF3-4D55-B381-584459044F9A}"/>
+                <a16:creationId xmlns:a16="http://schemas.microsoft.com/office/drawing/2014/main" xmlns="" id="{8E08EBA7-3BF3-4D55-B381-584459044F9A}"/>
               </a:ext>
             </a:extLst>
           </p:cNvPr>
@@ -5094,7 +5099,7 @@
           <p:cNvPr id="5" name="Content Placeholder 4">
             <a:extLst>
               <a:ext uri="{FF2B5EF4-FFF2-40B4-BE49-F238E27FC236}">
-                <a16:creationId xmlns:a16="http://schemas.microsoft.com/office/drawing/2014/main" id="{5A66A856-D08F-41E5-BEB2-9AC3447428A6}"/>
+                <a16:creationId xmlns:a16="http://schemas.microsoft.com/office/drawing/2014/main" xmlns="" id="{5A66A856-D08F-41E5-BEB2-9AC3447428A6}"/>
               </a:ext>
             </a:extLst>
           </p:cNvPr>
@@ -5127,7 +5132,7 @@
           <p:cNvPr id="1028" name="Picture 4" descr="http://hdr.undp.org/sites/default/files/hdi.png">
             <a:extLst>
               <a:ext uri="{FF2B5EF4-FFF2-40B4-BE49-F238E27FC236}">
-                <a16:creationId xmlns:a16="http://schemas.microsoft.com/office/drawing/2014/main" id="{A1C74B74-752A-416F-A279-0010085147B7}"/>
+                <a16:creationId xmlns:a16="http://schemas.microsoft.com/office/drawing/2014/main" xmlns="" id="{A1C74B74-752A-416F-A279-0010085147B7}"/>
               </a:ext>
             </a:extLst>
           </p:cNvPr>
@@ -5204,7 +5209,7 @@
           <p:cNvPr id="4" name="Content Placeholder 4">
             <a:extLst>
               <a:ext uri="{FF2B5EF4-FFF2-40B4-BE49-F238E27FC236}">
-                <a16:creationId xmlns:a16="http://schemas.microsoft.com/office/drawing/2014/main" id="{D71A8F51-2872-4ECA-A49E-C5855E0D6522}"/>
+                <a16:creationId xmlns:a16="http://schemas.microsoft.com/office/drawing/2014/main" xmlns="" id="{D71A8F51-2872-4ECA-A49E-C5855E0D6522}"/>
               </a:ext>
             </a:extLst>
           </p:cNvPr>
@@ -5214,7 +5219,7 @@
           <p:nvPr/>
         </p:nvPicPr>
         <p:blipFill>
-          <a:blip r:embed="rId2">
+          <a:blip r:embed="rId2" cstate="print">
             <a:extLst>
               <a:ext uri="{28A0092B-C50C-407E-A947-70E740481C1C}">
                 <a14:useLocalDpi xmlns:a14="http://schemas.microsoft.com/office/drawing/2010/main" val="0"/>
@@ -5270,7 +5275,7 @@
           <p:cNvPr id="2" name="Title 1">
             <a:extLst>
               <a:ext uri="{FF2B5EF4-FFF2-40B4-BE49-F238E27FC236}">
-                <a16:creationId xmlns:a16="http://schemas.microsoft.com/office/drawing/2014/main" id="{6BF0F5C0-A40D-4097-9A61-D98FD4CA9B2D}"/>
+                <a16:creationId xmlns:a16="http://schemas.microsoft.com/office/drawing/2014/main" xmlns="" id="{6BF0F5C0-A40D-4097-9A61-D98FD4CA9B2D}"/>
               </a:ext>
             </a:extLst>
           </p:cNvPr>
@@ -5306,7 +5311,7 @@
           <p:cNvPr id="2050" name="Picture 2" descr="Related image">
             <a:extLst>
               <a:ext uri="{FF2B5EF4-FFF2-40B4-BE49-F238E27FC236}">
-                <a16:creationId xmlns:a16="http://schemas.microsoft.com/office/drawing/2014/main" id="{652412D5-A359-43B1-8298-790109F26088}"/>
+                <a16:creationId xmlns:a16="http://schemas.microsoft.com/office/drawing/2014/main" xmlns="" id="{652412D5-A359-43B1-8298-790109F26088}"/>
               </a:ext>
             </a:extLst>
           </p:cNvPr>
@@ -5383,7 +5388,7 @@
           <p:cNvPr id="2" name="Title 1">
             <a:extLst>
               <a:ext uri="{FF2B5EF4-FFF2-40B4-BE49-F238E27FC236}">
-                <a16:creationId xmlns:a16="http://schemas.microsoft.com/office/drawing/2014/main" id="{80741B0C-B78B-4BE3-AC27-677ACF22578F}"/>
+                <a16:creationId xmlns:a16="http://schemas.microsoft.com/office/drawing/2014/main" xmlns="" id="{80741B0C-B78B-4BE3-AC27-677ACF22578F}"/>
               </a:ext>
             </a:extLst>
           </p:cNvPr>
@@ -5411,7 +5416,7 @@
           <p:cNvPr id="3" name="Content Placeholder 2">
             <a:extLst>
               <a:ext uri="{FF2B5EF4-FFF2-40B4-BE49-F238E27FC236}">
-                <a16:creationId xmlns:a16="http://schemas.microsoft.com/office/drawing/2014/main" id="{31AA4146-C183-463B-8EEC-226A10917A5F}"/>
+                <a16:creationId xmlns:a16="http://schemas.microsoft.com/office/drawing/2014/main" xmlns="" id="{31AA4146-C183-463B-8EEC-226A10917A5F}"/>
               </a:ext>
             </a:extLst>
           </p:cNvPr>
@@ -5484,7 +5489,7 @@
           <p:cNvPr id="2" name="Title 1">
             <a:extLst>
               <a:ext uri="{FF2B5EF4-FFF2-40B4-BE49-F238E27FC236}">
-                <a16:creationId xmlns:a16="http://schemas.microsoft.com/office/drawing/2014/main" id="{FA0F514D-0273-434B-894C-83A26F184D7B}"/>
+                <a16:creationId xmlns:a16="http://schemas.microsoft.com/office/drawing/2014/main" xmlns="" id="{FA0F514D-0273-434B-894C-83A26F184D7B}"/>
               </a:ext>
             </a:extLst>
           </p:cNvPr>
@@ -5512,7 +5517,7 @@
           <p:cNvPr id="3" name="Content Placeholder 2">
             <a:extLst>
               <a:ext uri="{FF2B5EF4-FFF2-40B4-BE49-F238E27FC236}">
-                <a16:creationId xmlns:a16="http://schemas.microsoft.com/office/drawing/2014/main" id="{C8078C24-5E31-406D-B64F-4E9DC4335F0A}"/>
+                <a16:creationId xmlns:a16="http://schemas.microsoft.com/office/drawing/2014/main" xmlns="" id="{C8078C24-5E31-406D-B64F-4E9DC4335F0A}"/>
               </a:ext>
             </a:extLst>
           </p:cNvPr>
@@ -5597,7 +5602,7 @@
           <p:cNvPr id="2" name="Title 1">
             <a:extLst>
               <a:ext uri="{FF2B5EF4-FFF2-40B4-BE49-F238E27FC236}">
-                <a16:creationId xmlns:a16="http://schemas.microsoft.com/office/drawing/2014/main" id="{280C57EE-7775-4519-9EC0-A860255A049B}"/>
+                <a16:creationId xmlns:a16="http://schemas.microsoft.com/office/drawing/2014/main" xmlns="" id="{280C57EE-7775-4519-9EC0-A860255A049B}"/>
               </a:ext>
             </a:extLst>
           </p:cNvPr>
@@ -5625,7 +5630,7 @@
           <p:cNvPr id="3" name="Content Placeholder 2">
             <a:extLst>
               <a:ext uri="{FF2B5EF4-FFF2-40B4-BE49-F238E27FC236}">
-                <a16:creationId xmlns:a16="http://schemas.microsoft.com/office/drawing/2014/main" id="{54353CB9-FEC6-4636-9061-68949F74EC77}"/>
+                <a16:creationId xmlns:a16="http://schemas.microsoft.com/office/drawing/2014/main" xmlns="" id="{54353CB9-FEC6-4636-9061-68949F74EC77}"/>
               </a:ext>
             </a:extLst>
           </p:cNvPr>
@@ -5709,7 +5714,7 @@
           <p:cNvPr id="2" name="Title 1">
             <a:extLst>
               <a:ext uri="{FF2B5EF4-FFF2-40B4-BE49-F238E27FC236}">
-                <a16:creationId xmlns:a16="http://schemas.microsoft.com/office/drawing/2014/main" id="{2E334FC3-C33D-4D60-B3C8-CEFF516F09CB}"/>
+                <a16:creationId xmlns:a16="http://schemas.microsoft.com/office/drawing/2014/main" xmlns="" id="{2E334FC3-C33D-4D60-B3C8-CEFF516F09CB}"/>
               </a:ext>
             </a:extLst>
           </p:cNvPr>
@@ -5737,7 +5742,7 @@
           <p:cNvPr id="3" name="Content Placeholder 2">
             <a:extLst>
               <a:ext uri="{FF2B5EF4-FFF2-40B4-BE49-F238E27FC236}">
-                <a16:creationId xmlns:a16="http://schemas.microsoft.com/office/drawing/2014/main" id="{6665CB8C-C101-4590-B8FE-9112717C8A9B}"/>
+                <a16:creationId xmlns:a16="http://schemas.microsoft.com/office/drawing/2014/main" xmlns="" id="{6665CB8C-C101-4590-B8FE-9112717C8A9B}"/>
               </a:ext>
             </a:extLst>
           </p:cNvPr>
@@ -5807,7 +5812,7 @@
           <p:cNvPr id="2" name="Title 1">
             <a:extLst>
               <a:ext uri="{FF2B5EF4-FFF2-40B4-BE49-F238E27FC236}">
-                <a16:creationId xmlns:a16="http://schemas.microsoft.com/office/drawing/2014/main" id="{5967F7AC-7761-4FC0-8E06-F9C14C4517D0}"/>
+                <a16:creationId xmlns:a16="http://schemas.microsoft.com/office/drawing/2014/main" xmlns="" id="{5967F7AC-7761-4FC0-8E06-F9C14C4517D0}"/>
               </a:ext>
             </a:extLst>
           </p:cNvPr>
@@ -5835,7 +5840,7 @@
           <p:cNvPr id="3" name="Content Placeholder 2">
             <a:extLst>
               <a:ext uri="{FF2B5EF4-FFF2-40B4-BE49-F238E27FC236}">
-                <a16:creationId xmlns:a16="http://schemas.microsoft.com/office/drawing/2014/main" id="{DA59B5A6-A765-460B-B2A7-8078B46ED893}"/>
+                <a16:creationId xmlns:a16="http://schemas.microsoft.com/office/drawing/2014/main" xmlns="" id="{DA59B5A6-A765-460B-B2A7-8078B46ED893}"/>
               </a:ext>
             </a:extLst>
           </p:cNvPr>
@@ -5895,7 +5900,7 @@
           <p:cNvPr id="4" name="Picture 3">
             <a:extLst>
               <a:ext uri="{FF2B5EF4-FFF2-40B4-BE49-F238E27FC236}">
-                <a16:creationId xmlns:a16="http://schemas.microsoft.com/office/drawing/2014/main" id="{69E1F8DF-96C8-4E16-9381-086AD0B07BA8}"/>
+                <a16:creationId xmlns:a16="http://schemas.microsoft.com/office/drawing/2014/main" xmlns="" id="{69E1F8DF-96C8-4E16-9381-086AD0B07BA8}"/>
               </a:ext>
             </a:extLst>
           </p:cNvPr>
@@ -5967,7 +5972,7 @@
           <p:cNvPr id="2" name="Title 1">
             <a:extLst>
               <a:ext uri="{FF2B5EF4-FFF2-40B4-BE49-F238E27FC236}">
-                <a16:creationId xmlns:a16="http://schemas.microsoft.com/office/drawing/2014/main" id="{31E6D038-FBB2-45FC-8ABD-F26461F14E2B}"/>
+                <a16:creationId xmlns:a16="http://schemas.microsoft.com/office/drawing/2014/main" xmlns="" id="{31E6D038-FBB2-45FC-8ABD-F26461F14E2B}"/>
               </a:ext>
             </a:extLst>
           </p:cNvPr>
@@ -6000,7 +6005,7 @@
           <p:cNvPr id="4" name="Picture 3">
             <a:extLst>
               <a:ext uri="{FF2B5EF4-FFF2-40B4-BE49-F238E27FC236}">
-                <a16:creationId xmlns:a16="http://schemas.microsoft.com/office/drawing/2014/main" id="{75ECFB19-9D07-45C3-9CB0-C777DD6EA860}"/>
+                <a16:creationId xmlns:a16="http://schemas.microsoft.com/office/drawing/2014/main" xmlns="" id="{75ECFB19-9D07-45C3-9CB0-C777DD6EA860}"/>
               </a:ext>
             </a:extLst>
           </p:cNvPr>

--- a/Project Presentation.pptx
+++ b/Project Presentation.pptx
@@ -601,7 +601,7 @@
           <p:cNvPr id="2" name="Title 1">
             <a:extLst>
               <a:ext uri="{FF2B5EF4-FFF2-40B4-BE49-F238E27FC236}">
-                <a16:creationId xmlns:a16="http://schemas.microsoft.com/office/drawing/2014/main" xmlns="" id="{DDA3CF4A-2D93-4A5C-A390-1C3147D99980}"/>
+                <a16:creationId xmlns="" xmlns:a16="http://schemas.microsoft.com/office/drawing/2014/main" id="{DDA3CF4A-2D93-4A5C-A390-1C3147D99980}"/>
               </a:ext>
             </a:extLst>
           </p:cNvPr>
@@ -638,7 +638,7 @@
           <p:cNvPr id="3" name="Subtitle 2">
             <a:extLst>
               <a:ext uri="{FF2B5EF4-FFF2-40B4-BE49-F238E27FC236}">
-                <a16:creationId xmlns:a16="http://schemas.microsoft.com/office/drawing/2014/main" xmlns="" id="{0469B60A-1F33-43B7-A5D5-4D2BFC56FA91}"/>
+                <a16:creationId xmlns="" xmlns:a16="http://schemas.microsoft.com/office/drawing/2014/main" id="{0469B60A-1F33-43B7-A5D5-4D2BFC56FA91}"/>
               </a:ext>
             </a:extLst>
           </p:cNvPr>
@@ -708,7 +708,7 @@
           <p:cNvPr id="4" name="Date Placeholder 3">
             <a:extLst>
               <a:ext uri="{FF2B5EF4-FFF2-40B4-BE49-F238E27FC236}">
-                <a16:creationId xmlns:a16="http://schemas.microsoft.com/office/drawing/2014/main" xmlns="" id="{18214FDF-EB07-4B30-8C3A-9F5C33D7149D}"/>
+                <a16:creationId xmlns="" xmlns:a16="http://schemas.microsoft.com/office/drawing/2014/main" id="{18214FDF-EB07-4B30-8C3A-9F5C33D7149D}"/>
               </a:ext>
             </a:extLst>
           </p:cNvPr>
@@ -737,7 +737,7 @@
           <p:cNvPr id="5" name="Footer Placeholder 4">
             <a:extLst>
               <a:ext uri="{FF2B5EF4-FFF2-40B4-BE49-F238E27FC236}">
-                <a16:creationId xmlns:a16="http://schemas.microsoft.com/office/drawing/2014/main" xmlns="" id="{DA4F7129-8CF9-4868-A18A-3870584112A0}"/>
+                <a16:creationId xmlns="" xmlns:a16="http://schemas.microsoft.com/office/drawing/2014/main" id="{DA4F7129-8CF9-4868-A18A-3870584112A0}"/>
               </a:ext>
             </a:extLst>
           </p:cNvPr>
@@ -762,7 +762,7 @@
           <p:cNvPr id="6" name="Slide Number Placeholder 5">
             <a:extLst>
               <a:ext uri="{FF2B5EF4-FFF2-40B4-BE49-F238E27FC236}">
-                <a16:creationId xmlns:a16="http://schemas.microsoft.com/office/drawing/2014/main" xmlns="" id="{3F279C08-EED1-4FF3-801E-3B9D80C002E2}"/>
+                <a16:creationId xmlns="" xmlns:a16="http://schemas.microsoft.com/office/drawing/2014/main" id="{3F279C08-EED1-4FF3-801E-3B9D80C002E2}"/>
               </a:ext>
             </a:extLst>
           </p:cNvPr>
@@ -821,7 +821,7 @@
           <p:cNvPr id="2" name="Title 1">
             <a:extLst>
               <a:ext uri="{FF2B5EF4-FFF2-40B4-BE49-F238E27FC236}">
-                <a16:creationId xmlns:a16="http://schemas.microsoft.com/office/drawing/2014/main" xmlns="" id="{64EB729C-9E7C-49EA-AB03-AB909E91FC63}"/>
+                <a16:creationId xmlns="" xmlns:a16="http://schemas.microsoft.com/office/drawing/2014/main" id="{64EB729C-9E7C-49EA-AB03-AB909E91FC63}"/>
               </a:ext>
             </a:extLst>
           </p:cNvPr>
@@ -849,7 +849,7 @@
           <p:cNvPr id="3" name="Vertical Text Placeholder 2">
             <a:extLst>
               <a:ext uri="{FF2B5EF4-FFF2-40B4-BE49-F238E27FC236}">
-                <a16:creationId xmlns:a16="http://schemas.microsoft.com/office/drawing/2014/main" xmlns="" id="{E5F60571-B4F9-4C51-BBE7-E101C504DE8A}"/>
+                <a16:creationId xmlns="" xmlns:a16="http://schemas.microsoft.com/office/drawing/2014/main" id="{E5F60571-B4F9-4C51-BBE7-E101C504DE8A}"/>
               </a:ext>
             </a:extLst>
           </p:cNvPr>
@@ -906,7 +906,7 @@
           <p:cNvPr id="4" name="Date Placeholder 3">
             <a:extLst>
               <a:ext uri="{FF2B5EF4-FFF2-40B4-BE49-F238E27FC236}">
-                <a16:creationId xmlns:a16="http://schemas.microsoft.com/office/drawing/2014/main" xmlns="" id="{4418B7CA-D7BF-4DA5-BA2F-E04B03A3B157}"/>
+                <a16:creationId xmlns="" xmlns:a16="http://schemas.microsoft.com/office/drawing/2014/main" id="{4418B7CA-D7BF-4DA5-BA2F-E04B03A3B157}"/>
               </a:ext>
             </a:extLst>
           </p:cNvPr>
@@ -935,7 +935,7 @@
           <p:cNvPr id="5" name="Footer Placeholder 4">
             <a:extLst>
               <a:ext uri="{FF2B5EF4-FFF2-40B4-BE49-F238E27FC236}">
-                <a16:creationId xmlns:a16="http://schemas.microsoft.com/office/drawing/2014/main" xmlns="" id="{7FE2E20F-95E9-4D82-AC0F-A6C4177289A3}"/>
+                <a16:creationId xmlns="" xmlns:a16="http://schemas.microsoft.com/office/drawing/2014/main" id="{7FE2E20F-95E9-4D82-AC0F-A6C4177289A3}"/>
               </a:ext>
             </a:extLst>
           </p:cNvPr>
@@ -960,7 +960,7 @@
           <p:cNvPr id="6" name="Slide Number Placeholder 5">
             <a:extLst>
               <a:ext uri="{FF2B5EF4-FFF2-40B4-BE49-F238E27FC236}">
-                <a16:creationId xmlns:a16="http://schemas.microsoft.com/office/drawing/2014/main" xmlns="" id="{60E4E8F5-FFD5-479E-90D3-9246F47942EC}"/>
+                <a16:creationId xmlns="" xmlns:a16="http://schemas.microsoft.com/office/drawing/2014/main" id="{60E4E8F5-FFD5-479E-90D3-9246F47942EC}"/>
               </a:ext>
             </a:extLst>
           </p:cNvPr>
@@ -1019,7 +1019,7 @@
           <p:cNvPr id="2" name="Vertical Title 1">
             <a:extLst>
               <a:ext uri="{FF2B5EF4-FFF2-40B4-BE49-F238E27FC236}">
-                <a16:creationId xmlns:a16="http://schemas.microsoft.com/office/drawing/2014/main" xmlns="" id="{ECF27991-852C-4D56-B3E4-0D34531FD4AD}"/>
+                <a16:creationId xmlns="" xmlns:a16="http://schemas.microsoft.com/office/drawing/2014/main" id="{ECF27991-852C-4D56-B3E4-0D34531FD4AD}"/>
               </a:ext>
             </a:extLst>
           </p:cNvPr>
@@ -1052,7 +1052,7 @@
           <p:cNvPr id="3" name="Vertical Text Placeholder 2">
             <a:extLst>
               <a:ext uri="{FF2B5EF4-FFF2-40B4-BE49-F238E27FC236}">
-                <a16:creationId xmlns:a16="http://schemas.microsoft.com/office/drawing/2014/main" xmlns="" id="{A4900D11-2F88-40C0-B420-F911B5E5E839}"/>
+                <a16:creationId xmlns="" xmlns:a16="http://schemas.microsoft.com/office/drawing/2014/main" id="{A4900D11-2F88-40C0-B420-F911B5E5E839}"/>
               </a:ext>
             </a:extLst>
           </p:cNvPr>
@@ -1114,7 +1114,7 @@
           <p:cNvPr id="4" name="Date Placeholder 3">
             <a:extLst>
               <a:ext uri="{FF2B5EF4-FFF2-40B4-BE49-F238E27FC236}">
-                <a16:creationId xmlns:a16="http://schemas.microsoft.com/office/drawing/2014/main" xmlns="" id="{EA0B91B8-A67D-4187-9C6C-0B50716DA312}"/>
+                <a16:creationId xmlns="" xmlns:a16="http://schemas.microsoft.com/office/drawing/2014/main" id="{EA0B91B8-A67D-4187-9C6C-0B50716DA312}"/>
               </a:ext>
             </a:extLst>
           </p:cNvPr>
@@ -1143,7 +1143,7 @@
           <p:cNvPr id="5" name="Footer Placeholder 4">
             <a:extLst>
               <a:ext uri="{FF2B5EF4-FFF2-40B4-BE49-F238E27FC236}">
-                <a16:creationId xmlns:a16="http://schemas.microsoft.com/office/drawing/2014/main" xmlns="" id="{E4797184-17FD-4DF0-AEB0-AF1992681984}"/>
+                <a16:creationId xmlns="" xmlns:a16="http://schemas.microsoft.com/office/drawing/2014/main" id="{E4797184-17FD-4DF0-AEB0-AF1992681984}"/>
               </a:ext>
             </a:extLst>
           </p:cNvPr>
@@ -1168,7 +1168,7 @@
           <p:cNvPr id="6" name="Slide Number Placeholder 5">
             <a:extLst>
               <a:ext uri="{FF2B5EF4-FFF2-40B4-BE49-F238E27FC236}">
-                <a16:creationId xmlns:a16="http://schemas.microsoft.com/office/drawing/2014/main" xmlns="" id="{B5AC3EB4-07EA-46DE-A9AC-EF572F0844DC}"/>
+                <a16:creationId xmlns="" xmlns:a16="http://schemas.microsoft.com/office/drawing/2014/main" id="{B5AC3EB4-07EA-46DE-A9AC-EF572F0844DC}"/>
               </a:ext>
             </a:extLst>
           </p:cNvPr>
@@ -1227,7 +1227,7 @@
           <p:cNvPr id="2" name="Title 1">
             <a:extLst>
               <a:ext uri="{FF2B5EF4-FFF2-40B4-BE49-F238E27FC236}">
-                <a16:creationId xmlns:a16="http://schemas.microsoft.com/office/drawing/2014/main" xmlns="" id="{71C2FADC-44D9-40B1-B0D9-29F59E5F87E0}"/>
+                <a16:creationId xmlns="" xmlns:a16="http://schemas.microsoft.com/office/drawing/2014/main" id="{71C2FADC-44D9-40B1-B0D9-29F59E5F87E0}"/>
               </a:ext>
             </a:extLst>
           </p:cNvPr>
@@ -1255,7 +1255,7 @@
           <p:cNvPr id="3" name="Content Placeholder 2">
             <a:extLst>
               <a:ext uri="{FF2B5EF4-FFF2-40B4-BE49-F238E27FC236}">
-                <a16:creationId xmlns:a16="http://schemas.microsoft.com/office/drawing/2014/main" xmlns="" id="{0F27FAC3-0E87-43E1-8525-80AB9015EBB5}"/>
+                <a16:creationId xmlns="" xmlns:a16="http://schemas.microsoft.com/office/drawing/2014/main" id="{0F27FAC3-0E87-43E1-8525-80AB9015EBB5}"/>
               </a:ext>
             </a:extLst>
           </p:cNvPr>
@@ -1312,7 +1312,7 @@
           <p:cNvPr id="4" name="Date Placeholder 3">
             <a:extLst>
               <a:ext uri="{FF2B5EF4-FFF2-40B4-BE49-F238E27FC236}">
-                <a16:creationId xmlns:a16="http://schemas.microsoft.com/office/drawing/2014/main" xmlns="" id="{ACEC5C3F-4794-47D0-B510-05837D611000}"/>
+                <a16:creationId xmlns="" xmlns:a16="http://schemas.microsoft.com/office/drawing/2014/main" id="{ACEC5C3F-4794-47D0-B510-05837D611000}"/>
               </a:ext>
             </a:extLst>
           </p:cNvPr>
@@ -1341,7 +1341,7 @@
           <p:cNvPr id="5" name="Footer Placeholder 4">
             <a:extLst>
               <a:ext uri="{FF2B5EF4-FFF2-40B4-BE49-F238E27FC236}">
-                <a16:creationId xmlns:a16="http://schemas.microsoft.com/office/drawing/2014/main" xmlns="" id="{E10A942D-7319-4580-852F-260550F6FAAF}"/>
+                <a16:creationId xmlns="" xmlns:a16="http://schemas.microsoft.com/office/drawing/2014/main" id="{E10A942D-7319-4580-852F-260550F6FAAF}"/>
               </a:ext>
             </a:extLst>
           </p:cNvPr>
@@ -1366,7 +1366,7 @@
           <p:cNvPr id="6" name="Slide Number Placeholder 5">
             <a:extLst>
               <a:ext uri="{FF2B5EF4-FFF2-40B4-BE49-F238E27FC236}">
-                <a16:creationId xmlns:a16="http://schemas.microsoft.com/office/drawing/2014/main" xmlns="" id="{F81B5B5F-AE4D-4E0C-B71C-A69590C64E92}"/>
+                <a16:creationId xmlns="" xmlns:a16="http://schemas.microsoft.com/office/drawing/2014/main" id="{F81B5B5F-AE4D-4E0C-B71C-A69590C64E92}"/>
               </a:ext>
             </a:extLst>
           </p:cNvPr>
@@ -1425,7 +1425,7 @@
           <p:cNvPr id="2" name="Title 1">
             <a:extLst>
               <a:ext uri="{FF2B5EF4-FFF2-40B4-BE49-F238E27FC236}">
-                <a16:creationId xmlns:a16="http://schemas.microsoft.com/office/drawing/2014/main" xmlns="" id="{2959774A-B704-4787-B9A1-3B9166134AD2}"/>
+                <a16:creationId xmlns="" xmlns:a16="http://schemas.microsoft.com/office/drawing/2014/main" id="{2959774A-B704-4787-B9A1-3B9166134AD2}"/>
               </a:ext>
             </a:extLst>
           </p:cNvPr>
@@ -1462,7 +1462,7 @@
           <p:cNvPr id="3" name="Text Placeholder 2">
             <a:extLst>
               <a:ext uri="{FF2B5EF4-FFF2-40B4-BE49-F238E27FC236}">
-                <a16:creationId xmlns:a16="http://schemas.microsoft.com/office/drawing/2014/main" xmlns="" id="{DD99E69F-49B9-482D-B4A0-BDF84CE0BB9C}"/>
+                <a16:creationId xmlns="" xmlns:a16="http://schemas.microsoft.com/office/drawing/2014/main" id="{DD99E69F-49B9-482D-B4A0-BDF84CE0BB9C}"/>
               </a:ext>
             </a:extLst>
           </p:cNvPr>
@@ -1587,7 +1587,7 @@
           <p:cNvPr id="4" name="Date Placeholder 3">
             <a:extLst>
               <a:ext uri="{FF2B5EF4-FFF2-40B4-BE49-F238E27FC236}">
-                <a16:creationId xmlns:a16="http://schemas.microsoft.com/office/drawing/2014/main" xmlns="" id="{3A2F0249-CF89-4A7B-8E8D-A881D06154FD}"/>
+                <a16:creationId xmlns="" xmlns:a16="http://schemas.microsoft.com/office/drawing/2014/main" id="{3A2F0249-CF89-4A7B-8E8D-A881D06154FD}"/>
               </a:ext>
             </a:extLst>
           </p:cNvPr>
@@ -1616,7 +1616,7 @@
           <p:cNvPr id="5" name="Footer Placeholder 4">
             <a:extLst>
               <a:ext uri="{FF2B5EF4-FFF2-40B4-BE49-F238E27FC236}">
-                <a16:creationId xmlns:a16="http://schemas.microsoft.com/office/drawing/2014/main" xmlns="" id="{1834EDC6-5477-4951-9677-CEFCA569317F}"/>
+                <a16:creationId xmlns="" xmlns:a16="http://schemas.microsoft.com/office/drawing/2014/main" id="{1834EDC6-5477-4951-9677-CEFCA569317F}"/>
               </a:ext>
             </a:extLst>
           </p:cNvPr>
@@ -1641,7 +1641,7 @@
           <p:cNvPr id="6" name="Slide Number Placeholder 5">
             <a:extLst>
               <a:ext uri="{FF2B5EF4-FFF2-40B4-BE49-F238E27FC236}">
-                <a16:creationId xmlns:a16="http://schemas.microsoft.com/office/drawing/2014/main" xmlns="" id="{7C25FC56-6A28-4840-969E-AFF8D01982A3}"/>
+                <a16:creationId xmlns="" xmlns:a16="http://schemas.microsoft.com/office/drawing/2014/main" id="{7C25FC56-6A28-4840-969E-AFF8D01982A3}"/>
               </a:ext>
             </a:extLst>
           </p:cNvPr>
@@ -1700,7 +1700,7 @@
           <p:cNvPr id="2" name="Title 1">
             <a:extLst>
               <a:ext uri="{FF2B5EF4-FFF2-40B4-BE49-F238E27FC236}">
-                <a16:creationId xmlns:a16="http://schemas.microsoft.com/office/drawing/2014/main" xmlns="" id="{6EA48A66-964F-4363-BBD8-2CE247AEF0DE}"/>
+                <a16:creationId xmlns="" xmlns:a16="http://schemas.microsoft.com/office/drawing/2014/main" id="{6EA48A66-964F-4363-BBD8-2CE247AEF0DE}"/>
               </a:ext>
             </a:extLst>
           </p:cNvPr>
@@ -1728,7 +1728,7 @@
           <p:cNvPr id="3" name="Content Placeholder 2">
             <a:extLst>
               <a:ext uri="{FF2B5EF4-FFF2-40B4-BE49-F238E27FC236}">
-                <a16:creationId xmlns:a16="http://schemas.microsoft.com/office/drawing/2014/main" xmlns="" id="{2D19836D-7600-40CD-BD03-F5A0810746BF}"/>
+                <a16:creationId xmlns="" xmlns:a16="http://schemas.microsoft.com/office/drawing/2014/main" id="{2D19836D-7600-40CD-BD03-F5A0810746BF}"/>
               </a:ext>
             </a:extLst>
           </p:cNvPr>
@@ -1790,7 +1790,7 @@
           <p:cNvPr id="4" name="Content Placeholder 3">
             <a:extLst>
               <a:ext uri="{FF2B5EF4-FFF2-40B4-BE49-F238E27FC236}">
-                <a16:creationId xmlns:a16="http://schemas.microsoft.com/office/drawing/2014/main" xmlns="" id="{F16641A3-76E7-4368-BC3A-F3D2AF789200}"/>
+                <a16:creationId xmlns="" xmlns:a16="http://schemas.microsoft.com/office/drawing/2014/main" id="{F16641A3-76E7-4368-BC3A-F3D2AF789200}"/>
               </a:ext>
             </a:extLst>
           </p:cNvPr>
@@ -1852,7 +1852,7 @@
           <p:cNvPr id="5" name="Date Placeholder 4">
             <a:extLst>
               <a:ext uri="{FF2B5EF4-FFF2-40B4-BE49-F238E27FC236}">
-                <a16:creationId xmlns:a16="http://schemas.microsoft.com/office/drawing/2014/main" xmlns="" id="{70E2E60D-1D3B-42DA-ABE9-00B6F103302C}"/>
+                <a16:creationId xmlns="" xmlns:a16="http://schemas.microsoft.com/office/drawing/2014/main" id="{70E2E60D-1D3B-42DA-ABE9-00B6F103302C}"/>
               </a:ext>
             </a:extLst>
           </p:cNvPr>
@@ -1881,7 +1881,7 @@
           <p:cNvPr id="6" name="Footer Placeholder 5">
             <a:extLst>
               <a:ext uri="{FF2B5EF4-FFF2-40B4-BE49-F238E27FC236}">
-                <a16:creationId xmlns:a16="http://schemas.microsoft.com/office/drawing/2014/main" xmlns="" id="{C354AB6A-35CE-40B7-8034-83ED8BC0AB02}"/>
+                <a16:creationId xmlns="" xmlns:a16="http://schemas.microsoft.com/office/drawing/2014/main" id="{C354AB6A-35CE-40B7-8034-83ED8BC0AB02}"/>
               </a:ext>
             </a:extLst>
           </p:cNvPr>
@@ -1906,7 +1906,7 @@
           <p:cNvPr id="7" name="Slide Number Placeholder 6">
             <a:extLst>
               <a:ext uri="{FF2B5EF4-FFF2-40B4-BE49-F238E27FC236}">
-                <a16:creationId xmlns:a16="http://schemas.microsoft.com/office/drawing/2014/main" xmlns="" id="{447526DB-CD3C-4A34-8A09-BBA1F76FFFC4}"/>
+                <a16:creationId xmlns="" xmlns:a16="http://schemas.microsoft.com/office/drawing/2014/main" id="{447526DB-CD3C-4A34-8A09-BBA1F76FFFC4}"/>
               </a:ext>
             </a:extLst>
           </p:cNvPr>
@@ -1965,7 +1965,7 @@
           <p:cNvPr id="2" name="Title 1">
             <a:extLst>
               <a:ext uri="{FF2B5EF4-FFF2-40B4-BE49-F238E27FC236}">
-                <a16:creationId xmlns:a16="http://schemas.microsoft.com/office/drawing/2014/main" xmlns="" id="{E004AD8B-0B9F-4270-AEC9-322B62A0DAD1}"/>
+                <a16:creationId xmlns="" xmlns:a16="http://schemas.microsoft.com/office/drawing/2014/main" id="{E004AD8B-0B9F-4270-AEC9-322B62A0DAD1}"/>
               </a:ext>
             </a:extLst>
           </p:cNvPr>
@@ -1998,7 +1998,7 @@
           <p:cNvPr id="3" name="Text Placeholder 2">
             <a:extLst>
               <a:ext uri="{FF2B5EF4-FFF2-40B4-BE49-F238E27FC236}">
-                <a16:creationId xmlns:a16="http://schemas.microsoft.com/office/drawing/2014/main" xmlns="" id="{241BC6EB-3B52-4D5A-B8C2-AFAC557D8543}"/>
+                <a16:creationId xmlns="" xmlns:a16="http://schemas.microsoft.com/office/drawing/2014/main" id="{241BC6EB-3B52-4D5A-B8C2-AFAC557D8543}"/>
               </a:ext>
             </a:extLst>
           </p:cNvPr>
@@ -2069,7 +2069,7 @@
           <p:cNvPr id="4" name="Content Placeholder 3">
             <a:extLst>
               <a:ext uri="{FF2B5EF4-FFF2-40B4-BE49-F238E27FC236}">
-                <a16:creationId xmlns:a16="http://schemas.microsoft.com/office/drawing/2014/main" xmlns="" id="{9C915867-BD29-4CBD-BEAD-79370C91D6EB}"/>
+                <a16:creationId xmlns="" xmlns:a16="http://schemas.microsoft.com/office/drawing/2014/main" id="{9C915867-BD29-4CBD-BEAD-79370C91D6EB}"/>
               </a:ext>
             </a:extLst>
           </p:cNvPr>
@@ -2131,7 +2131,7 @@
           <p:cNvPr id="5" name="Text Placeholder 4">
             <a:extLst>
               <a:ext uri="{FF2B5EF4-FFF2-40B4-BE49-F238E27FC236}">
-                <a16:creationId xmlns:a16="http://schemas.microsoft.com/office/drawing/2014/main" xmlns="" id="{298466A6-4955-427B-BE02-EA9D12162182}"/>
+                <a16:creationId xmlns="" xmlns:a16="http://schemas.microsoft.com/office/drawing/2014/main" id="{298466A6-4955-427B-BE02-EA9D12162182}"/>
               </a:ext>
             </a:extLst>
           </p:cNvPr>
@@ -2202,7 +2202,7 @@
           <p:cNvPr id="6" name="Content Placeholder 5">
             <a:extLst>
               <a:ext uri="{FF2B5EF4-FFF2-40B4-BE49-F238E27FC236}">
-                <a16:creationId xmlns:a16="http://schemas.microsoft.com/office/drawing/2014/main" xmlns="" id="{81162ADB-09F6-4ACD-B2B9-C7E8361A6B60}"/>
+                <a16:creationId xmlns="" xmlns:a16="http://schemas.microsoft.com/office/drawing/2014/main" id="{81162ADB-09F6-4ACD-B2B9-C7E8361A6B60}"/>
               </a:ext>
             </a:extLst>
           </p:cNvPr>
@@ -2264,7 +2264,7 @@
           <p:cNvPr id="7" name="Date Placeholder 6">
             <a:extLst>
               <a:ext uri="{FF2B5EF4-FFF2-40B4-BE49-F238E27FC236}">
-                <a16:creationId xmlns:a16="http://schemas.microsoft.com/office/drawing/2014/main" xmlns="" id="{0FB23EF6-85EA-43A9-B5D0-3758DBEEBF6A}"/>
+                <a16:creationId xmlns="" xmlns:a16="http://schemas.microsoft.com/office/drawing/2014/main" id="{0FB23EF6-85EA-43A9-B5D0-3758DBEEBF6A}"/>
               </a:ext>
             </a:extLst>
           </p:cNvPr>
@@ -2293,7 +2293,7 @@
           <p:cNvPr id="8" name="Footer Placeholder 7">
             <a:extLst>
               <a:ext uri="{FF2B5EF4-FFF2-40B4-BE49-F238E27FC236}">
-                <a16:creationId xmlns:a16="http://schemas.microsoft.com/office/drawing/2014/main" xmlns="" id="{476F0E98-2356-4261-AF6D-7B1A942C6795}"/>
+                <a16:creationId xmlns="" xmlns:a16="http://schemas.microsoft.com/office/drawing/2014/main" id="{476F0E98-2356-4261-AF6D-7B1A942C6795}"/>
               </a:ext>
             </a:extLst>
           </p:cNvPr>
@@ -2318,7 +2318,7 @@
           <p:cNvPr id="9" name="Slide Number Placeholder 8">
             <a:extLst>
               <a:ext uri="{FF2B5EF4-FFF2-40B4-BE49-F238E27FC236}">
-                <a16:creationId xmlns:a16="http://schemas.microsoft.com/office/drawing/2014/main" xmlns="" id="{A94AF630-8B92-4E3A-A991-E8FCCD7344E3}"/>
+                <a16:creationId xmlns="" xmlns:a16="http://schemas.microsoft.com/office/drawing/2014/main" id="{A94AF630-8B92-4E3A-A991-E8FCCD7344E3}"/>
               </a:ext>
             </a:extLst>
           </p:cNvPr>
@@ -2377,7 +2377,7 @@
           <p:cNvPr id="2" name="Title 1">
             <a:extLst>
               <a:ext uri="{FF2B5EF4-FFF2-40B4-BE49-F238E27FC236}">
-                <a16:creationId xmlns:a16="http://schemas.microsoft.com/office/drawing/2014/main" xmlns="" id="{0CBC27E9-75EB-4A14-8441-7D4A96F402F7}"/>
+                <a16:creationId xmlns="" xmlns:a16="http://schemas.microsoft.com/office/drawing/2014/main" id="{0CBC27E9-75EB-4A14-8441-7D4A96F402F7}"/>
               </a:ext>
             </a:extLst>
           </p:cNvPr>
@@ -2405,7 +2405,7 @@
           <p:cNvPr id="3" name="Date Placeholder 2">
             <a:extLst>
               <a:ext uri="{FF2B5EF4-FFF2-40B4-BE49-F238E27FC236}">
-                <a16:creationId xmlns:a16="http://schemas.microsoft.com/office/drawing/2014/main" xmlns="" id="{B3C2DBCE-018D-4317-B24C-C2193777795F}"/>
+                <a16:creationId xmlns="" xmlns:a16="http://schemas.microsoft.com/office/drawing/2014/main" id="{B3C2DBCE-018D-4317-B24C-C2193777795F}"/>
               </a:ext>
             </a:extLst>
           </p:cNvPr>
@@ -2434,7 +2434,7 @@
           <p:cNvPr id="4" name="Footer Placeholder 3">
             <a:extLst>
               <a:ext uri="{FF2B5EF4-FFF2-40B4-BE49-F238E27FC236}">
-                <a16:creationId xmlns:a16="http://schemas.microsoft.com/office/drawing/2014/main" xmlns="" id="{345C6003-D10B-429B-A28B-0A3E94BA5BB0}"/>
+                <a16:creationId xmlns="" xmlns:a16="http://schemas.microsoft.com/office/drawing/2014/main" id="{345C6003-D10B-429B-A28B-0A3E94BA5BB0}"/>
               </a:ext>
             </a:extLst>
           </p:cNvPr>
@@ -2459,7 +2459,7 @@
           <p:cNvPr id="5" name="Slide Number Placeholder 4">
             <a:extLst>
               <a:ext uri="{FF2B5EF4-FFF2-40B4-BE49-F238E27FC236}">
-                <a16:creationId xmlns:a16="http://schemas.microsoft.com/office/drawing/2014/main" xmlns="" id="{848013DC-9D7F-4056-915B-C845ADA87DF6}"/>
+                <a16:creationId xmlns="" xmlns:a16="http://schemas.microsoft.com/office/drawing/2014/main" id="{848013DC-9D7F-4056-915B-C845ADA87DF6}"/>
               </a:ext>
             </a:extLst>
           </p:cNvPr>
@@ -2518,7 +2518,7 @@
           <p:cNvPr id="2" name="Date Placeholder 1">
             <a:extLst>
               <a:ext uri="{FF2B5EF4-FFF2-40B4-BE49-F238E27FC236}">
-                <a16:creationId xmlns:a16="http://schemas.microsoft.com/office/drawing/2014/main" xmlns="" id="{918DDF09-52E3-4E13-B0EF-3A31F8A776ED}"/>
+                <a16:creationId xmlns="" xmlns:a16="http://schemas.microsoft.com/office/drawing/2014/main" id="{918DDF09-52E3-4E13-B0EF-3A31F8A776ED}"/>
               </a:ext>
             </a:extLst>
           </p:cNvPr>
@@ -2547,7 +2547,7 @@
           <p:cNvPr id="3" name="Footer Placeholder 2">
             <a:extLst>
               <a:ext uri="{FF2B5EF4-FFF2-40B4-BE49-F238E27FC236}">
-                <a16:creationId xmlns:a16="http://schemas.microsoft.com/office/drawing/2014/main" xmlns="" id="{E2B99FBF-4219-40B3-AA28-1E9885CECE20}"/>
+                <a16:creationId xmlns="" xmlns:a16="http://schemas.microsoft.com/office/drawing/2014/main" id="{E2B99FBF-4219-40B3-AA28-1E9885CECE20}"/>
               </a:ext>
             </a:extLst>
           </p:cNvPr>
@@ -2572,7 +2572,7 @@
           <p:cNvPr id="4" name="Slide Number Placeholder 3">
             <a:extLst>
               <a:ext uri="{FF2B5EF4-FFF2-40B4-BE49-F238E27FC236}">
-                <a16:creationId xmlns:a16="http://schemas.microsoft.com/office/drawing/2014/main" xmlns="" id="{3EBAFF1D-28BF-4BB1-839B-8CC14C01A510}"/>
+                <a16:creationId xmlns="" xmlns:a16="http://schemas.microsoft.com/office/drawing/2014/main" id="{3EBAFF1D-28BF-4BB1-839B-8CC14C01A510}"/>
               </a:ext>
             </a:extLst>
           </p:cNvPr>
@@ -2631,7 +2631,7 @@
           <p:cNvPr id="2" name="Title 1">
             <a:extLst>
               <a:ext uri="{FF2B5EF4-FFF2-40B4-BE49-F238E27FC236}">
-                <a16:creationId xmlns:a16="http://schemas.microsoft.com/office/drawing/2014/main" xmlns="" id="{8648C4CD-5A83-43B5-9579-B8CF6471A756}"/>
+                <a16:creationId xmlns="" xmlns:a16="http://schemas.microsoft.com/office/drawing/2014/main" id="{8648C4CD-5A83-43B5-9579-B8CF6471A756}"/>
               </a:ext>
             </a:extLst>
           </p:cNvPr>
@@ -2668,7 +2668,7 @@
           <p:cNvPr id="3" name="Content Placeholder 2">
             <a:extLst>
               <a:ext uri="{FF2B5EF4-FFF2-40B4-BE49-F238E27FC236}">
-                <a16:creationId xmlns:a16="http://schemas.microsoft.com/office/drawing/2014/main" xmlns="" id="{A4DA49C8-8B07-48AC-9C07-6CCC31B4DEB9}"/>
+                <a16:creationId xmlns="" xmlns:a16="http://schemas.microsoft.com/office/drawing/2014/main" id="{A4DA49C8-8B07-48AC-9C07-6CCC31B4DEB9}"/>
               </a:ext>
             </a:extLst>
           </p:cNvPr>
@@ -2758,7 +2758,7 @@
           <p:cNvPr id="4" name="Text Placeholder 3">
             <a:extLst>
               <a:ext uri="{FF2B5EF4-FFF2-40B4-BE49-F238E27FC236}">
-                <a16:creationId xmlns:a16="http://schemas.microsoft.com/office/drawing/2014/main" xmlns="" id="{25695D27-2AE6-4B35-8C42-EA5C68CD7D9A}"/>
+                <a16:creationId xmlns="" xmlns:a16="http://schemas.microsoft.com/office/drawing/2014/main" id="{25695D27-2AE6-4B35-8C42-EA5C68CD7D9A}"/>
               </a:ext>
             </a:extLst>
           </p:cNvPr>
@@ -2829,7 +2829,7 @@
           <p:cNvPr id="5" name="Date Placeholder 4">
             <a:extLst>
               <a:ext uri="{FF2B5EF4-FFF2-40B4-BE49-F238E27FC236}">
-                <a16:creationId xmlns:a16="http://schemas.microsoft.com/office/drawing/2014/main" xmlns="" id="{E3391651-0863-4A89-A889-6055C8D0F4B1}"/>
+                <a16:creationId xmlns="" xmlns:a16="http://schemas.microsoft.com/office/drawing/2014/main" id="{E3391651-0863-4A89-A889-6055C8D0F4B1}"/>
               </a:ext>
             </a:extLst>
           </p:cNvPr>
@@ -2858,7 +2858,7 @@
           <p:cNvPr id="6" name="Footer Placeholder 5">
             <a:extLst>
               <a:ext uri="{FF2B5EF4-FFF2-40B4-BE49-F238E27FC236}">
-                <a16:creationId xmlns:a16="http://schemas.microsoft.com/office/drawing/2014/main" xmlns="" id="{A58BD13B-DE07-4C0E-B2DE-436210897AB6}"/>
+                <a16:creationId xmlns="" xmlns:a16="http://schemas.microsoft.com/office/drawing/2014/main" id="{A58BD13B-DE07-4C0E-B2DE-436210897AB6}"/>
               </a:ext>
             </a:extLst>
           </p:cNvPr>
@@ -2883,7 +2883,7 @@
           <p:cNvPr id="7" name="Slide Number Placeholder 6">
             <a:extLst>
               <a:ext uri="{FF2B5EF4-FFF2-40B4-BE49-F238E27FC236}">
-                <a16:creationId xmlns:a16="http://schemas.microsoft.com/office/drawing/2014/main" xmlns="" id="{EE9DF971-17F7-4A77-99DC-728AA4626B5E}"/>
+                <a16:creationId xmlns="" xmlns:a16="http://schemas.microsoft.com/office/drawing/2014/main" id="{EE9DF971-17F7-4A77-99DC-728AA4626B5E}"/>
               </a:ext>
             </a:extLst>
           </p:cNvPr>
@@ -2942,7 +2942,7 @@
           <p:cNvPr id="2" name="Title 1">
             <a:extLst>
               <a:ext uri="{FF2B5EF4-FFF2-40B4-BE49-F238E27FC236}">
-                <a16:creationId xmlns:a16="http://schemas.microsoft.com/office/drawing/2014/main" xmlns="" id="{44DFD750-5A37-420D-83A1-7351F612760C}"/>
+                <a16:creationId xmlns="" xmlns:a16="http://schemas.microsoft.com/office/drawing/2014/main" id="{44DFD750-5A37-420D-83A1-7351F612760C}"/>
               </a:ext>
             </a:extLst>
           </p:cNvPr>
@@ -2979,7 +2979,7 @@
           <p:cNvPr id="3" name="Picture Placeholder 2">
             <a:extLst>
               <a:ext uri="{FF2B5EF4-FFF2-40B4-BE49-F238E27FC236}">
-                <a16:creationId xmlns:a16="http://schemas.microsoft.com/office/drawing/2014/main" xmlns="" id="{524EA0D5-1058-41E7-A7B2-55204CB5209B}"/>
+                <a16:creationId xmlns="" xmlns:a16="http://schemas.microsoft.com/office/drawing/2014/main" id="{524EA0D5-1058-41E7-A7B2-55204CB5209B}"/>
               </a:ext>
             </a:extLst>
           </p:cNvPr>
@@ -3046,7 +3046,7 @@
           <p:cNvPr id="4" name="Text Placeholder 3">
             <a:extLst>
               <a:ext uri="{FF2B5EF4-FFF2-40B4-BE49-F238E27FC236}">
-                <a16:creationId xmlns:a16="http://schemas.microsoft.com/office/drawing/2014/main" xmlns="" id="{3D444A2A-1AD3-40EB-905F-9E53BB0EA1A4}"/>
+                <a16:creationId xmlns="" xmlns:a16="http://schemas.microsoft.com/office/drawing/2014/main" id="{3D444A2A-1AD3-40EB-905F-9E53BB0EA1A4}"/>
               </a:ext>
             </a:extLst>
           </p:cNvPr>
@@ -3117,7 +3117,7 @@
           <p:cNvPr id="5" name="Date Placeholder 4">
             <a:extLst>
               <a:ext uri="{FF2B5EF4-FFF2-40B4-BE49-F238E27FC236}">
-                <a16:creationId xmlns:a16="http://schemas.microsoft.com/office/drawing/2014/main" xmlns="" id="{B755F640-0DAC-4AF7-A937-F2CB9411560D}"/>
+                <a16:creationId xmlns="" xmlns:a16="http://schemas.microsoft.com/office/drawing/2014/main" id="{B755F640-0DAC-4AF7-A937-F2CB9411560D}"/>
               </a:ext>
             </a:extLst>
           </p:cNvPr>
@@ -3146,7 +3146,7 @@
           <p:cNvPr id="6" name="Footer Placeholder 5">
             <a:extLst>
               <a:ext uri="{FF2B5EF4-FFF2-40B4-BE49-F238E27FC236}">
-                <a16:creationId xmlns:a16="http://schemas.microsoft.com/office/drawing/2014/main" xmlns="" id="{C788EDA0-3A78-410F-AFE0-5933F309CC98}"/>
+                <a16:creationId xmlns="" xmlns:a16="http://schemas.microsoft.com/office/drawing/2014/main" id="{C788EDA0-3A78-410F-AFE0-5933F309CC98}"/>
               </a:ext>
             </a:extLst>
           </p:cNvPr>
@@ -3171,7 +3171,7 @@
           <p:cNvPr id="7" name="Slide Number Placeholder 6">
             <a:extLst>
               <a:ext uri="{FF2B5EF4-FFF2-40B4-BE49-F238E27FC236}">
-                <a16:creationId xmlns:a16="http://schemas.microsoft.com/office/drawing/2014/main" xmlns="" id="{A6932008-E904-418E-A2A0-E62109EA9296}"/>
+                <a16:creationId xmlns="" xmlns:a16="http://schemas.microsoft.com/office/drawing/2014/main" id="{A6932008-E904-418E-A2A0-E62109EA9296}"/>
               </a:ext>
             </a:extLst>
           </p:cNvPr>
@@ -3235,7 +3235,7 @@
           <p:cNvPr id="2" name="Title Placeholder 1">
             <a:extLst>
               <a:ext uri="{FF2B5EF4-FFF2-40B4-BE49-F238E27FC236}">
-                <a16:creationId xmlns:a16="http://schemas.microsoft.com/office/drawing/2014/main" xmlns="" id="{D0E44DA4-0D77-47E6-A4E0-FB9162F67649}"/>
+                <a16:creationId xmlns="" xmlns:a16="http://schemas.microsoft.com/office/drawing/2014/main" id="{D0E44DA4-0D77-47E6-A4E0-FB9162F67649}"/>
               </a:ext>
             </a:extLst>
           </p:cNvPr>
@@ -3273,7 +3273,7 @@
           <p:cNvPr id="3" name="Text Placeholder 2">
             <a:extLst>
               <a:ext uri="{FF2B5EF4-FFF2-40B4-BE49-F238E27FC236}">
-                <a16:creationId xmlns:a16="http://schemas.microsoft.com/office/drawing/2014/main" xmlns="" id="{62524244-F2DC-4D05-9EAD-D9B393FA0BEE}"/>
+                <a16:creationId xmlns="" xmlns:a16="http://schemas.microsoft.com/office/drawing/2014/main" id="{62524244-F2DC-4D05-9EAD-D9B393FA0BEE}"/>
               </a:ext>
             </a:extLst>
           </p:cNvPr>
@@ -3340,7 +3340,7 @@
           <p:cNvPr id="4" name="Date Placeholder 3">
             <a:extLst>
               <a:ext uri="{FF2B5EF4-FFF2-40B4-BE49-F238E27FC236}">
-                <a16:creationId xmlns:a16="http://schemas.microsoft.com/office/drawing/2014/main" xmlns="" id="{188B0740-562B-470A-BB56-0F1CDC013509}"/>
+                <a16:creationId xmlns="" xmlns:a16="http://schemas.microsoft.com/office/drawing/2014/main" id="{188B0740-562B-470A-BB56-0F1CDC013509}"/>
               </a:ext>
             </a:extLst>
           </p:cNvPr>
@@ -3387,7 +3387,7 @@
           <p:cNvPr id="5" name="Footer Placeholder 4">
             <a:extLst>
               <a:ext uri="{FF2B5EF4-FFF2-40B4-BE49-F238E27FC236}">
-                <a16:creationId xmlns:a16="http://schemas.microsoft.com/office/drawing/2014/main" xmlns="" id="{35738193-287D-424F-8F82-B4D504E8359F}"/>
+                <a16:creationId xmlns="" xmlns:a16="http://schemas.microsoft.com/office/drawing/2014/main" id="{35738193-287D-424F-8F82-B4D504E8359F}"/>
               </a:ext>
             </a:extLst>
           </p:cNvPr>
@@ -3430,7 +3430,7 @@
           <p:cNvPr id="6" name="Slide Number Placeholder 5">
             <a:extLst>
               <a:ext uri="{FF2B5EF4-FFF2-40B4-BE49-F238E27FC236}">
-                <a16:creationId xmlns:a16="http://schemas.microsoft.com/office/drawing/2014/main" xmlns="" id="{34C12B7B-2610-4E8C-BE88-A8083BF4865E}"/>
+                <a16:creationId xmlns="" xmlns:a16="http://schemas.microsoft.com/office/drawing/2014/main" id="{34C12B7B-2610-4E8C-BE88-A8083BF4865E}"/>
               </a:ext>
             </a:extLst>
           </p:cNvPr>
@@ -3798,7 +3798,7 @@
           <p:cNvPr id="2" name="Title 1">
             <a:extLst>
               <a:ext uri="{FF2B5EF4-FFF2-40B4-BE49-F238E27FC236}">
-                <a16:creationId xmlns:a16="http://schemas.microsoft.com/office/drawing/2014/main" xmlns="" id="{9932165A-B155-4D8F-A038-C769E4F84530}"/>
+                <a16:creationId xmlns="" xmlns:a16="http://schemas.microsoft.com/office/drawing/2014/main" id="{9932165A-B155-4D8F-A038-C769E4F84530}"/>
               </a:ext>
             </a:extLst>
           </p:cNvPr>
@@ -3828,7 +3828,7 @@
           <p:cNvPr id="3" name="Subtitle 2">
             <a:extLst>
               <a:ext uri="{FF2B5EF4-FFF2-40B4-BE49-F238E27FC236}">
-                <a16:creationId xmlns:a16="http://schemas.microsoft.com/office/drawing/2014/main" xmlns="" id="{5284837C-F2AF-48BE-B3EA-10CCC04A63F1}"/>
+                <a16:creationId xmlns="" xmlns:a16="http://schemas.microsoft.com/office/drawing/2014/main" id="{5284837C-F2AF-48BE-B3EA-10CCC04A63F1}"/>
               </a:ext>
             </a:extLst>
           </p:cNvPr>
@@ -3863,7 +3863,7 @@
           <p:cNvPr id="4" name="Subtitle 2">
             <a:extLst>
               <a:ext uri="{FF2B5EF4-FFF2-40B4-BE49-F238E27FC236}">
-                <a16:creationId xmlns:a16="http://schemas.microsoft.com/office/drawing/2014/main" xmlns="" id="{55F60259-9016-4485-9751-E5CF568092B0}"/>
+                <a16:creationId xmlns="" xmlns:a16="http://schemas.microsoft.com/office/drawing/2014/main" id="{55F60259-9016-4485-9751-E5CF568092B0}"/>
               </a:ext>
             </a:extLst>
           </p:cNvPr>
@@ -4121,7 +4121,7 @@
           <p:cNvPr id="2" name="Title 1">
             <a:extLst>
               <a:ext uri="{FF2B5EF4-FFF2-40B4-BE49-F238E27FC236}">
-                <a16:creationId xmlns:a16="http://schemas.microsoft.com/office/drawing/2014/main" xmlns="" id="{4539F170-FB11-4DCA-B0D3-DCFA99C24D77}"/>
+                <a16:creationId xmlns="" xmlns:a16="http://schemas.microsoft.com/office/drawing/2014/main" id="{4539F170-FB11-4DCA-B0D3-DCFA99C24D77}"/>
               </a:ext>
             </a:extLst>
           </p:cNvPr>
@@ -4156,7 +4156,7 @@
           <p:cNvPr id="4" name="Content Placeholder 3">
             <a:extLst>
               <a:ext uri="{FF2B5EF4-FFF2-40B4-BE49-F238E27FC236}">
-                <a16:creationId xmlns:a16="http://schemas.microsoft.com/office/drawing/2014/main" xmlns="" id="{6E1BB871-4874-4507-B870-6C576C974A5E}"/>
+                <a16:creationId xmlns="" xmlns:a16="http://schemas.microsoft.com/office/drawing/2014/main" id="{6E1BB871-4874-4507-B870-6C576C974A5E}"/>
               </a:ext>
             </a:extLst>
           </p:cNvPr>
@@ -4200,7 +4200,7 @@
           <p:cNvPr id="5" name="Content Placeholder 4">
             <a:extLst>
               <a:ext uri="{FF2B5EF4-FFF2-40B4-BE49-F238E27FC236}">
-                <a16:creationId xmlns:a16="http://schemas.microsoft.com/office/drawing/2014/main" xmlns="" id="{2C251FFC-818D-44C2-A5FD-E4B2B71AC469}"/>
+                <a16:creationId xmlns="" xmlns:a16="http://schemas.microsoft.com/office/drawing/2014/main" id="{2C251FFC-818D-44C2-A5FD-E4B2B71AC469}"/>
               </a:ext>
             </a:extLst>
           </p:cNvPr>
@@ -4266,7 +4266,7 @@
           <p:cNvPr id="5" name="Content Placeholder 4">
             <a:extLst>
               <a:ext uri="{FF2B5EF4-FFF2-40B4-BE49-F238E27FC236}">
-                <a16:creationId xmlns:a16="http://schemas.microsoft.com/office/drawing/2014/main" xmlns="" id="{D79C9321-F045-4264-81C5-6C3B9B09DE24}"/>
+                <a16:creationId xmlns="" xmlns:a16="http://schemas.microsoft.com/office/drawing/2014/main" id="{D79C9321-F045-4264-81C5-6C3B9B09DE24}"/>
               </a:ext>
             </a:extLst>
           </p:cNvPr>
@@ -4301,7 +4301,7 @@
           <p:cNvPr id="6" name="Title 1">
             <a:extLst>
               <a:ext uri="{FF2B5EF4-FFF2-40B4-BE49-F238E27FC236}">
-                <a16:creationId xmlns:a16="http://schemas.microsoft.com/office/drawing/2014/main" xmlns="" id="{324CD909-BDF7-4572-B8C8-CA596884BAC3}"/>
+                <a16:creationId xmlns="" xmlns:a16="http://schemas.microsoft.com/office/drawing/2014/main" id="{324CD909-BDF7-4572-B8C8-CA596884BAC3}"/>
               </a:ext>
             </a:extLst>
           </p:cNvPr>
@@ -4366,7 +4366,7 @@
           <p:cNvPr id="2" name="Title 1">
             <a:extLst>
               <a:ext uri="{FF2B5EF4-FFF2-40B4-BE49-F238E27FC236}">
-                <a16:creationId xmlns:a16="http://schemas.microsoft.com/office/drawing/2014/main" xmlns="" id="{1FF456C8-C6A2-4D29-AF1C-4E8FC5D3661F}"/>
+                <a16:creationId xmlns="" xmlns:a16="http://schemas.microsoft.com/office/drawing/2014/main" id="{1FF456C8-C6A2-4D29-AF1C-4E8FC5D3661F}"/>
               </a:ext>
             </a:extLst>
           </p:cNvPr>
@@ -4394,7 +4394,7 @@
           <p:cNvPr id="5" name="Picture 4">
             <a:extLst>
               <a:ext uri="{FF2B5EF4-FFF2-40B4-BE49-F238E27FC236}">
-                <a16:creationId xmlns:a16="http://schemas.microsoft.com/office/drawing/2014/main" xmlns="" id="{0589CA0C-60D9-4F8B-AD9E-01849188993B}"/>
+                <a16:creationId xmlns="" xmlns:a16="http://schemas.microsoft.com/office/drawing/2014/main" id="{0589CA0C-60D9-4F8B-AD9E-01849188993B}"/>
               </a:ext>
             </a:extLst>
           </p:cNvPr>
@@ -4454,7 +4454,7 @@
           <p:cNvPr id="2" name="Title 1">
             <a:extLst>
               <a:ext uri="{FF2B5EF4-FFF2-40B4-BE49-F238E27FC236}">
-                <a16:creationId xmlns:a16="http://schemas.microsoft.com/office/drawing/2014/main" xmlns="" id="{0176F023-50E5-45DF-938C-7E944901A27E}"/>
+                <a16:creationId xmlns="" xmlns:a16="http://schemas.microsoft.com/office/drawing/2014/main" id="{0176F023-50E5-45DF-938C-7E944901A27E}"/>
               </a:ext>
             </a:extLst>
           </p:cNvPr>
@@ -4482,7 +4482,7 @@
           <p:cNvPr id="5" name="Content Placeholder 4">
             <a:extLst>
               <a:ext uri="{FF2B5EF4-FFF2-40B4-BE49-F238E27FC236}">
-                <a16:creationId xmlns:a16="http://schemas.microsoft.com/office/drawing/2014/main" xmlns="" id="{F5CC2842-4460-4D81-BB3A-27D9534E9E12}"/>
+                <a16:creationId xmlns="" xmlns:a16="http://schemas.microsoft.com/office/drawing/2014/main" id="{F5CC2842-4460-4D81-BB3A-27D9534E9E12}"/>
               </a:ext>
             </a:extLst>
           </p:cNvPr>
@@ -4547,7 +4547,7 @@
           <p:cNvPr id="2" name="Title 1">
             <a:extLst>
               <a:ext uri="{FF2B5EF4-FFF2-40B4-BE49-F238E27FC236}">
-                <a16:creationId xmlns:a16="http://schemas.microsoft.com/office/drawing/2014/main" xmlns="" id="{CA68B83A-1E11-499E-9FB6-CEDF61019D09}"/>
+                <a16:creationId xmlns="" xmlns:a16="http://schemas.microsoft.com/office/drawing/2014/main" id="{CA68B83A-1E11-499E-9FB6-CEDF61019D09}"/>
               </a:ext>
             </a:extLst>
           </p:cNvPr>
@@ -4575,7 +4575,7 @@
           <p:cNvPr id="5" name="Content Placeholder 4">
             <a:extLst>
               <a:ext uri="{FF2B5EF4-FFF2-40B4-BE49-F238E27FC236}">
-                <a16:creationId xmlns:a16="http://schemas.microsoft.com/office/drawing/2014/main" xmlns="" id="{1561721A-BF62-41A5-B388-FF13BA1EF30C}"/>
+                <a16:creationId xmlns="" xmlns:a16="http://schemas.microsoft.com/office/drawing/2014/main" id="{1561721A-BF62-41A5-B388-FF13BA1EF30C}"/>
               </a:ext>
             </a:extLst>
           </p:cNvPr>
@@ -4607,7 +4607,7 @@
           <p:cNvPr id="4" name="Picture 3">
             <a:extLst>
               <a:ext uri="{FF2B5EF4-FFF2-40B4-BE49-F238E27FC236}">
-                <a16:creationId xmlns:a16="http://schemas.microsoft.com/office/drawing/2014/main" xmlns="" id="{047186E1-2D1D-463C-B1AF-D258B51373FB}"/>
+                <a16:creationId xmlns="" xmlns:a16="http://schemas.microsoft.com/office/drawing/2014/main" id="{047186E1-2D1D-463C-B1AF-D258B51373FB}"/>
               </a:ext>
             </a:extLst>
           </p:cNvPr>
@@ -4667,7 +4667,7 @@
           <p:cNvPr id="4" name="Picture 3">
             <a:extLst>
               <a:ext uri="{FF2B5EF4-FFF2-40B4-BE49-F238E27FC236}">
-                <a16:creationId xmlns:a16="http://schemas.microsoft.com/office/drawing/2014/main" xmlns="" id="{C2BB8586-473A-432B-B813-70C3CE94C34E}"/>
+                <a16:creationId xmlns="" xmlns:a16="http://schemas.microsoft.com/office/drawing/2014/main" id="{C2BB8586-473A-432B-B813-70C3CE94C34E}"/>
               </a:ext>
             </a:extLst>
           </p:cNvPr>
@@ -4697,7 +4697,7 @@
           <p:cNvPr id="6" name="Title 5">
             <a:extLst>
               <a:ext uri="{FF2B5EF4-FFF2-40B4-BE49-F238E27FC236}">
-                <a16:creationId xmlns:a16="http://schemas.microsoft.com/office/drawing/2014/main" xmlns="" id="{B52CA872-40C4-492B-8268-C5F6452851F2}"/>
+                <a16:creationId xmlns="" xmlns:a16="http://schemas.microsoft.com/office/drawing/2014/main" id="{B52CA872-40C4-492B-8268-C5F6452851F2}"/>
               </a:ext>
             </a:extLst>
           </p:cNvPr>
@@ -4763,7 +4763,7 @@
           <p:cNvPr id="4" name="Picture 3">
             <a:extLst>
               <a:ext uri="{FF2B5EF4-FFF2-40B4-BE49-F238E27FC236}">
-                <a16:creationId xmlns:a16="http://schemas.microsoft.com/office/drawing/2014/main" xmlns="" id="{A39AAB0C-4C60-409C-8CAC-934D96FBF7E3}"/>
+                <a16:creationId xmlns="" xmlns:a16="http://schemas.microsoft.com/office/drawing/2014/main" id="{A39AAB0C-4C60-409C-8CAC-934D96FBF7E3}"/>
               </a:ext>
             </a:extLst>
           </p:cNvPr>
@@ -4823,7 +4823,7 @@
           <p:cNvPr id="2" name="Title 1">
             <a:extLst>
               <a:ext uri="{FF2B5EF4-FFF2-40B4-BE49-F238E27FC236}">
-                <a16:creationId xmlns:a16="http://schemas.microsoft.com/office/drawing/2014/main" xmlns="" id="{BEE12DD3-4FC8-40EC-9CE6-B874524424F7}"/>
+                <a16:creationId xmlns="" xmlns:a16="http://schemas.microsoft.com/office/drawing/2014/main" id="{BEE12DD3-4FC8-40EC-9CE6-B874524424F7}"/>
               </a:ext>
             </a:extLst>
           </p:cNvPr>
@@ -4851,7 +4851,7 @@
           <p:cNvPr id="3" name="Picture 2">
             <a:extLst>
               <a:ext uri="{FF2B5EF4-FFF2-40B4-BE49-F238E27FC236}">
-                <a16:creationId xmlns:a16="http://schemas.microsoft.com/office/drawing/2014/main" xmlns="" id="{CF8DA36A-1144-45E3-BC14-6893EE5EE37D}"/>
+                <a16:creationId xmlns="" xmlns:a16="http://schemas.microsoft.com/office/drawing/2014/main" id="{CF8DA36A-1144-45E3-BC14-6893EE5EE37D}"/>
               </a:ext>
             </a:extLst>
           </p:cNvPr>
@@ -4911,7 +4911,7 @@
           <p:cNvPr id="2" name="Title 1">
             <a:extLst>
               <a:ext uri="{FF2B5EF4-FFF2-40B4-BE49-F238E27FC236}">
-                <a16:creationId xmlns:a16="http://schemas.microsoft.com/office/drawing/2014/main" xmlns="" id="{F99EF81D-7724-4FA2-AA4F-C8905E57463A}"/>
+                <a16:creationId xmlns="" xmlns:a16="http://schemas.microsoft.com/office/drawing/2014/main" id="{F99EF81D-7724-4FA2-AA4F-C8905E57463A}"/>
               </a:ext>
             </a:extLst>
           </p:cNvPr>
@@ -4939,7 +4939,7 @@
           <p:cNvPr id="3" name="Picture 2">
             <a:extLst>
               <a:ext uri="{FF2B5EF4-FFF2-40B4-BE49-F238E27FC236}">
-                <a16:creationId xmlns:a16="http://schemas.microsoft.com/office/drawing/2014/main" xmlns="" id="{279A5F58-C032-4F4B-9EEB-C3D8DCA330F9}"/>
+                <a16:creationId xmlns="" xmlns:a16="http://schemas.microsoft.com/office/drawing/2014/main" id="{279A5F58-C032-4F4B-9EEB-C3D8DCA330F9}"/>
               </a:ext>
             </a:extLst>
           </p:cNvPr>
@@ -4999,7 +4999,7 @@
           <p:cNvPr id="4" name="Picture 3">
             <a:extLst>
               <a:ext uri="{FF2B5EF4-FFF2-40B4-BE49-F238E27FC236}">
-                <a16:creationId xmlns:a16="http://schemas.microsoft.com/office/drawing/2014/main" xmlns="" id="{02B4CDDB-6F55-473D-8A9B-E4345CFC2849}"/>
+                <a16:creationId xmlns="" xmlns:a16="http://schemas.microsoft.com/office/drawing/2014/main" id="{02B4CDDB-6F55-473D-8A9B-E4345CFC2849}"/>
               </a:ext>
             </a:extLst>
           </p:cNvPr>
@@ -5071,7 +5071,7 @@
           <p:cNvPr id="2" name="Title 1">
             <a:extLst>
               <a:ext uri="{FF2B5EF4-FFF2-40B4-BE49-F238E27FC236}">
-                <a16:creationId xmlns:a16="http://schemas.microsoft.com/office/drawing/2014/main" xmlns="" id="{8E08EBA7-3BF3-4D55-B381-584459044F9A}"/>
+                <a16:creationId xmlns="" xmlns:a16="http://schemas.microsoft.com/office/drawing/2014/main" id="{8E08EBA7-3BF3-4D55-B381-584459044F9A}"/>
               </a:ext>
             </a:extLst>
           </p:cNvPr>
@@ -5099,7 +5099,7 @@
           <p:cNvPr id="5" name="Content Placeholder 4">
             <a:extLst>
               <a:ext uri="{FF2B5EF4-FFF2-40B4-BE49-F238E27FC236}">
-                <a16:creationId xmlns:a16="http://schemas.microsoft.com/office/drawing/2014/main" xmlns="" id="{5A66A856-D08F-41E5-BEB2-9AC3447428A6}"/>
+                <a16:creationId xmlns="" xmlns:a16="http://schemas.microsoft.com/office/drawing/2014/main" id="{5A66A856-D08F-41E5-BEB2-9AC3447428A6}"/>
               </a:ext>
             </a:extLst>
           </p:cNvPr>
@@ -5132,7 +5132,7 @@
           <p:cNvPr id="1028" name="Picture 4" descr="http://hdr.undp.org/sites/default/files/hdi.png">
             <a:extLst>
               <a:ext uri="{FF2B5EF4-FFF2-40B4-BE49-F238E27FC236}">
-                <a16:creationId xmlns:a16="http://schemas.microsoft.com/office/drawing/2014/main" xmlns="" id="{A1C74B74-752A-416F-A279-0010085147B7}"/>
+                <a16:creationId xmlns="" xmlns:a16="http://schemas.microsoft.com/office/drawing/2014/main" id="{A1C74B74-752A-416F-A279-0010085147B7}"/>
               </a:ext>
             </a:extLst>
           </p:cNvPr>
@@ -5209,7 +5209,7 @@
           <p:cNvPr id="4" name="Content Placeholder 4">
             <a:extLst>
               <a:ext uri="{FF2B5EF4-FFF2-40B4-BE49-F238E27FC236}">
-                <a16:creationId xmlns:a16="http://schemas.microsoft.com/office/drawing/2014/main" xmlns="" id="{D71A8F51-2872-4ECA-A49E-C5855E0D6522}"/>
+                <a16:creationId xmlns="" xmlns:a16="http://schemas.microsoft.com/office/drawing/2014/main" id="{D71A8F51-2872-4ECA-A49E-C5855E0D6522}"/>
               </a:ext>
             </a:extLst>
           </p:cNvPr>
@@ -5275,7 +5275,7 @@
           <p:cNvPr id="2" name="Title 1">
             <a:extLst>
               <a:ext uri="{FF2B5EF4-FFF2-40B4-BE49-F238E27FC236}">
-                <a16:creationId xmlns:a16="http://schemas.microsoft.com/office/drawing/2014/main" xmlns="" id="{6BF0F5C0-A40D-4097-9A61-D98FD4CA9B2D}"/>
+                <a16:creationId xmlns="" xmlns:a16="http://schemas.microsoft.com/office/drawing/2014/main" id="{6BF0F5C0-A40D-4097-9A61-D98FD4CA9B2D}"/>
               </a:ext>
             </a:extLst>
           </p:cNvPr>
@@ -5311,7 +5311,7 @@
           <p:cNvPr id="2050" name="Picture 2" descr="Related image">
             <a:extLst>
               <a:ext uri="{FF2B5EF4-FFF2-40B4-BE49-F238E27FC236}">
-                <a16:creationId xmlns:a16="http://schemas.microsoft.com/office/drawing/2014/main" xmlns="" id="{652412D5-A359-43B1-8298-790109F26088}"/>
+                <a16:creationId xmlns="" xmlns:a16="http://schemas.microsoft.com/office/drawing/2014/main" id="{652412D5-A359-43B1-8298-790109F26088}"/>
               </a:ext>
             </a:extLst>
           </p:cNvPr>
@@ -5388,7 +5388,7 @@
           <p:cNvPr id="2" name="Title 1">
             <a:extLst>
               <a:ext uri="{FF2B5EF4-FFF2-40B4-BE49-F238E27FC236}">
-                <a16:creationId xmlns:a16="http://schemas.microsoft.com/office/drawing/2014/main" xmlns="" id="{80741B0C-B78B-4BE3-AC27-677ACF22578F}"/>
+                <a16:creationId xmlns="" xmlns:a16="http://schemas.microsoft.com/office/drawing/2014/main" id="{80741B0C-B78B-4BE3-AC27-677ACF22578F}"/>
               </a:ext>
             </a:extLst>
           </p:cNvPr>
@@ -5416,7 +5416,7 @@
           <p:cNvPr id="3" name="Content Placeholder 2">
             <a:extLst>
               <a:ext uri="{FF2B5EF4-FFF2-40B4-BE49-F238E27FC236}">
-                <a16:creationId xmlns:a16="http://schemas.microsoft.com/office/drawing/2014/main" xmlns="" id="{31AA4146-C183-463B-8EEC-226A10917A5F}"/>
+                <a16:creationId xmlns="" xmlns:a16="http://schemas.microsoft.com/office/drawing/2014/main" id="{31AA4146-C183-463B-8EEC-226A10917A5F}"/>
               </a:ext>
             </a:extLst>
           </p:cNvPr>
@@ -5489,7 +5489,7 @@
           <p:cNvPr id="2" name="Title 1">
             <a:extLst>
               <a:ext uri="{FF2B5EF4-FFF2-40B4-BE49-F238E27FC236}">
-                <a16:creationId xmlns:a16="http://schemas.microsoft.com/office/drawing/2014/main" xmlns="" id="{FA0F514D-0273-434B-894C-83A26F184D7B}"/>
+                <a16:creationId xmlns="" xmlns:a16="http://schemas.microsoft.com/office/drawing/2014/main" id="{FA0F514D-0273-434B-894C-83A26F184D7B}"/>
               </a:ext>
             </a:extLst>
           </p:cNvPr>
@@ -5517,7 +5517,7 @@
           <p:cNvPr id="3" name="Content Placeholder 2">
             <a:extLst>
               <a:ext uri="{FF2B5EF4-FFF2-40B4-BE49-F238E27FC236}">
-                <a16:creationId xmlns:a16="http://schemas.microsoft.com/office/drawing/2014/main" xmlns="" id="{C8078C24-5E31-406D-B64F-4E9DC4335F0A}"/>
+                <a16:creationId xmlns="" xmlns:a16="http://schemas.microsoft.com/office/drawing/2014/main" id="{C8078C24-5E31-406D-B64F-4E9DC4335F0A}"/>
               </a:ext>
             </a:extLst>
           </p:cNvPr>
@@ -5557,12 +5557,12 @@
               <a:t> PISA has been performing these </a:t>
             </a:r>
             <a:r>
-              <a:rPr lang="en-US" dirty="0" err="1"/>
-              <a:t>assessmentS</a:t>
+              <a:rPr lang="en-US" dirty="0" smtClean="0"/>
+              <a:t>assessments </a:t>
             </a:r>
             <a:r>
               <a:rPr lang="en-US" dirty="0"/>
-              <a:t> since 2000 and published data is available to all countries.</a:t>
+              <a:t>since 2000 and published data is available to all countries.</a:t>
             </a:r>
           </a:p>
         </p:txBody>
@@ -5602,7 +5602,7 @@
           <p:cNvPr id="2" name="Title 1">
             <a:extLst>
               <a:ext uri="{FF2B5EF4-FFF2-40B4-BE49-F238E27FC236}">
-                <a16:creationId xmlns:a16="http://schemas.microsoft.com/office/drawing/2014/main" xmlns="" id="{280C57EE-7775-4519-9EC0-A860255A049B}"/>
+                <a16:creationId xmlns="" xmlns:a16="http://schemas.microsoft.com/office/drawing/2014/main" id="{280C57EE-7775-4519-9EC0-A860255A049B}"/>
               </a:ext>
             </a:extLst>
           </p:cNvPr>
@@ -5630,7 +5630,7 @@
           <p:cNvPr id="3" name="Content Placeholder 2">
             <a:extLst>
               <a:ext uri="{FF2B5EF4-FFF2-40B4-BE49-F238E27FC236}">
-                <a16:creationId xmlns:a16="http://schemas.microsoft.com/office/drawing/2014/main" xmlns="" id="{54353CB9-FEC6-4636-9061-68949F74EC77}"/>
+                <a16:creationId xmlns="" xmlns:a16="http://schemas.microsoft.com/office/drawing/2014/main" id="{54353CB9-FEC6-4636-9061-68949F74EC77}"/>
               </a:ext>
             </a:extLst>
           </p:cNvPr>
@@ -5714,7 +5714,7 @@
           <p:cNvPr id="2" name="Title 1">
             <a:extLst>
               <a:ext uri="{FF2B5EF4-FFF2-40B4-BE49-F238E27FC236}">
-                <a16:creationId xmlns:a16="http://schemas.microsoft.com/office/drawing/2014/main" xmlns="" id="{2E334FC3-C33D-4D60-B3C8-CEFF516F09CB}"/>
+                <a16:creationId xmlns="" xmlns:a16="http://schemas.microsoft.com/office/drawing/2014/main" id="{2E334FC3-C33D-4D60-B3C8-CEFF516F09CB}"/>
               </a:ext>
             </a:extLst>
           </p:cNvPr>
@@ -5742,7 +5742,7 @@
           <p:cNvPr id="3" name="Content Placeholder 2">
             <a:extLst>
               <a:ext uri="{FF2B5EF4-FFF2-40B4-BE49-F238E27FC236}">
-                <a16:creationId xmlns:a16="http://schemas.microsoft.com/office/drawing/2014/main" xmlns="" id="{6665CB8C-C101-4590-B8FE-9112717C8A9B}"/>
+                <a16:creationId xmlns="" xmlns:a16="http://schemas.microsoft.com/office/drawing/2014/main" id="{6665CB8C-C101-4590-B8FE-9112717C8A9B}"/>
               </a:ext>
             </a:extLst>
           </p:cNvPr>
@@ -5812,7 +5812,7 @@
           <p:cNvPr id="2" name="Title 1">
             <a:extLst>
               <a:ext uri="{FF2B5EF4-FFF2-40B4-BE49-F238E27FC236}">
-                <a16:creationId xmlns:a16="http://schemas.microsoft.com/office/drawing/2014/main" xmlns="" id="{5967F7AC-7761-4FC0-8E06-F9C14C4517D0}"/>
+                <a16:creationId xmlns="" xmlns:a16="http://schemas.microsoft.com/office/drawing/2014/main" id="{5967F7AC-7761-4FC0-8E06-F9C14C4517D0}"/>
               </a:ext>
             </a:extLst>
           </p:cNvPr>
@@ -5840,7 +5840,7 @@
           <p:cNvPr id="3" name="Content Placeholder 2">
             <a:extLst>
               <a:ext uri="{FF2B5EF4-FFF2-40B4-BE49-F238E27FC236}">
-                <a16:creationId xmlns:a16="http://schemas.microsoft.com/office/drawing/2014/main" xmlns="" id="{DA59B5A6-A765-460B-B2A7-8078B46ED893}"/>
+                <a16:creationId xmlns="" xmlns:a16="http://schemas.microsoft.com/office/drawing/2014/main" id="{DA59B5A6-A765-460B-B2A7-8078B46ED893}"/>
               </a:ext>
             </a:extLst>
           </p:cNvPr>
@@ -5900,7 +5900,7 @@
           <p:cNvPr id="4" name="Picture 3">
             <a:extLst>
               <a:ext uri="{FF2B5EF4-FFF2-40B4-BE49-F238E27FC236}">
-                <a16:creationId xmlns:a16="http://schemas.microsoft.com/office/drawing/2014/main" xmlns="" id="{69E1F8DF-96C8-4E16-9381-086AD0B07BA8}"/>
+                <a16:creationId xmlns="" xmlns:a16="http://schemas.microsoft.com/office/drawing/2014/main" id="{69E1F8DF-96C8-4E16-9381-086AD0B07BA8}"/>
               </a:ext>
             </a:extLst>
           </p:cNvPr>
@@ -5972,7 +5972,7 @@
           <p:cNvPr id="2" name="Title 1">
             <a:extLst>
               <a:ext uri="{FF2B5EF4-FFF2-40B4-BE49-F238E27FC236}">
-                <a16:creationId xmlns:a16="http://schemas.microsoft.com/office/drawing/2014/main" xmlns="" id="{31E6D038-FBB2-45FC-8ABD-F26461F14E2B}"/>
+                <a16:creationId xmlns="" xmlns:a16="http://schemas.microsoft.com/office/drawing/2014/main" id="{31E6D038-FBB2-45FC-8ABD-F26461F14E2B}"/>
               </a:ext>
             </a:extLst>
           </p:cNvPr>
@@ -6005,7 +6005,7 @@
           <p:cNvPr id="4" name="Picture 3">
             <a:extLst>
               <a:ext uri="{FF2B5EF4-FFF2-40B4-BE49-F238E27FC236}">
-                <a16:creationId xmlns:a16="http://schemas.microsoft.com/office/drawing/2014/main" xmlns="" id="{75ECFB19-9D07-45C3-9CB0-C777DD6EA860}"/>
+                <a16:creationId xmlns="" xmlns:a16="http://schemas.microsoft.com/office/drawing/2014/main" id="{75ECFB19-9D07-45C3-9CB0-C777DD6EA860}"/>
               </a:ext>
             </a:extLst>
           </p:cNvPr>

--- a/Project Presentation.pptx
+++ b/Project Presentation.pptx
@@ -4129,8 +4129,8 @@
         </p:nvSpPr>
         <p:spPr>
           <a:xfrm>
-            <a:off x="838200" y="365125"/>
-            <a:ext cx="3604708" cy="1325563"/>
+            <a:off x="580017" y="245656"/>
+            <a:ext cx="9510656" cy="656851"/>
           </a:xfrm>
         </p:spPr>
         <p:txBody>
@@ -4182,8 +4182,8 @@
         </p:blipFill>
         <p:spPr>
           <a:xfrm>
-            <a:off x="566459" y="2454803"/>
-            <a:ext cx="5214994" cy="3153252"/>
+            <a:off x="0" y="2296050"/>
+            <a:ext cx="4302135" cy="2601291"/>
           </a:xfrm>
           <a:prstGeom prst="rect">
             <a:avLst/>
@@ -4192,10 +4192,10 @@
       </p:pic>
       <p:pic>
         <p:nvPicPr>
-          <p:cNvPr id="5" name="Content Placeholder 4">
-            <a:extLst>
-              <a:ext uri="{FF2B5EF4-FFF2-40B4-BE49-F238E27FC236}">
-                <a16:creationId xmlns:a16="http://schemas.microsoft.com/office/drawing/2014/main" id="{2C251FFC-818D-44C2-A5FD-E4B2B71AC469}"/>
+          <p:cNvPr id="10" name="Picture 9">
+            <a:extLst>
+              <a:ext uri="{FF2B5EF4-FFF2-40B4-BE49-F238E27FC236}">
+                <a16:creationId xmlns:a16="http://schemas.microsoft.com/office/drawing/2014/main" id="{3F9374D3-C3D8-4EEB-A1B9-2A07B2C79E84}"/>
               </a:ext>
             </a:extLst>
           </p:cNvPr>
@@ -4218,8 +4218,8 @@
         </p:blipFill>
         <p:spPr>
           <a:xfrm>
-            <a:off x="5512512" y="173916"/>
-            <a:ext cx="6510168" cy="6510168"/>
+            <a:off x="3958815" y="902507"/>
+            <a:ext cx="7980170" cy="4929680"/>
           </a:xfrm>
           <a:prstGeom prst="rect">
             <a:avLst/>
@@ -4460,7 +4460,12 @@
             <p:ph type="title"/>
           </p:nvPr>
         </p:nvSpPr>
-        <p:spPr/>
+        <p:spPr>
+          <a:xfrm>
+            <a:off x="838200" y="153193"/>
+            <a:ext cx="10515600" cy="1112582"/>
+          </a:xfrm>
+        </p:spPr>
         <p:txBody>
           <a:bodyPr/>
           <a:lstStyle/>
@@ -4502,8 +4507,8 @@
         </p:blipFill>
         <p:spPr>
           <a:xfrm>
-            <a:off x="1896294" y="1690688"/>
-            <a:ext cx="7043949" cy="4351338"/>
+            <a:off x="1785769" y="1459412"/>
+            <a:ext cx="7831567" cy="4837882"/>
           </a:xfrm>
         </p:spPr>
       </p:pic>
@@ -5151,7 +5156,7 @@
         </p:blipFill>
         <p:spPr bwMode="auto">
           <a:xfrm>
-            <a:off x="1432728" y="3660451"/>
+            <a:off x="1206818" y="3305449"/>
             <a:ext cx="9113352" cy="1612590"/>
           </a:xfrm>
           <a:prstGeom prst="rect">
@@ -5549,15 +5554,7 @@
           <a:p>
             <a:r>
               <a:rPr lang="en-US" dirty="0"/>
-              <a:t> PISA has been performing these </a:t>
-            </a:r>
-            <a:r>
-              <a:rPr lang="en-US" dirty="0" err="1"/>
-              <a:t>assessmentS</a:t>
-            </a:r>
-            <a:r>
-              <a:rPr lang="en-US" dirty="0"/>
-              <a:t> since 2000 and published data is available to all countries.</a:t>
+              <a:t> PISA has been performing these assessments since 2000 and published data is available to all countries.</a:t>
             </a:r>
           </a:p>
         </p:txBody>
@@ -5755,19 +5752,41 @@
           <a:p>
             <a:r>
               <a:rPr lang="en-US" dirty="0"/>
+              <a:t>Single Output: </a:t>
+            </a:r>
+          </a:p>
+          <a:p>
+            <a:pPr lvl="1"/>
+            <a:r>
+              <a:rPr lang="en-US" dirty="0"/>
               <a:t>Average PISA performance scores (Science, Reading and Mathematics.</a:t>
             </a:r>
           </a:p>
           <a:p>
+            <a:pPr lvl="1"/>
             <a:r>
               <a:rPr lang="en-US" dirty="0"/>
-              <a:t>Total Spending per student in dollars</a:t>
+              <a:t>Total Spending per student in dollars.</a:t>
             </a:r>
           </a:p>
           <a:p>
             <a:r>
               <a:rPr lang="en-US" dirty="0"/>
-              <a:t>Overall Spending as percentage of GDP</a:t>
+              <a:t>Multiple Output: </a:t>
+            </a:r>
+          </a:p>
+          <a:p>
+            <a:pPr lvl="1"/>
+            <a:r>
+              <a:rPr lang="en-US" dirty="0"/>
+              <a:t>Total Spending per student in dollars.</a:t>
+            </a:r>
+          </a:p>
+          <a:p>
+            <a:pPr lvl="1"/>
+            <a:r>
+              <a:rPr lang="en-US" dirty="0"/>
+              <a:t>Science, Reading and Mathematics</a:t>
             </a:r>
           </a:p>
         </p:txBody>

--- a/Project Presentation.pptx
+++ b/Project Presentation.pptx
@@ -5233,8 +5233,50 @@
         </p:blipFill>
         <p:spPr>
           <a:xfrm>
-            <a:off x="1911632" y="250288"/>
-            <a:ext cx="9434021" cy="5827784"/>
+            <a:off x="2648943" y="107577"/>
+            <a:ext cx="7244428" cy="4475182"/>
+          </a:xfrm>
+          <a:prstGeom prst="rect">
+            <a:avLst/>
+          </a:prstGeom>
+        </p:spPr>
+      </p:pic>
+      <p:pic>
+        <p:nvPicPr>
+          <p:cNvPr id="5" name="Picture 4">
+            <a:extLst>
+              <a:ext uri="{FF2B5EF4-FFF2-40B4-BE49-F238E27FC236}">
+                <a16:creationId xmlns:a16="http://schemas.microsoft.com/office/drawing/2014/main" id="{215021AF-E104-4569-AF46-D9AA0E6208A6}"/>
+              </a:ext>
+            </a:extLst>
+          </p:cNvPr>
+          <p:cNvPicPr>
+            <a:picLocks noChangeAspect="1"/>
+          </p:cNvPicPr>
+          <p:nvPr/>
+        </p:nvPicPr>
+        <p:blipFill>
+          <a:blip r:embed="rId3">
+            <a:extLst>
+              <a:ext uri="{BEBA8EAE-BF5A-486C-A8C5-ECC9F3942E4B}">
+                <a14:imgProps xmlns:a14="http://schemas.microsoft.com/office/drawing/2010/main">
+                  <a14:imgLayer r:embed="rId4">
+                    <a14:imgEffect>
+                      <a14:sharpenSoften amount="50000"/>
+                    </a14:imgEffect>
+                  </a14:imgLayer>
+                </a14:imgProps>
+              </a:ext>
+            </a:extLst>
+          </a:blip>
+          <a:stretch>
+            <a:fillRect/>
+          </a:stretch>
+        </p:blipFill>
+        <p:spPr>
+          <a:xfrm>
+            <a:off x="2491655" y="4700351"/>
+            <a:ext cx="7548205" cy="1932994"/>
           </a:xfrm>
           <a:prstGeom prst="rect">
             <a:avLst/>

--- a/Project Presentation.pptx
+++ b/Project Presentation.pptx
@@ -485,6 +485,90 @@
 </file>
 
 <file path=ppt/notesSlides/notesSlide1.xml><?xml version="1.0" encoding="utf-8"?>
+<p:notes xmlns:a="http://schemas.openxmlformats.org/drawingml/2006/main" xmlns:r="http://schemas.openxmlformats.org/officeDocument/2006/relationships" xmlns:p="http://schemas.openxmlformats.org/presentationml/2006/main">
+  <p:cSld>
+    <p:spTree>
+      <p:nvGrpSpPr>
+        <p:cNvPr id="1" name=""/>
+        <p:cNvGrpSpPr/>
+        <p:nvPr/>
+      </p:nvGrpSpPr>
+      <p:grpSpPr>
+        <a:xfrm>
+          <a:off x="0" y="0"/>
+          <a:ext cx="0" cy="0"/>
+          <a:chOff x="0" y="0"/>
+          <a:chExt cx="0" cy="0"/>
+        </a:xfrm>
+      </p:grpSpPr>
+      <p:sp>
+        <p:nvSpPr>
+          <p:cNvPr id="2" name="Slide Image Placeholder 1"/>
+          <p:cNvSpPr>
+            <a:spLocks noGrp="1" noRot="1" noChangeAspect="1"/>
+          </p:cNvSpPr>
+          <p:nvPr>
+            <p:ph type="sldImg"/>
+          </p:nvPr>
+        </p:nvSpPr>
+        <p:spPr/>
+      </p:sp>
+      <p:sp>
+        <p:nvSpPr>
+          <p:cNvPr id="3" name="Notes Placeholder 2"/>
+          <p:cNvSpPr>
+            <a:spLocks noGrp="1"/>
+          </p:cNvSpPr>
+          <p:nvPr>
+            <p:ph type="body" idx="1"/>
+          </p:nvPr>
+        </p:nvSpPr>
+        <p:spPr/>
+        <p:txBody>
+          <a:bodyPr/>
+          <a:lstStyle/>
+          <a:p>
+            <a:endParaRPr lang="en-US" dirty="0"/>
+          </a:p>
+        </p:txBody>
+      </p:sp>
+      <p:sp>
+        <p:nvSpPr>
+          <p:cNvPr id="4" name="Slide Number Placeholder 3"/>
+          <p:cNvSpPr>
+            <a:spLocks noGrp="1"/>
+          </p:cNvSpPr>
+          <p:nvPr>
+            <p:ph type="sldNum" sz="quarter" idx="5"/>
+          </p:nvPr>
+        </p:nvSpPr>
+        <p:spPr/>
+        <p:txBody>
+          <a:bodyPr/>
+          <a:lstStyle/>
+          <a:p>
+            <a:fld id="{77C70274-0375-4BC9-BC63-4173DCE5C12C}" type="slidenum">
+              <a:rPr lang="en-US" smtClean="0"/>
+              <a:t>2</a:t>
+            </a:fld>
+            <a:endParaRPr lang="en-US"/>
+          </a:p>
+        </p:txBody>
+      </p:sp>
+    </p:spTree>
+    <p:extLst>
+      <p:ext uri="{BB962C8B-B14F-4D97-AF65-F5344CB8AC3E}">
+        <p14:creationId xmlns:p14="http://schemas.microsoft.com/office/powerpoint/2010/main" val="3061604427"/>
+      </p:ext>
+    </p:extLst>
+  </p:cSld>
+  <p:clrMapOvr>
+    <a:masterClrMapping/>
+  </p:clrMapOvr>
+</p:notes>
+</file>
+
+<file path=ppt/notesSlides/notesSlide2.xml><?xml version="1.0" encoding="utf-8"?>
 <p:notes xmlns:a="http://schemas.openxmlformats.org/drawingml/2006/main" xmlns:r="http://schemas.openxmlformats.org/officeDocument/2006/relationships" xmlns:p="http://schemas.openxmlformats.org/presentationml/2006/main">
   <p:cSld>
     <p:spTree>
@@ -4059,7 +4143,7 @@
           <a:p>
             <a:r>
               <a:rPr lang="en-US" dirty="0"/>
-              <a:t>Aparna raghuram</a:t>
+              <a:t>Aparna Gandikota</a:t>
             </a:r>
           </a:p>
           <a:p>
@@ -4077,7 +4161,7 @@
           <a:p>
             <a:r>
               <a:rPr lang="en-US" dirty="0"/>
-              <a:t>Samira Akhter</a:t>
+              <a:t>Samira Akther</a:t>
             </a:r>
           </a:p>
         </p:txBody>
@@ -5143,7 +5227,7 @@
           <p:nvPr/>
         </p:nvPicPr>
         <p:blipFill>
-          <a:blip r:embed="rId2">
+          <a:blip r:embed="rId3">
             <a:extLst>
               <a:ext uri="{28A0092B-C50C-407E-A947-70E740481C1C}">
                 <a14:useLocalDpi xmlns:a14="http://schemas.microsoft.com/office/drawing/2010/main" val="0"/>
@@ -6018,10 +6102,10 @@
       </p:sp>
       <p:pic>
         <p:nvPicPr>
-          <p:cNvPr id="4" name="Picture 3">
-            <a:extLst>
-              <a:ext uri="{FF2B5EF4-FFF2-40B4-BE49-F238E27FC236}">
-                <a16:creationId xmlns:a16="http://schemas.microsoft.com/office/drawing/2014/main" id="{69E1F8DF-96C8-4E16-9381-086AD0B07BA8}"/>
+          <p:cNvPr id="6" name="Picture 5">
+            <a:extLst>
+              <a:ext uri="{FF2B5EF4-FFF2-40B4-BE49-F238E27FC236}">
+                <a16:creationId xmlns:a16="http://schemas.microsoft.com/office/drawing/2014/main" id="{C9D792F7-2EFD-442B-BCAC-66A9AD289362}"/>
               </a:ext>
             </a:extLst>
           </p:cNvPr>
@@ -6042,6 +6126,9 @@
                   </a14:imgLayer>
                 </a14:imgProps>
               </a:ext>
+              <a:ext uri="{28A0092B-C50C-407E-A947-70E740481C1C}">
+                <a14:useLocalDpi xmlns:a14="http://schemas.microsoft.com/office/drawing/2010/main" val="0"/>
+              </a:ext>
             </a:extLst>
           </a:blip>
           <a:stretch>
@@ -6050,8 +6137,8 @@
         </p:blipFill>
         <p:spPr>
           <a:xfrm>
-            <a:off x="3578616" y="3111662"/>
-            <a:ext cx="6390388" cy="3091229"/>
+            <a:off x="3948503" y="3149302"/>
+            <a:ext cx="4829737" cy="2777099"/>
           </a:xfrm>
           <a:prstGeom prst="rect">
             <a:avLst/>

--- a/Project Presentation.pptx
+++ b/Project Presentation.pptx
@@ -2,10 +2,10 @@
 <file path=ppt/presentation.xml><?xml version="1.0" encoding="utf-8"?>
 <p:presentation xmlns:a="http://schemas.openxmlformats.org/drawingml/2006/main" xmlns:r="http://schemas.openxmlformats.org/officeDocument/2006/relationships" xmlns:p="http://schemas.openxmlformats.org/presentationml/2006/main" saveSubsetFonts="1">
   <p:sldMasterIdLst>
-    <p:sldMasterId id="2147483648" r:id="rId1"/>
+    <p:sldMasterId id="2147483672" r:id="rId1"/>
   </p:sldMasterIdLst>
   <p:notesMasterIdLst>
-    <p:notesMasterId r:id="rId23"/>
+    <p:notesMasterId r:id="rId22"/>
   </p:notesMasterIdLst>
   <p:sldIdLst>
     <p:sldId id="256" r:id="rId2"/>
@@ -22,13 +22,12 @@
     <p:sldId id="280" r:id="rId13"/>
     <p:sldId id="284" r:id="rId14"/>
     <p:sldId id="281" r:id="rId15"/>
-    <p:sldId id="267" r:id="rId16"/>
-    <p:sldId id="266" r:id="rId17"/>
-    <p:sldId id="262" r:id="rId18"/>
-    <p:sldId id="269" r:id="rId19"/>
-    <p:sldId id="282" r:id="rId20"/>
-    <p:sldId id="283" r:id="rId21"/>
-    <p:sldId id="286" r:id="rId22"/>
+    <p:sldId id="266" r:id="rId16"/>
+    <p:sldId id="287" r:id="rId17"/>
+    <p:sldId id="269" r:id="rId18"/>
+    <p:sldId id="282" r:id="rId19"/>
+    <p:sldId id="283" r:id="rId20"/>
+    <p:sldId id="286" r:id="rId21"/>
   </p:sldIdLst>
   <p:sldSz cx="12192000" cy="6858000"/>
   <p:notesSz cx="6858000" cy="9144000"/>
@@ -36,7 +35,7 @@
     <a:defPPr>
       <a:defRPr lang="en-US"/>
     </a:defPPr>
-    <a:lvl1pPr marL="0" algn="l" defTabSz="914400" rtl="0" eaLnBrk="1" latinLnBrk="0" hangingPunct="1">
+    <a:lvl1pPr marL="0" algn="l" defTabSz="457200" rtl="0" eaLnBrk="1" latinLnBrk="0" hangingPunct="1">
       <a:defRPr sz="1800" kern="1200">
         <a:solidFill>
           <a:schemeClr val="tx1"/>
@@ -46,7 +45,7 @@
         <a:cs typeface="+mn-cs"/>
       </a:defRPr>
     </a:lvl1pPr>
-    <a:lvl2pPr marL="457200" algn="l" defTabSz="914400" rtl="0" eaLnBrk="1" latinLnBrk="0" hangingPunct="1">
+    <a:lvl2pPr marL="457200" algn="l" defTabSz="457200" rtl="0" eaLnBrk="1" latinLnBrk="0" hangingPunct="1">
       <a:defRPr sz="1800" kern="1200">
         <a:solidFill>
           <a:schemeClr val="tx1"/>
@@ -56,7 +55,7 @@
         <a:cs typeface="+mn-cs"/>
       </a:defRPr>
     </a:lvl2pPr>
-    <a:lvl3pPr marL="914400" algn="l" defTabSz="914400" rtl="0" eaLnBrk="1" latinLnBrk="0" hangingPunct="1">
+    <a:lvl3pPr marL="914400" algn="l" defTabSz="457200" rtl="0" eaLnBrk="1" latinLnBrk="0" hangingPunct="1">
       <a:defRPr sz="1800" kern="1200">
         <a:solidFill>
           <a:schemeClr val="tx1"/>
@@ -66,7 +65,7 @@
         <a:cs typeface="+mn-cs"/>
       </a:defRPr>
     </a:lvl3pPr>
-    <a:lvl4pPr marL="1371600" algn="l" defTabSz="914400" rtl="0" eaLnBrk="1" latinLnBrk="0" hangingPunct="1">
+    <a:lvl4pPr marL="1371600" algn="l" defTabSz="457200" rtl="0" eaLnBrk="1" latinLnBrk="0" hangingPunct="1">
       <a:defRPr sz="1800" kern="1200">
         <a:solidFill>
           <a:schemeClr val="tx1"/>
@@ -76,7 +75,7 @@
         <a:cs typeface="+mn-cs"/>
       </a:defRPr>
     </a:lvl4pPr>
-    <a:lvl5pPr marL="1828800" algn="l" defTabSz="914400" rtl="0" eaLnBrk="1" latinLnBrk="0" hangingPunct="1">
+    <a:lvl5pPr marL="1828800" algn="l" defTabSz="457200" rtl="0" eaLnBrk="1" latinLnBrk="0" hangingPunct="1">
       <a:defRPr sz="1800" kern="1200">
         <a:solidFill>
           <a:schemeClr val="tx1"/>
@@ -86,7 +85,7 @@
         <a:cs typeface="+mn-cs"/>
       </a:defRPr>
     </a:lvl5pPr>
-    <a:lvl6pPr marL="2286000" algn="l" defTabSz="914400" rtl="0" eaLnBrk="1" latinLnBrk="0" hangingPunct="1">
+    <a:lvl6pPr marL="2286000" algn="l" defTabSz="457200" rtl="0" eaLnBrk="1" latinLnBrk="0" hangingPunct="1">
       <a:defRPr sz="1800" kern="1200">
         <a:solidFill>
           <a:schemeClr val="tx1"/>
@@ -96,7 +95,7 @@
         <a:cs typeface="+mn-cs"/>
       </a:defRPr>
     </a:lvl6pPr>
-    <a:lvl7pPr marL="2743200" algn="l" defTabSz="914400" rtl="0" eaLnBrk="1" latinLnBrk="0" hangingPunct="1">
+    <a:lvl7pPr marL="2743200" algn="l" defTabSz="457200" rtl="0" eaLnBrk="1" latinLnBrk="0" hangingPunct="1">
       <a:defRPr sz="1800" kern="1200">
         <a:solidFill>
           <a:schemeClr val="tx1"/>
@@ -106,7 +105,7 @@
         <a:cs typeface="+mn-cs"/>
       </a:defRPr>
     </a:lvl7pPr>
-    <a:lvl8pPr marL="3200400" algn="l" defTabSz="914400" rtl="0" eaLnBrk="1" latinLnBrk="0" hangingPunct="1">
+    <a:lvl8pPr marL="3200400" algn="l" defTabSz="457200" rtl="0" eaLnBrk="1" latinLnBrk="0" hangingPunct="1">
       <a:defRPr sz="1800" kern="1200">
         <a:solidFill>
           <a:schemeClr val="tx1"/>
@@ -116,7 +115,7 @@
         <a:cs typeface="+mn-cs"/>
       </a:defRPr>
     </a:lvl8pPr>
-    <a:lvl9pPr marL="3657600" algn="l" defTabSz="914400" rtl="0" eaLnBrk="1" latinLnBrk="0" hangingPunct="1">
+    <a:lvl9pPr marL="3657600" algn="l" defTabSz="457200" rtl="0" eaLnBrk="1" latinLnBrk="0" hangingPunct="1">
       <a:defRPr sz="1800" kern="1200">
         <a:solidFill>
           <a:schemeClr val="tx1"/>
@@ -664,8 +663,92 @@
 </p:notes>
 </file>
 
+<file path=ppt/notesSlides/notesSlide3.xml><?xml version="1.0" encoding="utf-8"?>
+<p:notes xmlns:a="http://schemas.openxmlformats.org/drawingml/2006/main" xmlns:r="http://schemas.openxmlformats.org/officeDocument/2006/relationships" xmlns:p="http://schemas.openxmlformats.org/presentationml/2006/main">
+  <p:cSld>
+    <p:spTree>
+      <p:nvGrpSpPr>
+        <p:cNvPr id="1" name=""/>
+        <p:cNvGrpSpPr/>
+        <p:nvPr/>
+      </p:nvGrpSpPr>
+      <p:grpSpPr>
+        <a:xfrm>
+          <a:off x="0" y="0"/>
+          <a:ext cx="0" cy="0"/>
+          <a:chOff x="0" y="0"/>
+          <a:chExt cx="0" cy="0"/>
+        </a:xfrm>
+      </p:grpSpPr>
+      <p:sp>
+        <p:nvSpPr>
+          <p:cNvPr id="2" name="Slide Image Placeholder 1"/>
+          <p:cNvSpPr>
+            <a:spLocks noGrp="1" noRot="1" noChangeAspect="1"/>
+          </p:cNvSpPr>
+          <p:nvPr>
+            <p:ph type="sldImg"/>
+          </p:nvPr>
+        </p:nvSpPr>
+        <p:spPr/>
+      </p:sp>
+      <p:sp>
+        <p:nvSpPr>
+          <p:cNvPr id="3" name="Notes Placeholder 2"/>
+          <p:cNvSpPr>
+            <a:spLocks noGrp="1"/>
+          </p:cNvSpPr>
+          <p:nvPr>
+            <p:ph type="body" idx="1"/>
+          </p:nvPr>
+        </p:nvSpPr>
+        <p:spPr/>
+        <p:txBody>
+          <a:bodyPr/>
+          <a:lstStyle/>
+          <a:p>
+            <a:endParaRPr lang="en-US" dirty="0"/>
+          </a:p>
+        </p:txBody>
+      </p:sp>
+      <p:sp>
+        <p:nvSpPr>
+          <p:cNvPr id="4" name="Slide Number Placeholder 3"/>
+          <p:cNvSpPr>
+            <a:spLocks noGrp="1"/>
+          </p:cNvSpPr>
+          <p:nvPr>
+            <p:ph type="sldNum" sz="quarter" idx="5"/>
+          </p:nvPr>
+        </p:nvSpPr>
+        <p:spPr/>
+        <p:txBody>
+          <a:bodyPr/>
+          <a:lstStyle/>
+          <a:p>
+            <a:fld id="{77C70274-0375-4BC9-BC63-4173DCE5C12C}" type="slidenum">
+              <a:rPr lang="en-US" smtClean="0"/>
+              <a:t>11</a:t>
+            </a:fld>
+            <a:endParaRPr lang="en-US"/>
+          </a:p>
+        </p:txBody>
+      </p:sp>
+    </p:spTree>
+    <p:extLst>
+      <p:ext uri="{BB962C8B-B14F-4D97-AF65-F5344CB8AC3E}">
+        <p14:creationId xmlns:p14="http://schemas.microsoft.com/office/powerpoint/2010/main" val="3062443067"/>
+      </p:ext>
+    </p:extLst>
+  </p:cSld>
+  <p:clrMapOvr>
+    <a:masterClrMapping/>
+  </p:clrMapOvr>
+</p:notes>
+</file>
+
 <file path=ppt/slideLayouts/slideLayout1.xml><?xml version="1.0" encoding="utf-8"?>
-<p:sldLayout xmlns:a="http://schemas.openxmlformats.org/drawingml/2006/main" xmlns:r="http://schemas.openxmlformats.org/officeDocument/2006/relationships" xmlns:p="http://schemas.openxmlformats.org/presentationml/2006/main" type="title" preserve="1">
+<p:sldLayout xmlns:a="http://schemas.openxmlformats.org/drawingml/2006/main" xmlns:r="http://schemas.openxmlformats.org/officeDocument/2006/relationships" xmlns:p="http://schemas.openxmlformats.org/presentationml/2006/main" showMasterSp="0" type="title" preserve="1">
   <p:cSld name="Title Slide">
     <p:spTree>
       <p:nvGrpSpPr>
@@ -681,15 +764,539 @@
           <a:chExt cx="0" cy="0"/>
         </a:xfrm>
       </p:grpSpPr>
-      <p:sp>
-        <p:nvSpPr>
-          <p:cNvPr id="2" name="Title 1">
-            <a:extLst>
-              <a:ext uri="{FF2B5EF4-FFF2-40B4-BE49-F238E27FC236}">
-                <a16:creationId xmlns:a16="http://schemas.microsoft.com/office/drawing/2014/main" id="{DDA3CF4A-2D93-4A5C-A390-1C3147D99980}"/>
-              </a:ext>
-            </a:extLst>
-          </p:cNvPr>
+      <p:grpSp>
+        <p:nvGrpSpPr>
+          <p:cNvPr id="7" name="Group 6"/>
+          <p:cNvGrpSpPr/>
+          <p:nvPr/>
+        </p:nvGrpSpPr>
+        <p:grpSpPr>
+          <a:xfrm>
+            <a:off x="0" y="-8467"/>
+            <a:ext cx="12192000" cy="6866467"/>
+            <a:chOff x="0" y="-8467"/>
+            <a:chExt cx="12192000" cy="6866467"/>
+          </a:xfrm>
+        </p:grpSpPr>
+        <p:cxnSp>
+          <p:nvCxnSpPr>
+            <p:cNvPr id="32" name="Straight Connector 31"/>
+            <p:cNvCxnSpPr/>
+            <p:nvPr/>
+          </p:nvCxnSpPr>
+          <p:spPr>
+            <a:xfrm>
+              <a:off x="9371012" y="0"/>
+              <a:ext cx="1219200" cy="6858000"/>
+            </a:xfrm>
+            <a:prstGeom prst="line">
+              <a:avLst/>
+            </a:prstGeom>
+            <a:ln w="9525">
+              <a:solidFill>
+                <a:schemeClr val="bg1">
+                  <a:lumMod val="75000"/>
+                </a:schemeClr>
+              </a:solidFill>
+            </a:ln>
+          </p:spPr>
+          <p:style>
+            <a:lnRef idx="2">
+              <a:schemeClr val="accent1"/>
+            </a:lnRef>
+            <a:fillRef idx="0">
+              <a:schemeClr val="accent1"/>
+            </a:fillRef>
+            <a:effectRef idx="1">
+              <a:schemeClr val="accent1"/>
+            </a:effectRef>
+            <a:fontRef idx="minor">
+              <a:schemeClr val="tx1"/>
+            </a:fontRef>
+          </p:style>
+        </p:cxnSp>
+        <p:cxnSp>
+          <p:nvCxnSpPr>
+            <p:cNvPr id="21" name="Straight Connector 20"/>
+            <p:cNvCxnSpPr/>
+            <p:nvPr/>
+          </p:nvCxnSpPr>
+          <p:spPr>
+            <a:xfrm flipH="1">
+              <a:off x="7425267" y="3681413"/>
+              <a:ext cx="4763558" cy="3176587"/>
+            </a:xfrm>
+            <a:prstGeom prst="line">
+              <a:avLst/>
+            </a:prstGeom>
+            <a:ln w="9525">
+              <a:solidFill>
+                <a:schemeClr val="bg1">
+                  <a:lumMod val="85000"/>
+                </a:schemeClr>
+              </a:solidFill>
+            </a:ln>
+          </p:spPr>
+          <p:style>
+            <a:lnRef idx="2">
+              <a:schemeClr val="accent1"/>
+            </a:lnRef>
+            <a:fillRef idx="0">
+              <a:schemeClr val="accent1"/>
+            </a:fillRef>
+            <a:effectRef idx="1">
+              <a:schemeClr val="accent1"/>
+            </a:effectRef>
+            <a:fontRef idx="minor">
+              <a:schemeClr val="tx1"/>
+            </a:fontRef>
+          </p:style>
+        </p:cxnSp>
+        <p:sp>
+          <p:nvSpPr>
+            <p:cNvPr id="24" name="Rectangle 23"/>
+            <p:cNvSpPr/>
+            <p:nvPr/>
+          </p:nvSpPr>
+          <p:spPr>
+            <a:xfrm>
+              <a:off x="9181476" y="-8467"/>
+              <a:ext cx="3007349" cy="6866467"/>
+            </a:xfrm>
+            <a:custGeom>
+              <a:avLst/>
+              <a:gdLst/>
+              <a:ahLst/>
+              <a:cxnLst/>
+              <a:rect l="l" t="t" r="r" b="b"/>
+              <a:pathLst>
+                <a:path w="3007349" h="6866467">
+                  <a:moveTo>
+                    <a:pt x="2045532" y="0"/>
+                  </a:moveTo>
+                  <a:lnTo>
+                    <a:pt x="3007349" y="0"/>
+                  </a:lnTo>
+                  <a:lnTo>
+                    <a:pt x="3007349" y="6866467"/>
+                  </a:lnTo>
+                  <a:lnTo>
+                    <a:pt x="0" y="6866467"/>
+                  </a:lnTo>
+                  <a:lnTo>
+                    <a:pt x="2045532" y="0"/>
+                  </a:lnTo>
+                  <a:close/>
+                </a:path>
+              </a:pathLst>
+            </a:custGeom>
+            <a:solidFill>
+              <a:schemeClr val="accent1">
+                <a:alpha val="30000"/>
+              </a:schemeClr>
+            </a:solidFill>
+            <a:ln>
+              <a:noFill/>
+            </a:ln>
+            <a:effectLst/>
+          </p:spPr>
+          <p:style>
+            <a:lnRef idx="1">
+              <a:schemeClr val="accent1"/>
+            </a:lnRef>
+            <a:fillRef idx="3">
+              <a:schemeClr val="accent1"/>
+            </a:fillRef>
+            <a:effectRef idx="2">
+              <a:schemeClr val="accent1"/>
+            </a:effectRef>
+            <a:fontRef idx="minor">
+              <a:schemeClr val="lt1"/>
+            </a:fontRef>
+          </p:style>
+        </p:sp>
+        <p:sp>
+          <p:nvSpPr>
+            <p:cNvPr id="26" name="Rectangle 25"/>
+            <p:cNvSpPr/>
+            <p:nvPr/>
+          </p:nvSpPr>
+          <p:spPr>
+            <a:xfrm>
+              <a:off x="9603442" y="-8467"/>
+              <a:ext cx="2588558" cy="6866467"/>
+            </a:xfrm>
+            <a:custGeom>
+              <a:avLst/>
+              <a:gdLst/>
+              <a:ahLst/>
+              <a:cxnLst/>
+              <a:rect l="l" t="t" r="r" b="b"/>
+              <a:pathLst>
+                <a:path w="2573311" h="6866467">
+                  <a:moveTo>
+                    <a:pt x="0" y="0"/>
+                  </a:moveTo>
+                  <a:lnTo>
+                    <a:pt x="2573311" y="0"/>
+                  </a:lnTo>
+                  <a:lnTo>
+                    <a:pt x="2573311" y="6866467"/>
+                  </a:lnTo>
+                  <a:lnTo>
+                    <a:pt x="1202336" y="6866467"/>
+                  </a:lnTo>
+                  <a:lnTo>
+                    <a:pt x="0" y="0"/>
+                  </a:lnTo>
+                  <a:close/>
+                </a:path>
+              </a:pathLst>
+            </a:custGeom>
+            <a:solidFill>
+              <a:schemeClr val="accent1">
+                <a:alpha val="20000"/>
+              </a:schemeClr>
+            </a:solidFill>
+            <a:ln>
+              <a:noFill/>
+            </a:ln>
+            <a:effectLst/>
+          </p:spPr>
+          <p:style>
+            <a:lnRef idx="1">
+              <a:schemeClr val="accent1"/>
+            </a:lnRef>
+            <a:fillRef idx="3">
+              <a:schemeClr val="accent1"/>
+            </a:fillRef>
+            <a:effectRef idx="2">
+              <a:schemeClr val="accent1"/>
+            </a:effectRef>
+            <a:fontRef idx="minor">
+              <a:schemeClr val="lt1"/>
+            </a:fontRef>
+          </p:style>
+        </p:sp>
+        <p:sp>
+          <p:nvSpPr>
+            <p:cNvPr id="27" name="Isosceles Triangle 26"/>
+            <p:cNvSpPr/>
+            <p:nvPr/>
+          </p:nvSpPr>
+          <p:spPr>
+            <a:xfrm>
+              <a:off x="8932333" y="3048000"/>
+              <a:ext cx="3259667" cy="3810000"/>
+            </a:xfrm>
+            <a:prstGeom prst="triangle">
+              <a:avLst>
+                <a:gd name="adj" fmla="val 100000"/>
+              </a:avLst>
+            </a:prstGeom>
+            <a:solidFill>
+              <a:schemeClr val="accent2">
+                <a:alpha val="72000"/>
+              </a:schemeClr>
+            </a:solidFill>
+            <a:ln>
+              <a:noFill/>
+            </a:ln>
+            <a:effectLst/>
+          </p:spPr>
+          <p:style>
+            <a:lnRef idx="1">
+              <a:schemeClr val="accent1"/>
+            </a:lnRef>
+            <a:fillRef idx="3">
+              <a:schemeClr val="accent1"/>
+            </a:fillRef>
+            <a:effectRef idx="2">
+              <a:schemeClr val="accent1"/>
+            </a:effectRef>
+            <a:fontRef idx="minor">
+              <a:schemeClr val="lt1"/>
+            </a:fontRef>
+          </p:style>
+        </p:sp>
+        <p:sp>
+          <p:nvSpPr>
+            <p:cNvPr id="28" name="Rectangle 27"/>
+            <p:cNvSpPr/>
+            <p:nvPr/>
+          </p:nvSpPr>
+          <p:spPr>
+            <a:xfrm>
+              <a:off x="9334500" y="-8467"/>
+              <a:ext cx="2854326" cy="6866467"/>
+            </a:xfrm>
+            <a:custGeom>
+              <a:avLst/>
+              <a:gdLst/>
+              <a:ahLst/>
+              <a:cxnLst/>
+              <a:rect l="l" t="t" r="r" b="b"/>
+              <a:pathLst>
+                <a:path w="2858013" h="6866467">
+                  <a:moveTo>
+                    <a:pt x="0" y="0"/>
+                  </a:moveTo>
+                  <a:lnTo>
+                    <a:pt x="2858013" y="0"/>
+                  </a:lnTo>
+                  <a:lnTo>
+                    <a:pt x="2858013" y="6866467"/>
+                  </a:lnTo>
+                  <a:lnTo>
+                    <a:pt x="2473942" y="6866467"/>
+                  </a:lnTo>
+                  <a:lnTo>
+                    <a:pt x="0" y="0"/>
+                  </a:lnTo>
+                  <a:close/>
+                </a:path>
+              </a:pathLst>
+            </a:custGeom>
+            <a:solidFill>
+              <a:schemeClr val="accent2">
+                <a:lumMod val="75000"/>
+                <a:alpha val="70000"/>
+              </a:schemeClr>
+            </a:solidFill>
+            <a:ln>
+              <a:noFill/>
+            </a:ln>
+            <a:effectLst/>
+          </p:spPr>
+          <p:style>
+            <a:lnRef idx="1">
+              <a:schemeClr val="accent1"/>
+            </a:lnRef>
+            <a:fillRef idx="3">
+              <a:schemeClr val="accent1"/>
+            </a:fillRef>
+            <a:effectRef idx="2">
+              <a:schemeClr val="accent1"/>
+            </a:effectRef>
+            <a:fontRef idx="minor">
+              <a:schemeClr val="lt1"/>
+            </a:fontRef>
+          </p:style>
+        </p:sp>
+        <p:sp>
+          <p:nvSpPr>
+            <p:cNvPr id="29" name="Rectangle 28"/>
+            <p:cNvSpPr/>
+            <p:nvPr/>
+          </p:nvSpPr>
+          <p:spPr>
+            <a:xfrm>
+              <a:off x="10898730" y="-8467"/>
+              <a:ext cx="1290094" cy="6866467"/>
+            </a:xfrm>
+            <a:custGeom>
+              <a:avLst/>
+              <a:gdLst/>
+              <a:ahLst/>
+              <a:cxnLst/>
+              <a:rect l="l" t="t" r="r" b="b"/>
+              <a:pathLst>
+                <a:path w="1290094" h="6858000">
+                  <a:moveTo>
+                    <a:pt x="1019735" y="0"/>
+                  </a:moveTo>
+                  <a:lnTo>
+                    <a:pt x="1290094" y="0"/>
+                  </a:lnTo>
+                  <a:lnTo>
+                    <a:pt x="1290094" y="6858000"/>
+                  </a:lnTo>
+                  <a:lnTo>
+                    <a:pt x="0" y="6858000"/>
+                  </a:lnTo>
+                  <a:lnTo>
+                    <a:pt x="1019735" y="0"/>
+                  </a:lnTo>
+                  <a:close/>
+                </a:path>
+              </a:pathLst>
+            </a:custGeom>
+            <a:solidFill>
+              <a:schemeClr val="accent1">
+                <a:lumMod val="60000"/>
+                <a:lumOff val="40000"/>
+                <a:alpha val="70000"/>
+              </a:schemeClr>
+            </a:solidFill>
+            <a:ln>
+              <a:noFill/>
+            </a:ln>
+            <a:effectLst/>
+          </p:spPr>
+          <p:style>
+            <a:lnRef idx="1">
+              <a:schemeClr val="accent1"/>
+            </a:lnRef>
+            <a:fillRef idx="3">
+              <a:schemeClr val="accent1"/>
+            </a:fillRef>
+            <a:effectRef idx="2">
+              <a:schemeClr val="accent1"/>
+            </a:effectRef>
+            <a:fontRef idx="minor">
+              <a:schemeClr val="lt1"/>
+            </a:fontRef>
+          </p:style>
+        </p:sp>
+        <p:sp>
+          <p:nvSpPr>
+            <p:cNvPr id="30" name="Rectangle 29"/>
+            <p:cNvSpPr/>
+            <p:nvPr/>
+          </p:nvSpPr>
+          <p:spPr>
+            <a:xfrm>
+              <a:off x="10938999" y="-8467"/>
+              <a:ext cx="1249825" cy="6866467"/>
+            </a:xfrm>
+            <a:custGeom>
+              <a:avLst/>
+              <a:gdLst/>
+              <a:ahLst/>
+              <a:cxnLst/>
+              <a:rect l="l" t="t" r="r" b="b"/>
+              <a:pathLst>
+                <a:path w="1249825" h="6858000">
+                  <a:moveTo>
+                    <a:pt x="0" y="0"/>
+                  </a:moveTo>
+                  <a:lnTo>
+                    <a:pt x="1249825" y="0"/>
+                  </a:lnTo>
+                  <a:lnTo>
+                    <a:pt x="1249825" y="6858000"/>
+                  </a:lnTo>
+                  <a:lnTo>
+                    <a:pt x="1109382" y="6858000"/>
+                  </a:lnTo>
+                  <a:lnTo>
+                    <a:pt x="0" y="0"/>
+                  </a:lnTo>
+                  <a:close/>
+                </a:path>
+              </a:pathLst>
+            </a:custGeom>
+            <a:solidFill>
+              <a:schemeClr val="accent1">
+                <a:alpha val="65000"/>
+              </a:schemeClr>
+            </a:solidFill>
+            <a:ln>
+              <a:noFill/>
+            </a:ln>
+            <a:effectLst/>
+          </p:spPr>
+          <p:style>
+            <a:lnRef idx="1">
+              <a:schemeClr val="accent1"/>
+            </a:lnRef>
+            <a:fillRef idx="3">
+              <a:schemeClr val="accent1"/>
+            </a:fillRef>
+            <a:effectRef idx="2">
+              <a:schemeClr val="accent1"/>
+            </a:effectRef>
+            <a:fontRef idx="minor">
+              <a:schemeClr val="lt1"/>
+            </a:fontRef>
+          </p:style>
+        </p:sp>
+        <p:sp>
+          <p:nvSpPr>
+            <p:cNvPr id="31" name="Isosceles Triangle 30"/>
+            <p:cNvSpPr/>
+            <p:nvPr/>
+          </p:nvSpPr>
+          <p:spPr>
+            <a:xfrm>
+              <a:off x="10371666" y="3589867"/>
+              <a:ext cx="1817159" cy="3268133"/>
+            </a:xfrm>
+            <a:prstGeom prst="triangle">
+              <a:avLst>
+                <a:gd name="adj" fmla="val 100000"/>
+              </a:avLst>
+            </a:prstGeom>
+            <a:solidFill>
+              <a:schemeClr val="accent1">
+                <a:alpha val="80000"/>
+              </a:schemeClr>
+            </a:solidFill>
+            <a:ln>
+              <a:noFill/>
+            </a:ln>
+            <a:effectLst/>
+          </p:spPr>
+          <p:style>
+            <a:lnRef idx="1">
+              <a:schemeClr val="accent1"/>
+            </a:lnRef>
+            <a:fillRef idx="3">
+              <a:schemeClr val="accent1"/>
+            </a:fillRef>
+            <a:effectRef idx="2">
+              <a:schemeClr val="accent1"/>
+            </a:effectRef>
+            <a:fontRef idx="minor">
+              <a:schemeClr val="lt1"/>
+            </a:fontRef>
+          </p:style>
+        </p:sp>
+        <p:sp>
+          <p:nvSpPr>
+            <p:cNvPr id="19" name="Isosceles Triangle 18"/>
+            <p:cNvSpPr/>
+            <p:nvPr/>
+          </p:nvSpPr>
+          <p:spPr>
+            <a:xfrm rot="10800000">
+              <a:off x="0" y="0"/>
+              <a:ext cx="842596" cy="5666154"/>
+            </a:xfrm>
+            <a:prstGeom prst="triangle">
+              <a:avLst>
+                <a:gd name="adj" fmla="val 100000"/>
+              </a:avLst>
+            </a:prstGeom>
+            <a:solidFill>
+              <a:schemeClr val="accent1">
+                <a:alpha val="85000"/>
+              </a:schemeClr>
+            </a:solidFill>
+            <a:ln>
+              <a:noFill/>
+            </a:ln>
+            <a:effectLst/>
+          </p:spPr>
+          <p:style>
+            <a:lnRef idx="1">
+              <a:schemeClr val="accent1"/>
+            </a:lnRef>
+            <a:fillRef idx="3">
+              <a:schemeClr val="accent1"/>
+            </a:fillRef>
+            <a:effectRef idx="2">
+              <a:schemeClr val="accent1"/>
+            </a:effectRef>
+            <a:fontRef idx="minor">
+              <a:schemeClr val="lt1"/>
+            </a:fontRef>
+          </p:style>
+        </p:sp>
+      </p:grpSp>
+      <p:sp>
+        <p:nvSpPr>
+          <p:cNvPr id="2" name="Title 1"/>
           <p:cNvSpPr>
             <a:spLocks noGrp="1"/>
           </p:cNvSpPr>
@@ -699,15 +1306,21 @@
         </p:nvSpPr>
         <p:spPr>
           <a:xfrm>
-            <a:off x="1524000" y="1122363"/>
-            <a:ext cx="9144000" cy="2387600"/>
+            <a:off x="1507067" y="2404534"/>
+            <a:ext cx="7766936" cy="1646302"/>
           </a:xfrm>
         </p:spPr>
         <p:txBody>
-          <a:bodyPr anchor="b"/>
+          <a:bodyPr anchor="b">
+            <a:noAutofit/>
+          </a:bodyPr>
           <a:lstStyle>
-            <a:lvl1pPr algn="ctr">
-              <a:defRPr sz="6000"/>
+            <a:lvl1pPr algn="r">
+              <a:defRPr sz="5400">
+                <a:solidFill>
+                  <a:schemeClr val="accent1"/>
+                </a:solidFill>
+              </a:defRPr>
             </a:lvl1pPr>
           </a:lstStyle>
           <a:p>
@@ -715,18 +1328,13 @@
               <a:rPr lang="en-US"/>
               <a:t>Click to edit Master title style</a:t>
             </a:r>
-          </a:p>
-        </p:txBody>
-      </p:sp>
-      <p:sp>
-        <p:nvSpPr>
-          <p:cNvPr id="3" name="Subtitle 2">
-            <a:extLst>
-              <a:ext uri="{FF2B5EF4-FFF2-40B4-BE49-F238E27FC236}">
-                <a16:creationId xmlns:a16="http://schemas.microsoft.com/office/drawing/2014/main" id="{0469B60A-1F33-43B7-A5D5-4D2BFC56FA91}"/>
-              </a:ext>
-            </a:extLst>
-          </p:cNvPr>
+            <a:endParaRPr lang="en-US" dirty="0"/>
+          </a:p>
+        </p:txBody>
+      </p:sp>
+      <p:sp>
+        <p:nvSpPr>
+          <p:cNvPr id="3" name="Subtitle 2"/>
           <p:cNvSpPr>
             <a:spLocks noGrp="1"/>
           </p:cNvSpPr>
@@ -736,48 +1344,103 @@
         </p:nvSpPr>
         <p:spPr>
           <a:xfrm>
-            <a:off x="1524000" y="3602038"/>
-            <a:ext cx="9144000" cy="1655762"/>
+            <a:off x="1507067" y="4050833"/>
+            <a:ext cx="7766936" cy="1096899"/>
           </a:xfrm>
         </p:spPr>
         <p:txBody>
-          <a:bodyPr/>
+          <a:bodyPr anchor="t"/>
           <a:lstStyle>
-            <a:lvl1pPr marL="0" indent="0" algn="ctr">
-              <a:buNone/>
-              <a:defRPr sz="2400"/>
+            <a:lvl1pPr marL="0" indent="0" algn="r">
+              <a:buNone/>
+              <a:defRPr>
+                <a:solidFill>
+                  <a:schemeClr val="tx1">
+                    <a:lumMod val="50000"/>
+                    <a:lumOff val="50000"/>
+                  </a:schemeClr>
+                </a:solidFill>
+              </a:defRPr>
             </a:lvl1pPr>
             <a:lvl2pPr marL="457200" indent="0" algn="ctr">
               <a:buNone/>
-              <a:defRPr sz="2000"/>
+              <a:defRPr>
+                <a:solidFill>
+                  <a:schemeClr val="tx1">
+                    <a:tint val="75000"/>
+                  </a:schemeClr>
+                </a:solidFill>
+              </a:defRPr>
             </a:lvl2pPr>
             <a:lvl3pPr marL="914400" indent="0" algn="ctr">
               <a:buNone/>
-              <a:defRPr sz="1800"/>
+              <a:defRPr>
+                <a:solidFill>
+                  <a:schemeClr val="tx1">
+                    <a:tint val="75000"/>
+                  </a:schemeClr>
+                </a:solidFill>
+              </a:defRPr>
             </a:lvl3pPr>
             <a:lvl4pPr marL="1371600" indent="0" algn="ctr">
               <a:buNone/>
-              <a:defRPr sz="1600"/>
+              <a:defRPr>
+                <a:solidFill>
+                  <a:schemeClr val="tx1">
+                    <a:tint val="75000"/>
+                  </a:schemeClr>
+                </a:solidFill>
+              </a:defRPr>
             </a:lvl4pPr>
             <a:lvl5pPr marL="1828800" indent="0" algn="ctr">
               <a:buNone/>
-              <a:defRPr sz="1600"/>
+              <a:defRPr>
+                <a:solidFill>
+                  <a:schemeClr val="tx1">
+                    <a:tint val="75000"/>
+                  </a:schemeClr>
+                </a:solidFill>
+              </a:defRPr>
             </a:lvl5pPr>
             <a:lvl6pPr marL="2286000" indent="0" algn="ctr">
               <a:buNone/>
-              <a:defRPr sz="1600"/>
+              <a:defRPr>
+                <a:solidFill>
+                  <a:schemeClr val="tx1">
+                    <a:tint val="75000"/>
+                  </a:schemeClr>
+                </a:solidFill>
+              </a:defRPr>
             </a:lvl6pPr>
             <a:lvl7pPr marL="2743200" indent="0" algn="ctr">
               <a:buNone/>
-              <a:defRPr sz="1600"/>
+              <a:defRPr>
+                <a:solidFill>
+                  <a:schemeClr val="tx1">
+                    <a:tint val="75000"/>
+                  </a:schemeClr>
+                </a:solidFill>
+              </a:defRPr>
             </a:lvl7pPr>
             <a:lvl8pPr marL="3200400" indent="0" algn="ctr">
               <a:buNone/>
-              <a:defRPr sz="1600"/>
+              <a:defRPr>
+                <a:solidFill>
+                  <a:schemeClr val="tx1">
+                    <a:tint val="75000"/>
+                  </a:schemeClr>
+                </a:solidFill>
+              </a:defRPr>
             </a:lvl8pPr>
             <a:lvl9pPr marL="3657600" indent="0" algn="ctr">
               <a:buNone/>
-              <a:defRPr sz="1600"/>
+              <a:defRPr>
+                <a:solidFill>
+                  <a:schemeClr val="tx1">
+                    <a:tint val="75000"/>
+                  </a:schemeClr>
+                </a:solidFill>
+              </a:defRPr>
             </a:lvl9pPr>
           </a:lstStyle>
           <a:p>
@@ -785,18 +1448,13 @@
               <a:rPr lang="en-US"/>
               <a:t>Click to edit Master subtitle style</a:t>
             </a:r>
-          </a:p>
-        </p:txBody>
-      </p:sp>
-      <p:sp>
-        <p:nvSpPr>
-          <p:cNvPr id="4" name="Date Placeholder 3">
-            <a:extLst>
-              <a:ext uri="{FF2B5EF4-FFF2-40B4-BE49-F238E27FC236}">
-                <a16:creationId xmlns:a16="http://schemas.microsoft.com/office/drawing/2014/main" id="{18214FDF-EB07-4B30-8C3A-9F5C33D7149D}"/>
-              </a:ext>
-            </a:extLst>
-          </p:cNvPr>
+            <a:endParaRPr lang="en-US" dirty="0"/>
+          </a:p>
+        </p:txBody>
+      </p:sp>
+      <p:sp>
+        <p:nvSpPr>
+          <p:cNvPr id="4" name="Date Placeholder 3"/>
           <p:cNvSpPr>
             <a:spLocks noGrp="1"/>
           </p:cNvSpPr>
@@ -819,13 +1477,7 @@
       </p:sp>
       <p:sp>
         <p:nvSpPr>
-          <p:cNvPr id="5" name="Footer Placeholder 4">
-            <a:extLst>
-              <a:ext uri="{FF2B5EF4-FFF2-40B4-BE49-F238E27FC236}">
-                <a16:creationId xmlns:a16="http://schemas.microsoft.com/office/drawing/2014/main" id="{DA4F7129-8CF9-4868-A18A-3870584112A0}"/>
-              </a:ext>
-            </a:extLst>
-          </p:cNvPr>
+          <p:cNvPr id="5" name="Footer Placeholder 4"/>
           <p:cNvSpPr>
             <a:spLocks noGrp="1"/>
           </p:cNvSpPr>
@@ -844,13 +1496,7 @@
       </p:sp>
       <p:sp>
         <p:nvSpPr>
-          <p:cNvPr id="6" name="Slide Number Placeholder 5">
-            <a:extLst>
-              <a:ext uri="{FF2B5EF4-FFF2-40B4-BE49-F238E27FC236}">
-                <a16:creationId xmlns:a16="http://schemas.microsoft.com/office/drawing/2014/main" id="{3F279C08-EED1-4FF3-801E-3B9D80C002E2}"/>
-              </a:ext>
-            </a:extLst>
-          </p:cNvPr>
+          <p:cNvPr id="6" name="Slide Number Placeholder 5"/>
           <p:cNvSpPr>
             <a:spLocks noGrp="1"/>
           </p:cNvSpPr>
@@ -874,7 +1520,7 @@
     </p:spTree>
     <p:extLst>
       <p:ext uri="{BB962C8B-B14F-4D97-AF65-F5344CB8AC3E}">
-        <p14:creationId xmlns:p14="http://schemas.microsoft.com/office/powerpoint/2010/main" val="2477824827"/>
+        <p14:creationId xmlns:p14="http://schemas.microsoft.com/office/powerpoint/2010/main" val="170674505"/>
       </p:ext>
     </p:extLst>
   </p:cSld>
@@ -885,6 +1531,1619 @@
 </file>
 
 <file path=ppt/slideLayouts/slideLayout10.xml><?xml version="1.0" encoding="utf-8"?>
+<p:sldLayout xmlns:a="http://schemas.openxmlformats.org/drawingml/2006/main" xmlns:r="http://schemas.openxmlformats.org/officeDocument/2006/relationships" xmlns:p="http://schemas.openxmlformats.org/presentationml/2006/main" preserve="1">
+  <p:cSld name="Title and Caption">
+    <p:spTree>
+      <p:nvGrpSpPr>
+        <p:cNvPr id="1" name=""/>
+        <p:cNvGrpSpPr/>
+        <p:nvPr/>
+      </p:nvGrpSpPr>
+      <p:grpSpPr>
+        <a:xfrm>
+          <a:off x="0" y="0"/>
+          <a:ext cx="0" cy="0"/>
+          <a:chOff x="0" y="0"/>
+          <a:chExt cx="0" cy="0"/>
+        </a:xfrm>
+      </p:grpSpPr>
+      <p:sp>
+        <p:nvSpPr>
+          <p:cNvPr id="2" name="Title 1"/>
+          <p:cNvSpPr>
+            <a:spLocks noGrp="1"/>
+          </p:cNvSpPr>
+          <p:nvPr>
+            <p:ph type="title"/>
+          </p:nvPr>
+        </p:nvSpPr>
+        <p:spPr>
+          <a:xfrm>
+            <a:off x="677335" y="609600"/>
+            <a:ext cx="8596668" cy="3403600"/>
+          </a:xfrm>
+        </p:spPr>
+        <p:txBody>
+          <a:bodyPr anchor="ctr">
+            <a:normAutofit/>
+          </a:bodyPr>
+          <a:lstStyle>
+            <a:lvl1pPr algn="l">
+              <a:defRPr sz="4400" b="0" cap="none"/>
+            </a:lvl1pPr>
+          </a:lstStyle>
+          <a:p>
+            <a:r>
+              <a:rPr lang="en-US"/>
+              <a:t>Click to edit Master title style</a:t>
+            </a:r>
+            <a:endParaRPr lang="en-US" dirty="0"/>
+          </a:p>
+        </p:txBody>
+      </p:sp>
+      <p:sp>
+        <p:nvSpPr>
+          <p:cNvPr id="3" name="Text Placeholder 2"/>
+          <p:cNvSpPr>
+            <a:spLocks noGrp="1"/>
+          </p:cNvSpPr>
+          <p:nvPr>
+            <p:ph type="body" idx="1"/>
+          </p:nvPr>
+        </p:nvSpPr>
+        <p:spPr>
+          <a:xfrm>
+            <a:off x="677335" y="4470400"/>
+            <a:ext cx="8596668" cy="1570962"/>
+          </a:xfrm>
+        </p:spPr>
+        <p:txBody>
+          <a:bodyPr anchor="ctr">
+            <a:normAutofit/>
+          </a:bodyPr>
+          <a:lstStyle>
+            <a:lvl1pPr marL="0" indent="0" algn="l">
+              <a:buNone/>
+              <a:defRPr sz="1800">
+                <a:solidFill>
+                  <a:schemeClr val="tx1">
+                    <a:lumMod val="75000"/>
+                    <a:lumOff val="25000"/>
+                  </a:schemeClr>
+                </a:solidFill>
+              </a:defRPr>
+            </a:lvl1pPr>
+            <a:lvl2pPr marL="457200" indent="0">
+              <a:buNone/>
+              <a:defRPr sz="1800">
+                <a:solidFill>
+                  <a:schemeClr val="tx1">
+                    <a:tint val="75000"/>
+                  </a:schemeClr>
+                </a:solidFill>
+              </a:defRPr>
+            </a:lvl2pPr>
+            <a:lvl3pPr marL="914400" indent="0">
+              <a:buNone/>
+              <a:defRPr sz="1600">
+                <a:solidFill>
+                  <a:schemeClr val="tx1">
+                    <a:tint val="75000"/>
+                  </a:schemeClr>
+                </a:solidFill>
+              </a:defRPr>
+            </a:lvl3pPr>
+            <a:lvl4pPr marL="1371600" indent="0">
+              <a:buNone/>
+              <a:defRPr sz="1400">
+                <a:solidFill>
+                  <a:schemeClr val="tx1">
+                    <a:tint val="75000"/>
+                  </a:schemeClr>
+                </a:solidFill>
+              </a:defRPr>
+            </a:lvl4pPr>
+            <a:lvl5pPr marL="1828800" indent="0">
+              <a:buNone/>
+              <a:defRPr sz="1400">
+                <a:solidFill>
+                  <a:schemeClr val="tx1">
+                    <a:tint val="75000"/>
+                  </a:schemeClr>
+                </a:solidFill>
+              </a:defRPr>
+            </a:lvl5pPr>
+            <a:lvl6pPr marL="2286000" indent="0">
+              <a:buNone/>
+              <a:defRPr sz="1400">
+                <a:solidFill>
+                  <a:schemeClr val="tx1">
+                    <a:tint val="75000"/>
+                  </a:schemeClr>
+                </a:solidFill>
+              </a:defRPr>
+            </a:lvl6pPr>
+            <a:lvl7pPr marL="2743200" indent="0">
+              <a:buNone/>
+              <a:defRPr sz="1400">
+                <a:solidFill>
+                  <a:schemeClr val="tx1">
+                    <a:tint val="75000"/>
+                  </a:schemeClr>
+                </a:solidFill>
+              </a:defRPr>
+            </a:lvl7pPr>
+            <a:lvl8pPr marL="3200400" indent="0">
+              <a:buNone/>
+              <a:defRPr sz="1400">
+                <a:solidFill>
+                  <a:schemeClr val="tx1">
+                    <a:tint val="75000"/>
+                  </a:schemeClr>
+                </a:solidFill>
+              </a:defRPr>
+            </a:lvl8pPr>
+            <a:lvl9pPr marL="3657600" indent="0">
+              <a:buNone/>
+              <a:defRPr sz="1400">
+                <a:solidFill>
+                  <a:schemeClr val="tx1">
+                    <a:tint val="75000"/>
+                  </a:schemeClr>
+                </a:solidFill>
+              </a:defRPr>
+            </a:lvl9pPr>
+          </a:lstStyle>
+          <a:p>
+            <a:pPr lvl="0"/>
+            <a:r>
+              <a:rPr lang="en-US"/>
+              <a:t>Click to edit Master text styles</a:t>
+            </a:r>
+          </a:p>
+        </p:txBody>
+      </p:sp>
+      <p:sp>
+        <p:nvSpPr>
+          <p:cNvPr id="4" name="Date Placeholder 3"/>
+          <p:cNvSpPr>
+            <a:spLocks noGrp="1"/>
+          </p:cNvSpPr>
+          <p:nvPr>
+            <p:ph type="dt" sz="half" idx="10"/>
+          </p:nvPr>
+        </p:nvSpPr>
+        <p:spPr/>
+        <p:txBody>
+          <a:bodyPr/>
+          <a:lstStyle/>
+          <a:p>
+            <a:fld id="{EAB5452C-E438-49C6-9E24-BD1801161A96}" type="datetimeFigureOut">
+              <a:rPr lang="en-US" smtClean="0"/>
+              <a:t>3/12/2019</a:t>
+            </a:fld>
+            <a:endParaRPr lang="en-US"/>
+          </a:p>
+        </p:txBody>
+      </p:sp>
+      <p:sp>
+        <p:nvSpPr>
+          <p:cNvPr id="5" name="Footer Placeholder 4"/>
+          <p:cNvSpPr>
+            <a:spLocks noGrp="1"/>
+          </p:cNvSpPr>
+          <p:nvPr>
+            <p:ph type="ftr" sz="quarter" idx="11"/>
+          </p:nvPr>
+        </p:nvSpPr>
+        <p:spPr/>
+        <p:txBody>
+          <a:bodyPr/>
+          <a:lstStyle/>
+          <a:p>
+            <a:endParaRPr lang="en-US"/>
+          </a:p>
+        </p:txBody>
+      </p:sp>
+      <p:sp>
+        <p:nvSpPr>
+          <p:cNvPr id="6" name="Slide Number Placeholder 5"/>
+          <p:cNvSpPr>
+            <a:spLocks noGrp="1"/>
+          </p:cNvSpPr>
+          <p:nvPr>
+            <p:ph type="sldNum" sz="quarter" idx="12"/>
+          </p:nvPr>
+        </p:nvSpPr>
+        <p:spPr/>
+        <p:txBody>
+          <a:bodyPr/>
+          <a:lstStyle/>
+          <a:p>
+            <a:fld id="{F68431C1-55E9-4214-985B-FF929D876D12}" type="slidenum">
+              <a:rPr lang="en-US" smtClean="0"/>
+              <a:t>‹#›</a:t>
+            </a:fld>
+            <a:endParaRPr lang="en-US"/>
+          </a:p>
+        </p:txBody>
+      </p:sp>
+    </p:spTree>
+    <p:extLst>
+      <p:ext uri="{BB962C8B-B14F-4D97-AF65-F5344CB8AC3E}">
+        <p14:creationId xmlns:p14="http://schemas.microsoft.com/office/powerpoint/2010/main" val="861653755"/>
+      </p:ext>
+    </p:extLst>
+  </p:cSld>
+  <p:clrMapOvr>
+    <a:masterClrMapping/>
+  </p:clrMapOvr>
+</p:sldLayout>
+</file>
+
+<file path=ppt/slideLayouts/slideLayout11.xml><?xml version="1.0" encoding="utf-8"?>
+<p:sldLayout xmlns:a="http://schemas.openxmlformats.org/drawingml/2006/main" xmlns:r="http://schemas.openxmlformats.org/officeDocument/2006/relationships" xmlns:p="http://schemas.openxmlformats.org/presentationml/2006/main" preserve="1">
+  <p:cSld name="Quote with Caption">
+    <p:spTree>
+      <p:nvGrpSpPr>
+        <p:cNvPr id="1" name=""/>
+        <p:cNvGrpSpPr/>
+        <p:nvPr/>
+      </p:nvGrpSpPr>
+      <p:grpSpPr>
+        <a:xfrm>
+          <a:off x="0" y="0"/>
+          <a:ext cx="0" cy="0"/>
+          <a:chOff x="0" y="0"/>
+          <a:chExt cx="0" cy="0"/>
+        </a:xfrm>
+      </p:grpSpPr>
+      <p:sp>
+        <p:nvSpPr>
+          <p:cNvPr id="2" name="Title 1"/>
+          <p:cNvSpPr>
+            <a:spLocks noGrp="1"/>
+          </p:cNvSpPr>
+          <p:nvPr>
+            <p:ph type="title"/>
+          </p:nvPr>
+        </p:nvSpPr>
+        <p:spPr>
+          <a:xfrm>
+            <a:off x="931334" y="609600"/>
+            <a:ext cx="8094134" cy="3022600"/>
+          </a:xfrm>
+        </p:spPr>
+        <p:txBody>
+          <a:bodyPr anchor="ctr">
+            <a:normAutofit/>
+          </a:bodyPr>
+          <a:lstStyle>
+            <a:lvl1pPr algn="l">
+              <a:defRPr sz="4400" b="0" cap="none"/>
+            </a:lvl1pPr>
+          </a:lstStyle>
+          <a:p>
+            <a:r>
+              <a:rPr lang="en-US"/>
+              <a:t>Click to edit Master title style</a:t>
+            </a:r>
+            <a:endParaRPr lang="en-US" dirty="0"/>
+          </a:p>
+        </p:txBody>
+      </p:sp>
+      <p:sp>
+        <p:nvSpPr>
+          <p:cNvPr id="23" name="Text Placeholder 9"/>
+          <p:cNvSpPr>
+            <a:spLocks noGrp="1"/>
+          </p:cNvSpPr>
+          <p:nvPr>
+            <p:ph type="body" sz="quarter" idx="13"/>
+          </p:nvPr>
+        </p:nvSpPr>
+        <p:spPr>
+          <a:xfrm>
+            <a:off x="1366139" y="3632200"/>
+            <a:ext cx="7224524" cy="381000"/>
+          </a:xfrm>
+        </p:spPr>
+        <p:txBody>
+          <a:bodyPr anchor="ctr">
+            <a:noAutofit/>
+          </a:bodyPr>
+          <a:lstStyle>
+            <a:lvl1pPr marL="0" indent="0">
+              <a:buFontTx/>
+              <a:buNone/>
+              <a:defRPr sz="1600">
+                <a:solidFill>
+                  <a:schemeClr val="tx1">
+                    <a:lumMod val="50000"/>
+                    <a:lumOff val="50000"/>
+                  </a:schemeClr>
+                </a:solidFill>
+              </a:defRPr>
+            </a:lvl1pPr>
+            <a:lvl2pPr marL="457200" indent="0">
+              <a:buFontTx/>
+              <a:buNone/>
+              <a:defRPr/>
+            </a:lvl2pPr>
+            <a:lvl3pPr marL="914400" indent="0">
+              <a:buFontTx/>
+              <a:buNone/>
+              <a:defRPr/>
+            </a:lvl3pPr>
+            <a:lvl4pPr marL="1371600" indent="0">
+              <a:buFontTx/>
+              <a:buNone/>
+              <a:defRPr/>
+            </a:lvl4pPr>
+            <a:lvl5pPr marL="1828800" indent="0">
+              <a:buFontTx/>
+              <a:buNone/>
+              <a:defRPr/>
+            </a:lvl5pPr>
+          </a:lstStyle>
+          <a:p>
+            <a:pPr lvl="0"/>
+            <a:r>
+              <a:rPr lang="en-US"/>
+              <a:t>Click to edit Master text styles</a:t>
+            </a:r>
+          </a:p>
+        </p:txBody>
+      </p:sp>
+      <p:sp>
+        <p:nvSpPr>
+          <p:cNvPr id="3" name="Text Placeholder 2"/>
+          <p:cNvSpPr>
+            <a:spLocks noGrp="1"/>
+          </p:cNvSpPr>
+          <p:nvPr>
+            <p:ph type="body" idx="1"/>
+          </p:nvPr>
+        </p:nvSpPr>
+        <p:spPr>
+          <a:xfrm>
+            <a:off x="677335" y="4470400"/>
+            <a:ext cx="8596668" cy="1570962"/>
+          </a:xfrm>
+        </p:spPr>
+        <p:txBody>
+          <a:bodyPr anchor="ctr">
+            <a:normAutofit/>
+          </a:bodyPr>
+          <a:lstStyle>
+            <a:lvl1pPr marL="0" indent="0" algn="l">
+              <a:buNone/>
+              <a:defRPr sz="1800">
+                <a:solidFill>
+                  <a:schemeClr val="tx1">
+                    <a:lumMod val="75000"/>
+                    <a:lumOff val="25000"/>
+                  </a:schemeClr>
+                </a:solidFill>
+              </a:defRPr>
+            </a:lvl1pPr>
+            <a:lvl2pPr marL="457200" indent="0">
+              <a:buNone/>
+              <a:defRPr sz="1800">
+                <a:solidFill>
+                  <a:schemeClr val="tx1">
+                    <a:tint val="75000"/>
+                  </a:schemeClr>
+                </a:solidFill>
+              </a:defRPr>
+            </a:lvl2pPr>
+            <a:lvl3pPr marL="914400" indent="0">
+              <a:buNone/>
+              <a:defRPr sz="1600">
+                <a:solidFill>
+                  <a:schemeClr val="tx1">
+                    <a:tint val="75000"/>
+                  </a:schemeClr>
+                </a:solidFill>
+              </a:defRPr>
+            </a:lvl3pPr>
+            <a:lvl4pPr marL="1371600" indent="0">
+              <a:buNone/>
+              <a:defRPr sz="1400">
+                <a:solidFill>
+                  <a:schemeClr val="tx1">
+                    <a:tint val="75000"/>
+                  </a:schemeClr>
+                </a:solidFill>
+              </a:defRPr>
+            </a:lvl4pPr>
+            <a:lvl5pPr marL="1828800" indent="0">
+              <a:buNone/>
+              <a:defRPr sz="1400">
+                <a:solidFill>
+                  <a:schemeClr val="tx1">
+                    <a:tint val="75000"/>
+                  </a:schemeClr>
+                </a:solidFill>
+              </a:defRPr>
+            </a:lvl5pPr>
+            <a:lvl6pPr marL="2286000" indent="0">
+              <a:buNone/>
+              <a:defRPr sz="1400">
+                <a:solidFill>
+                  <a:schemeClr val="tx1">
+                    <a:tint val="75000"/>
+                  </a:schemeClr>
+                </a:solidFill>
+              </a:defRPr>
+            </a:lvl6pPr>
+            <a:lvl7pPr marL="2743200" indent="0">
+              <a:buNone/>
+              <a:defRPr sz="1400">
+                <a:solidFill>
+                  <a:schemeClr val="tx1">
+                    <a:tint val="75000"/>
+                  </a:schemeClr>
+                </a:solidFill>
+              </a:defRPr>
+            </a:lvl7pPr>
+            <a:lvl8pPr marL="3200400" indent="0">
+              <a:buNone/>
+              <a:defRPr sz="1400">
+                <a:solidFill>
+                  <a:schemeClr val="tx1">
+                    <a:tint val="75000"/>
+                  </a:schemeClr>
+                </a:solidFill>
+              </a:defRPr>
+            </a:lvl8pPr>
+            <a:lvl9pPr marL="3657600" indent="0">
+              <a:buNone/>
+              <a:defRPr sz="1400">
+                <a:solidFill>
+                  <a:schemeClr val="tx1">
+                    <a:tint val="75000"/>
+                  </a:schemeClr>
+                </a:solidFill>
+              </a:defRPr>
+            </a:lvl9pPr>
+          </a:lstStyle>
+          <a:p>
+            <a:pPr lvl="0"/>
+            <a:r>
+              <a:rPr lang="en-US"/>
+              <a:t>Click to edit Master text styles</a:t>
+            </a:r>
+          </a:p>
+        </p:txBody>
+      </p:sp>
+      <p:sp>
+        <p:nvSpPr>
+          <p:cNvPr id="4" name="Date Placeholder 3"/>
+          <p:cNvSpPr>
+            <a:spLocks noGrp="1"/>
+          </p:cNvSpPr>
+          <p:nvPr>
+            <p:ph type="dt" sz="half" idx="10"/>
+          </p:nvPr>
+        </p:nvSpPr>
+        <p:spPr/>
+        <p:txBody>
+          <a:bodyPr/>
+          <a:lstStyle/>
+          <a:p>
+            <a:fld id="{EAB5452C-E438-49C6-9E24-BD1801161A96}" type="datetimeFigureOut">
+              <a:rPr lang="en-US" smtClean="0"/>
+              <a:t>3/12/2019</a:t>
+            </a:fld>
+            <a:endParaRPr lang="en-US"/>
+          </a:p>
+        </p:txBody>
+      </p:sp>
+      <p:sp>
+        <p:nvSpPr>
+          <p:cNvPr id="5" name="Footer Placeholder 4"/>
+          <p:cNvSpPr>
+            <a:spLocks noGrp="1"/>
+          </p:cNvSpPr>
+          <p:nvPr>
+            <p:ph type="ftr" sz="quarter" idx="11"/>
+          </p:nvPr>
+        </p:nvSpPr>
+        <p:spPr/>
+        <p:txBody>
+          <a:bodyPr/>
+          <a:lstStyle/>
+          <a:p>
+            <a:endParaRPr lang="en-US"/>
+          </a:p>
+        </p:txBody>
+      </p:sp>
+      <p:sp>
+        <p:nvSpPr>
+          <p:cNvPr id="6" name="Slide Number Placeholder 5"/>
+          <p:cNvSpPr>
+            <a:spLocks noGrp="1"/>
+          </p:cNvSpPr>
+          <p:nvPr>
+            <p:ph type="sldNum" sz="quarter" idx="12"/>
+          </p:nvPr>
+        </p:nvSpPr>
+        <p:spPr/>
+        <p:txBody>
+          <a:bodyPr/>
+          <a:lstStyle/>
+          <a:p>
+            <a:fld id="{F68431C1-55E9-4214-985B-FF929D876D12}" type="slidenum">
+              <a:rPr lang="en-US" smtClean="0"/>
+              <a:t>‹#›</a:t>
+            </a:fld>
+            <a:endParaRPr lang="en-US"/>
+          </a:p>
+        </p:txBody>
+      </p:sp>
+      <p:sp>
+        <p:nvSpPr>
+          <p:cNvPr id="20" name="TextBox 19"/>
+          <p:cNvSpPr txBox="1"/>
+          <p:nvPr/>
+        </p:nvSpPr>
+        <p:spPr>
+          <a:xfrm>
+            <a:off x="541870" y="790378"/>
+            <a:ext cx="609600" cy="584776"/>
+          </a:xfrm>
+          <a:prstGeom prst="rect">
+            <a:avLst/>
+          </a:prstGeom>
+        </p:spPr>
+        <p:txBody>
+          <a:bodyPr vert="horz" lIns="91440" tIns="45720" rIns="91440" bIns="45720" rtlCol="0" anchor="ctr">
+            <a:noAutofit/>
+          </a:bodyPr>
+          <a:lstStyle/>
+          <a:p>
+            <a:pPr lvl="0"/>
+            <a:r>
+              <a:rPr lang="en-US" sz="8000" baseline="0" dirty="0">
+                <a:ln w="3175" cmpd="sng">
+                  <a:noFill/>
+                </a:ln>
+                <a:solidFill>
+                  <a:schemeClr val="accent1">
+                    <a:lumMod val="60000"/>
+                    <a:lumOff val="40000"/>
+                  </a:schemeClr>
+                </a:solidFill>
+                <a:effectLst/>
+                <a:latin typeface="Arial"/>
+              </a:rPr>
+              <a:t>“</a:t>
+            </a:r>
+          </a:p>
+        </p:txBody>
+      </p:sp>
+      <p:sp>
+        <p:nvSpPr>
+          <p:cNvPr id="22" name="TextBox 21"/>
+          <p:cNvSpPr txBox="1"/>
+          <p:nvPr/>
+        </p:nvSpPr>
+        <p:spPr>
+          <a:xfrm>
+            <a:off x="8893011" y="2886556"/>
+            <a:ext cx="609600" cy="584776"/>
+          </a:xfrm>
+          <a:prstGeom prst="rect">
+            <a:avLst/>
+          </a:prstGeom>
+        </p:spPr>
+        <p:txBody>
+          <a:bodyPr vert="horz" lIns="91440" tIns="45720" rIns="91440" bIns="45720" rtlCol="0" anchor="ctr">
+            <a:noAutofit/>
+          </a:bodyPr>
+          <a:lstStyle/>
+          <a:p>
+            <a:pPr lvl="0"/>
+            <a:r>
+              <a:rPr lang="en-US" sz="8000" baseline="0" dirty="0">
+                <a:ln w="3175" cmpd="sng">
+                  <a:noFill/>
+                </a:ln>
+                <a:solidFill>
+                  <a:schemeClr val="accent1">
+                    <a:lumMod val="60000"/>
+                    <a:lumOff val="40000"/>
+                  </a:schemeClr>
+                </a:solidFill>
+                <a:latin typeface="Arial"/>
+              </a:rPr>
+              <a:t>”</a:t>
+            </a:r>
+            <a:endParaRPr lang="en-US" dirty="0">
+              <a:solidFill>
+                <a:schemeClr val="accent1">
+                  <a:lumMod val="60000"/>
+                  <a:lumOff val="40000"/>
+                </a:schemeClr>
+              </a:solidFill>
+              <a:latin typeface="Arial"/>
+            </a:endParaRPr>
+          </a:p>
+        </p:txBody>
+      </p:sp>
+    </p:spTree>
+    <p:extLst>
+      <p:ext uri="{BB962C8B-B14F-4D97-AF65-F5344CB8AC3E}">
+        <p14:creationId xmlns:p14="http://schemas.microsoft.com/office/powerpoint/2010/main" val="610130715"/>
+      </p:ext>
+    </p:extLst>
+  </p:cSld>
+  <p:clrMapOvr>
+    <a:masterClrMapping/>
+  </p:clrMapOvr>
+</p:sldLayout>
+</file>
+
+<file path=ppt/slideLayouts/slideLayout12.xml><?xml version="1.0" encoding="utf-8"?>
+<p:sldLayout xmlns:a="http://schemas.openxmlformats.org/drawingml/2006/main" xmlns:r="http://schemas.openxmlformats.org/officeDocument/2006/relationships" xmlns:p="http://schemas.openxmlformats.org/presentationml/2006/main" preserve="1">
+  <p:cSld name="Name Card">
+    <p:spTree>
+      <p:nvGrpSpPr>
+        <p:cNvPr id="1" name=""/>
+        <p:cNvGrpSpPr/>
+        <p:nvPr/>
+      </p:nvGrpSpPr>
+      <p:grpSpPr>
+        <a:xfrm>
+          <a:off x="0" y="0"/>
+          <a:ext cx="0" cy="0"/>
+          <a:chOff x="0" y="0"/>
+          <a:chExt cx="0" cy="0"/>
+        </a:xfrm>
+      </p:grpSpPr>
+      <p:sp>
+        <p:nvSpPr>
+          <p:cNvPr id="2" name="Title 1"/>
+          <p:cNvSpPr>
+            <a:spLocks noGrp="1"/>
+          </p:cNvSpPr>
+          <p:nvPr>
+            <p:ph type="title"/>
+          </p:nvPr>
+        </p:nvSpPr>
+        <p:spPr>
+          <a:xfrm>
+            <a:off x="677335" y="1931988"/>
+            <a:ext cx="8596668" cy="2595460"/>
+          </a:xfrm>
+        </p:spPr>
+        <p:txBody>
+          <a:bodyPr anchor="b">
+            <a:normAutofit/>
+          </a:bodyPr>
+          <a:lstStyle>
+            <a:lvl1pPr algn="l">
+              <a:defRPr sz="4400" b="0" cap="none"/>
+            </a:lvl1pPr>
+          </a:lstStyle>
+          <a:p>
+            <a:r>
+              <a:rPr lang="en-US"/>
+              <a:t>Click to edit Master title style</a:t>
+            </a:r>
+            <a:endParaRPr lang="en-US" dirty="0"/>
+          </a:p>
+        </p:txBody>
+      </p:sp>
+      <p:sp>
+        <p:nvSpPr>
+          <p:cNvPr id="3" name="Text Placeholder 2"/>
+          <p:cNvSpPr>
+            <a:spLocks noGrp="1"/>
+          </p:cNvSpPr>
+          <p:nvPr>
+            <p:ph type="body" idx="1"/>
+          </p:nvPr>
+        </p:nvSpPr>
+        <p:spPr>
+          <a:xfrm>
+            <a:off x="677335" y="4527448"/>
+            <a:ext cx="8596668" cy="1513914"/>
+          </a:xfrm>
+        </p:spPr>
+        <p:txBody>
+          <a:bodyPr anchor="t">
+            <a:normAutofit/>
+          </a:bodyPr>
+          <a:lstStyle>
+            <a:lvl1pPr marL="0" indent="0" algn="l">
+              <a:buNone/>
+              <a:defRPr sz="1800">
+                <a:solidFill>
+                  <a:schemeClr val="tx1">
+                    <a:lumMod val="75000"/>
+                    <a:lumOff val="25000"/>
+                  </a:schemeClr>
+                </a:solidFill>
+              </a:defRPr>
+            </a:lvl1pPr>
+            <a:lvl2pPr marL="457200" indent="0">
+              <a:buNone/>
+              <a:defRPr sz="1800">
+                <a:solidFill>
+                  <a:schemeClr val="tx1">
+                    <a:tint val="75000"/>
+                  </a:schemeClr>
+                </a:solidFill>
+              </a:defRPr>
+            </a:lvl2pPr>
+            <a:lvl3pPr marL="914400" indent="0">
+              <a:buNone/>
+              <a:defRPr sz="1600">
+                <a:solidFill>
+                  <a:schemeClr val="tx1">
+                    <a:tint val="75000"/>
+                  </a:schemeClr>
+                </a:solidFill>
+              </a:defRPr>
+            </a:lvl3pPr>
+            <a:lvl4pPr marL="1371600" indent="0">
+              <a:buNone/>
+              <a:defRPr sz="1400">
+                <a:solidFill>
+                  <a:schemeClr val="tx1">
+                    <a:tint val="75000"/>
+                  </a:schemeClr>
+                </a:solidFill>
+              </a:defRPr>
+            </a:lvl4pPr>
+            <a:lvl5pPr marL="1828800" indent="0">
+              <a:buNone/>
+              <a:defRPr sz="1400">
+                <a:solidFill>
+                  <a:schemeClr val="tx1">
+                    <a:tint val="75000"/>
+                  </a:schemeClr>
+                </a:solidFill>
+              </a:defRPr>
+            </a:lvl5pPr>
+            <a:lvl6pPr marL="2286000" indent="0">
+              <a:buNone/>
+              <a:defRPr sz="1400">
+                <a:solidFill>
+                  <a:schemeClr val="tx1">
+                    <a:tint val="75000"/>
+                  </a:schemeClr>
+                </a:solidFill>
+              </a:defRPr>
+            </a:lvl6pPr>
+            <a:lvl7pPr marL="2743200" indent="0">
+              <a:buNone/>
+              <a:defRPr sz="1400">
+                <a:solidFill>
+                  <a:schemeClr val="tx1">
+                    <a:tint val="75000"/>
+                  </a:schemeClr>
+                </a:solidFill>
+              </a:defRPr>
+            </a:lvl7pPr>
+            <a:lvl8pPr marL="3200400" indent="0">
+              <a:buNone/>
+              <a:defRPr sz="1400">
+                <a:solidFill>
+                  <a:schemeClr val="tx1">
+                    <a:tint val="75000"/>
+                  </a:schemeClr>
+                </a:solidFill>
+              </a:defRPr>
+            </a:lvl8pPr>
+            <a:lvl9pPr marL="3657600" indent="0">
+              <a:buNone/>
+              <a:defRPr sz="1400">
+                <a:solidFill>
+                  <a:schemeClr val="tx1">
+                    <a:tint val="75000"/>
+                  </a:schemeClr>
+                </a:solidFill>
+              </a:defRPr>
+            </a:lvl9pPr>
+          </a:lstStyle>
+          <a:p>
+            <a:pPr lvl="0"/>
+            <a:r>
+              <a:rPr lang="en-US"/>
+              <a:t>Click to edit Master text styles</a:t>
+            </a:r>
+          </a:p>
+        </p:txBody>
+      </p:sp>
+      <p:sp>
+        <p:nvSpPr>
+          <p:cNvPr id="4" name="Date Placeholder 3"/>
+          <p:cNvSpPr>
+            <a:spLocks noGrp="1"/>
+          </p:cNvSpPr>
+          <p:nvPr>
+            <p:ph type="dt" sz="half" idx="10"/>
+          </p:nvPr>
+        </p:nvSpPr>
+        <p:spPr/>
+        <p:txBody>
+          <a:bodyPr/>
+          <a:lstStyle/>
+          <a:p>
+            <a:fld id="{EAB5452C-E438-49C6-9E24-BD1801161A96}" type="datetimeFigureOut">
+              <a:rPr lang="en-US" smtClean="0"/>
+              <a:t>3/12/2019</a:t>
+            </a:fld>
+            <a:endParaRPr lang="en-US"/>
+          </a:p>
+        </p:txBody>
+      </p:sp>
+      <p:sp>
+        <p:nvSpPr>
+          <p:cNvPr id="5" name="Footer Placeholder 4"/>
+          <p:cNvSpPr>
+            <a:spLocks noGrp="1"/>
+          </p:cNvSpPr>
+          <p:nvPr>
+            <p:ph type="ftr" sz="quarter" idx="11"/>
+          </p:nvPr>
+        </p:nvSpPr>
+        <p:spPr/>
+        <p:txBody>
+          <a:bodyPr/>
+          <a:lstStyle/>
+          <a:p>
+            <a:endParaRPr lang="en-US"/>
+          </a:p>
+        </p:txBody>
+      </p:sp>
+      <p:sp>
+        <p:nvSpPr>
+          <p:cNvPr id="6" name="Slide Number Placeholder 5"/>
+          <p:cNvSpPr>
+            <a:spLocks noGrp="1"/>
+          </p:cNvSpPr>
+          <p:nvPr>
+            <p:ph type="sldNum" sz="quarter" idx="12"/>
+          </p:nvPr>
+        </p:nvSpPr>
+        <p:spPr/>
+        <p:txBody>
+          <a:bodyPr/>
+          <a:lstStyle/>
+          <a:p>
+            <a:fld id="{F68431C1-55E9-4214-985B-FF929D876D12}" type="slidenum">
+              <a:rPr lang="en-US" smtClean="0"/>
+              <a:t>‹#›</a:t>
+            </a:fld>
+            <a:endParaRPr lang="en-US"/>
+          </a:p>
+        </p:txBody>
+      </p:sp>
+    </p:spTree>
+    <p:extLst>
+      <p:ext uri="{BB962C8B-B14F-4D97-AF65-F5344CB8AC3E}">
+        <p14:creationId xmlns:p14="http://schemas.microsoft.com/office/powerpoint/2010/main" val="1688005510"/>
+      </p:ext>
+    </p:extLst>
+  </p:cSld>
+  <p:clrMapOvr>
+    <a:masterClrMapping/>
+  </p:clrMapOvr>
+</p:sldLayout>
+</file>
+
+<file path=ppt/slideLayouts/slideLayout13.xml><?xml version="1.0" encoding="utf-8"?>
+<p:sldLayout xmlns:a="http://schemas.openxmlformats.org/drawingml/2006/main" xmlns:r="http://schemas.openxmlformats.org/officeDocument/2006/relationships" xmlns:p="http://schemas.openxmlformats.org/presentationml/2006/main" preserve="1">
+  <p:cSld name="Quote Name Card">
+    <p:spTree>
+      <p:nvGrpSpPr>
+        <p:cNvPr id="1" name=""/>
+        <p:cNvGrpSpPr/>
+        <p:nvPr/>
+      </p:nvGrpSpPr>
+      <p:grpSpPr>
+        <a:xfrm>
+          <a:off x="0" y="0"/>
+          <a:ext cx="0" cy="0"/>
+          <a:chOff x="0" y="0"/>
+          <a:chExt cx="0" cy="0"/>
+        </a:xfrm>
+      </p:grpSpPr>
+      <p:sp>
+        <p:nvSpPr>
+          <p:cNvPr id="2" name="Title 1"/>
+          <p:cNvSpPr>
+            <a:spLocks noGrp="1"/>
+          </p:cNvSpPr>
+          <p:nvPr>
+            <p:ph type="title"/>
+          </p:nvPr>
+        </p:nvSpPr>
+        <p:spPr>
+          <a:xfrm>
+            <a:off x="931334" y="609600"/>
+            <a:ext cx="8094134" cy="3022600"/>
+          </a:xfrm>
+        </p:spPr>
+        <p:txBody>
+          <a:bodyPr anchor="ctr">
+            <a:normAutofit/>
+          </a:bodyPr>
+          <a:lstStyle>
+            <a:lvl1pPr algn="l">
+              <a:defRPr sz="4400" b="0" cap="none"/>
+            </a:lvl1pPr>
+          </a:lstStyle>
+          <a:p>
+            <a:r>
+              <a:rPr lang="en-US"/>
+              <a:t>Click to edit Master title style</a:t>
+            </a:r>
+            <a:endParaRPr lang="en-US" dirty="0"/>
+          </a:p>
+        </p:txBody>
+      </p:sp>
+      <p:sp>
+        <p:nvSpPr>
+          <p:cNvPr id="23" name="Text Placeholder 9"/>
+          <p:cNvSpPr>
+            <a:spLocks noGrp="1"/>
+          </p:cNvSpPr>
+          <p:nvPr>
+            <p:ph type="body" sz="quarter" idx="13"/>
+          </p:nvPr>
+        </p:nvSpPr>
+        <p:spPr>
+          <a:xfrm>
+            <a:off x="677332" y="4013200"/>
+            <a:ext cx="8596669" cy="514248"/>
+          </a:xfrm>
+        </p:spPr>
+        <p:txBody>
+          <a:bodyPr anchor="b">
+            <a:noAutofit/>
+          </a:bodyPr>
+          <a:lstStyle>
+            <a:lvl1pPr marL="0" indent="0">
+              <a:buFontTx/>
+              <a:buNone/>
+              <a:defRPr sz="2400">
+                <a:solidFill>
+                  <a:schemeClr val="tx1">
+                    <a:lumMod val="75000"/>
+                    <a:lumOff val="25000"/>
+                  </a:schemeClr>
+                </a:solidFill>
+              </a:defRPr>
+            </a:lvl1pPr>
+            <a:lvl2pPr marL="457200" indent="0">
+              <a:buFontTx/>
+              <a:buNone/>
+              <a:defRPr/>
+            </a:lvl2pPr>
+            <a:lvl3pPr marL="914400" indent="0">
+              <a:buFontTx/>
+              <a:buNone/>
+              <a:defRPr/>
+            </a:lvl3pPr>
+            <a:lvl4pPr marL="1371600" indent="0">
+              <a:buFontTx/>
+              <a:buNone/>
+              <a:defRPr/>
+            </a:lvl4pPr>
+            <a:lvl5pPr marL="1828800" indent="0">
+              <a:buFontTx/>
+              <a:buNone/>
+              <a:defRPr/>
+            </a:lvl5pPr>
+          </a:lstStyle>
+          <a:p>
+            <a:pPr lvl="0"/>
+            <a:r>
+              <a:rPr lang="en-US"/>
+              <a:t>Click to edit Master text styles</a:t>
+            </a:r>
+          </a:p>
+        </p:txBody>
+      </p:sp>
+      <p:sp>
+        <p:nvSpPr>
+          <p:cNvPr id="3" name="Text Placeholder 2"/>
+          <p:cNvSpPr>
+            <a:spLocks noGrp="1"/>
+          </p:cNvSpPr>
+          <p:nvPr>
+            <p:ph type="body" idx="1"/>
+          </p:nvPr>
+        </p:nvSpPr>
+        <p:spPr>
+          <a:xfrm>
+            <a:off x="677335" y="4527448"/>
+            <a:ext cx="8596668" cy="1513914"/>
+          </a:xfrm>
+        </p:spPr>
+        <p:txBody>
+          <a:bodyPr anchor="t">
+            <a:normAutofit/>
+          </a:bodyPr>
+          <a:lstStyle>
+            <a:lvl1pPr marL="0" indent="0" algn="l">
+              <a:buNone/>
+              <a:defRPr sz="1800">
+                <a:solidFill>
+                  <a:schemeClr val="tx1">
+                    <a:lumMod val="50000"/>
+                    <a:lumOff val="50000"/>
+                  </a:schemeClr>
+                </a:solidFill>
+              </a:defRPr>
+            </a:lvl1pPr>
+            <a:lvl2pPr marL="457200" indent="0">
+              <a:buNone/>
+              <a:defRPr sz="1800">
+                <a:solidFill>
+                  <a:schemeClr val="tx1">
+                    <a:tint val="75000"/>
+                  </a:schemeClr>
+                </a:solidFill>
+              </a:defRPr>
+            </a:lvl2pPr>
+            <a:lvl3pPr marL="914400" indent="0">
+              <a:buNone/>
+              <a:defRPr sz="1600">
+                <a:solidFill>
+                  <a:schemeClr val="tx1">
+                    <a:tint val="75000"/>
+                  </a:schemeClr>
+                </a:solidFill>
+              </a:defRPr>
+            </a:lvl3pPr>
+            <a:lvl4pPr marL="1371600" indent="0">
+              <a:buNone/>
+              <a:defRPr sz="1400">
+                <a:solidFill>
+                  <a:schemeClr val="tx1">
+                    <a:tint val="75000"/>
+                  </a:schemeClr>
+                </a:solidFill>
+              </a:defRPr>
+            </a:lvl4pPr>
+            <a:lvl5pPr marL="1828800" indent="0">
+              <a:buNone/>
+              <a:defRPr sz="1400">
+                <a:solidFill>
+                  <a:schemeClr val="tx1">
+                    <a:tint val="75000"/>
+                  </a:schemeClr>
+                </a:solidFill>
+              </a:defRPr>
+            </a:lvl5pPr>
+            <a:lvl6pPr marL="2286000" indent="0">
+              <a:buNone/>
+              <a:defRPr sz="1400">
+                <a:solidFill>
+                  <a:schemeClr val="tx1">
+                    <a:tint val="75000"/>
+                  </a:schemeClr>
+                </a:solidFill>
+              </a:defRPr>
+            </a:lvl6pPr>
+            <a:lvl7pPr marL="2743200" indent="0">
+              <a:buNone/>
+              <a:defRPr sz="1400">
+                <a:solidFill>
+                  <a:schemeClr val="tx1">
+                    <a:tint val="75000"/>
+                  </a:schemeClr>
+                </a:solidFill>
+              </a:defRPr>
+            </a:lvl7pPr>
+            <a:lvl8pPr marL="3200400" indent="0">
+              <a:buNone/>
+              <a:defRPr sz="1400">
+                <a:solidFill>
+                  <a:schemeClr val="tx1">
+                    <a:tint val="75000"/>
+                  </a:schemeClr>
+                </a:solidFill>
+              </a:defRPr>
+            </a:lvl8pPr>
+            <a:lvl9pPr marL="3657600" indent="0">
+              <a:buNone/>
+              <a:defRPr sz="1400">
+                <a:solidFill>
+                  <a:schemeClr val="tx1">
+                    <a:tint val="75000"/>
+                  </a:schemeClr>
+                </a:solidFill>
+              </a:defRPr>
+            </a:lvl9pPr>
+          </a:lstStyle>
+          <a:p>
+            <a:pPr lvl="0"/>
+            <a:r>
+              <a:rPr lang="en-US"/>
+              <a:t>Click to edit Master text styles</a:t>
+            </a:r>
+          </a:p>
+        </p:txBody>
+      </p:sp>
+      <p:sp>
+        <p:nvSpPr>
+          <p:cNvPr id="4" name="Date Placeholder 3"/>
+          <p:cNvSpPr>
+            <a:spLocks noGrp="1"/>
+          </p:cNvSpPr>
+          <p:nvPr>
+            <p:ph type="dt" sz="half" idx="10"/>
+          </p:nvPr>
+        </p:nvSpPr>
+        <p:spPr/>
+        <p:txBody>
+          <a:bodyPr/>
+          <a:lstStyle/>
+          <a:p>
+            <a:fld id="{EAB5452C-E438-49C6-9E24-BD1801161A96}" type="datetimeFigureOut">
+              <a:rPr lang="en-US" smtClean="0"/>
+              <a:t>3/12/2019</a:t>
+            </a:fld>
+            <a:endParaRPr lang="en-US"/>
+          </a:p>
+        </p:txBody>
+      </p:sp>
+      <p:sp>
+        <p:nvSpPr>
+          <p:cNvPr id="5" name="Footer Placeholder 4"/>
+          <p:cNvSpPr>
+            <a:spLocks noGrp="1"/>
+          </p:cNvSpPr>
+          <p:nvPr>
+            <p:ph type="ftr" sz="quarter" idx="11"/>
+          </p:nvPr>
+        </p:nvSpPr>
+        <p:spPr/>
+        <p:txBody>
+          <a:bodyPr/>
+          <a:lstStyle/>
+          <a:p>
+            <a:endParaRPr lang="en-US"/>
+          </a:p>
+        </p:txBody>
+      </p:sp>
+      <p:sp>
+        <p:nvSpPr>
+          <p:cNvPr id="6" name="Slide Number Placeholder 5"/>
+          <p:cNvSpPr>
+            <a:spLocks noGrp="1"/>
+          </p:cNvSpPr>
+          <p:nvPr>
+            <p:ph type="sldNum" sz="quarter" idx="12"/>
+          </p:nvPr>
+        </p:nvSpPr>
+        <p:spPr/>
+        <p:txBody>
+          <a:bodyPr/>
+          <a:lstStyle/>
+          <a:p>
+            <a:fld id="{F68431C1-55E9-4214-985B-FF929D876D12}" type="slidenum">
+              <a:rPr lang="en-US" smtClean="0"/>
+              <a:t>‹#›</a:t>
+            </a:fld>
+            <a:endParaRPr lang="en-US"/>
+          </a:p>
+        </p:txBody>
+      </p:sp>
+      <p:sp>
+        <p:nvSpPr>
+          <p:cNvPr id="24" name="TextBox 23"/>
+          <p:cNvSpPr txBox="1"/>
+          <p:nvPr/>
+        </p:nvSpPr>
+        <p:spPr>
+          <a:xfrm>
+            <a:off x="541870" y="790378"/>
+            <a:ext cx="609600" cy="584776"/>
+          </a:xfrm>
+          <a:prstGeom prst="rect">
+            <a:avLst/>
+          </a:prstGeom>
+        </p:spPr>
+        <p:txBody>
+          <a:bodyPr vert="horz" lIns="91440" tIns="45720" rIns="91440" bIns="45720" rtlCol="0" anchor="ctr">
+            <a:noAutofit/>
+          </a:bodyPr>
+          <a:lstStyle/>
+          <a:p>
+            <a:pPr lvl="0"/>
+            <a:r>
+              <a:rPr lang="en-US" sz="8000" baseline="0" dirty="0">
+                <a:ln w="3175" cmpd="sng">
+                  <a:noFill/>
+                </a:ln>
+                <a:solidFill>
+                  <a:schemeClr val="accent1">
+                    <a:lumMod val="60000"/>
+                    <a:lumOff val="40000"/>
+                  </a:schemeClr>
+                </a:solidFill>
+                <a:effectLst/>
+                <a:latin typeface="Arial"/>
+              </a:rPr>
+              <a:t>“</a:t>
+            </a:r>
+          </a:p>
+        </p:txBody>
+      </p:sp>
+      <p:sp>
+        <p:nvSpPr>
+          <p:cNvPr id="25" name="TextBox 24"/>
+          <p:cNvSpPr txBox="1"/>
+          <p:nvPr/>
+        </p:nvSpPr>
+        <p:spPr>
+          <a:xfrm>
+            <a:off x="8893011" y="2886556"/>
+            <a:ext cx="609600" cy="584776"/>
+          </a:xfrm>
+          <a:prstGeom prst="rect">
+            <a:avLst/>
+          </a:prstGeom>
+        </p:spPr>
+        <p:txBody>
+          <a:bodyPr vert="horz" lIns="91440" tIns="45720" rIns="91440" bIns="45720" rtlCol="0" anchor="ctr">
+            <a:noAutofit/>
+          </a:bodyPr>
+          <a:lstStyle/>
+          <a:p>
+            <a:pPr lvl="0"/>
+            <a:r>
+              <a:rPr lang="en-US" sz="8000" baseline="0" dirty="0">
+                <a:ln w="3175" cmpd="sng">
+                  <a:noFill/>
+                </a:ln>
+                <a:solidFill>
+                  <a:schemeClr val="accent1">
+                    <a:lumMod val="60000"/>
+                    <a:lumOff val="40000"/>
+                  </a:schemeClr>
+                </a:solidFill>
+                <a:effectLst/>
+                <a:latin typeface="Arial"/>
+              </a:rPr>
+              <a:t>”</a:t>
+            </a:r>
+          </a:p>
+        </p:txBody>
+      </p:sp>
+    </p:spTree>
+    <p:extLst>
+      <p:ext uri="{BB962C8B-B14F-4D97-AF65-F5344CB8AC3E}">
+        <p14:creationId xmlns:p14="http://schemas.microsoft.com/office/powerpoint/2010/main" val="2383545847"/>
+      </p:ext>
+    </p:extLst>
+  </p:cSld>
+  <p:clrMapOvr>
+    <a:masterClrMapping/>
+  </p:clrMapOvr>
+</p:sldLayout>
+</file>
+
+<file path=ppt/slideLayouts/slideLayout14.xml><?xml version="1.0" encoding="utf-8"?>
+<p:sldLayout xmlns:a="http://schemas.openxmlformats.org/drawingml/2006/main" xmlns:r="http://schemas.openxmlformats.org/officeDocument/2006/relationships" xmlns:p="http://schemas.openxmlformats.org/presentationml/2006/main" preserve="1">
+  <p:cSld name="True or False">
+    <p:spTree>
+      <p:nvGrpSpPr>
+        <p:cNvPr id="1" name=""/>
+        <p:cNvGrpSpPr/>
+        <p:nvPr/>
+      </p:nvGrpSpPr>
+      <p:grpSpPr>
+        <a:xfrm>
+          <a:off x="0" y="0"/>
+          <a:ext cx="0" cy="0"/>
+          <a:chOff x="0" y="0"/>
+          <a:chExt cx="0" cy="0"/>
+        </a:xfrm>
+      </p:grpSpPr>
+      <p:sp>
+        <p:nvSpPr>
+          <p:cNvPr id="2" name="Title 1"/>
+          <p:cNvSpPr>
+            <a:spLocks noGrp="1"/>
+          </p:cNvSpPr>
+          <p:nvPr>
+            <p:ph type="title"/>
+          </p:nvPr>
+        </p:nvSpPr>
+        <p:spPr>
+          <a:xfrm>
+            <a:off x="685799" y="609600"/>
+            <a:ext cx="8588203" cy="3022600"/>
+          </a:xfrm>
+        </p:spPr>
+        <p:txBody>
+          <a:bodyPr anchor="ctr">
+            <a:normAutofit/>
+          </a:bodyPr>
+          <a:lstStyle>
+            <a:lvl1pPr algn="l">
+              <a:defRPr sz="4400" b="0" cap="none"/>
+            </a:lvl1pPr>
+          </a:lstStyle>
+          <a:p>
+            <a:r>
+              <a:rPr lang="en-US"/>
+              <a:t>Click to edit Master title style</a:t>
+            </a:r>
+            <a:endParaRPr lang="en-US" dirty="0"/>
+          </a:p>
+        </p:txBody>
+      </p:sp>
+      <p:sp>
+        <p:nvSpPr>
+          <p:cNvPr id="23" name="Text Placeholder 9"/>
+          <p:cNvSpPr>
+            <a:spLocks noGrp="1"/>
+          </p:cNvSpPr>
+          <p:nvPr>
+            <p:ph type="body" sz="quarter" idx="13"/>
+          </p:nvPr>
+        </p:nvSpPr>
+        <p:spPr>
+          <a:xfrm>
+            <a:off x="677332" y="4013200"/>
+            <a:ext cx="8596669" cy="514248"/>
+          </a:xfrm>
+        </p:spPr>
+        <p:txBody>
+          <a:bodyPr anchor="b">
+            <a:noAutofit/>
+          </a:bodyPr>
+          <a:lstStyle>
+            <a:lvl1pPr marL="0" indent="0">
+              <a:buFontTx/>
+              <a:buNone/>
+              <a:defRPr sz="2400">
+                <a:solidFill>
+                  <a:schemeClr val="accent1"/>
+                </a:solidFill>
+              </a:defRPr>
+            </a:lvl1pPr>
+            <a:lvl2pPr marL="457200" indent="0">
+              <a:buFontTx/>
+              <a:buNone/>
+              <a:defRPr/>
+            </a:lvl2pPr>
+            <a:lvl3pPr marL="914400" indent="0">
+              <a:buFontTx/>
+              <a:buNone/>
+              <a:defRPr/>
+            </a:lvl3pPr>
+            <a:lvl4pPr marL="1371600" indent="0">
+              <a:buFontTx/>
+              <a:buNone/>
+              <a:defRPr/>
+            </a:lvl4pPr>
+            <a:lvl5pPr marL="1828800" indent="0">
+              <a:buFontTx/>
+              <a:buNone/>
+              <a:defRPr/>
+            </a:lvl5pPr>
+          </a:lstStyle>
+          <a:p>
+            <a:pPr lvl="0"/>
+            <a:r>
+              <a:rPr lang="en-US"/>
+              <a:t>Click to edit Master text styles</a:t>
+            </a:r>
+          </a:p>
+        </p:txBody>
+      </p:sp>
+      <p:sp>
+        <p:nvSpPr>
+          <p:cNvPr id="3" name="Text Placeholder 2"/>
+          <p:cNvSpPr>
+            <a:spLocks noGrp="1"/>
+          </p:cNvSpPr>
+          <p:nvPr>
+            <p:ph type="body" idx="1"/>
+          </p:nvPr>
+        </p:nvSpPr>
+        <p:spPr>
+          <a:xfrm>
+            <a:off x="677335" y="4527448"/>
+            <a:ext cx="8596668" cy="1513914"/>
+          </a:xfrm>
+        </p:spPr>
+        <p:txBody>
+          <a:bodyPr anchor="t">
+            <a:normAutofit/>
+          </a:bodyPr>
+          <a:lstStyle>
+            <a:lvl1pPr marL="0" indent="0" algn="l">
+              <a:buNone/>
+              <a:defRPr sz="1800">
+                <a:solidFill>
+                  <a:schemeClr val="tx1">
+                    <a:lumMod val="50000"/>
+                    <a:lumOff val="50000"/>
+                  </a:schemeClr>
+                </a:solidFill>
+              </a:defRPr>
+            </a:lvl1pPr>
+            <a:lvl2pPr marL="457200" indent="0">
+              <a:buNone/>
+              <a:defRPr sz="1800">
+                <a:solidFill>
+                  <a:schemeClr val="tx1">
+                    <a:tint val="75000"/>
+                  </a:schemeClr>
+                </a:solidFill>
+              </a:defRPr>
+            </a:lvl2pPr>
+            <a:lvl3pPr marL="914400" indent="0">
+              <a:buNone/>
+              <a:defRPr sz="1600">
+                <a:solidFill>
+                  <a:schemeClr val="tx1">
+                    <a:tint val="75000"/>
+                  </a:schemeClr>
+                </a:solidFill>
+              </a:defRPr>
+            </a:lvl3pPr>
+            <a:lvl4pPr marL="1371600" indent="0">
+              <a:buNone/>
+              <a:defRPr sz="1400">
+                <a:solidFill>
+                  <a:schemeClr val="tx1">
+                    <a:tint val="75000"/>
+                  </a:schemeClr>
+                </a:solidFill>
+              </a:defRPr>
+            </a:lvl4pPr>
+            <a:lvl5pPr marL="1828800" indent="0">
+              <a:buNone/>
+              <a:defRPr sz="1400">
+                <a:solidFill>
+                  <a:schemeClr val="tx1">
+                    <a:tint val="75000"/>
+                  </a:schemeClr>
+                </a:solidFill>
+              </a:defRPr>
+            </a:lvl5pPr>
+            <a:lvl6pPr marL="2286000" indent="0">
+              <a:buNone/>
+              <a:defRPr sz="1400">
+                <a:solidFill>
+                  <a:schemeClr val="tx1">
+                    <a:tint val="75000"/>
+                  </a:schemeClr>
+                </a:solidFill>
+              </a:defRPr>
+            </a:lvl6pPr>
+            <a:lvl7pPr marL="2743200" indent="0">
+              <a:buNone/>
+              <a:defRPr sz="1400">
+                <a:solidFill>
+                  <a:schemeClr val="tx1">
+                    <a:tint val="75000"/>
+                  </a:schemeClr>
+                </a:solidFill>
+              </a:defRPr>
+            </a:lvl7pPr>
+            <a:lvl8pPr marL="3200400" indent="0">
+              <a:buNone/>
+              <a:defRPr sz="1400">
+                <a:solidFill>
+                  <a:schemeClr val="tx1">
+                    <a:tint val="75000"/>
+                  </a:schemeClr>
+                </a:solidFill>
+              </a:defRPr>
+            </a:lvl8pPr>
+            <a:lvl9pPr marL="3657600" indent="0">
+              <a:buNone/>
+              <a:defRPr sz="1400">
+                <a:solidFill>
+                  <a:schemeClr val="tx1">
+                    <a:tint val="75000"/>
+                  </a:schemeClr>
+                </a:solidFill>
+              </a:defRPr>
+            </a:lvl9pPr>
+          </a:lstStyle>
+          <a:p>
+            <a:pPr lvl="0"/>
+            <a:r>
+              <a:rPr lang="en-US"/>
+              <a:t>Click to edit Master text styles</a:t>
+            </a:r>
+          </a:p>
+        </p:txBody>
+      </p:sp>
+      <p:sp>
+        <p:nvSpPr>
+          <p:cNvPr id="4" name="Date Placeholder 3"/>
+          <p:cNvSpPr>
+            <a:spLocks noGrp="1"/>
+          </p:cNvSpPr>
+          <p:nvPr>
+            <p:ph type="dt" sz="half" idx="10"/>
+          </p:nvPr>
+        </p:nvSpPr>
+        <p:spPr/>
+        <p:txBody>
+          <a:bodyPr/>
+          <a:lstStyle/>
+          <a:p>
+            <a:fld id="{EAB5452C-E438-49C6-9E24-BD1801161A96}" type="datetimeFigureOut">
+              <a:rPr lang="en-US" smtClean="0"/>
+              <a:t>3/12/2019</a:t>
+            </a:fld>
+            <a:endParaRPr lang="en-US"/>
+          </a:p>
+        </p:txBody>
+      </p:sp>
+      <p:sp>
+        <p:nvSpPr>
+          <p:cNvPr id="5" name="Footer Placeholder 4"/>
+          <p:cNvSpPr>
+            <a:spLocks noGrp="1"/>
+          </p:cNvSpPr>
+          <p:nvPr>
+            <p:ph type="ftr" sz="quarter" idx="11"/>
+          </p:nvPr>
+        </p:nvSpPr>
+        <p:spPr/>
+        <p:txBody>
+          <a:bodyPr/>
+          <a:lstStyle/>
+          <a:p>
+            <a:endParaRPr lang="en-US"/>
+          </a:p>
+        </p:txBody>
+      </p:sp>
+      <p:sp>
+        <p:nvSpPr>
+          <p:cNvPr id="6" name="Slide Number Placeholder 5"/>
+          <p:cNvSpPr>
+            <a:spLocks noGrp="1"/>
+          </p:cNvSpPr>
+          <p:nvPr>
+            <p:ph type="sldNum" sz="quarter" idx="12"/>
+          </p:nvPr>
+        </p:nvSpPr>
+        <p:spPr/>
+        <p:txBody>
+          <a:bodyPr/>
+          <a:lstStyle/>
+          <a:p>
+            <a:fld id="{F68431C1-55E9-4214-985B-FF929D876D12}" type="slidenum">
+              <a:rPr lang="en-US" smtClean="0"/>
+              <a:t>‹#›</a:t>
+            </a:fld>
+            <a:endParaRPr lang="en-US"/>
+          </a:p>
+        </p:txBody>
+      </p:sp>
+    </p:spTree>
+    <p:extLst>
+      <p:ext uri="{BB962C8B-B14F-4D97-AF65-F5344CB8AC3E}">
+        <p14:creationId xmlns:p14="http://schemas.microsoft.com/office/powerpoint/2010/main" val="985693563"/>
+      </p:ext>
+    </p:extLst>
+  </p:cSld>
+  <p:clrMapOvr>
+    <a:masterClrMapping/>
+  </p:clrMapOvr>
+</p:sldLayout>
+</file>
+
+<file path=ppt/slideLayouts/slideLayout15.xml><?xml version="1.0" encoding="utf-8"?>
 <p:sldLayout xmlns:a="http://schemas.openxmlformats.org/drawingml/2006/main" xmlns:r="http://schemas.openxmlformats.org/officeDocument/2006/relationships" xmlns:p="http://schemas.openxmlformats.org/presentationml/2006/main" type="vertTx" preserve="1">
   <p:cSld name="Title and Vertical Text">
     <p:spTree>
@@ -903,13 +3162,7 @@
       </p:grpSpPr>
       <p:sp>
         <p:nvSpPr>
-          <p:cNvPr id="2" name="Title 1">
-            <a:extLst>
-              <a:ext uri="{FF2B5EF4-FFF2-40B4-BE49-F238E27FC236}">
-                <a16:creationId xmlns:a16="http://schemas.microsoft.com/office/drawing/2014/main" id="{64EB729C-9E7C-49EA-AB03-AB909E91FC63}"/>
-              </a:ext>
-            </a:extLst>
-          </p:cNvPr>
+          <p:cNvPr id="2" name="Title 1"/>
           <p:cNvSpPr>
             <a:spLocks noGrp="1"/>
           </p:cNvSpPr>
@@ -926,18 +3179,13 @@
               <a:rPr lang="en-US"/>
               <a:t>Click to edit Master title style</a:t>
             </a:r>
-          </a:p>
-        </p:txBody>
-      </p:sp>
-      <p:sp>
-        <p:nvSpPr>
-          <p:cNvPr id="3" name="Vertical Text Placeholder 2">
-            <a:extLst>
-              <a:ext uri="{FF2B5EF4-FFF2-40B4-BE49-F238E27FC236}">
-                <a16:creationId xmlns:a16="http://schemas.microsoft.com/office/drawing/2014/main" id="{E5F60571-B4F9-4C51-BBE7-E101C504DE8A}"/>
-              </a:ext>
-            </a:extLst>
-          </p:cNvPr>
+            <a:endParaRPr lang="en-US" dirty="0"/>
+          </a:p>
+        </p:txBody>
+      </p:sp>
+      <p:sp>
+        <p:nvSpPr>
+          <p:cNvPr id="3" name="Vertical Text Placeholder 2"/>
           <p:cNvSpPr>
             <a:spLocks noGrp="1"/>
           </p:cNvSpPr>
@@ -953,7 +3201,7 @@
             <a:pPr lvl="0"/>
             <a:r>
               <a:rPr lang="en-US"/>
-              <a:t>Edit Master text styles</a:t>
+              <a:t>Click to edit Master text styles</a:t>
             </a:r>
           </a:p>
           <a:p>
@@ -983,18 +3231,13 @@
               <a:rPr lang="en-US"/>
               <a:t>Fifth level</a:t>
             </a:r>
-          </a:p>
-        </p:txBody>
-      </p:sp>
-      <p:sp>
-        <p:nvSpPr>
-          <p:cNvPr id="4" name="Date Placeholder 3">
-            <a:extLst>
-              <a:ext uri="{FF2B5EF4-FFF2-40B4-BE49-F238E27FC236}">
-                <a16:creationId xmlns:a16="http://schemas.microsoft.com/office/drawing/2014/main" id="{4418B7CA-D7BF-4DA5-BA2F-E04B03A3B157}"/>
-              </a:ext>
-            </a:extLst>
-          </p:cNvPr>
+            <a:endParaRPr lang="en-US" dirty="0"/>
+          </a:p>
+        </p:txBody>
+      </p:sp>
+      <p:sp>
+        <p:nvSpPr>
+          <p:cNvPr id="4" name="Date Placeholder 3"/>
           <p:cNvSpPr>
             <a:spLocks noGrp="1"/>
           </p:cNvSpPr>
@@ -1017,13 +3260,7 @@
       </p:sp>
       <p:sp>
         <p:nvSpPr>
-          <p:cNvPr id="5" name="Footer Placeholder 4">
-            <a:extLst>
-              <a:ext uri="{FF2B5EF4-FFF2-40B4-BE49-F238E27FC236}">
-                <a16:creationId xmlns:a16="http://schemas.microsoft.com/office/drawing/2014/main" id="{7FE2E20F-95E9-4D82-AC0F-A6C4177289A3}"/>
-              </a:ext>
-            </a:extLst>
-          </p:cNvPr>
+          <p:cNvPr id="5" name="Footer Placeholder 4"/>
           <p:cNvSpPr>
             <a:spLocks noGrp="1"/>
           </p:cNvSpPr>
@@ -1042,13 +3279,7 @@
       </p:sp>
       <p:sp>
         <p:nvSpPr>
-          <p:cNvPr id="6" name="Slide Number Placeholder 5">
-            <a:extLst>
-              <a:ext uri="{FF2B5EF4-FFF2-40B4-BE49-F238E27FC236}">
-                <a16:creationId xmlns:a16="http://schemas.microsoft.com/office/drawing/2014/main" id="{60E4E8F5-FFD5-479E-90D3-9246F47942EC}"/>
-              </a:ext>
-            </a:extLst>
-          </p:cNvPr>
+          <p:cNvPr id="6" name="Slide Number Placeholder 5"/>
           <p:cNvSpPr>
             <a:spLocks noGrp="1"/>
           </p:cNvSpPr>
@@ -1072,7 +3303,7 @@
     </p:spTree>
     <p:extLst>
       <p:ext uri="{BB962C8B-B14F-4D97-AF65-F5344CB8AC3E}">
-        <p14:creationId xmlns:p14="http://schemas.microsoft.com/office/powerpoint/2010/main" val="1967571432"/>
+        <p14:creationId xmlns:p14="http://schemas.microsoft.com/office/powerpoint/2010/main" val="407267026"/>
       </p:ext>
     </p:extLst>
   </p:cSld>
@@ -1082,7 +3313,7 @@
 </p:sldLayout>
 </file>
 
-<file path=ppt/slideLayouts/slideLayout11.xml><?xml version="1.0" encoding="utf-8"?>
+<file path=ppt/slideLayouts/slideLayout16.xml><?xml version="1.0" encoding="utf-8"?>
 <p:sldLayout xmlns:a="http://schemas.openxmlformats.org/drawingml/2006/main" xmlns:r="http://schemas.openxmlformats.org/officeDocument/2006/relationships" xmlns:p="http://schemas.openxmlformats.org/presentationml/2006/main" type="vertTitleAndTx" preserve="1">
   <p:cSld name="Vertical Title and Text">
     <p:spTree>
@@ -1101,13 +3332,7 @@
       </p:grpSpPr>
       <p:sp>
         <p:nvSpPr>
-          <p:cNvPr id="2" name="Vertical Title 1">
-            <a:extLst>
-              <a:ext uri="{FF2B5EF4-FFF2-40B4-BE49-F238E27FC236}">
-                <a16:creationId xmlns:a16="http://schemas.microsoft.com/office/drawing/2014/main" id="{ECF27991-852C-4D56-B3E4-0D34531FD4AD}"/>
-              </a:ext>
-            </a:extLst>
-          </p:cNvPr>
+          <p:cNvPr id="2" name="Vertical Title 1"/>
           <p:cNvSpPr>
             <a:spLocks noGrp="1"/>
           </p:cNvSpPr>
@@ -1117,30 +3342,25 @@
         </p:nvSpPr>
         <p:spPr>
           <a:xfrm>
-            <a:off x="8724900" y="365125"/>
-            <a:ext cx="2628900" cy="5811838"/>
+            <a:off x="7967673" y="609599"/>
+            <a:ext cx="1304743" cy="5251451"/>
           </a:xfrm>
         </p:spPr>
         <p:txBody>
-          <a:bodyPr vert="eaVert"/>
+          <a:bodyPr vert="eaVert" anchor="ctr"/>
           <a:lstStyle/>
           <a:p>
             <a:r>
               <a:rPr lang="en-US"/>
               <a:t>Click to edit Master title style</a:t>
             </a:r>
-          </a:p>
-        </p:txBody>
-      </p:sp>
-      <p:sp>
-        <p:nvSpPr>
-          <p:cNvPr id="3" name="Vertical Text Placeholder 2">
-            <a:extLst>
-              <a:ext uri="{FF2B5EF4-FFF2-40B4-BE49-F238E27FC236}">
-                <a16:creationId xmlns:a16="http://schemas.microsoft.com/office/drawing/2014/main" id="{A4900D11-2F88-40C0-B420-F911B5E5E839}"/>
-              </a:ext>
-            </a:extLst>
-          </p:cNvPr>
+            <a:endParaRPr lang="en-US" dirty="0"/>
+          </a:p>
+        </p:txBody>
+      </p:sp>
+      <p:sp>
+        <p:nvSpPr>
+          <p:cNvPr id="3" name="Vertical Text Placeholder 2"/>
           <p:cNvSpPr>
             <a:spLocks noGrp="1"/>
           </p:cNvSpPr>
@@ -1150,8 +3370,8 @@
         </p:nvSpPr>
         <p:spPr>
           <a:xfrm>
-            <a:off x="838200" y="365125"/>
-            <a:ext cx="7734300" cy="5811838"/>
+            <a:off x="677335" y="609600"/>
+            <a:ext cx="7060150" cy="5251450"/>
           </a:xfrm>
         </p:spPr>
         <p:txBody>
@@ -1161,7 +3381,7 @@
             <a:pPr lvl="0"/>
             <a:r>
               <a:rPr lang="en-US"/>
-              <a:t>Edit Master text styles</a:t>
+              <a:t>Click to edit Master text styles</a:t>
             </a:r>
           </a:p>
           <a:p>
@@ -1191,18 +3411,13 @@
               <a:rPr lang="en-US"/>
               <a:t>Fifth level</a:t>
             </a:r>
-          </a:p>
-        </p:txBody>
-      </p:sp>
-      <p:sp>
-        <p:nvSpPr>
-          <p:cNvPr id="4" name="Date Placeholder 3">
-            <a:extLst>
-              <a:ext uri="{FF2B5EF4-FFF2-40B4-BE49-F238E27FC236}">
-                <a16:creationId xmlns:a16="http://schemas.microsoft.com/office/drawing/2014/main" id="{EA0B91B8-A67D-4187-9C6C-0B50716DA312}"/>
-              </a:ext>
-            </a:extLst>
-          </p:cNvPr>
+            <a:endParaRPr lang="en-US" dirty="0"/>
+          </a:p>
+        </p:txBody>
+      </p:sp>
+      <p:sp>
+        <p:nvSpPr>
+          <p:cNvPr id="4" name="Date Placeholder 3"/>
           <p:cNvSpPr>
             <a:spLocks noGrp="1"/>
           </p:cNvSpPr>
@@ -1225,13 +3440,7 @@
       </p:sp>
       <p:sp>
         <p:nvSpPr>
-          <p:cNvPr id="5" name="Footer Placeholder 4">
-            <a:extLst>
-              <a:ext uri="{FF2B5EF4-FFF2-40B4-BE49-F238E27FC236}">
-                <a16:creationId xmlns:a16="http://schemas.microsoft.com/office/drawing/2014/main" id="{E4797184-17FD-4DF0-AEB0-AF1992681984}"/>
-              </a:ext>
-            </a:extLst>
-          </p:cNvPr>
+          <p:cNvPr id="5" name="Footer Placeholder 4"/>
           <p:cNvSpPr>
             <a:spLocks noGrp="1"/>
           </p:cNvSpPr>
@@ -1250,13 +3459,7 @@
       </p:sp>
       <p:sp>
         <p:nvSpPr>
-          <p:cNvPr id="6" name="Slide Number Placeholder 5">
-            <a:extLst>
-              <a:ext uri="{FF2B5EF4-FFF2-40B4-BE49-F238E27FC236}">
-                <a16:creationId xmlns:a16="http://schemas.microsoft.com/office/drawing/2014/main" id="{B5AC3EB4-07EA-46DE-A9AC-EF572F0844DC}"/>
-              </a:ext>
-            </a:extLst>
-          </p:cNvPr>
+          <p:cNvPr id="6" name="Slide Number Placeholder 5"/>
           <p:cNvSpPr>
             <a:spLocks noGrp="1"/>
           </p:cNvSpPr>
@@ -1280,7 +3483,7 @@
     </p:spTree>
     <p:extLst>
       <p:ext uri="{BB962C8B-B14F-4D97-AF65-F5344CB8AC3E}">
-        <p14:creationId xmlns:p14="http://schemas.microsoft.com/office/powerpoint/2010/main" val="3743786508"/>
+        <p14:creationId xmlns:p14="http://schemas.microsoft.com/office/powerpoint/2010/main" val="3546973615"/>
       </p:ext>
     </p:extLst>
   </p:cSld>
@@ -1309,13 +3512,7 @@
       </p:grpSpPr>
       <p:sp>
         <p:nvSpPr>
-          <p:cNvPr id="2" name="Title 1">
-            <a:extLst>
-              <a:ext uri="{FF2B5EF4-FFF2-40B4-BE49-F238E27FC236}">
-                <a16:creationId xmlns:a16="http://schemas.microsoft.com/office/drawing/2014/main" id="{71C2FADC-44D9-40B1-B0D9-29F59E5F87E0}"/>
-              </a:ext>
-            </a:extLst>
-          </p:cNvPr>
+          <p:cNvPr id="2" name="Title 1"/>
           <p:cNvSpPr>
             <a:spLocks noGrp="1"/>
           </p:cNvSpPr>
@@ -1325,25 +3522,26 @@
         </p:nvSpPr>
         <p:spPr/>
         <p:txBody>
-          <a:bodyPr/>
-          <a:lstStyle/>
+          <a:bodyPr>
+            <a:normAutofit/>
+          </a:bodyPr>
+          <a:lstStyle>
+            <a:lvl1pPr>
+              <a:defRPr sz="3600"/>
+            </a:lvl1pPr>
+          </a:lstStyle>
           <a:p>
             <a:r>
               <a:rPr lang="en-US"/>
               <a:t>Click to edit Master title style</a:t>
             </a:r>
-          </a:p>
-        </p:txBody>
-      </p:sp>
-      <p:sp>
-        <p:nvSpPr>
-          <p:cNvPr id="3" name="Content Placeholder 2">
-            <a:extLst>
-              <a:ext uri="{FF2B5EF4-FFF2-40B4-BE49-F238E27FC236}">
-                <a16:creationId xmlns:a16="http://schemas.microsoft.com/office/drawing/2014/main" id="{0F27FAC3-0E87-43E1-8525-80AB9015EBB5}"/>
-              </a:ext>
-            </a:extLst>
-          </p:cNvPr>
+            <a:endParaRPr lang="en-US" dirty="0"/>
+          </a:p>
+        </p:txBody>
+      </p:sp>
+      <p:sp>
+        <p:nvSpPr>
+          <p:cNvPr id="3" name="Content Placeholder 2"/>
           <p:cNvSpPr>
             <a:spLocks noGrp="1"/>
           </p:cNvSpPr>
@@ -1359,7 +3557,7 @@
             <a:pPr lvl="0"/>
             <a:r>
               <a:rPr lang="en-US"/>
-              <a:t>Edit Master text styles</a:t>
+              <a:t>Click to edit Master text styles</a:t>
             </a:r>
           </a:p>
           <a:p>
@@ -1389,18 +3587,13 @@
               <a:rPr lang="en-US"/>
               <a:t>Fifth level</a:t>
             </a:r>
-          </a:p>
-        </p:txBody>
-      </p:sp>
-      <p:sp>
-        <p:nvSpPr>
-          <p:cNvPr id="4" name="Date Placeholder 3">
-            <a:extLst>
-              <a:ext uri="{FF2B5EF4-FFF2-40B4-BE49-F238E27FC236}">
-                <a16:creationId xmlns:a16="http://schemas.microsoft.com/office/drawing/2014/main" id="{ACEC5C3F-4794-47D0-B510-05837D611000}"/>
-              </a:ext>
-            </a:extLst>
-          </p:cNvPr>
+            <a:endParaRPr lang="en-US" dirty="0"/>
+          </a:p>
+        </p:txBody>
+      </p:sp>
+      <p:sp>
+        <p:nvSpPr>
+          <p:cNvPr id="4" name="Date Placeholder 3"/>
           <p:cNvSpPr>
             <a:spLocks noGrp="1"/>
           </p:cNvSpPr>
@@ -1423,13 +3616,7 @@
       </p:sp>
       <p:sp>
         <p:nvSpPr>
-          <p:cNvPr id="5" name="Footer Placeholder 4">
-            <a:extLst>
-              <a:ext uri="{FF2B5EF4-FFF2-40B4-BE49-F238E27FC236}">
-                <a16:creationId xmlns:a16="http://schemas.microsoft.com/office/drawing/2014/main" id="{E10A942D-7319-4580-852F-260550F6FAAF}"/>
-              </a:ext>
-            </a:extLst>
-          </p:cNvPr>
+          <p:cNvPr id="5" name="Footer Placeholder 4"/>
           <p:cNvSpPr>
             <a:spLocks noGrp="1"/>
           </p:cNvSpPr>
@@ -1448,13 +3635,7 @@
       </p:sp>
       <p:sp>
         <p:nvSpPr>
-          <p:cNvPr id="6" name="Slide Number Placeholder 5">
-            <a:extLst>
-              <a:ext uri="{FF2B5EF4-FFF2-40B4-BE49-F238E27FC236}">
-                <a16:creationId xmlns:a16="http://schemas.microsoft.com/office/drawing/2014/main" id="{F81B5B5F-AE4D-4E0C-B71C-A69590C64E92}"/>
-              </a:ext>
-            </a:extLst>
-          </p:cNvPr>
+          <p:cNvPr id="6" name="Slide Number Placeholder 5"/>
           <p:cNvSpPr>
             <a:spLocks noGrp="1"/>
           </p:cNvSpPr>
@@ -1478,7 +3659,7 @@
     </p:spTree>
     <p:extLst>
       <p:ext uri="{BB962C8B-B14F-4D97-AF65-F5344CB8AC3E}">
-        <p14:creationId xmlns:p14="http://schemas.microsoft.com/office/powerpoint/2010/main" val="1365537850"/>
+        <p14:creationId xmlns:p14="http://schemas.microsoft.com/office/powerpoint/2010/main" val="1543353743"/>
       </p:ext>
     </p:extLst>
   </p:cSld>
@@ -1507,13 +3688,7 @@
       </p:grpSpPr>
       <p:sp>
         <p:nvSpPr>
-          <p:cNvPr id="2" name="Title 1">
-            <a:extLst>
-              <a:ext uri="{FF2B5EF4-FFF2-40B4-BE49-F238E27FC236}">
-                <a16:creationId xmlns:a16="http://schemas.microsoft.com/office/drawing/2014/main" id="{2959774A-B704-4787-B9A1-3B9166134AD2}"/>
-              </a:ext>
-            </a:extLst>
-          </p:cNvPr>
+          <p:cNvPr id="2" name="Title 1"/>
           <p:cNvSpPr>
             <a:spLocks noGrp="1"/>
           </p:cNvSpPr>
@@ -1523,15 +3698,15 @@
         </p:nvSpPr>
         <p:spPr>
           <a:xfrm>
-            <a:off x="831850" y="1709738"/>
-            <a:ext cx="10515600" cy="2852737"/>
+            <a:off x="677335" y="2700867"/>
+            <a:ext cx="8596668" cy="1826581"/>
           </a:xfrm>
         </p:spPr>
         <p:txBody>
           <a:bodyPr anchor="b"/>
           <a:lstStyle>
-            <a:lvl1pPr>
-              <a:defRPr sz="6000"/>
+            <a:lvl1pPr algn="l">
+              <a:defRPr sz="4000" b="0" cap="none"/>
             </a:lvl1pPr>
           </a:lstStyle>
           <a:p>
@@ -1539,18 +3714,13 @@
               <a:rPr lang="en-US"/>
               <a:t>Click to edit Master title style</a:t>
             </a:r>
-          </a:p>
-        </p:txBody>
-      </p:sp>
-      <p:sp>
-        <p:nvSpPr>
-          <p:cNvPr id="3" name="Text Placeholder 2">
-            <a:extLst>
-              <a:ext uri="{FF2B5EF4-FFF2-40B4-BE49-F238E27FC236}">
-                <a16:creationId xmlns:a16="http://schemas.microsoft.com/office/drawing/2014/main" id="{DD99E69F-49B9-482D-B4A0-BDF84CE0BB9C}"/>
-              </a:ext>
-            </a:extLst>
-          </p:cNvPr>
+            <a:endParaRPr lang="en-US" dirty="0"/>
+          </a:p>
+        </p:txBody>
+      </p:sp>
+      <p:sp>
+        <p:nvSpPr>
+          <p:cNvPr id="3" name="Text Placeholder 2"/>
           <p:cNvSpPr>
             <a:spLocks noGrp="1"/>
           </p:cNvSpPr>
@@ -1560,26 +3730,27 @@
         </p:nvSpPr>
         <p:spPr>
           <a:xfrm>
-            <a:off x="831850" y="4589463"/>
-            <a:ext cx="10515600" cy="1500187"/>
+            <a:off x="677335" y="4527448"/>
+            <a:ext cx="8596668" cy="860400"/>
           </a:xfrm>
         </p:spPr>
         <p:txBody>
-          <a:bodyPr/>
+          <a:bodyPr anchor="t"/>
           <a:lstStyle>
-            <a:lvl1pPr marL="0" indent="0">
-              <a:buNone/>
-              <a:defRPr sz="2400">
+            <a:lvl1pPr marL="0" indent="0" algn="l">
+              <a:buNone/>
+              <a:defRPr sz="2000">
                 <a:solidFill>
                   <a:schemeClr val="tx1">
-                    <a:tint val="75000"/>
+                    <a:lumMod val="50000"/>
+                    <a:lumOff val="50000"/>
                   </a:schemeClr>
                 </a:solidFill>
               </a:defRPr>
             </a:lvl1pPr>
             <a:lvl2pPr marL="457200" indent="0">
               <a:buNone/>
-              <a:defRPr sz="2000">
+              <a:defRPr sz="1800">
                 <a:solidFill>
                   <a:schemeClr val="tx1">
                     <a:tint val="75000"/>
@@ -1589,7 +3760,7 @@
             </a:lvl2pPr>
             <a:lvl3pPr marL="914400" indent="0">
               <a:buNone/>
-              <a:defRPr sz="1800">
+              <a:defRPr sz="1600">
                 <a:solidFill>
                   <a:schemeClr val="tx1">
                     <a:tint val="75000"/>
@@ -1599,7 +3770,7 @@
             </a:lvl3pPr>
             <a:lvl4pPr marL="1371600" indent="0">
               <a:buNone/>
-              <a:defRPr sz="1600">
+              <a:defRPr sz="1400">
                 <a:solidFill>
                   <a:schemeClr val="tx1">
                     <a:tint val="75000"/>
@@ -1609,7 +3780,7 @@
             </a:lvl4pPr>
             <a:lvl5pPr marL="1828800" indent="0">
               <a:buNone/>
-              <a:defRPr sz="1600">
+              <a:defRPr sz="1400">
                 <a:solidFill>
                   <a:schemeClr val="tx1">
                     <a:tint val="75000"/>
@@ -1619,7 +3790,7 @@
             </a:lvl5pPr>
             <a:lvl6pPr marL="2286000" indent="0">
               <a:buNone/>
-              <a:defRPr sz="1600">
+              <a:defRPr sz="1400">
                 <a:solidFill>
                   <a:schemeClr val="tx1">
                     <a:tint val="75000"/>
@@ -1629,7 +3800,7 @@
             </a:lvl6pPr>
             <a:lvl7pPr marL="2743200" indent="0">
               <a:buNone/>
-              <a:defRPr sz="1600">
+              <a:defRPr sz="1400">
                 <a:solidFill>
                   <a:schemeClr val="tx1">
                     <a:tint val="75000"/>
@@ -1639,7 +3810,7 @@
             </a:lvl7pPr>
             <a:lvl8pPr marL="3200400" indent="0">
               <a:buNone/>
-              <a:defRPr sz="1600">
+              <a:defRPr sz="1400">
                 <a:solidFill>
                   <a:schemeClr val="tx1">
                     <a:tint val="75000"/>
@@ -1649,7 +3820,7 @@
             </a:lvl8pPr>
             <a:lvl9pPr marL="3657600" indent="0">
               <a:buNone/>
-              <a:defRPr sz="1600">
+              <a:defRPr sz="1400">
                 <a:solidFill>
                   <a:schemeClr val="tx1">
                     <a:tint val="75000"/>
@@ -1662,20 +3833,14 @@
             <a:pPr lvl="0"/>
             <a:r>
               <a:rPr lang="en-US"/>
-              <a:t>Edit Master text styles</a:t>
-            </a:r>
-          </a:p>
-        </p:txBody>
-      </p:sp>
-      <p:sp>
-        <p:nvSpPr>
-          <p:cNvPr id="4" name="Date Placeholder 3">
-            <a:extLst>
-              <a:ext uri="{FF2B5EF4-FFF2-40B4-BE49-F238E27FC236}">
-                <a16:creationId xmlns:a16="http://schemas.microsoft.com/office/drawing/2014/main" id="{3A2F0249-CF89-4A7B-8E8D-A881D06154FD}"/>
-              </a:ext>
-            </a:extLst>
-          </p:cNvPr>
+              <a:t>Click to edit Master text styles</a:t>
+            </a:r>
+          </a:p>
+        </p:txBody>
+      </p:sp>
+      <p:sp>
+        <p:nvSpPr>
+          <p:cNvPr id="4" name="Date Placeholder 3"/>
           <p:cNvSpPr>
             <a:spLocks noGrp="1"/>
           </p:cNvSpPr>
@@ -1698,13 +3863,7 @@
       </p:sp>
       <p:sp>
         <p:nvSpPr>
-          <p:cNvPr id="5" name="Footer Placeholder 4">
-            <a:extLst>
-              <a:ext uri="{FF2B5EF4-FFF2-40B4-BE49-F238E27FC236}">
-                <a16:creationId xmlns:a16="http://schemas.microsoft.com/office/drawing/2014/main" id="{1834EDC6-5477-4951-9677-CEFCA569317F}"/>
-              </a:ext>
-            </a:extLst>
-          </p:cNvPr>
+          <p:cNvPr id="5" name="Footer Placeholder 4"/>
           <p:cNvSpPr>
             <a:spLocks noGrp="1"/>
           </p:cNvSpPr>
@@ -1723,13 +3882,7 @@
       </p:sp>
       <p:sp>
         <p:nvSpPr>
-          <p:cNvPr id="6" name="Slide Number Placeholder 5">
-            <a:extLst>
-              <a:ext uri="{FF2B5EF4-FFF2-40B4-BE49-F238E27FC236}">
-                <a16:creationId xmlns:a16="http://schemas.microsoft.com/office/drawing/2014/main" id="{7C25FC56-6A28-4840-969E-AFF8D01982A3}"/>
-              </a:ext>
-            </a:extLst>
-          </p:cNvPr>
+          <p:cNvPr id="6" name="Slide Number Placeholder 5"/>
           <p:cNvSpPr>
             <a:spLocks noGrp="1"/>
           </p:cNvSpPr>
@@ -1753,7 +3906,7 @@
     </p:spTree>
     <p:extLst>
       <p:ext uri="{BB962C8B-B14F-4D97-AF65-F5344CB8AC3E}">
-        <p14:creationId xmlns:p14="http://schemas.microsoft.com/office/powerpoint/2010/main" val="627901811"/>
+        <p14:creationId xmlns:p14="http://schemas.microsoft.com/office/powerpoint/2010/main" val="2008413040"/>
       </p:ext>
     </p:extLst>
   </p:cSld>
@@ -1782,13 +3935,7 @@
       </p:grpSpPr>
       <p:sp>
         <p:nvSpPr>
-          <p:cNvPr id="2" name="Title 1">
-            <a:extLst>
-              <a:ext uri="{FF2B5EF4-FFF2-40B4-BE49-F238E27FC236}">
-                <a16:creationId xmlns:a16="http://schemas.microsoft.com/office/drawing/2014/main" id="{6EA48A66-964F-4363-BBD8-2CE247AEF0DE}"/>
-              </a:ext>
-            </a:extLst>
-          </p:cNvPr>
+          <p:cNvPr id="2" name="Title 1"/>
           <p:cNvSpPr>
             <a:spLocks noGrp="1"/>
           </p:cNvSpPr>
@@ -1805,18 +3952,13 @@
               <a:rPr lang="en-US"/>
               <a:t>Click to edit Master title style</a:t>
             </a:r>
-          </a:p>
-        </p:txBody>
-      </p:sp>
-      <p:sp>
-        <p:nvSpPr>
-          <p:cNvPr id="3" name="Content Placeholder 2">
-            <a:extLst>
-              <a:ext uri="{FF2B5EF4-FFF2-40B4-BE49-F238E27FC236}">
-                <a16:creationId xmlns:a16="http://schemas.microsoft.com/office/drawing/2014/main" id="{2D19836D-7600-40CD-BD03-F5A0810746BF}"/>
-              </a:ext>
-            </a:extLst>
-          </p:cNvPr>
+            <a:endParaRPr lang="en-US" dirty="0"/>
+          </a:p>
+        </p:txBody>
+      </p:sp>
+      <p:sp>
+        <p:nvSpPr>
+          <p:cNvPr id="3" name="Content Placeholder 2"/>
           <p:cNvSpPr>
             <a:spLocks noGrp="1"/>
           </p:cNvSpPr>
@@ -1826,8 +3968,8 @@
         </p:nvSpPr>
         <p:spPr>
           <a:xfrm>
-            <a:off x="838200" y="1825625"/>
-            <a:ext cx="5181600" cy="4351338"/>
+            <a:off x="677334" y="2160589"/>
+            <a:ext cx="4184035" cy="3880772"/>
           </a:xfrm>
         </p:spPr>
         <p:txBody>
@@ -1837,7 +3979,7 @@
             <a:pPr lvl="0"/>
             <a:r>
               <a:rPr lang="en-US"/>
-              <a:t>Edit Master text styles</a:t>
+              <a:t>Click to edit Master text styles</a:t>
             </a:r>
           </a:p>
           <a:p>
@@ -1867,18 +4009,13 @@
               <a:rPr lang="en-US"/>
               <a:t>Fifth level</a:t>
             </a:r>
-          </a:p>
-        </p:txBody>
-      </p:sp>
-      <p:sp>
-        <p:nvSpPr>
-          <p:cNvPr id="4" name="Content Placeholder 3">
-            <a:extLst>
-              <a:ext uri="{FF2B5EF4-FFF2-40B4-BE49-F238E27FC236}">
-                <a16:creationId xmlns:a16="http://schemas.microsoft.com/office/drawing/2014/main" id="{F16641A3-76E7-4368-BC3A-F3D2AF789200}"/>
-              </a:ext>
-            </a:extLst>
-          </p:cNvPr>
+            <a:endParaRPr lang="en-US" dirty="0"/>
+          </a:p>
+        </p:txBody>
+      </p:sp>
+      <p:sp>
+        <p:nvSpPr>
+          <p:cNvPr id="4" name="Content Placeholder 3"/>
           <p:cNvSpPr>
             <a:spLocks noGrp="1"/>
           </p:cNvSpPr>
@@ -1888,8 +4025,8 @@
         </p:nvSpPr>
         <p:spPr>
           <a:xfrm>
-            <a:off x="6172200" y="1825625"/>
-            <a:ext cx="5181600" cy="4351338"/>
+            <a:off x="5089970" y="2160589"/>
+            <a:ext cx="4184034" cy="3880773"/>
           </a:xfrm>
         </p:spPr>
         <p:txBody>
@@ -1899,7 +4036,7 @@
             <a:pPr lvl="0"/>
             <a:r>
               <a:rPr lang="en-US"/>
-              <a:t>Edit Master text styles</a:t>
+              <a:t>Click to edit Master text styles</a:t>
             </a:r>
           </a:p>
           <a:p>
@@ -1929,18 +4066,13 @@
               <a:rPr lang="en-US"/>
               <a:t>Fifth level</a:t>
             </a:r>
-          </a:p>
-        </p:txBody>
-      </p:sp>
-      <p:sp>
-        <p:nvSpPr>
-          <p:cNvPr id="5" name="Date Placeholder 4">
-            <a:extLst>
-              <a:ext uri="{FF2B5EF4-FFF2-40B4-BE49-F238E27FC236}">
-                <a16:creationId xmlns:a16="http://schemas.microsoft.com/office/drawing/2014/main" id="{70E2E60D-1D3B-42DA-ABE9-00B6F103302C}"/>
-              </a:ext>
-            </a:extLst>
-          </p:cNvPr>
+            <a:endParaRPr lang="en-US" dirty="0"/>
+          </a:p>
+        </p:txBody>
+      </p:sp>
+      <p:sp>
+        <p:nvSpPr>
+          <p:cNvPr id="5" name="Date Placeholder 4"/>
           <p:cNvSpPr>
             <a:spLocks noGrp="1"/>
           </p:cNvSpPr>
@@ -1963,13 +4095,7 @@
       </p:sp>
       <p:sp>
         <p:nvSpPr>
-          <p:cNvPr id="6" name="Footer Placeholder 5">
-            <a:extLst>
-              <a:ext uri="{FF2B5EF4-FFF2-40B4-BE49-F238E27FC236}">
-                <a16:creationId xmlns:a16="http://schemas.microsoft.com/office/drawing/2014/main" id="{C354AB6A-35CE-40B7-8034-83ED8BC0AB02}"/>
-              </a:ext>
-            </a:extLst>
-          </p:cNvPr>
+          <p:cNvPr id="6" name="Footer Placeholder 5"/>
           <p:cNvSpPr>
             <a:spLocks noGrp="1"/>
           </p:cNvSpPr>
@@ -1988,13 +4114,7 @@
       </p:sp>
       <p:sp>
         <p:nvSpPr>
-          <p:cNvPr id="7" name="Slide Number Placeholder 6">
-            <a:extLst>
-              <a:ext uri="{FF2B5EF4-FFF2-40B4-BE49-F238E27FC236}">
-                <a16:creationId xmlns:a16="http://schemas.microsoft.com/office/drawing/2014/main" id="{447526DB-CD3C-4A34-8A09-BBA1F76FFFC4}"/>
-              </a:ext>
-            </a:extLst>
-          </p:cNvPr>
+          <p:cNvPr id="7" name="Slide Number Placeholder 6"/>
           <p:cNvSpPr>
             <a:spLocks noGrp="1"/>
           </p:cNvSpPr>
@@ -2018,7 +4138,7 @@
     </p:spTree>
     <p:extLst>
       <p:ext uri="{BB962C8B-B14F-4D97-AF65-F5344CB8AC3E}">
-        <p14:creationId xmlns:p14="http://schemas.microsoft.com/office/powerpoint/2010/main" val="1853100111"/>
+        <p14:creationId xmlns:p14="http://schemas.microsoft.com/office/powerpoint/2010/main" val="1141505321"/>
       </p:ext>
     </p:extLst>
   </p:cSld>
@@ -2047,65 +4167,55 @@
       </p:grpSpPr>
       <p:sp>
         <p:nvSpPr>
-          <p:cNvPr id="2" name="Title 1">
-            <a:extLst>
-              <a:ext uri="{FF2B5EF4-FFF2-40B4-BE49-F238E27FC236}">
-                <a16:creationId xmlns:a16="http://schemas.microsoft.com/office/drawing/2014/main" id="{E004AD8B-0B9F-4270-AEC9-322B62A0DAD1}"/>
-              </a:ext>
-            </a:extLst>
-          </p:cNvPr>
+          <p:cNvPr id="2" name="Title 1"/>
           <p:cNvSpPr>
             <a:spLocks noGrp="1"/>
           </p:cNvSpPr>
           <p:nvPr>
             <p:ph type="title"/>
+          </p:nvPr>
+        </p:nvSpPr>
+        <p:spPr/>
+        <p:txBody>
+          <a:bodyPr/>
+          <a:lstStyle>
+            <a:lvl1pPr>
+              <a:defRPr/>
+            </a:lvl1pPr>
+          </a:lstStyle>
+          <a:p>
+            <a:r>
+              <a:rPr lang="en-US"/>
+              <a:t>Click to edit Master title style</a:t>
+            </a:r>
+            <a:endParaRPr lang="en-US" dirty="0"/>
+          </a:p>
+        </p:txBody>
+      </p:sp>
+      <p:sp>
+        <p:nvSpPr>
+          <p:cNvPr id="3" name="Text Placeholder 2"/>
+          <p:cNvSpPr>
+            <a:spLocks noGrp="1"/>
+          </p:cNvSpPr>
+          <p:nvPr>
+            <p:ph type="body" idx="1"/>
           </p:nvPr>
         </p:nvSpPr>
         <p:spPr>
           <a:xfrm>
-            <a:off x="839788" y="365125"/>
-            <a:ext cx="10515600" cy="1325563"/>
+            <a:off x="675745" y="2160983"/>
+            <a:ext cx="4185623" cy="576262"/>
           </a:xfrm>
         </p:spPr>
         <p:txBody>
-          <a:bodyPr/>
-          <a:lstStyle/>
-          <a:p>
-            <a:r>
-              <a:rPr lang="en-US"/>
-              <a:t>Click to edit Master title style</a:t>
-            </a:r>
-          </a:p>
-        </p:txBody>
-      </p:sp>
-      <p:sp>
-        <p:nvSpPr>
-          <p:cNvPr id="3" name="Text Placeholder 2">
-            <a:extLst>
-              <a:ext uri="{FF2B5EF4-FFF2-40B4-BE49-F238E27FC236}">
-                <a16:creationId xmlns:a16="http://schemas.microsoft.com/office/drawing/2014/main" id="{241BC6EB-3B52-4D5A-B8C2-AFAC557D8543}"/>
-              </a:ext>
-            </a:extLst>
-          </p:cNvPr>
-          <p:cNvSpPr>
-            <a:spLocks noGrp="1"/>
-          </p:cNvSpPr>
-          <p:nvPr>
-            <p:ph type="body" idx="1"/>
-          </p:nvPr>
-        </p:nvSpPr>
-        <p:spPr>
-          <a:xfrm>
-            <a:off x="839788" y="1681163"/>
-            <a:ext cx="5157787" cy="823912"/>
-          </a:xfrm>
-        </p:spPr>
-        <p:txBody>
-          <a:bodyPr anchor="b"/>
+          <a:bodyPr anchor="b">
+            <a:noAutofit/>
+          </a:bodyPr>
           <a:lstStyle>
             <a:lvl1pPr marL="0" indent="0">
               <a:buNone/>
-              <a:defRPr sz="2400" b="1"/>
+              <a:defRPr sz="2400" b="0"/>
             </a:lvl1pPr>
             <a:lvl2pPr marL="457200" indent="0">
               <a:buNone/>
@@ -2144,20 +4254,14 @@
             <a:pPr lvl="0"/>
             <a:r>
               <a:rPr lang="en-US"/>
-              <a:t>Edit Master text styles</a:t>
-            </a:r>
-          </a:p>
-        </p:txBody>
-      </p:sp>
-      <p:sp>
-        <p:nvSpPr>
-          <p:cNvPr id="4" name="Content Placeholder 3">
-            <a:extLst>
-              <a:ext uri="{FF2B5EF4-FFF2-40B4-BE49-F238E27FC236}">
-                <a16:creationId xmlns:a16="http://schemas.microsoft.com/office/drawing/2014/main" id="{9C915867-BD29-4CBD-BEAD-79370C91D6EB}"/>
-              </a:ext>
-            </a:extLst>
-          </p:cNvPr>
+              <a:t>Click to edit Master text styles</a:t>
+            </a:r>
+          </a:p>
+        </p:txBody>
+      </p:sp>
+      <p:sp>
+        <p:nvSpPr>
+          <p:cNvPr id="4" name="Content Placeholder 3"/>
           <p:cNvSpPr>
             <a:spLocks noGrp="1"/>
           </p:cNvSpPr>
@@ -2167,18 +4271,20 @@
         </p:nvSpPr>
         <p:spPr>
           <a:xfrm>
-            <a:off x="839788" y="2505075"/>
-            <a:ext cx="5157787" cy="3684588"/>
+            <a:off x="675745" y="2737245"/>
+            <a:ext cx="4185623" cy="3304117"/>
           </a:xfrm>
         </p:spPr>
         <p:txBody>
-          <a:bodyPr/>
+          <a:bodyPr>
+            <a:normAutofit/>
+          </a:bodyPr>
           <a:lstStyle/>
           <a:p>
             <a:pPr lvl="0"/>
             <a:r>
               <a:rPr lang="en-US"/>
-              <a:t>Edit Master text styles</a:t>
+              <a:t>Click to edit Master text styles</a:t>
             </a:r>
           </a:p>
           <a:p>
@@ -2208,18 +4314,13 @@
               <a:rPr lang="en-US"/>
               <a:t>Fifth level</a:t>
             </a:r>
-          </a:p>
-        </p:txBody>
-      </p:sp>
-      <p:sp>
-        <p:nvSpPr>
-          <p:cNvPr id="5" name="Text Placeholder 4">
-            <a:extLst>
-              <a:ext uri="{FF2B5EF4-FFF2-40B4-BE49-F238E27FC236}">
-                <a16:creationId xmlns:a16="http://schemas.microsoft.com/office/drawing/2014/main" id="{298466A6-4955-427B-BE02-EA9D12162182}"/>
-              </a:ext>
-            </a:extLst>
-          </p:cNvPr>
+            <a:endParaRPr lang="en-US" dirty="0"/>
+          </a:p>
+        </p:txBody>
+      </p:sp>
+      <p:sp>
+        <p:nvSpPr>
+          <p:cNvPr id="5" name="Text Placeholder 4"/>
           <p:cNvSpPr>
             <a:spLocks noGrp="1"/>
           </p:cNvSpPr>
@@ -2229,16 +4330,18 @@
         </p:nvSpPr>
         <p:spPr>
           <a:xfrm>
-            <a:off x="6172200" y="1681163"/>
-            <a:ext cx="5183188" cy="823912"/>
+            <a:off x="5088383" y="2160983"/>
+            <a:ext cx="4185618" cy="576262"/>
           </a:xfrm>
         </p:spPr>
         <p:txBody>
-          <a:bodyPr anchor="b"/>
+          <a:bodyPr anchor="b">
+            <a:noAutofit/>
+          </a:bodyPr>
           <a:lstStyle>
             <a:lvl1pPr marL="0" indent="0">
               <a:buNone/>
-              <a:defRPr sz="2400" b="1"/>
+              <a:defRPr sz="2400" b="0"/>
             </a:lvl1pPr>
             <a:lvl2pPr marL="457200" indent="0">
               <a:buNone/>
@@ -2277,20 +4380,14 @@
             <a:pPr lvl="0"/>
             <a:r>
               <a:rPr lang="en-US"/>
-              <a:t>Edit Master text styles</a:t>
-            </a:r>
-          </a:p>
-        </p:txBody>
-      </p:sp>
-      <p:sp>
-        <p:nvSpPr>
-          <p:cNvPr id="6" name="Content Placeholder 5">
-            <a:extLst>
-              <a:ext uri="{FF2B5EF4-FFF2-40B4-BE49-F238E27FC236}">
-                <a16:creationId xmlns:a16="http://schemas.microsoft.com/office/drawing/2014/main" id="{81162ADB-09F6-4ACD-B2B9-C7E8361A6B60}"/>
-              </a:ext>
-            </a:extLst>
-          </p:cNvPr>
+              <a:t>Click to edit Master text styles</a:t>
+            </a:r>
+          </a:p>
+        </p:txBody>
+      </p:sp>
+      <p:sp>
+        <p:nvSpPr>
+          <p:cNvPr id="6" name="Content Placeholder 5"/>
           <p:cNvSpPr>
             <a:spLocks noGrp="1"/>
           </p:cNvSpPr>
@@ -2300,18 +4397,20 @@
         </p:nvSpPr>
         <p:spPr>
           <a:xfrm>
-            <a:off x="6172200" y="2505075"/>
-            <a:ext cx="5183188" cy="3684588"/>
+            <a:off x="5088384" y="2737245"/>
+            <a:ext cx="4185617" cy="3304117"/>
           </a:xfrm>
         </p:spPr>
         <p:txBody>
-          <a:bodyPr/>
+          <a:bodyPr>
+            <a:normAutofit/>
+          </a:bodyPr>
           <a:lstStyle/>
           <a:p>
             <a:pPr lvl="0"/>
             <a:r>
               <a:rPr lang="en-US"/>
-              <a:t>Edit Master text styles</a:t>
+              <a:t>Click to edit Master text styles</a:t>
             </a:r>
           </a:p>
           <a:p>
@@ -2341,18 +4440,13 @@
               <a:rPr lang="en-US"/>
               <a:t>Fifth level</a:t>
             </a:r>
-          </a:p>
-        </p:txBody>
-      </p:sp>
-      <p:sp>
-        <p:nvSpPr>
-          <p:cNvPr id="7" name="Date Placeholder 6">
-            <a:extLst>
-              <a:ext uri="{FF2B5EF4-FFF2-40B4-BE49-F238E27FC236}">
-                <a16:creationId xmlns:a16="http://schemas.microsoft.com/office/drawing/2014/main" id="{0FB23EF6-85EA-43A9-B5D0-3758DBEEBF6A}"/>
-              </a:ext>
-            </a:extLst>
-          </p:cNvPr>
+            <a:endParaRPr lang="en-US" dirty="0"/>
+          </a:p>
+        </p:txBody>
+      </p:sp>
+      <p:sp>
+        <p:nvSpPr>
+          <p:cNvPr id="7" name="Date Placeholder 6"/>
           <p:cNvSpPr>
             <a:spLocks noGrp="1"/>
           </p:cNvSpPr>
@@ -2375,13 +4469,7 @@
       </p:sp>
       <p:sp>
         <p:nvSpPr>
-          <p:cNvPr id="8" name="Footer Placeholder 7">
-            <a:extLst>
-              <a:ext uri="{FF2B5EF4-FFF2-40B4-BE49-F238E27FC236}">
-                <a16:creationId xmlns:a16="http://schemas.microsoft.com/office/drawing/2014/main" id="{476F0E98-2356-4261-AF6D-7B1A942C6795}"/>
-              </a:ext>
-            </a:extLst>
-          </p:cNvPr>
+          <p:cNvPr id="8" name="Footer Placeholder 7"/>
           <p:cNvSpPr>
             <a:spLocks noGrp="1"/>
           </p:cNvSpPr>
@@ -2400,13 +4488,7 @@
       </p:sp>
       <p:sp>
         <p:nvSpPr>
-          <p:cNvPr id="9" name="Slide Number Placeholder 8">
-            <a:extLst>
-              <a:ext uri="{FF2B5EF4-FFF2-40B4-BE49-F238E27FC236}">
-                <a16:creationId xmlns:a16="http://schemas.microsoft.com/office/drawing/2014/main" id="{A94AF630-8B92-4E3A-A991-E8FCCD7344E3}"/>
-              </a:ext>
-            </a:extLst>
-          </p:cNvPr>
+          <p:cNvPr id="9" name="Slide Number Placeholder 8"/>
           <p:cNvSpPr>
             <a:spLocks noGrp="1"/>
           </p:cNvSpPr>
@@ -2430,7 +4512,7 @@
     </p:spTree>
     <p:extLst>
       <p:ext uri="{BB962C8B-B14F-4D97-AF65-F5344CB8AC3E}">
-        <p14:creationId xmlns:p14="http://schemas.microsoft.com/office/powerpoint/2010/main" val="3779818940"/>
+        <p14:creationId xmlns:p14="http://schemas.microsoft.com/office/powerpoint/2010/main" val="2784620530"/>
       </p:ext>
     </p:extLst>
   </p:cSld>
@@ -2459,13 +4541,7 @@
       </p:grpSpPr>
       <p:sp>
         <p:nvSpPr>
-          <p:cNvPr id="2" name="Title 1">
-            <a:extLst>
-              <a:ext uri="{FF2B5EF4-FFF2-40B4-BE49-F238E27FC236}">
-                <a16:creationId xmlns:a16="http://schemas.microsoft.com/office/drawing/2014/main" id="{0CBC27E9-75EB-4A14-8441-7D4A96F402F7}"/>
-              </a:ext>
-            </a:extLst>
-          </p:cNvPr>
+          <p:cNvPr id="2" name="Title 1"/>
           <p:cNvSpPr>
             <a:spLocks noGrp="1"/>
           </p:cNvSpPr>
@@ -2473,7 +4549,12 @@
             <p:ph type="title"/>
           </p:nvPr>
         </p:nvSpPr>
-        <p:spPr/>
+        <p:spPr>
+          <a:xfrm>
+            <a:off x="677334" y="609600"/>
+            <a:ext cx="8596668" cy="1320800"/>
+          </a:xfrm>
+        </p:spPr>
         <p:txBody>
           <a:bodyPr/>
           <a:lstStyle/>
@@ -2482,18 +4563,13 @@
               <a:rPr lang="en-US"/>
               <a:t>Click to edit Master title style</a:t>
             </a:r>
-          </a:p>
-        </p:txBody>
-      </p:sp>
-      <p:sp>
-        <p:nvSpPr>
-          <p:cNvPr id="3" name="Date Placeholder 2">
-            <a:extLst>
-              <a:ext uri="{FF2B5EF4-FFF2-40B4-BE49-F238E27FC236}">
-                <a16:creationId xmlns:a16="http://schemas.microsoft.com/office/drawing/2014/main" id="{B3C2DBCE-018D-4317-B24C-C2193777795F}"/>
-              </a:ext>
-            </a:extLst>
-          </p:cNvPr>
+            <a:endParaRPr lang="en-US" dirty="0"/>
+          </a:p>
+        </p:txBody>
+      </p:sp>
+      <p:sp>
+        <p:nvSpPr>
+          <p:cNvPr id="3" name="Date Placeholder 2"/>
           <p:cNvSpPr>
             <a:spLocks noGrp="1"/>
           </p:cNvSpPr>
@@ -2516,13 +4592,7 @@
       </p:sp>
       <p:sp>
         <p:nvSpPr>
-          <p:cNvPr id="4" name="Footer Placeholder 3">
-            <a:extLst>
-              <a:ext uri="{FF2B5EF4-FFF2-40B4-BE49-F238E27FC236}">
-                <a16:creationId xmlns:a16="http://schemas.microsoft.com/office/drawing/2014/main" id="{345C6003-D10B-429B-A28B-0A3E94BA5BB0}"/>
-              </a:ext>
-            </a:extLst>
-          </p:cNvPr>
+          <p:cNvPr id="4" name="Footer Placeholder 3"/>
           <p:cNvSpPr>
             <a:spLocks noGrp="1"/>
           </p:cNvSpPr>
@@ -2541,13 +4611,7 @@
       </p:sp>
       <p:sp>
         <p:nvSpPr>
-          <p:cNvPr id="5" name="Slide Number Placeholder 4">
-            <a:extLst>
-              <a:ext uri="{FF2B5EF4-FFF2-40B4-BE49-F238E27FC236}">
-                <a16:creationId xmlns:a16="http://schemas.microsoft.com/office/drawing/2014/main" id="{848013DC-9D7F-4056-915B-C845ADA87DF6}"/>
-              </a:ext>
-            </a:extLst>
-          </p:cNvPr>
+          <p:cNvPr id="5" name="Slide Number Placeholder 4"/>
           <p:cNvSpPr>
             <a:spLocks noGrp="1"/>
           </p:cNvSpPr>
@@ -2571,7 +4635,7 @@
     </p:spTree>
     <p:extLst>
       <p:ext uri="{BB962C8B-B14F-4D97-AF65-F5344CB8AC3E}">
-        <p14:creationId xmlns:p14="http://schemas.microsoft.com/office/powerpoint/2010/main" val="2435151636"/>
+        <p14:creationId xmlns:p14="http://schemas.microsoft.com/office/powerpoint/2010/main" val="3917408813"/>
       </p:ext>
     </p:extLst>
   </p:cSld>
@@ -2600,13 +4664,7 @@
       </p:grpSpPr>
       <p:sp>
         <p:nvSpPr>
-          <p:cNvPr id="2" name="Date Placeholder 1">
-            <a:extLst>
-              <a:ext uri="{FF2B5EF4-FFF2-40B4-BE49-F238E27FC236}">
-                <a16:creationId xmlns:a16="http://schemas.microsoft.com/office/drawing/2014/main" id="{918DDF09-52E3-4E13-B0EF-3A31F8A776ED}"/>
-              </a:ext>
-            </a:extLst>
-          </p:cNvPr>
+          <p:cNvPr id="2" name="Date Placeholder 1"/>
           <p:cNvSpPr>
             <a:spLocks noGrp="1"/>
           </p:cNvSpPr>
@@ -2629,13 +4687,7 @@
       </p:sp>
       <p:sp>
         <p:nvSpPr>
-          <p:cNvPr id="3" name="Footer Placeholder 2">
-            <a:extLst>
-              <a:ext uri="{FF2B5EF4-FFF2-40B4-BE49-F238E27FC236}">
-                <a16:creationId xmlns:a16="http://schemas.microsoft.com/office/drawing/2014/main" id="{E2B99FBF-4219-40B3-AA28-1E9885CECE20}"/>
-              </a:ext>
-            </a:extLst>
-          </p:cNvPr>
+          <p:cNvPr id="3" name="Footer Placeholder 2"/>
           <p:cNvSpPr>
             <a:spLocks noGrp="1"/>
           </p:cNvSpPr>
@@ -2654,13 +4706,7 @@
       </p:sp>
       <p:sp>
         <p:nvSpPr>
-          <p:cNvPr id="4" name="Slide Number Placeholder 3">
-            <a:extLst>
-              <a:ext uri="{FF2B5EF4-FFF2-40B4-BE49-F238E27FC236}">
-                <a16:creationId xmlns:a16="http://schemas.microsoft.com/office/drawing/2014/main" id="{3EBAFF1D-28BF-4BB1-839B-8CC14C01A510}"/>
-              </a:ext>
-            </a:extLst>
-          </p:cNvPr>
+          <p:cNvPr id="4" name="Slide Number Placeholder 3"/>
           <p:cNvSpPr>
             <a:spLocks noGrp="1"/>
           </p:cNvSpPr>
@@ -2684,7 +4730,7 @@
     </p:spTree>
     <p:extLst>
       <p:ext uri="{BB962C8B-B14F-4D97-AF65-F5344CB8AC3E}">
-        <p14:creationId xmlns:p14="http://schemas.microsoft.com/office/powerpoint/2010/main" val="918704910"/>
+        <p14:creationId xmlns:p14="http://schemas.microsoft.com/office/powerpoint/2010/main" val="672657941"/>
       </p:ext>
     </p:extLst>
   </p:cSld>
@@ -2713,13 +4759,7 @@
       </p:grpSpPr>
       <p:sp>
         <p:nvSpPr>
-          <p:cNvPr id="2" name="Title 1">
-            <a:extLst>
-              <a:ext uri="{FF2B5EF4-FFF2-40B4-BE49-F238E27FC236}">
-                <a16:creationId xmlns:a16="http://schemas.microsoft.com/office/drawing/2014/main" id="{8648C4CD-5A83-43B5-9579-B8CF6471A756}"/>
-              </a:ext>
-            </a:extLst>
-          </p:cNvPr>
+          <p:cNvPr id="2" name="Title 1"/>
           <p:cNvSpPr>
             <a:spLocks noGrp="1"/>
           </p:cNvSpPr>
@@ -2729,15 +4769,17 @@
         </p:nvSpPr>
         <p:spPr>
           <a:xfrm>
-            <a:off x="839788" y="457200"/>
-            <a:ext cx="3932237" cy="1600200"/>
+            <a:off x="677334" y="1498604"/>
+            <a:ext cx="3854528" cy="1278466"/>
           </a:xfrm>
         </p:spPr>
         <p:txBody>
-          <a:bodyPr anchor="b"/>
+          <a:bodyPr anchor="b">
+            <a:normAutofit/>
+          </a:bodyPr>
           <a:lstStyle>
             <a:lvl1pPr>
-              <a:defRPr sz="3200"/>
+              <a:defRPr sz="2000"/>
             </a:lvl1pPr>
           </a:lstStyle>
           <a:p>
@@ -2745,18 +4787,13 @@
               <a:rPr lang="en-US"/>
               <a:t>Click to edit Master title style</a:t>
             </a:r>
-          </a:p>
-        </p:txBody>
-      </p:sp>
-      <p:sp>
-        <p:nvSpPr>
-          <p:cNvPr id="3" name="Content Placeholder 2">
-            <a:extLst>
-              <a:ext uri="{FF2B5EF4-FFF2-40B4-BE49-F238E27FC236}">
-                <a16:creationId xmlns:a16="http://schemas.microsoft.com/office/drawing/2014/main" id="{A4DA49C8-8B07-48AC-9C07-6CCC31B4DEB9}"/>
-              </a:ext>
-            </a:extLst>
-          </p:cNvPr>
+            <a:endParaRPr lang="en-US" dirty="0"/>
+          </a:p>
+        </p:txBody>
+      </p:sp>
+      <p:sp>
+        <p:nvSpPr>
+          <p:cNvPr id="3" name="Content Placeholder 2"/>
           <p:cNvSpPr>
             <a:spLocks noGrp="1"/>
           </p:cNvSpPr>
@@ -2766,46 +4803,20 @@
         </p:nvSpPr>
         <p:spPr>
           <a:xfrm>
-            <a:off x="5183188" y="987425"/>
-            <a:ext cx="6172200" cy="4873625"/>
+            <a:off x="4760461" y="514924"/>
+            <a:ext cx="4513541" cy="5526437"/>
           </a:xfrm>
         </p:spPr>
         <p:txBody>
-          <a:bodyPr/>
-          <a:lstStyle>
-            <a:lvl1pPr>
-              <a:defRPr sz="3200"/>
-            </a:lvl1pPr>
-            <a:lvl2pPr>
-              <a:defRPr sz="2800"/>
-            </a:lvl2pPr>
-            <a:lvl3pPr>
-              <a:defRPr sz="2400"/>
-            </a:lvl3pPr>
-            <a:lvl4pPr>
-              <a:defRPr sz="2000"/>
-            </a:lvl4pPr>
-            <a:lvl5pPr>
-              <a:defRPr sz="2000"/>
-            </a:lvl5pPr>
-            <a:lvl6pPr>
-              <a:defRPr sz="2000"/>
-            </a:lvl6pPr>
-            <a:lvl7pPr>
-              <a:defRPr sz="2000"/>
-            </a:lvl7pPr>
-            <a:lvl8pPr>
-              <a:defRPr sz="2000"/>
-            </a:lvl8pPr>
-            <a:lvl9pPr>
-              <a:defRPr sz="2000"/>
-            </a:lvl9pPr>
-          </a:lstStyle>
+          <a:bodyPr>
+            <a:normAutofit/>
+          </a:bodyPr>
+          <a:lstStyle/>
           <a:p>
             <a:pPr lvl="0"/>
             <a:r>
               <a:rPr lang="en-US"/>
-              <a:t>Edit Master text styles</a:t>
+              <a:t>Click to edit Master text styles</a:t>
             </a:r>
           </a:p>
           <a:p>
@@ -2835,18 +4846,13 @@
               <a:rPr lang="en-US"/>
               <a:t>Fifth level</a:t>
             </a:r>
-          </a:p>
-        </p:txBody>
-      </p:sp>
-      <p:sp>
-        <p:nvSpPr>
-          <p:cNvPr id="4" name="Text Placeholder 3">
-            <a:extLst>
-              <a:ext uri="{FF2B5EF4-FFF2-40B4-BE49-F238E27FC236}">
-                <a16:creationId xmlns:a16="http://schemas.microsoft.com/office/drawing/2014/main" id="{25695D27-2AE6-4B35-8C42-EA5C68CD7D9A}"/>
-              </a:ext>
-            </a:extLst>
-          </p:cNvPr>
+            <a:endParaRPr lang="en-US" dirty="0"/>
+          </a:p>
+        </p:txBody>
+      </p:sp>
+      <p:sp>
+        <p:nvSpPr>
+          <p:cNvPr id="4" name="Text Placeholder 3"/>
           <p:cNvSpPr>
             <a:spLocks noGrp="1"/>
           </p:cNvSpPr>
@@ -2856,46 +4862,48 @@
         </p:nvSpPr>
         <p:spPr>
           <a:xfrm>
-            <a:off x="839788" y="2057400"/>
-            <a:ext cx="3932237" cy="3811588"/>
+            <a:off x="677334" y="2777069"/>
+            <a:ext cx="3854528" cy="2584449"/>
           </a:xfrm>
         </p:spPr>
         <p:txBody>
-          <a:bodyPr/>
+          <a:bodyPr>
+            <a:normAutofit/>
+          </a:bodyPr>
           <a:lstStyle>
             <a:lvl1pPr marL="0" indent="0">
               <a:buNone/>
-              <a:defRPr sz="1600"/>
+              <a:defRPr sz="1400"/>
             </a:lvl1pPr>
-            <a:lvl2pPr marL="457200" indent="0">
+            <a:lvl2pPr marL="457063" indent="0">
               <a:buNone/>
               <a:defRPr sz="1400"/>
             </a:lvl2pPr>
-            <a:lvl3pPr marL="914400" indent="0">
+            <a:lvl3pPr marL="914126" indent="0">
               <a:buNone/>
               <a:defRPr sz="1200"/>
             </a:lvl3pPr>
-            <a:lvl4pPr marL="1371600" indent="0">
+            <a:lvl4pPr marL="1371189" indent="0">
               <a:buNone/>
               <a:defRPr sz="1000"/>
             </a:lvl4pPr>
-            <a:lvl5pPr marL="1828800" indent="0">
+            <a:lvl5pPr marL="1828251" indent="0">
               <a:buNone/>
               <a:defRPr sz="1000"/>
             </a:lvl5pPr>
-            <a:lvl6pPr marL="2286000" indent="0">
+            <a:lvl6pPr marL="2285314" indent="0">
               <a:buNone/>
               <a:defRPr sz="1000"/>
             </a:lvl6pPr>
-            <a:lvl7pPr marL="2743200" indent="0">
+            <a:lvl7pPr marL="2742377" indent="0">
               <a:buNone/>
               <a:defRPr sz="1000"/>
             </a:lvl7pPr>
-            <a:lvl8pPr marL="3200400" indent="0">
+            <a:lvl8pPr marL="3199440" indent="0">
               <a:buNone/>
               <a:defRPr sz="1000"/>
             </a:lvl8pPr>
-            <a:lvl9pPr marL="3657600" indent="0">
+            <a:lvl9pPr marL="3656503" indent="0">
               <a:buNone/>
               <a:defRPr sz="1000"/>
             </a:lvl9pPr>
@@ -2904,20 +4912,14 @@
             <a:pPr lvl="0"/>
             <a:r>
               <a:rPr lang="en-US"/>
-              <a:t>Edit Master text styles</a:t>
-            </a:r>
-          </a:p>
-        </p:txBody>
-      </p:sp>
-      <p:sp>
-        <p:nvSpPr>
-          <p:cNvPr id="5" name="Date Placeholder 4">
-            <a:extLst>
-              <a:ext uri="{FF2B5EF4-FFF2-40B4-BE49-F238E27FC236}">
-                <a16:creationId xmlns:a16="http://schemas.microsoft.com/office/drawing/2014/main" id="{E3391651-0863-4A89-A889-6055C8D0F4B1}"/>
-              </a:ext>
-            </a:extLst>
-          </p:cNvPr>
+              <a:t>Click to edit Master text styles</a:t>
+            </a:r>
+          </a:p>
+        </p:txBody>
+      </p:sp>
+      <p:sp>
+        <p:nvSpPr>
+          <p:cNvPr id="5" name="Date Placeholder 4"/>
           <p:cNvSpPr>
             <a:spLocks noGrp="1"/>
           </p:cNvSpPr>
@@ -2940,13 +4942,7 @@
       </p:sp>
       <p:sp>
         <p:nvSpPr>
-          <p:cNvPr id="6" name="Footer Placeholder 5">
-            <a:extLst>
-              <a:ext uri="{FF2B5EF4-FFF2-40B4-BE49-F238E27FC236}">
-                <a16:creationId xmlns:a16="http://schemas.microsoft.com/office/drawing/2014/main" id="{A58BD13B-DE07-4C0E-B2DE-436210897AB6}"/>
-              </a:ext>
-            </a:extLst>
-          </p:cNvPr>
+          <p:cNvPr id="6" name="Footer Placeholder 5"/>
           <p:cNvSpPr>
             <a:spLocks noGrp="1"/>
           </p:cNvSpPr>
@@ -2965,13 +4961,7 @@
       </p:sp>
       <p:sp>
         <p:nvSpPr>
-          <p:cNvPr id="7" name="Slide Number Placeholder 6">
-            <a:extLst>
-              <a:ext uri="{FF2B5EF4-FFF2-40B4-BE49-F238E27FC236}">
-                <a16:creationId xmlns:a16="http://schemas.microsoft.com/office/drawing/2014/main" id="{EE9DF971-17F7-4A77-99DC-728AA4626B5E}"/>
-              </a:ext>
-            </a:extLst>
-          </p:cNvPr>
+          <p:cNvPr id="7" name="Slide Number Placeholder 6"/>
           <p:cNvSpPr>
             <a:spLocks noGrp="1"/>
           </p:cNvSpPr>
@@ -2995,7 +4985,7 @@
     </p:spTree>
     <p:extLst>
       <p:ext uri="{BB962C8B-B14F-4D97-AF65-F5344CB8AC3E}">
-        <p14:creationId xmlns:p14="http://schemas.microsoft.com/office/powerpoint/2010/main" val="3456625186"/>
+        <p14:creationId xmlns:p14="http://schemas.microsoft.com/office/powerpoint/2010/main" val="2800853073"/>
       </p:ext>
     </p:extLst>
   </p:cSld>
@@ -3024,13 +5014,7 @@
       </p:grpSpPr>
       <p:sp>
         <p:nvSpPr>
-          <p:cNvPr id="2" name="Title 1">
-            <a:extLst>
-              <a:ext uri="{FF2B5EF4-FFF2-40B4-BE49-F238E27FC236}">
-                <a16:creationId xmlns:a16="http://schemas.microsoft.com/office/drawing/2014/main" id="{44DFD750-5A37-420D-83A1-7351F612760C}"/>
-              </a:ext>
-            </a:extLst>
-          </p:cNvPr>
+          <p:cNvPr id="2" name="Title 1"/>
           <p:cNvSpPr>
             <a:spLocks noGrp="1"/>
           </p:cNvSpPr>
@@ -3040,15 +5024,17 @@
         </p:nvSpPr>
         <p:spPr>
           <a:xfrm>
-            <a:off x="839788" y="457200"/>
-            <a:ext cx="3932237" cy="1600200"/>
+            <a:off x="677334" y="4800600"/>
+            <a:ext cx="8596667" cy="566738"/>
           </a:xfrm>
         </p:spPr>
         <p:txBody>
-          <a:bodyPr anchor="b"/>
+          <a:bodyPr anchor="b">
+            <a:normAutofit/>
+          </a:bodyPr>
           <a:lstStyle>
-            <a:lvl1pPr>
-              <a:defRPr sz="3200"/>
+            <a:lvl1pPr algn="l">
+              <a:defRPr sz="2400" b="0"/>
             </a:lvl1pPr>
           </a:lstStyle>
           <a:p>
@@ -3056,20 +5042,15 @@
               <a:rPr lang="en-US"/>
               <a:t>Click to edit Master title style</a:t>
             </a:r>
-          </a:p>
-        </p:txBody>
-      </p:sp>
-      <p:sp>
-        <p:nvSpPr>
-          <p:cNvPr id="3" name="Picture Placeholder 2">
-            <a:extLst>
-              <a:ext uri="{FF2B5EF4-FFF2-40B4-BE49-F238E27FC236}">
-                <a16:creationId xmlns:a16="http://schemas.microsoft.com/office/drawing/2014/main" id="{524EA0D5-1058-41E7-A7B2-55204CB5209B}"/>
-              </a:ext>
-            </a:extLst>
-          </p:cNvPr>
-          <p:cNvSpPr>
-            <a:spLocks noGrp="1"/>
+            <a:endParaRPr lang="en-US" dirty="0"/>
+          </a:p>
+        </p:txBody>
+      </p:sp>
+      <p:sp>
+        <p:nvSpPr>
+          <p:cNvPr id="3" name="Picture Placeholder 2"/>
+          <p:cNvSpPr>
+            <a:spLocks noGrp="1" noChangeAspect="1"/>
           </p:cNvSpPr>
           <p:nvPr>
             <p:ph type="pic" idx="1"/>
@@ -3077,135 +5058,131 @@
         </p:nvSpPr>
         <p:spPr>
           <a:xfrm>
-            <a:off x="5183188" y="987425"/>
-            <a:ext cx="6172200" cy="4873625"/>
+            <a:off x="677334" y="609600"/>
+            <a:ext cx="8596668" cy="3845718"/>
           </a:xfrm>
         </p:spPr>
         <p:txBody>
-          <a:bodyPr/>
+          <a:bodyPr anchor="t">
+            <a:normAutofit/>
+          </a:bodyPr>
           <a:lstStyle>
-            <a:lvl1pPr marL="0" indent="0">
-              <a:buNone/>
-              <a:defRPr sz="3200"/>
-            </a:lvl1pPr>
-            <a:lvl2pPr marL="457200" indent="0">
-              <a:buNone/>
-              <a:defRPr sz="2800"/>
-            </a:lvl2pPr>
-            <a:lvl3pPr marL="914400" indent="0">
-              <a:buNone/>
-              <a:defRPr sz="2400"/>
-            </a:lvl3pPr>
-            <a:lvl4pPr marL="1371600" indent="0">
-              <a:buNone/>
-              <a:defRPr sz="2000"/>
-            </a:lvl4pPr>
-            <a:lvl5pPr marL="1828800" indent="0">
-              <a:buNone/>
-              <a:defRPr sz="2000"/>
-            </a:lvl5pPr>
-            <a:lvl6pPr marL="2286000" indent="0">
-              <a:buNone/>
-              <a:defRPr sz="2000"/>
-            </a:lvl6pPr>
-            <a:lvl7pPr marL="2743200" indent="0">
-              <a:buNone/>
-              <a:defRPr sz="2000"/>
-            </a:lvl7pPr>
-            <a:lvl8pPr marL="3200400" indent="0">
-              <a:buNone/>
-              <a:defRPr sz="2000"/>
-            </a:lvl8pPr>
-            <a:lvl9pPr marL="3657600" indent="0">
-              <a:buNone/>
-              <a:defRPr sz="2000"/>
-            </a:lvl9pPr>
-          </a:lstStyle>
-          <a:p>
-            <a:endParaRPr lang="en-US"/>
-          </a:p>
-        </p:txBody>
-      </p:sp>
-      <p:sp>
-        <p:nvSpPr>
-          <p:cNvPr id="4" name="Text Placeholder 3">
-            <a:extLst>
-              <a:ext uri="{FF2B5EF4-FFF2-40B4-BE49-F238E27FC236}">
-                <a16:creationId xmlns:a16="http://schemas.microsoft.com/office/drawing/2014/main" id="{3D444A2A-1AD3-40EB-905F-9E53BB0EA1A4}"/>
-              </a:ext>
-            </a:extLst>
-          </p:cNvPr>
-          <p:cNvSpPr>
-            <a:spLocks noGrp="1"/>
-          </p:cNvSpPr>
-          <p:nvPr>
-            <p:ph type="body" sz="half" idx="2"/>
-          </p:nvPr>
-        </p:nvSpPr>
-        <p:spPr>
-          <a:xfrm>
-            <a:off x="839788" y="2057400"/>
-            <a:ext cx="3932237" cy="3811588"/>
-          </a:xfrm>
-        </p:spPr>
-        <p:txBody>
-          <a:bodyPr/>
-          <a:lstStyle>
-            <a:lvl1pPr marL="0" indent="0">
+            <a:lvl1pPr marL="0" indent="0" algn="ctr">
               <a:buNone/>
               <a:defRPr sz="1600"/>
             </a:lvl1pPr>
             <a:lvl2pPr marL="457200" indent="0">
               <a:buNone/>
-              <a:defRPr sz="1400"/>
+              <a:defRPr sz="1600"/>
             </a:lvl2pPr>
             <a:lvl3pPr marL="914400" indent="0">
               <a:buNone/>
-              <a:defRPr sz="1200"/>
+              <a:defRPr sz="1600"/>
             </a:lvl3pPr>
             <a:lvl4pPr marL="1371600" indent="0">
               <a:buNone/>
-              <a:defRPr sz="1000"/>
+              <a:defRPr sz="1600"/>
             </a:lvl4pPr>
             <a:lvl5pPr marL="1828800" indent="0">
               <a:buNone/>
-              <a:defRPr sz="1000"/>
+              <a:defRPr sz="1600"/>
             </a:lvl5pPr>
             <a:lvl6pPr marL="2286000" indent="0">
               <a:buNone/>
-              <a:defRPr sz="1000"/>
+              <a:defRPr sz="1600"/>
             </a:lvl6pPr>
             <a:lvl7pPr marL="2743200" indent="0">
               <a:buNone/>
-              <a:defRPr sz="1000"/>
+              <a:defRPr sz="1600"/>
             </a:lvl7pPr>
             <a:lvl8pPr marL="3200400" indent="0">
               <a:buNone/>
-              <a:defRPr sz="1000"/>
+              <a:defRPr sz="1600"/>
             </a:lvl8pPr>
             <a:lvl9pPr marL="3657600" indent="0">
               <a:buNone/>
-              <a:defRPr sz="1000"/>
+              <a:defRPr sz="1600"/>
             </a:lvl9pPr>
           </a:lstStyle>
           <a:p>
+            <a:r>
+              <a:rPr lang="en-US"/>
+              <a:t>Click icon to add picture</a:t>
+            </a:r>
+            <a:endParaRPr lang="en-US" dirty="0"/>
+          </a:p>
+        </p:txBody>
+      </p:sp>
+      <p:sp>
+        <p:nvSpPr>
+          <p:cNvPr id="4" name="Text Placeholder 3"/>
+          <p:cNvSpPr>
+            <a:spLocks noGrp="1"/>
+          </p:cNvSpPr>
+          <p:nvPr>
+            <p:ph type="body" sz="half" idx="2"/>
+          </p:nvPr>
+        </p:nvSpPr>
+        <p:spPr>
+          <a:xfrm>
+            <a:off x="677334" y="5367338"/>
+            <a:ext cx="8596667" cy="674024"/>
+          </a:xfrm>
+        </p:spPr>
+        <p:txBody>
+          <a:bodyPr>
+            <a:normAutofit/>
+          </a:bodyPr>
+          <a:lstStyle>
+            <a:lvl1pPr marL="0" indent="0">
+              <a:buNone/>
+              <a:defRPr sz="1200"/>
+            </a:lvl1pPr>
+            <a:lvl2pPr marL="457200" indent="0">
+              <a:buNone/>
+              <a:defRPr sz="1200"/>
+            </a:lvl2pPr>
+            <a:lvl3pPr marL="914400" indent="0">
+              <a:buNone/>
+              <a:defRPr sz="1000"/>
+            </a:lvl3pPr>
+            <a:lvl4pPr marL="1371600" indent="0">
+              <a:buNone/>
+              <a:defRPr sz="900"/>
+            </a:lvl4pPr>
+            <a:lvl5pPr marL="1828800" indent="0">
+              <a:buNone/>
+              <a:defRPr sz="900"/>
+            </a:lvl5pPr>
+            <a:lvl6pPr marL="2286000" indent="0">
+              <a:buNone/>
+              <a:defRPr sz="900"/>
+            </a:lvl6pPr>
+            <a:lvl7pPr marL="2743200" indent="0">
+              <a:buNone/>
+              <a:defRPr sz="900"/>
+            </a:lvl7pPr>
+            <a:lvl8pPr marL="3200400" indent="0">
+              <a:buNone/>
+              <a:defRPr sz="900"/>
+            </a:lvl8pPr>
+            <a:lvl9pPr marL="3657600" indent="0">
+              <a:buNone/>
+              <a:defRPr sz="900"/>
+            </a:lvl9pPr>
+          </a:lstStyle>
+          <a:p>
             <a:pPr lvl="0"/>
             <a:r>
               <a:rPr lang="en-US"/>
-              <a:t>Edit Master text styles</a:t>
-            </a:r>
-          </a:p>
-        </p:txBody>
-      </p:sp>
-      <p:sp>
-        <p:nvSpPr>
-          <p:cNvPr id="5" name="Date Placeholder 4">
-            <a:extLst>
-              <a:ext uri="{FF2B5EF4-FFF2-40B4-BE49-F238E27FC236}">
-                <a16:creationId xmlns:a16="http://schemas.microsoft.com/office/drawing/2014/main" id="{B755F640-0DAC-4AF7-A937-F2CB9411560D}"/>
-              </a:ext>
-            </a:extLst>
-          </p:cNvPr>
+              <a:t>Click to edit Master text styles</a:t>
+            </a:r>
+          </a:p>
+        </p:txBody>
+      </p:sp>
+      <p:sp>
+        <p:nvSpPr>
+          <p:cNvPr id="5" name="Date Placeholder 4"/>
           <p:cNvSpPr>
             <a:spLocks noGrp="1"/>
           </p:cNvSpPr>
@@ -3228,13 +5205,7 @@
       </p:sp>
       <p:sp>
         <p:nvSpPr>
-          <p:cNvPr id="6" name="Footer Placeholder 5">
-            <a:extLst>
-              <a:ext uri="{FF2B5EF4-FFF2-40B4-BE49-F238E27FC236}">
-                <a16:creationId xmlns:a16="http://schemas.microsoft.com/office/drawing/2014/main" id="{C788EDA0-3A78-410F-AFE0-5933F309CC98}"/>
-              </a:ext>
-            </a:extLst>
-          </p:cNvPr>
+          <p:cNvPr id="6" name="Footer Placeholder 5"/>
           <p:cNvSpPr>
             <a:spLocks noGrp="1"/>
           </p:cNvSpPr>
@@ -3253,13 +5224,7 @@
       </p:sp>
       <p:sp>
         <p:nvSpPr>
-          <p:cNvPr id="7" name="Slide Number Placeholder 6">
-            <a:extLst>
-              <a:ext uri="{FF2B5EF4-FFF2-40B4-BE49-F238E27FC236}">
-                <a16:creationId xmlns:a16="http://schemas.microsoft.com/office/drawing/2014/main" id="{A6932008-E904-418E-A2A0-E62109EA9296}"/>
-              </a:ext>
-            </a:extLst>
-          </p:cNvPr>
+          <p:cNvPr id="7" name="Slide Number Placeholder 6"/>
           <p:cNvSpPr>
             <a:spLocks noGrp="1"/>
           </p:cNvSpPr>
@@ -3283,7 +5248,7 @@
     </p:spTree>
     <p:extLst>
       <p:ext uri="{BB962C8B-B14F-4D97-AF65-F5344CB8AC3E}">
-        <p14:creationId xmlns:p14="http://schemas.microsoft.com/office/powerpoint/2010/main" val="798233756"/>
+        <p14:creationId xmlns:p14="http://schemas.microsoft.com/office/powerpoint/2010/main" val="708556731"/>
       </p:ext>
     </p:extLst>
   </p:cSld>
@@ -3315,15 +5280,539 @@
           <a:chExt cx="0" cy="0"/>
         </a:xfrm>
       </p:grpSpPr>
-      <p:sp>
-        <p:nvSpPr>
-          <p:cNvPr id="2" name="Title Placeholder 1">
-            <a:extLst>
-              <a:ext uri="{FF2B5EF4-FFF2-40B4-BE49-F238E27FC236}">
-                <a16:creationId xmlns:a16="http://schemas.microsoft.com/office/drawing/2014/main" id="{D0E44DA4-0D77-47E6-A4E0-FB9162F67649}"/>
-              </a:ext>
-            </a:extLst>
-          </p:cNvPr>
+      <p:grpSp>
+        <p:nvGrpSpPr>
+          <p:cNvPr id="7" name="Group 6"/>
+          <p:cNvGrpSpPr/>
+          <p:nvPr/>
+        </p:nvGrpSpPr>
+        <p:grpSpPr>
+          <a:xfrm>
+            <a:off x="0" y="-8467"/>
+            <a:ext cx="12192000" cy="6866467"/>
+            <a:chOff x="0" y="-8467"/>
+            <a:chExt cx="12192000" cy="6866467"/>
+          </a:xfrm>
+        </p:grpSpPr>
+        <p:cxnSp>
+          <p:nvCxnSpPr>
+            <p:cNvPr id="20" name="Straight Connector 19"/>
+            <p:cNvCxnSpPr/>
+            <p:nvPr/>
+          </p:nvCxnSpPr>
+          <p:spPr>
+            <a:xfrm>
+              <a:off x="9371012" y="0"/>
+              <a:ext cx="1219200" cy="6858000"/>
+            </a:xfrm>
+            <a:prstGeom prst="line">
+              <a:avLst/>
+            </a:prstGeom>
+            <a:ln w="9525">
+              <a:solidFill>
+                <a:schemeClr val="bg1">
+                  <a:lumMod val="75000"/>
+                </a:schemeClr>
+              </a:solidFill>
+            </a:ln>
+          </p:spPr>
+          <p:style>
+            <a:lnRef idx="2">
+              <a:schemeClr val="accent1"/>
+            </a:lnRef>
+            <a:fillRef idx="0">
+              <a:schemeClr val="accent1"/>
+            </a:fillRef>
+            <a:effectRef idx="1">
+              <a:schemeClr val="accent1"/>
+            </a:effectRef>
+            <a:fontRef idx="minor">
+              <a:schemeClr val="tx1"/>
+            </a:fontRef>
+          </p:style>
+        </p:cxnSp>
+        <p:cxnSp>
+          <p:nvCxnSpPr>
+            <p:cNvPr id="21" name="Straight Connector 20"/>
+            <p:cNvCxnSpPr/>
+            <p:nvPr/>
+          </p:nvCxnSpPr>
+          <p:spPr>
+            <a:xfrm flipH="1">
+              <a:off x="7425267" y="3681413"/>
+              <a:ext cx="4763558" cy="3176587"/>
+            </a:xfrm>
+            <a:prstGeom prst="line">
+              <a:avLst/>
+            </a:prstGeom>
+            <a:ln w="9525">
+              <a:solidFill>
+                <a:schemeClr val="bg1">
+                  <a:lumMod val="85000"/>
+                </a:schemeClr>
+              </a:solidFill>
+            </a:ln>
+          </p:spPr>
+          <p:style>
+            <a:lnRef idx="2">
+              <a:schemeClr val="accent1"/>
+            </a:lnRef>
+            <a:fillRef idx="0">
+              <a:schemeClr val="accent1"/>
+            </a:fillRef>
+            <a:effectRef idx="1">
+              <a:schemeClr val="accent1"/>
+            </a:effectRef>
+            <a:fontRef idx="minor">
+              <a:schemeClr val="tx1"/>
+            </a:fontRef>
+          </p:style>
+        </p:cxnSp>
+        <p:sp>
+          <p:nvSpPr>
+            <p:cNvPr id="22" name="Rectangle 23"/>
+            <p:cNvSpPr/>
+            <p:nvPr/>
+          </p:nvSpPr>
+          <p:spPr>
+            <a:xfrm>
+              <a:off x="9181476" y="-8467"/>
+              <a:ext cx="3007349" cy="6866467"/>
+            </a:xfrm>
+            <a:custGeom>
+              <a:avLst/>
+              <a:gdLst/>
+              <a:ahLst/>
+              <a:cxnLst/>
+              <a:rect l="l" t="t" r="r" b="b"/>
+              <a:pathLst>
+                <a:path w="3007349" h="6866467">
+                  <a:moveTo>
+                    <a:pt x="2045532" y="0"/>
+                  </a:moveTo>
+                  <a:lnTo>
+                    <a:pt x="3007349" y="0"/>
+                  </a:lnTo>
+                  <a:lnTo>
+                    <a:pt x="3007349" y="6866467"/>
+                  </a:lnTo>
+                  <a:lnTo>
+                    <a:pt x="0" y="6866467"/>
+                  </a:lnTo>
+                  <a:lnTo>
+                    <a:pt x="2045532" y="0"/>
+                  </a:lnTo>
+                  <a:close/>
+                </a:path>
+              </a:pathLst>
+            </a:custGeom>
+            <a:solidFill>
+              <a:schemeClr val="accent1">
+                <a:alpha val="30000"/>
+              </a:schemeClr>
+            </a:solidFill>
+            <a:ln>
+              <a:noFill/>
+            </a:ln>
+            <a:effectLst/>
+          </p:spPr>
+          <p:style>
+            <a:lnRef idx="1">
+              <a:schemeClr val="accent1"/>
+            </a:lnRef>
+            <a:fillRef idx="3">
+              <a:schemeClr val="accent1"/>
+            </a:fillRef>
+            <a:effectRef idx="2">
+              <a:schemeClr val="accent1"/>
+            </a:effectRef>
+            <a:fontRef idx="minor">
+              <a:schemeClr val="lt1"/>
+            </a:fontRef>
+          </p:style>
+        </p:sp>
+        <p:sp>
+          <p:nvSpPr>
+            <p:cNvPr id="23" name="Rectangle 25"/>
+            <p:cNvSpPr/>
+            <p:nvPr/>
+          </p:nvSpPr>
+          <p:spPr>
+            <a:xfrm>
+              <a:off x="9603442" y="-8467"/>
+              <a:ext cx="2588558" cy="6866467"/>
+            </a:xfrm>
+            <a:custGeom>
+              <a:avLst/>
+              <a:gdLst/>
+              <a:ahLst/>
+              <a:cxnLst/>
+              <a:rect l="l" t="t" r="r" b="b"/>
+              <a:pathLst>
+                <a:path w="2573311" h="6866467">
+                  <a:moveTo>
+                    <a:pt x="0" y="0"/>
+                  </a:moveTo>
+                  <a:lnTo>
+                    <a:pt x="2573311" y="0"/>
+                  </a:lnTo>
+                  <a:lnTo>
+                    <a:pt x="2573311" y="6866467"/>
+                  </a:lnTo>
+                  <a:lnTo>
+                    <a:pt x="1202336" y="6866467"/>
+                  </a:lnTo>
+                  <a:lnTo>
+                    <a:pt x="0" y="0"/>
+                  </a:lnTo>
+                  <a:close/>
+                </a:path>
+              </a:pathLst>
+            </a:custGeom>
+            <a:solidFill>
+              <a:schemeClr val="accent1">
+                <a:alpha val="20000"/>
+              </a:schemeClr>
+            </a:solidFill>
+            <a:ln>
+              <a:noFill/>
+            </a:ln>
+            <a:effectLst/>
+          </p:spPr>
+          <p:style>
+            <a:lnRef idx="1">
+              <a:schemeClr val="accent1"/>
+            </a:lnRef>
+            <a:fillRef idx="3">
+              <a:schemeClr val="accent1"/>
+            </a:fillRef>
+            <a:effectRef idx="2">
+              <a:schemeClr val="accent1"/>
+            </a:effectRef>
+            <a:fontRef idx="minor">
+              <a:schemeClr val="lt1"/>
+            </a:fontRef>
+          </p:style>
+        </p:sp>
+        <p:sp>
+          <p:nvSpPr>
+            <p:cNvPr id="24" name="Isosceles Triangle 23"/>
+            <p:cNvSpPr/>
+            <p:nvPr/>
+          </p:nvSpPr>
+          <p:spPr>
+            <a:xfrm>
+              <a:off x="8932333" y="3048000"/>
+              <a:ext cx="3259667" cy="3810000"/>
+            </a:xfrm>
+            <a:prstGeom prst="triangle">
+              <a:avLst>
+                <a:gd name="adj" fmla="val 100000"/>
+              </a:avLst>
+            </a:prstGeom>
+            <a:solidFill>
+              <a:schemeClr val="accent2">
+                <a:alpha val="72000"/>
+              </a:schemeClr>
+            </a:solidFill>
+            <a:ln>
+              <a:noFill/>
+            </a:ln>
+            <a:effectLst/>
+          </p:spPr>
+          <p:style>
+            <a:lnRef idx="1">
+              <a:schemeClr val="accent1"/>
+            </a:lnRef>
+            <a:fillRef idx="3">
+              <a:schemeClr val="accent1"/>
+            </a:fillRef>
+            <a:effectRef idx="2">
+              <a:schemeClr val="accent1"/>
+            </a:effectRef>
+            <a:fontRef idx="minor">
+              <a:schemeClr val="lt1"/>
+            </a:fontRef>
+          </p:style>
+        </p:sp>
+        <p:sp>
+          <p:nvSpPr>
+            <p:cNvPr id="25" name="Rectangle 27"/>
+            <p:cNvSpPr/>
+            <p:nvPr/>
+          </p:nvSpPr>
+          <p:spPr>
+            <a:xfrm>
+              <a:off x="9334500" y="-8467"/>
+              <a:ext cx="2854326" cy="6866467"/>
+            </a:xfrm>
+            <a:custGeom>
+              <a:avLst/>
+              <a:gdLst/>
+              <a:ahLst/>
+              <a:cxnLst/>
+              <a:rect l="l" t="t" r="r" b="b"/>
+              <a:pathLst>
+                <a:path w="2858013" h="6866467">
+                  <a:moveTo>
+                    <a:pt x="0" y="0"/>
+                  </a:moveTo>
+                  <a:lnTo>
+                    <a:pt x="2858013" y="0"/>
+                  </a:lnTo>
+                  <a:lnTo>
+                    <a:pt x="2858013" y="6866467"/>
+                  </a:lnTo>
+                  <a:lnTo>
+                    <a:pt x="2473942" y="6866467"/>
+                  </a:lnTo>
+                  <a:lnTo>
+                    <a:pt x="0" y="0"/>
+                  </a:lnTo>
+                  <a:close/>
+                </a:path>
+              </a:pathLst>
+            </a:custGeom>
+            <a:solidFill>
+              <a:schemeClr val="accent2">
+                <a:lumMod val="75000"/>
+                <a:alpha val="70000"/>
+              </a:schemeClr>
+            </a:solidFill>
+            <a:ln>
+              <a:noFill/>
+            </a:ln>
+            <a:effectLst/>
+          </p:spPr>
+          <p:style>
+            <a:lnRef idx="1">
+              <a:schemeClr val="accent1"/>
+            </a:lnRef>
+            <a:fillRef idx="3">
+              <a:schemeClr val="accent1"/>
+            </a:fillRef>
+            <a:effectRef idx="2">
+              <a:schemeClr val="accent1"/>
+            </a:effectRef>
+            <a:fontRef idx="minor">
+              <a:schemeClr val="lt1"/>
+            </a:fontRef>
+          </p:style>
+        </p:sp>
+        <p:sp>
+          <p:nvSpPr>
+            <p:cNvPr id="26" name="Rectangle 28"/>
+            <p:cNvSpPr/>
+            <p:nvPr/>
+          </p:nvSpPr>
+          <p:spPr>
+            <a:xfrm>
+              <a:off x="10898730" y="-8467"/>
+              <a:ext cx="1290094" cy="6866467"/>
+            </a:xfrm>
+            <a:custGeom>
+              <a:avLst/>
+              <a:gdLst/>
+              <a:ahLst/>
+              <a:cxnLst/>
+              <a:rect l="l" t="t" r="r" b="b"/>
+              <a:pathLst>
+                <a:path w="1290094" h="6858000">
+                  <a:moveTo>
+                    <a:pt x="1019735" y="0"/>
+                  </a:moveTo>
+                  <a:lnTo>
+                    <a:pt x="1290094" y="0"/>
+                  </a:lnTo>
+                  <a:lnTo>
+                    <a:pt x="1290094" y="6858000"/>
+                  </a:lnTo>
+                  <a:lnTo>
+                    <a:pt x="0" y="6858000"/>
+                  </a:lnTo>
+                  <a:lnTo>
+                    <a:pt x="1019735" y="0"/>
+                  </a:lnTo>
+                  <a:close/>
+                </a:path>
+              </a:pathLst>
+            </a:custGeom>
+            <a:solidFill>
+              <a:schemeClr val="accent1">
+                <a:lumMod val="60000"/>
+                <a:lumOff val="40000"/>
+                <a:alpha val="70000"/>
+              </a:schemeClr>
+            </a:solidFill>
+            <a:ln>
+              <a:noFill/>
+            </a:ln>
+            <a:effectLst/>
+          </p:spPr>
+          <p:style>
+            <a:lnRef idx="1">
+              <a:schemeClr val="accent1"/>
+            </a:lnRef>
+            <a:fillRef idx="3">
+              <a:schemeClr val="accent1"/>
+            </a:fillRef>
+            <a:effectRef idx="2">
+              <a:schemeClr val="accent1"/>
+            </a:effectRef>
+            <a:fontRef idx="minor">
+              <a:schemeClr val="lt1"/>
+            </a:fontRef>
+          </p:style>
+        </p:sp>
+        <p:sp>
+          <p:nvSpPr>
+            <p:cNvPr id="27" name="Rectangle 29"/>
+            <p:cNvSpPr/>
+            <p:nvPr/>
+          </p:nvSpPr>
+          <p:spPr>
+            <a:xfrm>
+              <a:off x="10938999" y="-8467"/>
+              <a:ext cx="1249825" cy="6866467"/>
+            </a:xfrm>
+            <a:custGeom>
+              <a:avLst/>
+              <a:gdLst/>
+              <a:ahLst/>
+              <a:cxnLst/>
+              <a:rect l="l" t="t" r="r" b="b"/>
+              <a:pathLst>
+                <a:path w="1249825" h="6858000">
+                  <a:moveTo>
+                    <a:pt x="0" y="0"/>
+                  </a:moveTo>
+                  <a:lnTo>
+                    <a:pt x="1249825" y="0"/>
+                  </a:lnTo>
+                  <a:lnTo>
+                    <a:pt x="1249825" y="6858000"/>
+                  </a:lnTo>
+                  <a:lnTo>
+                    <a:pt x="1109382" y="6858000"/>
+                  </a:lnTo>
+                  <a:lnTo>
+                    <a:pt x="0" y="0"/>
+                  </a:lnTo>
+                  <a:close/>
+                </a:path>
+              </a:pathLst>
+            </a:custGeom>
+            <a:solidFill>
+              <a:schemeClr val="accent1">
+                <a:alpha val="65000"/>
+              </a:schemeClr>
+            </a:solidFill>
+            <a:ln>
+              <a:noFill/>
+            </a:ln>
+            <a:effectLst/>
+          </p:spPr>
+          <p:style>
+            <a:lnRef idx="1">
+              <a:schemeClr val="accent1"/>
+            </a:lnRef>
+            <a:fillRef idx="3">
+              <a:schemeClr val="accent1"/>
+            </a:fillRef>
+            <a:effectRef idx="2">
+              <a:schemeClr val="accent1"/>
+            </a:effectRef>
+            <a:fontRef idx="minor">
+              <a:schemeClr val="lt1"/>
+            </a:fontRef>
+          </p:style>
+        </p:sp>
+        <p:sp>
+          <p:nvSpPr>
+            <p:cNvPr id="28" name="Isosceles Triangle 27"/>
+            <p:cNvSpPr/>
+            <p:nvPr/>
+          </p:nvSpPr>
+          <p:spPr>
+            <a:xfrm>
+              <a:off x="10371666" y="3589867"/>
+              <a:ext cx="1817159" cy="3268133"/>
+            </a:xfrm>
+            <a:prstGeom prst="triangle">
+              <a:avLst>
+                <a:gd name="adj" fmla="val 100000"/>
+              </a:avLst>
+            </a:prstGeom>
+            <a:solidFill>
+              <a:schemeClr val="accent1">
+                <a:alpha val="80000"/>
+              </a:schemeClr>
+            </a:solidFill>
+            <a:ln>
+              <a:noFill/>
+            </a:ln>
+            <a:effectLst/>
+          </p:spPr>
+          <p:style>
+            <a:lnRef idx="1">
+              <a:schemeClr val="accent1"/>
+            </a:lnRef>
+            <a:fillRef idx="3">
+              <a:schemeClr val="accent1"/>
+            </a:fillRef>
+            <a:effectRef idx="2">
+              <a:schemeClr val="accent1"/>
+            </a:effectRef>
+            <a:fontRef idx="minor">
+              <a:schemeClr val="lt1"/>
+            </a:fontRef>
+          </p:style>
+        </p:sp>
+        <p:sp>
+          <p:nvSpPr>
+            <p:cNvPr id="29" name="Isosceles Triangle 28"/>
+            <p:cNvSpPr/>
+            <p:nvPr/>
+          </p:nvSpPr>
+          <p:spPr>
+            <a:xfrm>
+              <a:off x="0" y="4013200"/>
+              <a:ext cx="448733" cy="2844800"/>
+            </a:xfrm>
+            <a:prstGeom prst="triangle">
+              <a:avLst>
+                <a:gd name="adj" fmla="val 0"/>
+              </a:avLst>
+            </a:prstGeom>
+            <a:solidFill>
+              <a:schemeClr val="accent1">
+                <a:alpha val="85000"/>
+              </a:schemeClr>
+            </a:solidFill>
+            <a:ln>
+              <a:noFill/>
+            </a:ln>
+            <a:effectLst/>
+          </p:spPr>
+          <p:style>
+            <a:lnRef idx="1">
+              <a:schemeClr val="accent1"/>
+            </a:lnRef>
+            <a:fillRef idx="3">
+              <a:schemeClr val="accent1"/>
+            </a:fillRef>
+            <a:effectRef idx="2">
+              <a:schemeClr val="accent1"/>
+            </a:effectRef>
+            <a:fontRef idx="minor">
+              <a:schemeClr val="lt1"/>
+            </a:fontRef>
+          </p:style>
+        </p:sp>
+      </p:grpSp>
+      <p:sp>
+        <p:nvSpPr>
+          <p:cNvPr id="2" name="Title Placeholder 1"/>
           <p:cNvSpPr>
             <a:spLocks noGrp="1"/>
           </p:cNvSpPr>
@@ -3333,15 +5822,15 @@
         </p:nvSpPr>
         <p:spPr>
           <a:xfrm>
-            <a:off x="838200" y="365125"/>
-            <a:ext cx="10515600" cy="1325563"/>
+            <a:off x="677334" y="609600"/>
+            <a:ext cx="8596668" cy="1320800"/>
           </a:xfrm>
           <a:prstGeom prst="rect">
             <a:avLst/>
           </a:prstGeom>
         </p:spPr>
         <p:txBody>
-          <a:bodyPr vert="horz" lIns="91440" tIns="45720" rIns="91440" bIns="45720" rtlCol="0" anchor="ctr">
+          <a:bodyPr vert="horz" lIns="91440" tIns="45720" rIns="91440" bIns="45720" rtlCol="0" anchor="t">
             <a:normAutofit/>
           </a:bodyPr>
           <a:lstStyle/>
@@ -3350,18 +5839,13 @@
               <a:rPr lang="en-US"/>
               <a:t>Click to edit Master title style</a:t>
             </a:r>
-          </a:p>
-        </p:txBody>
-      </p:sp>
-      <p:sp>
-        <p:nvSpPr>
-          <p:cNvPr id="3" name="Text Placeholder 2">
-            <a:extLst>
-              <a:ext uri="{FF2B5EF4-FFF2-40B4-BE49-F238E27FC236}">
-                <a16:creationId xmlns:a16="http://schemas.microsoft.com/office/drawing/2014/main" id="{62524244-F2DC-4D05-9EAD-D9B393FA0BEE}"/>
-              </a:ext>
-            </a:extLst>
-          </p:cNvPr>
+            <a:endParaRPr lang="en-US" dirty="0"/>
+          </a:p>
+        </p:txBody>
+      </p:sp>
+      <p:sp>
+        <p:nvSpPr>
+          <p:cNvPr id="3" name="Text Placeholder 2"/>
           <p:cNvSpPr>
             <a:spLocks noGrp="1"/>
           </p:cNvSpPr>
@@ -3371,8 +5855,8 @@
         </p:nvSpPr>
         <p:spPr>
           <a:xfrm>
-            <a:off x="838200" y="1825625"/>
-            <a:ext cx="10515600" cy="4351338"/>
+            <a:off x="677334" y="2160589"/>
+            <a:ext cx="8596668" cy="3880773"/>
           </a:xfrm>
           <a:prstGeom prst="rect">
             <a:avLst/>
@@ -3387,7 +5871,7 @@
             <a:pPr lvl="0"/>
             <a:r>
               <a:rPr lang="en-US"/>
-              <a:t>Edit Master text styles</a:t>
+              <a:t>Click to edit Master text styles</a:t>
             </a:r>
           </a:p>
           <a:p>
@@ -3417,18 +5901,13 @@
               <a:rPr lang="en-US"/>
               <a:t>Fifth level</a:t>
             </a:r>
-          </a:p>
-        </p:txBody>
-      </p:sp>
-      <p:sp>
-        <p:nvSpPr>
-          <p:cNvPr id="4" name="Date Placeholder 3">
-            <a:extLst>
-              <a:ext uri="{FF2B5EF4-FFF2-40B4-BE49-F238E27FC236}">
-                <a16:creationId xmlns:a16="http://schemas.microsoft.com/office/drawing/2014/main" id="{188B0740-562B-470A-BB56-0F1CDC013509}"/>
-              </a:ext>
-            </a:extLst>
-          </p:cNvPr>
+            <a:endParaRPr lang="en-US" dirty="0"/>
+          </a:p>
+        </p:txBody>
+      </p:sp>
+      <p:sp>
+        <p:nvSpPr>
+          <p:cNvPr id="4" name="Date Placeholder 3"/>
           <p:cNvSpPr>
             <a:spLocks noGrp="1"/>
           </p:cNvSpPr>
@@ -3438,8 +5917,8 @@
         </p:nvSpPr>
         <p:spPr>
           <a:xfrm>
-            <a:off x="838200" y="6356350"/>
-            <a:ext cx="2743200" cy="365125"/>
+            <a:off x="7205133" y="6041362"/>
+            <a:ext cx="911939" cy="365125"/>
           </a:xfrm>
           <a:prstGeom prst="rect">
             <a:avLst/>
@@ -3448,8 +5927,8 @@
         <p:txBody>
           <a:bodyPr vert="horz" lIns="91440" tIns="45720" rIns="91440" bIns="45720" rtlCol="0" anchor="ctr"/>
           <a:lstStyle>
-            <a:lvl1pPr algn="l">
-              <a:defRPr sz="1200">
+            <a:lvl1pPr algn="r">
+              <a:defRPr sz="900">
                 <a:solidFill>
                   <a:schemeClr val="tx1">
                     <a:tint val="75000"/>
@@ -3469,13 +5948,7 @@
       </p:sp>
       <p:sp>
         <p:nvSpPr>
-          <p:cNvPr id="5" name="Footer Placeholder 4">
-            <a:extLst>
-              <a:ext uri="{FF2B5EF4-FFF2-40B4-BE49-F238E27FC236}">
-                <a16:creationId xmlns:a16="http://schemas.microsoft.com/office/drawing/2014/main" id="{35738193-287D-424F-8F82-B4D504E8359F}"/>
-              </a:ext>
-            </a:extLst>
-          </p:cNvPr>
+          <p:cNvPr id="5" name="Footer Placeholder 4"/>
           <p:cNvSpPr>
             <a:spLocks noGrp="1"/>
           </p:cNvSpPr>
@@ -3485,8 +5958,8 @@
         </p:nvSpPr>
         <p:spPr>
           <a:xfrm>
-            <a:off x="4038600" y="6356350"/>
-            <a:ext cx="4114800" cy="365125"/>
+            <a:off x="677334" y="6041362"/>
+            <a:ext cx="6297612" cy="365125"/>
           </a:xfrm>
           <a:prstGeom prst="rect">
             <a:avLst/>
@@ -3495,8 +5968,8 @@
         <p:txBody>
           <a:bodyPr vert="horz" lIns="91440" tIns="45720" rIns="91440" bIns="45720" rtlCol="0" anchor="ctr"/>
           <a:lstStyle>
-            <a:lvl1pPr algn="ctr">
-              <a:defRPr sz="1200">
+            <a:lvl1pPr algn="l">
+              <a:defRPr sz="900">
                 <a:solidFill>
                   <a:schemeClr val="tx1">
                     <a:tint val="75000"/>
@@ -3512,13 +5985,7 @@
       </p:sp>
       <p:sp>
         <p:nvSpPr>
-          <p:cNvPr id="6" name="Slide Number Placeholder 5">
-            <a:extLst>
-              <a:ext uri="{FF2B5EF4-FFF2-40B4-BE49-F238E27FC236}">
-                <a16:creationId xmlns:a16="http://schemas.microsoft.com/office/drawing/2014/main" id="{34C12B7B-2610-4E8C-BE88-A8083BF4865E}"/>
-              </a:ext>
-            </a:extLst>
-          </p:cNvPr>
+          <p:cNvPr id="6" name="Slide Number Placeholder 5"/>
           <p:cNvSpPr>
             <a:spLocks noGrp="1"/>
           </p:cNvSpPr>
@@ -3528,8 +5995,8 @@
         </p:nvSpPr>
         <p:spPr>
           <a:xfrm>
-            <a:off x="8610600" y="6356350"/>
-            <a:ext cx="2743200" cy="365125"/>
+            <a:off x="8590663" y="6041362"/>
+            <a:ext cx="683339" cy="365125"/>
           </a:xfrm>
           <a:prstGeom prst="rect">
             <a:avLst/>
@@ -3539,11 +6006,9 @@
           <a:bodyPr vert="horz" lIns="91440" tIns="45720" rIns="91440" bIns="45720" rtlCol="0" anchor="ctr"/>
           <a:lstStyle>
             <a:lvl1pPr algn="r">
-              <a:defRPr sz="1200">
+              <a:defRPr sz="900">
                 <a:solidFill>
-                  <a:schemeClr val="tx1">
-                    <a:tint val="75000"/>
-                  </a:schemeClr>
+                  <a:schemeClr val="accent1"/>
                 </a:solidFill>
               </a:defRPr>
             </a:lvl1pPr>
@@ -3560,201 +6025,322 @@
     </p:spTree>
     <p:extLst>
       <p:ext uri="{BB962C8B-B14F-4D97-AF65-F5344CB8AC3E}">
-        <p14:creationId xmlns:p14="http://schemas.microsoft.com/office/powerpoint/2010/main" val="731699633"/>
+        <p14:creationId xmlns:p14="http://schemas.microsoft.com/office/powerpoint/2010/main" val="1342797033"/>
       </p:ext>
     </p:extLst>
   </p:cSld>
   <p:clrMap bg1="lt1" tx1="dk1" bg2="lt2" tx2="dk2" accent1="accent1" accent2="accent2" accent3="accent3" accent4="accent4" accent5="accent5" accent6="accent6" hlink="hlink" folHlink="folHlink"/>
   <p:sldLayoutIdLst>
-    <p:sldLayoutId id="2147483649" r:id="rId1"/>
-    <p:sldLayoutId id="2147483650" r:id="rId2"/>
-    <p:sldLayoutId id="2147483651" r:id="rId3"/>
-    <p:sldLayoutId id="2147483652" r:id="rId4"/>
-    <p:sldLayoutId id="2147483653" r:id="rId5"/>
-    <p:sldLayoutId id="2147483654" r:id="rId6"/>
-    <p:sldLayoutId id="2147483655" r:id="rId7"/>
-    <p:sldLayoutId id="2147483656" r:id="rId8"/>
-    <p:sldLayoutId id="2147483657" r:id="rId9"/>
-    <p:sldLayoutId id="2147483658" r:id="rId10"/>
-    <p:sldLayoutId id="2147483659" r:id="rId11"/>
+    <p:sldLayoutId id="2147483673" r:id="rId1"/>
+    <p:sldLayoutId id="2147483674" r:id="rId2"/>
+    <p:sldLayoutId id="2147483675" r:id="rId3"/>
+    <p:sldLayoutId id="2147483676" r:id="rId4"/>
+    <p:sldLayoutId id="2147483677" r:id="rId5"/>
+    <p:sldLayoutId id="2147483678" r:id="rId6"/>
+    <p:sldLayoutId id="2147483679" r:id="rId7"/>
+    <p:sldLayoutId id="2147483680" r:id="rId8"/>
+    <p:sldLayoutId id="2147483681" r:id="rId9"/>
+    <p:sldLayoutId id="2147483682" r:id="rId10"/>
+    <p:sldLayoutId id="2147483683" r:id="rId11"/>
+    <p:sldLayoutId id="2147483684" r:id="rId12"/>
+    <p:sldLayoutId id="2147483685" r:id="rId13"/>
+    <p:sldLayoutId id="2147483686" r:id="rId14"/>
+    <p:sldLayoutId id="2147483687" r:id="rId15"/>
+    <p:sldLayoutId id="2147483688" r:id="rId16"/>
   </p:sldLayoutIdLst>
   <p:txStyles>
     <p:titleStyle>
-      <a:lvl1pPr algn="l" defTabSz="914400" rtl="0" eaLnBrk="1" latinLnBrk="0" hangingPunct="1">
-        <a:lnSpc>
-          <a:spcPct val="90000"/>
-        </a:lnSpc>
+      <a:lvl1pPr algn="l" defTabSz="457200" rtl="0" eaLnBrk="1" latinLnBrk="0" hangingPunct="1">
         <a:spcBef>
           <a:spcPct val="0"/>
         </a:spcBef>
         <a:buNone/>
-        <a:defRPr sz="4400" kern="1200">
+        <a:defRPr sz="3600" kern="1200">
           <a:solidFill>
-            <a:schemeClr val="tx1"/>
+            <a:schemeClr val="accent1"/>
           </a:solidFill>
           <a:latin typeface="+mj-lt"/>
           <a:ea typeface="+mj-ea"/>
           <a:cs typeface="+mj-cs"/>
         </a:defRPr>
       </a:lvl1pPr>
+      <a:lvl2pPr eaLnBrk="1" hangingPunct="1">
+        <a:defRPr>
+          <a:solidFill>
+            <a:schemeClr val="tx2"/>
+          </a:solidFill>
+        </a:defRPr>
+      </a:lvl2pPr>
+      <a:lvl3pPr eaLnBrk="1" hangingPunct="1">
+        <a:defRPr>
+          <a:solidFill>
+            <a:schemeClr val="tx2"/>
+          </a:solidFill>
+        </a:defRPr>
+      </a:lvl3pPr>
+      <a:lvl4pPr eaLnBrk="1" hangingPunct="1">
+        <a:defRPr>
+          <a:solidFill>
+            <a:schemeClr val="tx2"/>
+          </a:solidFill>
+        </a:defRPr>
+      </a:lvl4pPr>
+      <a:lvl5pPr eaLnBrk="1" hangingPunct="1">
+        <a:defRPr>
+          <a:solidFill>
+            <a:schemeClr val="tx2"/>
+          </a:solidFill>
+        </a:defRPr>
+      </a:lvl5pPr>
+      <a:lvl6pPr eaLnBrk="1" hangingPunct="1">
+        <a:defRPr>
+          <a:solidFill>
+            <a:schemeClr val="tx2"/>
+          </a:solidFill>
+        </a:defRPr>
+      </a:lvl6pPr>
+      <a:lvl7pPr eaLnBrk="1" hangingPunct="1">
+        <a:defRPr>
+          <a:solidFill>
+            <a:schemeClr val="tx2"/>
+          </a:solidFill>
+        </a:defRPr>
+      </a:lvl7pPr>
+      <a:lvl8pPr eaLnBrk="1" hangingPunct="1">
+        <a:defRPr>
+          <a:solidFill>
+            <a:schemeClr val="tx2"/>
+          </a:solidFill>
+        </a:defRPr>
+      </a:lvl8pPr>
+      <a:lvl9pPr eaLnBrk="1" hangingPunct="1">
+        <a:defRPr>
+          <a:solidFill>
+            <a:schemeClr val="tx2"/>
+          </a:solidFill>
+        </a:defRPr>
+      </a:lvl9pPr>
     </p:titleStyle>
     <p:bodyStyle>
-      <a:lvl1pPr marL="228600" indent="-228600" algn="l" defTabSz="914400" rtl="0" eaLnBrk="1" latinLnBrk="0" hangingPunct="1">
-        <a:lnSpc>
-          <a:spcPct val="90000"/>
-        </a:lnSpc>
+      <a:lvl1pPr marL="342900" indent="-342900" algn="l" defTabSz="457200" rtl="0" eaLnBrk="1" latinLnBrk="0" hangingPunct="1">
         <a:spcBef>
           <a:spcPts val="1000"/>
         </a:spcBef>
-        <a:buFont typeface="Arial" panose="020B0604020202020204" pitchFamily="34" charset="0"/>
-        <a:buChar char="•"/>
-        <a:defRPr sz="2800" kern="1200">
+        <a:spcAft>
+          <a:spcPts val="0"/>
+        </a:spcAft>
+        <a:buClr>
+          <a:schemeClr val="accent1"/>
+        </a:buClr>
+        <a:buSzPct val="80000"/>
+        <a:buFont typeface="Wingdings 3" charset="2"/>
+        <a:buChar char=""/>
+        <a:defRPr sz="1800" kern="1200">
           <a:solidFill>
-            <a:schemeClr val="tx1"/>
+            <a:schemeClr val="tx1">
+              <a:lumMod val="75000"/>
+              <a:lumOff val="25000"/>
+            </a:schemeClr>
           </a:solidFill>
           <a:latin typeface="+mn-lt"/>
           <a:ea typeface="+mn-ea"/>
           <a:cs typeface="+mn-cs"/>
         </a:defRPr>
       </a:lvl1pPr>
-      <a:lvl2pPr marL="685800" indent="-228600" algn="l" defTabSz="914400" rtl="0" eaLnBrk="1" latinLnBrk="0" hangingPunct="1">
-        <a:lnSpc>
-          <a:spcPct val="90000"/>
-        </a:lnSpc>
+      <a:lvl2pPr marL="742950" indent="-285750" algn="l" defTabSz="457200" rtl="0" eaLnBrk="1" latinLnBrk="0" hangingPunct="1">
         <a:spcBef>
-          <a:spcPts val="500"/>
+          <a:spcPts val="1000"/>
         </a:spcBef>
-        <a:buFont typeface="Arial" panose="020B0604020202020204" pitchFamily="34" charset="0"/>
-        <a:buChar char="•"/>
-        <a:defRPr sz="2400" kern="1200">
+        <a:spcAft>
+          <a:spcPts val="0"/>
+        </a:spcAft>
+        <a:buClr>
+          <a:schemeClr val="accent1"/>
+        </a:buClr>
+        <a:buSzPct val="80000"/>
+        <a:buFont typeface="Wingdings 3" charset="2"/>
+        <a:buChar char=""/>
+        <a:defRPr sz="1600" kern="1200">
           <a:solidFill>
-            <a:schemeClr val="tx1"/>
+            <a:schemeClr val="tx1">
+              <a:lumMod val="75000"/>
+              <a:lumOff val="25000"/>
+            </a:schemeClr>
           </a:solidFill>
           <a:latin typeface="+mn-lt"/>
           <a:ea typeface="+mn-ea"/>
           <a:cs typeface="+mn-cs"/>
         </a:defRPr>
       </a:lvl2pPr>
-      <a:lvl3pPr marL="1143000" indent="-228600" algn="l" defTabSz="914400" rtl="0" eaLnBrk="1" latinLnBrk="0" hangingPunct="1">
-        <a:lnSpc>
-          <a:spcPct val="90000"/>
-        </a:lnSpc>
+      <a:lvl3pPr marL="1143000" indent="-228600" algn="l" defTabSz="457200" rtl="0" eaLnBrk="1" latinLnBrk="0" hangingPunct="1">
         <a:spcBef>
-          <a:spcPts val="500"/>
+          <a:spcPts val="1000"/>
         </a:spcBef>
-        <a:buFont typeface="Arial" panose="020B0604020202020204" pitchFamily="34" charset="0"/>
-        <a:buChar char="•"/>
-        <a:defRPr sz="2000" kern="1200">
+        <a:spcAft>
+          <a:spcPts val="0"/>
+        </a:spcAft>
+        <a:buClr>
+          <a:schemeClr val="accent1"/>
+        </a:buClr>
+        <a:buSzPct val="80000"/>
+        <a:buFont typeface="Wingdings 3" charset="2"/>
+        <a:buChar char=""/>
+        <a:defRPr sz="1400" kern="1200">
           <a:solidFill>
-            <a:schemeClr val="tx1"/>
+            <a:schemeClr val="tx1">
+              <a:lumMod val="75000"/>
+              <a:lumOff val="25000"/>
+            </a:schemeClr>
           </a:solidFill>
           <a:latin typeface="+mn-lt"/>
           <a:ea typeface="+mn-ea"/>
           <a:cs typeface="+mn-cs"/>
         </a:defRPr>
       </a:lvl3pPr>
-      <a:lvl4pPr marL="1600200" indent="-228600" algn="l" defTabSz="914400" rtl="0" eaLnBrk="1" latinLnBrk="0" hangingPunct="1">
-        <a:lnSpc>
-          <a:spcPct val="90000"/>
-        </a:lnSpc>
+      <a:lvl4pPr marL="1600200" indent="-228600" algn="l" defTabSz="457200" rtl="0" eaLnBrk="1" latinLnBrk="0" hangingPunct="1">
         <a:spcBef>
-          <a:spcPts val="500"/>
+          <a:spcPts val="1000"/>
         </a:spcBef>
-        <a:buFont typeface="Arial" panose="020B0604020202020204" pitchFamily="34" charset="0"/>
-        <a:buChar char="•"/>
-        <a:defRPr sz="1800" kern="1200">
+        <a:spcAft>
+          <a:spcPts val="0"/>
+        </a:spcAft>
+        <a:buClr>
+          <a:schemeClr val="accent1"/>
+        </a:buClr>
+        <a:buSzPct val="80000"/>
+        <a:buFont typeface="Wingdings 3" charset="2"/>
+        <a:buChar char=""/>
+        <a:defRPr sz="1200" kern="1200">
           <a:solidFill>
-            <a:schemeClr val="tx1"/>
+            <a:schemeClr val="tx1">
+              <a:lumMod val="75000"/>
+              <a:lumOff val="25000"/>
+            </a:schemeClr>
           </a:solidFill>
           <a:latin typeface="+mn-lt"/>
           <a:ea typeface="+mn-ea"/>
           <a:cs typeface="+mn-cs"/>
         </a:defRPr>
       </a:lvl4pPr>
-      <a:lvl5pPr marL="2057400" indent="-228600" algn="l" defTabSz="914400" rtl="0" eaLnBrk="1" latinLnBrk="0" hangingPunct="1">
-        <a:lnSpc>
-          <a:spcPct val="90000"/>
-        </a:lnSpc>
+      <a:lvl5pPr marL="2057400" indent="-228600" algn="l" defTabSz="457200" rtl="0" eaLnBrk="1" latinLnBrk="0" hangingPunct="1">
         <a:spcBef>
-          <a:spcPts val="500"/>
+          <a:spcPts val="1000"/>
         </a:spcBef>
-        <a:buFont typeface="Arial" panose="020B0604020202020204" pitchFamily="34" charset="0"/>
-        <a:buChar char="•"/>
-        <a:defRPr sz="1800" kern="1200">
+        <a:spcAft>
+          <a:spcPts val="0"/>
+        </a:spcAft>
+        <a:buClr>
+          <a:schemeClr val="accent1"/>
+        </a:buClr>
+        <a:buSzPct val="80000"/>
+        <a:buFont typeface="Wingdings 3" charset="2"/>
+        <a:buChar char=""/>
+        <a:defRPr sz="1200" kern="1200">
           <a:solidFill>
-            <a:schemeClr val="tx1"/>
+            <a:schemeClr val="tx1">
+              <a:lumMod val="75000"/>
+              <a:lumOff val="25000"/>
+            </a:schemeClr>
           </a:solidFill>
           <a:latin typeface="+mn-lt"/>
           <a:ea typeface="+mn-ea"/>
           <a:cs typeface="+mn-cs"/>
         </a:defRPr>
       </a:lvl5pPr>
-      <a:lvl6pPr marL="2514600" indent="-228600" algn="l" defTabSz="914400" rtl="0" eaLnBrk="1" latinLnBrk="0" hangingPunct="1">
-        <a:lnSpc>
-          <a:spcPct val="90000"/>
-        </a:lnSpc>
+      <a:lvl6pPr marL="2514600" indent="-228600" algn="l" defTabSz="457200" rtl="0" eaLnBrk="1" latinLnBrk="0" hangingPunct="1">
         <a:spcBef>
-          <a:spcPts val="500"/>
+          <a:spcPts val="1000"/>
         </a:spcBef>
-        <a:buFont typeface="Arial" panose="020B0604020202020204" pitchFamily="34" charset="0"/>
-        <a:buChar char="•"/>
-        <a:defRPr sz="1800" kern="1200">
+        <a:spcAft>
+          <a:spcPts val="0"/>
+        </a:spcAft>
+        <a:buClr>
+          <a:schemeClr val="accent1"/>
+        </a:buClr>
+        <a:buSzPct val="80000"/>
+        <a:buFont typeface="Wingdings 3" charset="2"/>
+        <a:buChar char=""/>
+        <a:defRPr sz="1200" kern="1200">
           <a:solidFill>
-            <a:schemeClr val="tx1"/>
+            <a:schemeClr val="tx1">
+              <a:lumMod val="75000"/>
+              <a:lumOff val="25000"/>
+            </a:schemeClr>
           </a:solidFill>
           <a:latin typeface="+mn-lt"/>
           <a:ea typeface="+mn-ea"/>
           <a:cs typeface="+mn-cs"/>
         </a:defRPr>
       </a:lvl6pPr>
-      <a:lvl7pPr marL="2971800" indent="-228600" algn="l" defTabSz="914400" rtl="0" eaLnBrk="1" latinLnBrk="0" hangingPunct="1">
-        <a:lnSpc>
-          <a:spcPct val="90000"/>
-        </a:lnSpc>
+      <a:lvl7pPr marL="2971800" indent="-228600" algn="l" defTabSz="457200" rtl="0" eaLnBrk="1" latinLnBrk="0" hangingPunct="1">
         <a:spcBef>
-          <a:spcPts val="500"/>
+          <a:spcPts val="1000"/>
         </a:spcBef>
-        <a:buFont typeface="Arial" panose="020B0604020202020204" pitchFamily="34" charset="0"/>
-        <a:buChar char="•"/>
-        <a:defRPr sz="1800" kern="1200">
+        <a:spcAft>
+          <a:spcPts val="0"/>
+        </a:spcAft>
+        <a:buClr>
+          <a:schemeClr val="accent1"/>
+        </a:buClr>
+        <a:buSzPct val="80000"/>
+        <a:buFont typeface="Wingdings 3" charset="2"/>
+        <a:buChar char=""/>
+        <a:defRPr sz="1200" kern="1200">
           <a:solidFill>
-            <a:schemeClr val="tx1"/>
+            <a:schemeClr val="tx1">
+              <a:lumMod val="75000"/>
+              <a:lumOff val="25000"/>
+            </a:schemeClr>
           </a:solidFill>
           <a:latin typeface="+mn-lt"/>
           <a:ea typeface="+mn-ea"/>
           <a:cs typeface="+mn-cs"/>
         </a:defRPr>
       </a:lvl7pPr>
-      <a:lvl8pPr marL="3429000" indent="-228600" algn="l" defTabSz="914400" rtl="0" eaLnBrk="1" latinLnBrk="0" hangingPunct="1">
-        <a:lnSpc>
-          <a:spcPct val="90000"/>
-        </a:lnSpc>
+      <a:lvl8pPr marL="3429000" indent="-228600" algn="l" defTabSz="457200" rtl="0" eaLnBrk="1" latinLnBrk="0" hangingPunct="1">
         <a:spcBef>
-          <a:spcPts val="500"/>
+          <a:spcPts val="1000"/>
         </a:spcBef>
-        <a:buFont typeface="Arial" panose="020B0604020202020204" pitchFamily="34" charset="0"/>
-        <a:buChar char="•"/>
-        <a:defRPr sz="1800" kern="1200">
+        <a:spcAft>
+          <a:spcPts val="0"/>
+        </a:spcAft>
+        <a:buClr>
+          <a:schemeClr val="accent1"/>
+        </a:buClr>
+        <a:buSzPct val="80000"/>
+        <a:buFont typeface="Wingdings 3" charset="2"/>
+        <a:buChar char=""/>
+        <a:defRPr sz="1200" kern="1200">
           <a:solidFill>
-            <a:schemeClr val="tx1"/>
+            <a:schemeClr val="tx1">
+              <a:lumMod val="75000"/>
+              <a:lumOff val="25000"/>
+            </a:schemeClr>
           </a:solidFill>
           <a:latin typeface="+mn-lt"/>
           <a:ea typeface="+mn-ea"/>
           <a:cs typeface="+mn-cs"/>
         </a:defRPr>
       </a:lvl8pPr>
-      <a:lvl9pPr marL="3886200" indent="-228600" algn="l" defTabSz="914400" rtl="0" eaLnBrk="1" latinLnBrk="0" hangingPunct="1">
-        <a:lnSpc>
-          <a:spcPct val="90000"/>
-        </a:lnSpc>
+      <a:lvl9pPr marL="3886200" indent="-228600" algn="l" defTabSz="457200" rtl="0" eaLnBrk="1" latinLnBrk="0" hangingPunct="1">
         <a:spcBef>
-          <a:spcPts val="500"/>
+          <a:spcPts val="1000"/>
         </a:spcBef>
-        <a:buFont typeface="Arial" panose="020B0604020202020204" pitchFamily="34" charset="0"/>
-        <a:buChar char="•"/>
-        <a:defRPr sz="1800" kern="1200">
+        <a:spcAft>
+          <a:spcPts val="0"/>
+        </a:spcAft>
+        <a:buClr>
+          <a:schemeClr val="accent1"/>
+        </a:buClr>
+        <a:buSzPct val="80000"/>
+        <a:buFont typeface="Wingdings 3" charset="2"/>
+        <a:buChar char=""/>
+        <a:defRPr sz="1200" kern="1200">
           <a:solidFill>
-            <a:schemeClr val="tx1"/>
+            <a:schemeClr val="tx1">
+              <a:lumMod val="75000"/>
+              <a:lumOff val="25000"/>
+            </a:schemeClr>
           </a:solidFill>
           <a:latin typeface="+mn-lt"/>
           <a:ea typeface="+mn-ea"/>
@@ -3766,7 +6352,7 @@
       <a:defPPr>
         <a:defRPr lang="en-US"/>
       </a:defPPr>
-      <a:lvl1pPr marL="0" algn="l" defTabSz="914400" rtl="0" eaLnBrk="1" latinLnBrk="0" hangingPunct="1">
+      <a:lvl1pPr marL="0" algn="l" defTabSz="457200" rtl="0" eaLnBrk="1" latinLnBrk="0" hangingPunct="1">
         <a:defRPr sz="1800" kern="1200">
           <a:solidFill>
             <a:schemeClr val="tx1"/>
@@ -3776,7 +6362,7 @@
           <a:cs typeface="+mn-cs"/>
         </a:defRPr>
       </a:lvl1pPr>
-      <a:lvl2pPr marL="457200" algn="l" defTabSz="914400" rtl="0" eaLnBrk="1" latinLnBrk="0" hangingPunct="1">
+      <a:lvl2pPr marL="457200" algn="l" defTabSz="457200" rtl="0" eaLnBrk="1" latinLnBrk="0" hangingPunct="1">
         <a:defRPr sz="1800" kern="1200">
           <a:solidFill>
             <a:schemeClr val="tx1"/>
@@ -3786,7 +6372,7 @@
           <a:cs typeface="+mn-cs"/>
         </a:defRPr>
       </a:lvl2pPr>
-      <a:lvl3pPr marL="914400" algn="l" defTabSz="914400" rtl="0" eaLnBrk="1" latinLnBrk="0" hangingPunct="1">
+      <a:lvl3pPr marL="914400" algn="l" defTabSz="457200" rtl="0" eaLnBrk="1" latinLnBrk="0" hangingPunct="1">
         <a:defRPr sz="1800" kern="1200">
           <a:solidFill>
             <a:schemeClr val="tx1"/>
@@ -3796,7 +6382,7 @@
           <a:cs typeface="+mn-cs"/>
         </a:defRPr>
       </a:lvl3pPr>
-      <a:lvl4pPr marL="1371600" algn="l" defTabSz="914400" rtl="0" eaLnBrk="1" latinLnBrk="0" hangingPunct="1">
+      <a:lvl4pPr marL="1371600" algn="l" defTabSz="457200" rtl="0" eaLnBrk="1" latinLnBrk="0" hangingPunct="1">
         <a:defRPr sz="1800" kern="1200">
           <a:solidFill>
             <a:schemeClr val="tx1"/>
@@ -3806,7 +6392,7 @@
           <a:cs typeface="+mn-cs"/>
         </a:defRPr>
       </a:lvl4pPr>
-      <a:lvl5pPr marL="1828800" algn="l" defTabSz="914400" rtl="0" eaLnBrk="1" latinLnBrk="0" hangingPunct="1">
+      <a:lvl5pPr marL="1828800" algn="l" defTabSz="457200" rtl="0" eaLnBrk="1" latinLnBrk="0" hangingPunct="1">
         <a:defRPr sz="1800" kern="1200">
           <a:solidFill>
             <a:schemeClr val="tx1"/>
@@ -3816,7 +6402,7 @@
           <a:cs typeface="+mn-cs"/>
         </a:defRPr>
       </a:lvl5pPr>
-      <a:lvl6pPr marL="2286000" algn="l" defTabSz="914400" rtl="0" eaLnBrk="1" latinLnBrk="0" hangingPunct="1">
+      <a:lvl6pPr marL="2286000" algn="l" defTabSz="457200" rtl="0" eaLnBrk="1" latinLnBrk="0" hangingPunct="1">
         <a:defRPr sz="1800" kern="1200">
           <a:solidFill>
             <a:schemeClr val="tx1"/>
@@ -3826,7 +6412,7 @@
           <a:cs typeface="+mn-cs"/>
         </a:defRPr>
       </a:lvl6pPr>
-      <a:lvl7pPr marL="2743200" algn="l" defTabSz="914400" rtl="0" eaLnBrk="1" latinLnBrk="0" hangingPunct="1">
+      <a:lvl7pPr marL="2743200" algn="l" defTabSz="457200" rtl="0" eaLnBrk="1" latinLnBrk="0" hangingPunct="1">
         <a:defRPr sz="1800" kern="1200">
           <a:solidFill>
             <a:schemeClr val="tx1"/>
@@ -3836,7 +6422,7 @@
           <a:cs typeface="+mn-cs"/>
         </a:defRPr>
       </a:lvl7pPr>
-      <a:lvl8pPr marL="3200400" algn="l" defTabSz="914400" rtl="0" eaLnBrk="1" latinLnBrk="0" hangingPunct="1">
+      <a:lvl8pPr marL="3200400" algn="l" defTabSz="457200" rtl="0" eaLnBrk="1" latinLnBrk="0" hangingPunct="1">
         <a:defRPr sz="1800" kern="1200">
           <a:solidFill>
             <a:schemeClr val="tx1"/>
@@ -3846,7 +6432,7 @@
           <a:cs typeface="+mn-cs"/>
         </a:defRPr>
       </a:lvl8pPr>
-      <a:lvl9pPr marL="3657600" algn="l" defTabSz="914400" rtl="0" eaLnBrk="1" latinLnBrk="0" hangingPunct="1">
+      <a:lvl9pPr marL="3657600" algn="l" defTabSz="457200" rtl="0" eaLnBrk="1" latinLnBrk="0" hangingPunct="1">
         <a:defRPr sz="1800" kern="1200">
           <a:solidFill>
             <a:schemeClr val="tx1"/>
@@ -3894,13 +6480,19 @@
             <p:ph type="ctrTitle"/>
           </p:nvPr>
         </p:nvSpPr>
-        <p:spPr/>
+        <p:spPr>
+          <a:xfrm>
+            <a:off x="1550097" y="2124835"/>
+            <a:ext cx="7766936" cy="1646302"/>
+          </a:xfrm>
+        </p:spPr>
         <p:txBody>
           <a:bodyPr>
             <a:normAutofit fontScale="90000"/>
           </a:bodyPr>
           <a:lstStyle/>
           <a:p>
+            <a:pPr algn="ctr"/>
             <a:r>
               <a:rPr lang="en-US" dirty="0"/>
               <a:t>Efficiency of Public Expenditure on Education—OECD Countries</a:t>
@@ -3926,7 +6518,7 @@
         </p:nvSpPr>
         <p:spPr>
           <a:xfrm>
-            <a:off x="2956560" y="585216"/>
+            <a:off x="2146868" y="396176"/>
             <a:ext cx="6278880" cy="743712"/>
           </a:xfrm>
         </p:spPr>
@@ -3936,6 +6528,7 @@
           </a:bodyPr>
           <a:lstStyle/>
           <a:p>
+            <a:pPr algn="ctr"/>
             <a:r>
               <a:rPr lang="en-US" sz="2800" dirty="0"/>
               <a:t>ETM540-Group Project</a:t>
@@ -4220,7 +6813,7 @@
         </p:spPr>
         <p:txBody>
           <a:bodyPr>
-            <a:normAutofit fontScale="90000"/>
+            <a:normAutofit/>
           </a:bodyPr>
           <a:lstStyle/>
           <a:p>
@@ -4267,7 +6860,7 @@
         </p:blipFill>
         <p:spPr>
           <a:xfrm>
-            <a:off x="0" y="2296050"/>
+            <a:off x="8078993" y="2128354"/>
             <a:ext cx="4302135" cy="2601291"/>
           </a:xfrm>
           <a:prstGeom prst="rect">
@@ -4303,7 +6896,7 @@
         </p:blipFill>
         <p:spPr>
           <a:xfrm>
-            <a:off x="3958815" y="902507"/>
+            <a:off x="247427" y="1085387"/>
             <a:ext cx="7980170" cy="4929680"/>
           </a:xfrm>
           <a:prstGeom prst="rect">
@@ -4341,6 +6934,41 @@
           <a:chExt cx="0" cy="0"/>
         </a:xfrm>
       </p:grpSpPr>
+      <p:sp>
+        <p:nvSpPr>
+          <p:cNvPr id="6" name="Title 1">
+            <a:extLst>
+              <a:ext uri="{FF2B5EF4-FFF2-40B4-BE49-F238E27FC236}">
+                <a16:creationId xmlns:a16="http://schemas.microsoft.com/office/drawing/2014/main" id="{324CD909-BDF7-4572-B8C8-CA596884BAC3}"/>
+              </a:ext>
+            </a:extLst>
+          </p:cNvPr>
+          <p:cNvSpPr>
+            <a:spLocks noGrp="1"/>
+          </p:cNvSpPr>
+          <p:nvPr>
+            <p:ph type="title"/>
+          </p:nvPr>
+        </p:nvSpPr>
+        <p:spPr>
+          <a:xfrm>
+            <a:off x="838200" y="214518"/>
+            <a:ext cx="6713668" cy="1248522"/>
+          </a:xfrm>
+        </p:spPr>
+        <p:txBody>
+          <a:bodyPr>
+            <a:normAutofit/>
+          </a:bodyPr>
+          <a:lstStyle/>
+          <a:p>
+            <a:r>
+              <a:rPr lang="en-US" dirty="0"/>
+              <a:t>Results--Benchmarking</a:t>
+            </a:r>
+          </a:p>
+        </p:txBody>
+      </p:sp>
       <p:pic>
         <p:nvPicPr>
           <p:cNvPr id="5" name="Content Placeholder 4">
@@ -4358,7 +6986,7 @@
           </p:nvPr>
         </p:nvPicPr>
         <p:blipFill>
-          <a:blip r:embed="rId2">
+          <a:blip r:embed="rId3">
             <a:extLst>
               <a:ext uri="{28A0092B-C50C-407E-A947-70E740481C1C}">
                 <a14:useLocalDpi xmlns:a14="http://schemas.microsoft.com/office/drawing/2010/main" val="0"/>
@@ -4371,46 +6999,11 @@
         </p:blipFill>
         <p:spPr>
           <a:xfrm>
-            <a:off x="1444403" y="1463040"/>
+            <a:off x="573034" y="1295136"/>
             <a:ext cx="8667786" cy="4267727"/>
           </a:xfrm>
         </p:spPr>
       </p:pic>
-      <p:sp>
-        <p:nvSpPr>
-          <p:cNvPr id="6" name="Title 1">
-            <a:extLst>
-              <a:ext uri="{FF2B5EF4-FFF2-40B4-BE49-F238E27FC236}">
-                <a16:creationId xmlns:a16="http://schemas.microsoft.com/office/drawing/2014/main" id="{324CD909-BDF7-4572-B8C8-CA596884BAC3}"/>
-              </a:ext>
-            </a:extLst>
-          </p:cNvPr>
-          <p:cNvSpPr>
-            <a:spLocks noGrp="1"/>
-          </p:cNvSpPr>
-          <p:nvPr>
-            <p:ph type="title"/>
-          </p:nvPr>
-        </p:nvSpPr>
-        <p:spPr>
-          <a:xfrm>
-            <a:off x="838200" y="214518"/>
-            <a:ext cx="6713668" cy="1248522"/>
-          </a:xfrm>
-        </p:spPr>
-        <p:txBody>
-          <a:bodyPr>
-            <a:normAutofit/>
-          </a:bodyPr>
-          <a:lstStyle/>
-          <a:p>
-            <a:r>
-              <a:rPr lang="en-US" dirty="0"/>
-              <a:t>Results--Benchmarking</a:t>
-            </a:r>
-          </a:p>
-        </p:txBody>
-      </p:sp>
     </p:spTree>
     <p:extLst>
       <p:ext uri="{BB962C8B-B14F-4D97-AF65-F5344CB8AC3E}">
@@ -4491,7 +7084,7 @@
         </p:blipFill>
         <p:spPr>
           <a:xfrm>
-            <a:off x="838200" y="2280031"/>
+            <a:off x="181984" y="1635171"/>
             <a:ext cx="10883942" cy="3292430"/>
           </a:xfrm>
           <a:prstGeom prst="rect">
@@ -4592,7 +7185,7 @@
         </p:blipFill>
         <p:spPr>
           <a:xfrm>
-            <a:off x="1785769" y="1459412"/>
+            <a:off x="688489" y="1093652"/>
             <a:ext cx="7831567" cy="4837882"/>
           </a:xfrm>
         </p:spPr>
@@ -4752,102 +7345,6 @@
           <p:cNvPr id="4" name="Picture 3">
             <a:extLst>
               <a:ext uri="{FF2B5EF4-FFF2-40B4-BE49-F238E27FC236}">
-                <a16:creationId xmlns:a16="http://schemas.microsoft.com/office/drawing/2014/main" id="{C2BB8586-473A-432B-B813-70C3CE94C34E}"/>
-              </a:ext>
-            </a:extLst>
-          </p:cNvPr>
-          <p:cNvPicPr>
-            <a:picLocks noChangeAspect="1"/>
-          </p:cNvPicPr>
-          <p:nvPr/>
-        </p:nvPicPr>
-        <p:blipFill>
-          <a:blip r:embed="rId2"/>
-          <a:stretch>
-            <a:fillRect/>
-          </a:stretch>
-        </p:blipFill>
-        <p:spPr>
-          <a:xfrm>
-            <a:off x="1179507" y="1891077"/>
-            <a:ext cx="9832986" cy="3595321"/>
-          </a:xfrm>
-          <a:prstGeom prst="rect">
-            <a:avLst/>
-          </a:prstGeom>
-        </p:spPr>
-      </p:pic>
-      <p:sp>
-        <p:nvSpPr>
-          <p:cNvPr id="6" name="Title 5">
-            <a:extLst>
-              <a:ext uri="{FF2B5EF4-FFF2-40B4-BE49-F238E27FC236}">
-                <a16:creationId xmlns:a16="http://schemas.microsoft.com/office/drawing/2014/main" id="{B52CA872-40C4-492B-8268-C5F6452851F2}"/>
-              </a:ext>
-            </a:extLst>
-          </p:cNvPr>
-          <p:cNvSpPr>
-            <a:spLocks noGrp="1"/>
-          </p:cNvSpPr>
-          <p:nvPr>
-            <p:ph type="title"/>
-          </p:nvPr>
-        </p:nvSpPr>
-        <p:spPr>
-          <a:xfrm>
-            <a:off x="838200" y="365126"/>
-            <a:ext cx="10515600" cy="872832"/>
-          </a:xfrm>
-        </p:spPr>
-        <p:txBody>
-          <a:bodyPr>
-            <a:normAutofit fontScale="90000"/>
-          </a:bodyPr>
-          <a:lstStyle/>
-          <a:p>
-            <a:pPr algn="ctr"/>
-            <a:r>
-              <a:rPr lang="en-US" dirty="0"/>
-              <a:t>Previous graph was little convoluted, lets use ggplot</a:t>
-            </a:r>
-          </a:p>
-        </p:txBody>
-      </p:sp>
-    </p:spTree>
-    <p:extLst>
-      <p:ext uri="{BB962C8B-B14F-4D97-AF65-F5344CB8AC3E}">
-        <p14:creationId xmlns:p14="http://schemas.microsoft.com/office/powerpoint/2010/main" val="2863275443"/>
-      </p:ext>
-    </p:extLst>
-  </p:cSld>
-  <p:clrMapOvr>
-    <a:masterClrMapping/>
-  </p:clrMapOvr>
-</p:sld>
-</file>
-
-<file path=ppt/slides/slide16.xml><?xml version="1.0" encoding="utf-8"?>
-<p:sld xmlns:a="http://schemas.openxmlformats.org/drawingml/2006/main" xmlns:r="http://schemas.openxmlformats.org/officeDocument/2006/relationships" xmlns:p="http://schemas.openxmlformats.org/presentationml/2006/main">
-  <p:cSld>
-    <p:spTree>
-      <p:nvGrpSpPr>
-        <p:cNvPr id="1" name=""/>
-        <p:cNvGrpSpPr/>
-        <p:nvPr/>
-      </p:nvGrpSpPr>
-      <p:grpSpPr>
-        <a:xfrm>
-          <a:off x="0" y="0"/>
-          <a:ext cx="0" cy="0"/>
-          <a:chOff x="0" y="0"/>
-          <a:chExt cx="0" cy="0"/>
-        </a:xfrm>
-      </p:grpSpPr>
-      <p:pic>
-        <p:nvPicPr>
-          <p:cNvPr id="4" name="Picture 3">
-            <a:extLst>
-              <a:ext uri="{FF2B5EF4-FFF2-40B4-BE49-F238E27FC236}">
                 <a16:creationId xmlns:a16="http://schemas.microsoft.com/office/drawing/2014/main" id="{A39AAB0C-4C60-409C-8CAC-934D96FBF7E3}"/>
               </a:ext>
             </a:extLst>
@@ -4886,7 +7383,7 @@
 </p:sld>
 </file>
 
-<file path=ppt/slides/slide17.xml><?xml version="1.0" encoding="utf-8"?>
+<file path=ppt/slides/slide16.xml><?xml version="1.0" encoding="utf-8"?>
 <p:sld xmlns:a="http://schemas.openxmlformats.org/drawingml/2006/main" xmlns:r="http://schemas.openxmlformats.org/officeDocument/2006/relationships" xmlns:p="http://schemas.openxmlformats.org/presentationml/2006/main">
   <p:cSld>
     <p:spTree>
@@ -4908,7 +7405,7 @@
           <p:cNvPr id="2" name="Title 1">
             <a:extLst>
               <a:ext uri="{FF2B5EF4-FFF2-40B4-BE49-F238E27FC236}">
-                <a16:creationId xmlns:a16="http://schemas.microsoft.com/office/drawing/2014/main" id="{BEE12DD3-4FC8-40EC-9CE6-B874524424F7}"/>
+                <a16:creationId xmlns:a16="http://schemas.microsoft.com/office/drawing/2014/main" id="{0EB8A848-78BC-4021-9BEE-75041160BEA2}"/>
               </a:ext>
             </a:extLst>
           </p:cNvPr>
@@ -4926,17 +7423,57 @@
           <a:p>
             <a:r>
               <a:rPr lang="en-US" dirty="0"/>
-              <a:t>LP Model</a:t>
+              <a:t>Linear Program Model</a:t>
+            </a:r>
+          </a:p>
+        </p:txBody>
+      </p:sp>
+      <p:sp>
+        <p:nvSpPr>
+          <p:cNvPr id="3" name="Content Placeholder 2">
+            <a:extLst>
+              <a:ext uri="{FF2B5EF4-FFF2-40B4-BE49-F238E27FC236}">
+                <a16:creationId xmlns:a16="http://schemas.microsoft.com/office/drawing/2014/main" id="{8C9F2A62-4CF9-45CF-967D-529144578C35}"/>
+              </a:ext>
+            </a:extLst>
+          </p:cNvPr>
+          <p:cNvSpPr>
+            <a:spLocks noGrp="1"/>
+          </p:cNvSpPr>
+          <p:nvPr>
+            <p:ph idx="1"/>
+          </p:nvPr>
+        </p:nvSpPr>
+        <p:spPr>
+          <a:xfrm>
+            <a:off x="677334" y="1310813"/>
+            <a:ext cx="8596668" cy="3880773"/>
+          </a:xfrm>
+        </p:spPr>
+        <p:txBody>
+          <a:bodyPr/>
+          <a:lstStyle/>
+          <a:p>
+            <a:r>
+              <a:rPr lang="en-US" dirty="0"/>
+              <a:t>Objectives:</a:t>
+            </a:r>
+          </a:p>
+          <a:p>
+            <a:pPr lvl="1"/>
+            <a:r>
+              <a:rPr lang="en-US" dirty="0"/>
+              <a:t>Given a sum amount of money, determine how to spend that sum that money most efficiently.</a:t>
             </a:r>
           </a:p>
         </p:txBody>
       </p:sp>
       <p:pic>
         <p:nvPicPr>
-          <p:cNvPr id="3" name="Picture 2">
+          <p:cNvPr id="4" name="Picture 3">
             <a:extLst>
               <a:ext uri="{FF2B5EF4-FFF2-40B4-BE49-F238E27FC236}">
-                <a16:creationId xmlns:a16="http://schemas.microsoft.com/office/drawing/2014/main" id="{CF8DA36A-1144-45E3-BC14-6893EE5EE37D}"/>
+                <a16:creationId xmlns:a16="http://schemas.microsoft.com/office/drawing/2014/main" id="{F970013D-D0AC-4912-A3A1-5EB530DE2887}"/>
               </a:ext>
             </a:extLst>
           </p:cNvPr>
@@ -4953,8 +7490,8 @@
         </p:blipFill>
         <p:spPr>
           <a:xfrm>
-            <a:off x="3195021" y="1442805"/>
-            <a:ext cx="6005624" cy="4578340"/>
+            <a:off x="2385578" y="2569547"/>
+            <a:ext cx="5180180" cy="3949069"/>
           </a:xfrm>
           <a:prstGeom prst="rect">
             <a:avLst/>
@@ -4964,7 +7501,7 @@
     </p:spTree>
     <p:extLst>
       <p:ext uri="{BB962C8B-B14F-4D97-AF65-F5344CB8AC3E}">
-        <p14:creationId xmlns:p14="http://schemas.microsoft.com/office/powerpoint/2010/main" val="1439773290"/>
+        <p14:creationId xmlns:p14="http://schemas.microsoft.com/office/powerpoint/2010/main" val="555272351"/>
       </p:ext>
     </p:extLst>
   </p:cSld>
@@ -4974,7 +7511,7 @@
 </p:sld>
 </file>
 
-<file path=ppt/slides/slide18.xml><?xml version="1.0" encoding="utf-8"?>
+<file path=ppt/slides/slide17.xml><?xml version="1.0" encoding="utf-8"?>
 <p:sld xmlns:a="http://schemas.openxmlformats.org/drawingml/2006/main" xmlns:r="http://schemas.openxmlformats.org/officeDocument/2006/relationships" xmlns:p="http://schemas.openxmlformats.org/presentationml/2006/main">
   <p:cSld>
     <p:spTree>
@@ -5041,7 +7578,7 @@
         </p:blipFill>
         <p:spPr>
           <a:xfrm>
-            <a:off x="990387" y="1690688"/>
+            <a:off x="258867" y="1497050"/>
             <a:ext cx="10363413" cy="4269048"/>
           </a:xfrm>
           <a:prstGeom prst="rect">
@@ -5062,7 +7599,7 @@
 </p:sld>
 </file>
 
-<file path=ppt/slides/slide19.xml><?xml version="1.0" encoding="utf-8"?>
+<file path=ppt/slides/slide18.xml><?xml version="1.0" encoding="utf-8"?>
 <p:sld xmlns:a="http://schemas.openxmlformats.org/drawingml/2006/main" xmlns:r="http://schemas.openxmlformats.org/officeDocument/2006/relationships" xmlns:p="http://schemas.openxmlformats.org/presentationml/2006/main">
   <p:cSld>
     <p:spTree>
@@ -5113,7 +7650,7 @@
         </p:blipFill>
         <p:spPr>
           <a:xfrm>
-            <a:off x="2985587" y="0"/>
+            <a:off x="2641342" y="0"/>
             <a:ext cx="6220826" cy="6858000"/>
           </a:xfrm>
           <a:prstGeom prst="rect">
@@ -5125,6 +7662,114 @@
     <p:extLst>
       <p:ext uri="{BB962C8B-B14F-4D97-AF65-F5344CB8AC3E}">
         <p14:creationId xmlns:p14="http://schemas.microsoft.com/office/powerpoint/2010/main" val="2949374358"/>
+      </p:ext>
+    </p:extLst>
+  </p:cSld>
+  <p:clrMapOvr>
+    <a:masterClrMapping/>
+  </p:clrMapOvr>
+</p:sld>
+</file>
+
+<file path=ppt/slides/slide19.xml><?xml version="1.0" encoding="utf-8"?>
+<p:sld xmlns:a="http://schemas.openxmlformats.org/drawingml/2006/main" xmlns:r="http://schemas.openxmlformats.org/officeDocument/2006/relationships" xmlns:p="http://schemas.openxmlformats.org/presentationml/2006/main">
+  <p:cSld>
+    <p:spTree>
+      <p:nvGrpSpPr>
+        <p:cNvPr id="1" name=""/>
+        <p:cNvGrpSpPr/>
+        <p:nvPr/>
+      </p:nvGrpSpPr>
+      <p:grpSpPr>
+        <a:xfrm>
+          <a:off x="0" y="0"/>
+          <a:ext cx="0" cy="0"/>
+          <a:chOff x="0" y="0"/>
+          <a:chExt cx="0" cy="0"/>
+        </a:xfrm>
+      </p:grpSpPr>
+      <p:pic>
+        <p:nvPicPr>
+          <p:cNvPr id="3" name="Picture 2">
+            <a:extLst>
+              <a:ext uri="{FF2B5EF4-FFF2-40B4-BE49-F238E27FC236}">
+                <a16:creationId xmlns:a16="http://schemas.microsoft.com/office/drawing/2014/main" id="{59BB65FF-942E-40AC-89B5-EB208C83A14B}"/>
+              </a:ext>
+            </a:extLst>
+          </p:cNvPr>
+          <p:cNvPicPr>
+            <a:picLocks noChangeAspect="1"/>
+          </p:cNvPicPr>
+          <p:nvPr/>
+        </p:nvPicPr>
+        <p:blipFill>
+          <a:blip r:embed="rId2">
+            <a:extLst>
+              <a:ext uri="{28A0092B-C50C-407E-A947-70E740481C1C}">
+                <a14:useLocalDpi xmlns:a14="http://schemas.microsoft.com/office/drawing/2010/main" val="0"/>
+              </a:ext>
+            </a:extLst>
+          </a:blip>
+          <a:stretch>
+            <a:fillRect/>
+          </a:stretch>
+        </p:blipFill>
+        <p:spPr>
+          <a:xfrm>
+            <a:off x="1110600" y="138594"/>
+            <a:ext cx="7244428" cy="4475182"/>
+          </a:xfrm>
+          <a:prstGeom prst="rect">
+            <a:avLst/>
+          </a:prstGeom>
+        </p:spPr>
+      </p:pic>
+      <p:pic>
+        <p:nvPicPr>
+          <p:cNvPr id="5" name="Picture 4">
+            <a:extLst>
+              <a:ext uri="{FF2B5EF4-FFF2-40B4-BE49-F238E27FC236}">
+                <a16:creationId xmlns:a16="http://schemas.microsoft.com/office/drawing/2014/main" id="{215021AF-E104-4569-AF46-D9AA0E6208A6}"/>
+              </a:ext>
+            </a:extLst>
+          </p:cNvPr>
+          <p:cNvPicPr>
+            <a:picLocks noChangeAspect="1"/>
+          </p:cNvPicPr>
+          <p:nvPr/>
+        </p:nvPicPr>
+        <p:blipFill>
+          <a:blip r:embed="rId3">
+            <a:extLst>
+              <a:ext uri="{BEBA8EAE-BF5A-486C-A8C5-ECC9F3942E4B}">
+                <a14:imgProps xmlns:a14="http://schemas.microsoft.com/office/drawing/2010/main">
+                  <a14:imgLayer r:embed="rId4">
+                    <a14:imgEffect>
+                      <a14:sharpenSoften amount="50000"/>
+                    </a14:imgEffect>
+                  </a14:imgLayer>
+                </a14:imgProps>
+              </a:ext>
+            </a:extLst>
+          </a:blip>
+          <a:stretch>
+            <a:fillRect/>
+          </a:stretch>
+        </p:blipFill>
+        <p:spPr>
+          <a:xfrm>
+            <a:off x="1598770" y="4925006"/>
+            <a:ext cx="7548205" cy="1932994"/>
+          </a:xfrm>
+          <a:prstGeom prst="rect">
+            <a:avLst/>
+          </a:prstGeom>
+        </p:spPr>
+      </p:pic>
+    </p:spTree>
+    <p:extLst>
+      <p:ext uri="{BB962C8B-B14F-4D97-AF65-F5344CB8AC3E}">
+        <p14:creationId xmlns:p14="http://schemas.microsoft.com/office/powerpoint/2010/main" val="4133245416"/>
       </p:ext>
     </p:extLst>
   </p:cSld>
@@ -5198,7 +7843,7 @@
         <p:spPr>
           <a:xfrm>
             <a:off x="838200" y="1584959"/>
-            <a:ext cx="10515600" cy="1844041"/>
+            <a:ext cx="7940040" cy="1844041"/>
           </a:xfrm>
         </p:spPr>
         <p:txBody>
@@ -5241,8 +7886,8 @@
         </p:blipFill>
         <p:spPr bwMode="auto">
           <a:xfrm>
-            <a:off x="1206818" y="3305449"/>
-            <a:ext cx="9113352" cy="1612590"/>
+            <a:off x="235645" y="3098202"/>
+            <a:ext cx="9555041" cy="1690746"/>
           </a:xfrm>
           <a:prstGeom prst="rect">
             <a:avLst/>
@@ -5289,114 +7934,6 @@
           <a:chExt cx="0" cy="0"/>
         </a:xfrm>
       </p:grpSpPr>
-      <p:pic>
-        <p:nvPicPr>
-          <p:cNvPr id="3" name="Picture 2">
-            <a:extLst>
-              <a:ext uri="{FF2B5EF4-FFF2-40B4-BE49-F238E27FC236}">
-                <a16:creationId xmlns:a16="http://schemas.microsoft.com/office/drawing/2014/main" id="{59BB65FF-942E-40AC-89B5-EB208C83A14B}"/>
-              </a:ext>
-            </a:extLst>
-          </p:cNvPr>
-          <p:cNvPicPr>
-            <a:picLocks noChangeAspect="1"/>
-          </p:cNvPicPr>
-          <p:nvPr/>
-        </p:nvPicPr>
-        <p:blipFill>
-          <a:blip r:embed="rId2">
-            <a:extLst>
-              <a:ext uri="{28A0092B-C50C-407E-A947-70E740481C1C}">
-                <a14:useLocalDpi xmlns:a14="http://schemas.microsoft.com/office/drawing/2010/main" val="0"/>
-              </a:ext>
-            </a:extLst>
-          </a:blip>
-          <a:stretch>
-            <a:fillRect/>
-          </a:stretch>
-        </p:blipFill>
-        <p:spPr>
-          <a:xfrm>
-            <a:off x="2648943" y="107577"/>
-            <a:ext cx="7244428" cy="4475182"/>
-          </a:xfrm>
-          <a:prstGeom prst="rect">
-            <a:avLst/>
-          </a:prstGeom>
-        </p:spPr>
-      </p:pic>
-      <p:pic>
-        <p:nvPicPr>
-          <p:cNvPr id="5" name="Picture 4">
-            <a:extLst>
-              <a:ext uri="{FF2B5EF4-FFF2-40B4-BE49-F238E27FC236}">
-                <a16:creationId xmlns:a16="http://schemas.microsoft.com/office/drawing/2014/main" id="{215021AF-E104-4569-AF46-D9AA0E6208A6}"/>
-              </a:ext>
-            </a:extLst>
-          </p:cNvPr>
-          <p:cNvPicPr>
-            <a:picLocks noChangeAspect="1"/>
-          </p:cNvPicPr>
-          <p:nvPr/>
-        </p:nvPicPr>
-        <p:blipFill>
-          <a:blip r:embed="rId3">
-            <a:extLst>
-              <a:ext uri="{BEBA8EAE-BF5A-486C-A8C5-ECC9F3942E4B}">
-                <a14:imgProps xmlns:a14="http://schemas.microsoft.com/office/drawing/2010/main">
-                  <a14:imgLayer r:embed="rId4">
-                    <a14:imgEffect>
-                      <a14:sharpenSoften amount="50000"/>
-                    </a14:imgEffect>
-                  </a14:imgLayer>
-                </a14:imgProps>
-              </a:ext>
-            </a:extLst>
-          </a:blip>
-          <a:stretch>
-            <a:fillRect/>
-          </a:stretch>
-        </p:blipFill>
-        <p:spPr>
-          <a:xfrm>
-            <a:off x="2491655" y="4700351"/>
-            <a:ext cx="7548205" cy="1932994"/>
-          </a:xfrm>
-          <a:prstGeom prst="rect">
-            <a:avLst/>
-          </a:prstGeom>
-        </p:spPr>
-      </p:pic>
-    </p:spTree>
-    <p:extLst>
-      <p:ext uri="{BB962C8B-B14F-4D97-AF65-F5344CB8AC3E}">
-        <p14:creationId xmlns:p14="http://schemas.microsoft.com/office/powerpoint/2010/main" val="4133245416"/>
-      </p:ext>
-    </p:extLst>
-  </p:cSld>
-  <p:clrMapOvr>
-    <a:masterClrMapping/>
-  </p:clrMapOvr>
-</p:sld>
-</file>
-
-<file path=ppt/slides/slide21.xml><?xml version="1.0" encoding="utf-8"?>
-<p:sld xmlns:a="http://schemas.openxmlformats.org/drawingml/2006/main" xmlns:r="http://schemas.openxmlformats.org/officeDocument/2006/relationships" xmlns:p="http://schemas.openxmlformats.org/presentationml/2006/main">
-  <p:cSld>
-    <p:spTree>
-      <p:nvGrpSpPr>
-        <p:cNvPr id="1" name=""/>
-        <p:cNvGrpSpPr/>
-        <p:nvPr/>
-      </p:nvGrpSpPr>
-      <p:grpSpPr>
-        <a:xfrm>
-          <a:off x="0" y="0"/>
-          <a:ext cx="0" cy="0"/>
-          <a:chOff x="0" y="0"/>
-          <a:chExt cx="0" cy="0"/>
-        </a:xfrm>
-      </p:grpSpPr>
       <p:sp>
         <p:nvSpPr>
           <p:cNvPr id="2" name="Title 1">
@@ -5480,7 +8017,7 @@
         <p:spPr>
           <a:xfrm>
             <a:off x="838200" y="69703"/>
-            <a:ext cx="10515600" cy="957239"/>
+            <a:ext cx="7348369" cy="957239"/>
           </a:xfrm>
         </p:spPr>
         <p:txBody>
@@ -5489,7 +8026,6 @@
           </a:bodyPr>
           <a:lstStyle/>
           <a:p>
-            <a:pPr algn="ctr"/>
             <a:r>
               <a:rPr lang="en-US" dirty="0"/>
               <a:t>Current and projected Global Spending on education</a:t>
@@ -5526,7 +8062,7 @@
         </p:blipFill>
         <p:spPr bwMode="auto">
           <a:xfrm>
-            <a:off x="1892105" y="1342634"/>
+            <a:off x="988462" y="1342634"/>
             <a:ext cx="7620000" cy="5276850"/>
           </a:xfrm>
           <a:prstGeom prst="rect">
@@ -5618,26 +8154,31 @@
             <p:ph idx="1"/>
           </p:nvPr>
         </p:nvSpPr>
-        <p:spPr/>
+        <p:spPr>
+          <a:xfrm>
+            <a:off x="677334" y="1665737"/>
+            <a:ext cx="8596668" cy="3880773"/>
+          </a:xfrm>
+        </p:spPr>
         <p:txBody>
           <a:bodyPr/>
           <a:lstStyle/>
           <a:p>
             <a:r>
-              <a:rPr lang="en-US" dirty="0"/>
+              <a:rPr lang="en-US" sz="2000" dirty="0"/>
               <a:t>Standards for Measuring performance</a:t>
             </a:r>
           </a:p>
           <a:p>
             <a:r>
-              <a:rPr lang="en-US" dirty="0"/>
+              <a:rPr lang="en-US" sz="2000" dirty="0"/>
               <a:t>Reliable data collecting agencies.</a:t>
             </a:r>
           </a:p>
           <a:p>
             <a:r>
-              <a:rPr lang="en-US" dirty="0"/>
-              <a:t>Benchmarking relative efficiencies in spending </a:t>
+              <a:rPr lang="en-US" sz="2000" dirty="0"/>
+              <a:t>Benchmarking relative performances and efficiencies in individual systems. </a:t>
             </a:r>
           </a:p>
           <a:p>
@@ -5719,32 +8260,39 @@
             <p:ph idx="1"/>
           </p:nvPr>
         </p:nvSpPr>
-        <p:spPr/>
-        <p:txBody>
-          <a:bodyPr/>
-          <a:lstStyle/>
-          <a:p>
-            <a:r>
-              <a:rPr lang="en-US" dirty="0"/>
+        <p:spPr>
+          <a:xfrm>
+            <a:off x="526727" y="1579676"/>
+            <a:ext cx="8596668" cy="3880773"/>
+          </a:xfrm>
+        </p:spPr>
+        <p:txBody>
+          <a:bodyPr>
+            <a:normAutofit/>
+          </a:bodyPr>
+          <a:lstStyle/>
+          <a:p>
+            <a:r>
+              <a:rPr lang="en-US" sz="2000" dirty="0"/>
               <a:t>Programme for International Student Assessment</a:t>
             </a:r>
           </a:p>
           <a:p>
             <a:r>
-              <a:rPr lang="en-US" dirty="0"/>
+              <a:rPr lang="en-US" sz="2000" dirty="0"/>
               <a:t>Measures 15 year old on performance in Science, Math and Reading.</a:t>
             </a:r>
           </a:p>
           <a:p>
             <a:pPr lvl="1"/>
             <a:r>
-              <a:rPr lang="en-US" dirty="0"/>
+              <a:rPr lang="en-US" sz="2000" dirty="0"/>
               <a:t>Every 3 years</a:t>
             </a:r>
           </a:p>
           <a:p>
             <a:r>
-              <a:rPr lang="en-US" dirty="0"/>
+              <a:rPr lang="en-US" sz="2000" dirty="0"/>
               <a:t> PISA has been performing these assessments since 2000 and published data is available to all countries.</a:t>
             </a:r>
           </a:p>
@@ -5824,39 +8372,46 @@
             <p:ph idx="1"/>
           </p:nvPr>
         </p:nvSpPr>
-        <p:spPr/>
-        <p:txBody>
-          <a:bodyPr/>
-          <a:lstStyle/>
-          <a:p>
-            <a:r>
-              <a:rPr lang="en-US" dirty="0"/>
+        <p:spPr>
+          <a:xfrm>
+            <a:off x="677334" y="1407553"/>
+            <a:ext cx="8596668" cy="3880773"/>
+          </a:xfrm>
+        </p:spPr>
+        <p:txBody>
+          <a:bodyPr>
+            <a:normAutofit/>
+          </a:bodyPr>
+          <a:lstStyle/>
+          <a:p>
+            <a:r>
+              <a:rPr lang="en-US" sz="2000" dirty="0"/>
               <a:t>Use the latest available PISA data (2015) to benchmark educational efficiencies of OECD countries.</a:t>
             </a:r>
           </a:p>
           <a:p>
             <a:r>
-              <a:rPr lang="en-US" dirty="0"/>
+              <a:rPr lang="en-US" sz="2000" dirty="0"/>
               <a:t>Extend efficiencies to determine how best to distribute additional money to improve overall performance.</a:t>
             </a:r>
           </a:p>
           <a:p>
             <a:r>
-              <a:rPr lang="en-US" dirty="0"/>
+              <a:rPr lang="en-US" sz="2000" dirty="0"/>
               <a:t>Technique Utilized for this project</a:t>
             </a:r>
           </a:p>
           <a:p>
             <a:pPr lvl="1"/>
             <a:r>
-              <a:rPr lang="en-US" dirty="0"/>
+              <a:rPr lang="en-US" sz="2000" dirty="0"/>
               <a:t>DEA</a:t>
             </a:r>
           </a:p>
           <a:p>
             <a:pPr lvl="1"/>
             <a:r>
-              <a:rPr lang="en-US" dirty="0"/>
+              <a:rPr lang="en-US" sz="2000" dirty="0"/>
               <a:t>Linear Programming with sensitivity Analysis</a:t>
             </a:r>
           </a:p>
@@ -5936,47 +8491,54 @@
             <p:ph idx="1"/>
           </p:nvPr>
         </p:nvSpPr>
-        <p:spPr/>
-        <p:txBody>
-          <a:bodyPr/>
-          <a:lstStyle/>
-          <a:p>
-            <a:r>
-              <a:rPr lang="en-US" dirty="0"/>
+        <p:spPr>
+          <a:xfrm>
+            <a:off x="559000" y="1488613"/>
+            <a:ext cx="8596668" cy="3880773"/>
+          </a:xfrm>
+        </p:spPr>
+        <p:txBody>
+          <a:bodyPr>
+            <a:normAutofit/>
+          </a:bodyPr>
+          <a:lstStyle/>
+          <a:p>
+            <a:r>
+              <a:rPr lang="en-US" sz="2000" dirty="0"/>
               <a:t>Single Output: </a:t>
             </a:r>
           </a:p>
           <a:p>
             <a:pPr lvl="1"/>
             <a:r>
-              <a:rPr lang="en-US" dirty="0"/>
+              <a:rPr lang="en-US" sz="2000" dirty="0"/>
               <a:t>Average PISA performance scores (Science, Reading and Mathematics.</a:t>
             </a:r>
           </a:p>
           <a:p>
             <a:pPr lvl="1"/>
             <a:r>
-              <a:rPr lang="en-US" dirty="0"/>
+              <a:rPr lang="en-US" sz="2000" dirty="0"/>
               <a:t>Total Spending per student in dollars.</a:t>
             </a:r>
           </a:p>
           <a:p>
             <a:r>
-              <a:rPr lang="en-US" dirty="0"/>
+              <a:rPr lang="en-US" sz="2000" dirty="0"/>
               <a:t>Multiple Output: </a:t>
             </a:r>
           </a:p>
           <a:p>
             <a:pPr lvl="1"/>
             <a:r>
-              <a:rPr lang="en-US" dirty="0"/>
+              <a:rPr lang="en-US" sz="2000" dirty="0"/>
               <a:t>Total Spending per student in dollars.</a:t>
             </a:r>
           </a:p>
           <a:p>
             <a:pPr lvl="1"/>
             <a:r>
-              <a:rPr lang="en-US" dirty="0"/>
+              <a:rPr lang="en-US" sz="2000" dirty="0"/>
               <a:t>Science, Reading and Mathematics</a:t>
             </a:r>
           </a:p>
@@ -6056,7 +8618,12 @@
             <p:ph idx="1"/>
           </p:nvPr>
         </p:nvSpPr>
-        <p:spPr/>
+        <p:spPr>
+          <a:xfrm>
+            <a:off x="677334" y="1665737"/>
+            <a:ext cx="8596668" cy="3880773"/>
+          </a:xfrm>
+        </p:spPr>
         <p:txBody>
           <a:bodyPr>
             <a:normAutofit/>
@@ -6064,13 +8631,13 @@
           <a:lstStyle/>
           <a:p>
             <a:r>
-              <a:rPr lang="en-US" dirty="0"/>
+              <a:rPr lang="en-US" sz="2000" dirty="0"/>
               <a:t>Output Oriented model.</a:t>
             </a:r>
           </a:p>
           <a:p>
             <a:r>
-              <a:rPr lang="en-US" dirty="0"/>
+              <a:rPr lang="en-US" sz="2000" dirty="0"/>
               <a:t>Variable returns to scale</a:t>
             </a:r>
           </a:p>
@@ -6137,7 +8704,7 @@
         </p:blipFill>
         <p:spPr>
           <a:xfrm>
-            <a:off x="3948503" y="3149302"/>
+            <a:off x="2668343" y="2901877"/>
             <a:ext cx="4829737" cy="2777099"/>
           </a:xfrm>
           <a:prstGeom prst="rect">
@@ -6230,7 +8797,7 @@
         </p:blipFill>
         <p:spPr>
           <a:xfrm>
-            <a:off x="1532684" y="1976549"/>
+            <a:off x="575253" y="1729123"/>
             <a:ext cx="8696325" cy="3571875"/>
           </a:xfrm>
           <a:prstGeom prst="rect">
@@ -6252,7 +8819,7 @@
 </file>
 
 <file path=ppt/theme/theme1.xml><?xml version="1.0" encoding="utf-8"?>
-<a:theme xmlns:a="http://schemas.openxmlformats.org/drawingml/2006/main" name="Office Theme">
+<a:theme xmlns:a="http://schemas.openxmlformats.org/drawingml/2006/main" name="Facet">
   <a:themeElements>
     <a:clrScheme name="Office">
       <a:dk1>
@@ -6292,22 +8859,22 @@
         <a:srgbClr val="954F72"/>
       </a:folHlink>
     </a:clrScheme>
-    <a:fontScheme name="Office">
+    <a:fontScheme name="Facet">
       <a:majorFont>
-        <a:latin typeface="Calibri Light" panose="020F0302020204030204"/>
+        <a:latin typeface="Trebuchet MS" panose="020B0603020202020204"/>
         <a:ea typeface=""/>
         <a:cs typeface=""/>
-        <a:font script="Jpan" typeface="游ゴシック Light"/>
+        <a:font script="Jpan" typeface="メイリオ"/>
         <a:font script="Hang" typeface="맑은 고딕"/>
-        <a:font script="Hans" typeface="等线 Light"/>
-        <a:font script="Hant" typeface="新細明體"/>
-        <a:font script="Arab" typeface="Times New Roman"/>
-        <a:font script="Hebr" typeface="Times New Roman"/>
-        <a:font script="Thai" typeface="Angsana New"/>
+        <a:font script="Hans" typeface="方正姚体"/>
+        <a:font script="Hant" typeface="微軟正黑體"/>
+        <a:font script="Arab" typeface="Tahoma"/>
+        <a:font script="Hebr" typeface="Arial"/>
+        <a:font script="Thai" typeface="Cordia New"/>
         <a:font script="Ethi" typeface="Nyala"/>
         <a:font script="Beng" typeface="Vrinda"/>
         <a:font script="Gujr" typeface="Shruti"/>
-        <a:font script="Khmr" typeface="MoolBoran"/>
+        <a:font script="Khmr" typeface="DaunPenh"/>
         <a:font script="Knda" typeface="Tunga"/>
         <a:font script="Guru" typeface="Raavi"/>
         <a:font script="Cans" typeface="Euphemia"/>
@@ -6324,38 +8891,21 @@
         <a:font script="Laoo" typeface="DokChampa"/>
         <a:font script="Sinh" typeface="Iskoola Pota"/>
         <a:font script="Mong" typeface="Mongolian Baiti"/>
-        <a:font script="Viet" typeface="Times New Roman"/>
+        <a:font script="Viet" typeface="Tahoma"/>
         <a:font script="Uigh" typeface="Microsoft Uighur"/>
         <a:font script="Geor" typeface="Sylfaen"/>
-        <a:font script="Armn" typeface="Arial"/>
-        <a:font script="Bugi" typeface="Leelawadee UI"/>
-        <a:font script="Bopo" typeface="Microsoft JhengHei"/>
-        <a:font script="Java" typeface="Javanese Text"/>
-        <a:font script="Lisu" typeface="Segoe UI"/>
-        <a:font script="Mymr" typeface="Myanmar Text"/>
-        <a:font script="Nkoo" typeface="Ebrima"/>
-        <a:font script="Olck" typeface="Nirmala UI"/>
-        <a:font script="Osma" typeface="Ebrima"/>
-        <a:font script="Phag" typeface="Phagspa"/>
-        <a:font script="Syrn" typeface="Estrangelo Edessa"/>
-        <a:font script="Syrj" typeface="Estrangelo Edessa"/>
-        <a:font script="Syre" typeface="Estrangelo Edessa"/>
-        <a:font script="Sora" typeface="Nirmala UI"/>
-        <a:font script="Tale" typeface="Microsoft Tai Le"/>
-        <a:font script="Talu" typeface="Microsoft New Tai Lue"/>
-        <a:font script="Tfng" typeface="Ebrima"/>
       </a:majorFont>
       <a:minorFont>
-        <a:latin typeface="Calibri" panose="020F0502020204030204"/>
+        <a:latin typeface="Trebuchet MS" panose="020B0603020202020204"/>
         <a:ea typeface=""/>
         <a:cs typeface=""/>
-        <a:font script="Jpan" typeface="游ゴシック"/>
-        <a:font script="Hang" typeface="맑은 고딕"/>
-        <a:font script="Hans" typeface="等线"/>
-        <a:font script="Hant" typeface="新細明體"/>
-        <a:font script="Arab" typeface="Arial"/>
-        <a:font script="Hebr" typeface="Arial"/>
-        <a:font script="Thai" typeface="Cordia New"/>
+        <a:font script="Jpan" typeface="メイリオ"/>
+        <a:font script="Hang" typeface="HY그래픽M"/>
+        <a:font script="Hans" typeface="华文新魏"/>
+        <a:font script="Hant" typeface="微軟正黑體"/>
+        <a:font script="Arab" typeface="Tahoma"/>
+        <a:font script="Hebr" typeface="Gisha"/>
+        <a:font script="Thai" typeface="IrisUPC"/>
         <a:font script="Ethi" typeface="Nyala"/>
         <a:font script="Beng" typeface="Vrinda"/>
         <a:font script="Gujr" typeface="Shruti"/>
@@ -6379,26 +8929,9 @@
         <a:font script="Viet" typeface="Arial"/>
         <a:font script="Uigh" typeface="Microsoft Uighur"/>
         <a:font script="Geor" typeface="Sylfaen"/>
-        <a:font script="Armn" typeface="Arial"/>
-        <a:font script="Bugi" typeface="Leelawadee UI"/>
-        <a:font script="Bopo" typeface="Microsoft JhengHei"/>
-        <a:font script="Java" typeface="Javanese Text"/>
-        <a:font script="Lisu" typeface="Segoe UI"/>
-        <a:font script="Mymr" typeface="Myanmar Text"/>
-        <a:font script="Nkoo" typeface="Ebrima"/>
-        <a:font script="Olck" typeface="Nirmala UI"/>
-        <a:font script="Osma" typeface="Ebrima"/>
-        <a:font script="Phag" typeface="Phagspa"/>
-        <a:font script="Syrn" typeface="Estrangelo Edessa"/>
-        <a:font script="Syrj" typeface="Estrangelo Edessa"/>
-        <a:font script="Syre" typeface="Estrangelo Edessa"/>
-        <a:font script="Sora" typeface="Nirmala UI"/>
-        <a:font script="Tale" typeface="Microsoft Tai Le"/>
-        <a:font script="Talu" typeface="Microsoft New Tai Lue"/>
-        <a:font script="Tfng" typeface="Ebrima"/>
       </a:minorFont>
     </a:fontScheme>
-    <a:fmtScheme name="Office">
+    <a:fmtScheme name="Facet">
       <a:fillStyleLst>
         <a:solidFill>
           <a:schemeClr val="phClr"/>
@@ -6407,23 +8940,13 @@
           <a:gsLst>
             <a:gs pos="0">
               <a:schemeClr val="phClr">
+                <a:tint val="65000"/>
                 <a:lumMod val="110000"/>
-                <a:satMod val="105000"/>
-                <a:tint val="67000"/>
               </a:schemeClr>
             </a:gs>
-            <a:gs pos="50000">
+            <a:gs pos="88000">
               <a:schemeClr val="phClr">
-                <a:lumMod val="105000"/>
-                <a:satMod val="103000"/>
-                <a:tint val="73000"/>
-              </a:schemeClr>
-            </a:gs>
-            <a:gs pos="100000">
-              <a:schemeClr val="phClr">
-                <a:lumMod val="105000"/>
-                <a:satMod val="109000"/>
-                <a:tint val="81000"/>
+                <a:tint val="90000"/>
               </a:schemeClr>
             </a:gs>
           </a:gsLst>
@@ -6433,23 +8956,14 @@
           <a:gsLst>
             <a:gs pos="0">
               <a:schemeClr val="phClr">
-                <a:satMod val="103000"/>
-                <a:lumMod val="102000"/>
-                <a:tint val="94000"/>
+                <a:tint val="96000"/>
+                <a:lumMod val="100000"/>
               </a:schemeClr>
             </a:gs>
-            <a:gs pos="50000">
+            <a:gs pos="78000">
               <a:schemeClr val="phClr">
-                <a:satMod val="110000"/>
-                <a:lumMod val="100000"/>
-                <a:shade val="100000"/>
-              </a:schemeClr>
-            </a:gs>
-            <a:gs pos="100000">
-              <a:schemeClr val="phClr">
-                <a:lumMod val="99000"/>
-                <a:satMod val="120000"/>
-                <a:shade val="78000"/>
+                <a:shade val="94000"/>
+                <a:lumMod val="94000"/>
               </a:schemeClr>
             </a:gs>
           </a:gsLst>
@@ -6457,26 +8971,23 @@
         </a:gradFill>
       </a:fillStyleLst>
       <a:lnStyleLst>
-        <a:ln w="6350" cap="flat" cmpd="sng" algn="ctr">
+        <a:ln w="12700" cap="rnd" cmpd="sng" algn="ctr">
           <a:solidFill>
             <a:schemeClr val="phClr"/>
           </a:solidFill>
           <a:prstDash val="solid"/>
-          <a:miter lim="800000"/>
         </a:ln>
-        <a:ln w="12700" cap="flat" cmpd="sng" algn="ctr">
+        <a:ln w="19050" cap="rnd" cmpd="sng" algn="ctr">
           <a:solidFill>
             <a:schemeClr val="phClr"/>
           </a:solidFill>
           <a:prstDash val="solid"/>
-          <a:miter lim="800000"/>
         </a:ln>
-        <a:ln w="19050" cap="flat" cmpd="sng" algn="ctr">
+        <a:ln w="25400" cap="rnd" cmpd="sng" algn="ctr">
           <a:solidFill>
             <a:schemeClr val="phClr"/>
           </a:solidFill>
           <a:prstDash val="solid"/>
-          <a:miter lim="800000"/>
         </a:ln>
       </a:lnStyleLst>
       <a:effectStyleLst>
@@ -6484,54 +8995,72 @@
           <a:effectLst/>
         </a:effectStyle>
         <a:effectStyle>
-          <a:effectLst/>
+          <a:effectLst>
+            <a:outerShdw blurRad="38100" dist="25400" dir="5400000" rotWithShape="0">
+              <a:srgbClr val="000000">
+                <a:alpha val="35000"/>
+              </a:srgbClr>
+            </a:outerShdw>
+          </a:effectLst>
         </a:effectStyle>
         <a:effectStyle>
           <a:effectLst>
-            <a:outerShdw blurRad="57150" dist="19050" dir="5400000" algn="ctr" rotWithShape="0">
+            <a:outerShdw blurRad="50800" dist="38100" dir="5400000" rotWithShape="0">
               <a:srgbClr val="000000">
-                <a:alpha val="63000"/>
+                <a:alpha val="35000"/>
               </a:srgbClr>
             </a:outerShdw>
           </a:effectLst>
+          <a:scene3d>
+            <a:camera prst="orthographicFront">
+              <a:rot lat="0" lon="0" rev="0"/>
+            </a:camera>
+            <a:lightRig rig="threePt" dir="tl"/>
+          </a:scene3d>
+          <a:sp3d prstMaterial="plastic">
+            <a:bevelT w="0" h="0"/>
+          </a:sp3d>
         </a:effectStyle>
       </a:effectStyleLst>
       <a:bgFillStyleLst>
         <a:solidFill>
           <a:schemeClr val="phClr"/>
         </a:solidFill>
-        <a:solidFill>
-          <a:schemeClr val="phClr">
-            <a:tint val="95000"/>
-            <a:satMod val="170000"/>
-          </a:schemeClr>
-        </a:solidFill>
         <a:gradFill rotWithShape="1">
           <a:gsLst>
             <a:gs pos="0">
               <a:schemeClr val="phClr">
-                <a:tint val="93000"/>
-                <a:satMod val="150000"/>
-                <a:shade val="98000"/>
-                <a:lumMod val="102000"/>
+                <a:tint val="90000"/>
+                <a:lumMod val="104000"/>
               </a:schemeClr>
             </a:gs>
-            <a:gs pos="50000">
+            <a:gs pos="94000">
               <a:schemeClr val="phClr">
-                <a:tint val="98000"/>
-                <a:satMod val="130000"/>
-                <a:shade val="90000"/>
-                <a:lumMod val="103000"/>
+                <a:shade val="96000"/>
+                <a:lumMod val="82000"/>
+              </a:schemeClr>
+            </a:gs>
+          </a:gsLst>
+          <a:lin ang="5400000" scaled="0"/>
+        </a:gradFill>
+        <a:gradFill rotWithShape="1">
+          <a:gsLst>
+            <a:gs pos="0">
+              <a:schemeClr val="phClr">
+                <a:tint val="90000"/>
+                <a:lumMod val="110000"/>
               </a:schemeClr>
             </a:gs>
             <a:gs pos="100000">
               <a:schemeClr val="phClr">
-                <a:shade val="63000"/>
-                <a:satMod val="120000"/>
+                <a:shade val="94000"/>
+                <a:lumMod val="96000"/>
               </a:schemeClr>
             </a:gs>
           </a:gsLst>
-          <a:lin ang="5400000" scaled="0"/>
+          <a:path path="circle">
+            <a:fillToRect l="50000" t="50000" r="100000" b="100000"/>
+          </a:path>
         </a:gradFill>
       </a:bgFillStyleLst>
     </a:fmtScheme>
@@ -6540,7 +9069,7 @@
   <a:extraClrSchemeLst/>
   <a:extLst>
     <a:ext uri="{05A4C25C-085E-4340-85A3-A5531E510DB2}">
-      <thm15:themeFamily xmlns:thm15="http://schemas.microsoft.com/office/thememl/2012/main" name="Office Theme" id="{62F939B6-93AF-4DB8-9C6B-D6C7DFDC589F}" vid="{4A3C46E8-61CC-4603-A589-7422A47A8E4A}"/>
+      <thm15:themeFamily xmlns:thm15="http://schemas.microsoft.com/office/thememl/2012/main" name="Facet" id="{C0C680CD-088A-49FC-A102-D699147F32B2}" vid="{CFBC31BA-B70F-4F30-BCAA-4F3011E16C4D}"/>
     </a:ext>
   </a:extLst>
 </a:theme>
